--- a/source/ppt/postgresql.pptx
+++ b/source/ppt/postgresql.pptx
@@ -6,6 +6,7 @@
   </p:sldMasterIdLst>
   <p:sldIdLst>
     <p:sldId id="256" r:id="rId2"/>
+    <p:sldId id="257" r:id="rId3"/>
   </p:sldIdLst>
   <p:sldSz cx="12192000" cy="6858000"/>
   <p:notesSz cx="6858000" cy="9144000"/>
@@ -259,7 +260,7 @@
           <a:p>
             <a:fld id="{6DE1A611-D6DF-4801-8173-DB5B82166BEB}" type="datetimeFigureOut">
               <a:rPr lang="zh-CN" altLang="en-US" smtClean="0"/>
-              <a:t>2023/5/15</a:t>
+              <a:t>2023/5/16</a:t>
             </a:fld>
             <a:endParaRPr lang="zh-CN" altLang="en-US"/>
           </a:p>
@@ -457,7 +458,7 @@
           <a:p>
             <a:fld id="{6DE1A611-D6DF-4801-8173-DB5B82166BEB}" type="datetimeFigureOut">
               <a:rPr lang="zh-CN" altLang="en-US" smtClean="0"/>
-              <a:t>2023/5/15</a:t>
+              <a:t>2023/5/16</a:t>
             </a:fld>
             <a:endParaRPr lang="zh-CN" altLang="en-US"/>
           </a:p>
@@ -665,7 +666,7 @@
           <a:p>
             <a:fld id="{6DE1A611-D6DF-4801-8173-DB5B82166BEB}" type="datetimeFigureOut">
               <a:rPr lang="zh-CN" altLang="en-US" smtClean="0"/>
-              <a:t>2023/5/15</a:t>
+              <a:t>2023/5/16</a:t>
             </a:fld>
             <a:endParaRPr lang="zh-CN" altLang="en-US"/>
           </a:p>
@@ -863,7 +864,7 @@
           <a:p>
             <a:fld id="{6DE1A611-D6DF-4801-8173-DB5B82166BEB}" type="datetimeFigureOut">
               <a:rPr lang="zh-CN" altLang="en-US" smtClean="0"/>
-              <a:t>2023/5/15</a:t>
+              <a:t>2023/5/16</a:t>
             </a:fld>
             <a:endParaRPr lang="zh-CN" altLang="en-US"/>
           </a:p>
@@ -1138,7 +1139,7 @@
           <a:p>
             <a:fld id="{6DE1A611-D6DF-4801-8173-DB5B82166BEB}" type="datetimeFigureOut">
               <a:rPr lang="zh-CN" altLang="en-US" smtClean="0"/>
-              <a:t>2023/5/15</a:t>
+              <a:t>2023/5/16</a:t>
             </a:fld>
             <a:endParaRPr lang="zh-CN" altLang="en-US"/>
           </a:p>
@@ -1403,7 +1404,7 @@
           <a:p>
             <a:fld id="{6DE1A611-D6DF-4801-8173-DB5B82166BEB}" type="datetimeFigureOut">
               <a:rPr lang="zh-CN" altLang="en-US" smtClean="0"/>
-              <a:t>2023/5/15</a:t>
+              <a:t>2023/5/16</a:t>
             </a:fld>
             <a:endParaRPr lang="zh-CN" altLang="en-US"/>
           </a:p>
@@ -1815,7 +1816,7 @@
           <a:p>
             <a:fld id="{6DE1A611-D6DF-4801-8173-DB5B82166BEB}" type="datetimeFigureOut">
               <a:rPr lang="zh-CN" altLang="en-US" smtClean="0"/>
-              <a:t>2023/5/15</a:t>
+              <a:t>2023/5/16</a:t>
             </a:fld>
             <a:endParaRPr lang="zh-CN" altLang="en-US"/>
           </a:p>
@@ -1956,7 +1957,7 @@
           <a:p>
             <a:fld id="{6DE1A611-D6DF-4801-8173-DB5B82166BEB}" type="datetimeFigureOut">
               <a:rPr lang="zh-CN" altLang="en-US" smtClean="0"/>
-              <a:t>2023/5/15</a:t>
+              <a:t>2023/5/16</a:t>
             </a:fld>
             <a:endParaRPr lang="zh-CN" altLang="en-US"/>
           </a:p>
@@ -2069,7 +2070,7 @@
           <a:p>
             <a:fld id="{6DE1A611-D6DF-4801-8173-DB5B82166BEB}" type="datetimeFigureOut">
               <a:rPr lang="zh-CN" altLang="en-US" smtClean="0"/>
-              <a:t>2023/5/15</a:t>
+              <a:t>2023/5/16</a:t>
             </a:fld>
             <a:endParaRPr lang="zh-CN" altLang="en-US"/>
           </a:p>
@@ -2380,7 +2381,7 @@
           <a:p>
             <a:fld id="{6DE1A611-D6DF-4801-8173-DB5B82166BEB}" type="datetimeFigureOut">
               <a:rPr lang="zh-CN" altLang="en-US" smtClean="0"/>
-              <a:t>2023/5/15</a:t>
+              <a:t>2023/5/16</a:t>
             </a:fld>
             <a:endParaRPr lang="zh-CN" altLang="en-US"/>
           </a:p>
@@ -2668,7 +2669,7 @@
           <a:p>
             <a:fld id="{6DE1A611-D6DF-4801-8173-DB5B82166BEB}" type="datetimeFigureOut">
               <a:rPr lang="zh-CN" altLang="en-US" smtClean="0"/>
-              <a:t>2023/5/15</a:t>
+              <a:t>2023/5/16</a:t>
             </a:fld>
             <a:endParaRPr lang="zh-CN" altLang="en-US"/>
           </a:p>
@@ -2909,7 +2910,7 @@
           <a:p>
             <a:fld id="{6DE1A611-D6DF-4801-8173-DB5B82166BEB}" type="datetimeFigureOut">
               <a:rPr lang="zh-CN" altLang="en-US" smtClean="0"/>
-              <a:t>2023/5/15</a:t>
+              <a:t>2023/5/16</a:t>
             </a:fld>
             <a:endParaRPr lang="zh-CN" altLang="en-US"/>
           </a:p>
@@ -4540,10 +4541,1774 @@
           </a:p>
         </p:txBody>
       </p:sp>
+      <p:sp>
+        <p:nvSpPr>
+          <p:cNvPr id="10" name="文本框 9">
+            <a:extLst>
+              <a:ext uri="{FF2B5EF4-FFF2-40B4-BE49-F238E27FC236}">
+                <a16:creationId xmlns:a16="http://schemas.microsoft.com/office/drawing/2014/main" id="{82E2135B-5301-20CF-5E25-DDFC097CE7DE}"/>
+              </a:ext>
+            </a:extLst>
+          </p:cNvPr>
+          <p:cNvSpPr txBox="1"/>
+          <p:nvPr/>
+        </p:nvSpPr>
+        <p:spPr>
+          <a:xfrm>
+            <a:off x="0" y="56948"/>
+            <a:ext cx="1333240" cy="276999"/>
+          </a:xfrm>
+          <a:prstGeom prst="rect">
+            <a:avLst/>
+          </a:prstGeom>
+          <a:noFill/>
+        </p:spPr>
+        <p:txBody>
+          <a:bodyPr wrap="square" rtlCol="0">
+            <a:spAutoFit/>
+          </a:bodyPr>
+          <a:lstStyle/>
+          <a:p>
+            <a:r>
+              <a:rPr lang="zh-CN" altLang="en-US" sz="1200"/>
+              <a:t>进程架构</a:t>
+            </a:r>
+          </a:p>
+        </p:txBody>
+      </p:sp>
     </p:spTree>
     <p:extLst>
       <p:ext uri="{BB962C8B-B14F-4D97-AF65-F5344CB8AC3E}">
         <p14:creationId xmlns:p14="http://schemas.microsoft.com/office/powerpoint/2010/main" val="1288364683"/>
+      </p:ext>
+    </p:extLst>
+  </p:cSld>
+  <p:clrMapOvr>
+    <a:masterClrMapping/>
+  </p:clrMapOvr>
+</p:sld>
+</file>
+
+<file path=ppt/slides/slide2.xml><?xml version="1.0" encoding="utf-8"?>
+<p:sld xmlns:a="http://schemas.openxmlformats.org/drawingml/2006/main" xmlns:r="http://schemas.openxmlformats.org/officeDocument/2006/relationships" xmlns:p="http://schemas.openxmlformats.org/presentationml/2006/main">
+  <p:cSld>
+    <p:spTree>
+      <p:nvGrpSpPr>
+        <p:cNvPr id="1" name=""/>
+        <p:cNvGrpSpPr/>
+        <p:nvPr/>
+      </p:nvGrpSpPr>
+      <p:grpSpPr>
+        <a:xfrm>
+          <a:off x="0" y="0"/>
+          <a:ext cx="0" cy="0"/>
+          <a:chOff x="0" y="0"/>
+          <a:chExt cx="0" cy="0"/>
+        </a:xfrm>
+      </p:grpSpPr>
+      <p:sp>
+        <p:nvSpPr>
+          <p:cNvPr id="2" name="文本框 1">
+            <a:extLst>
+              <a:ext uri="{FF2B5EF4-FFF2-40B4-BE49-F238E27FC236}">
+                <a16:creationId xmlns:a16="http://schemas.microsoft.com/office/drawing/2014/main" id="{433F9832-0B69-B0F4-4E33-A05F5D3515BB}"/>
+              </a:ext>
+            </a:extLst>
+          </p:cNvPr>
+          <p:cNvSpPr txBox="1"/>
+          <p:nvPr/>
+        </p:nvSpPr>
+        <p:spPr>
+          <a:xfrm>
+            <a:off x="0" y="56948"/>
+            <a:ext cx="1333240" cy="276999"/>
+          </a:xfrm>
+          <a:prstGeom prst="rect">
+            <a:avLst/>
+          </a:prstGeom>
+          <a:noFill/>
+        </p:spPr>
+        <p:txBody>
+          <a:bodyPr wrap="square" rtlCol="0">
+            <a:spAutoFit/>
+          </a:bodyPr>
+          <a:lstStyle/>
+          <a:p>
+            <a:r>
+              <a:rPr lang="zh-CN" altLang="en-US" sz="1200"/>
+              <a:t>共享缓冲池</a:t>
+            </a:r>
+          </a:p>
+        </p:txBody>
+      </p:sp>
+      <p:graphicFrame>
+        <p:nvGraphicFramePr>
+          <p:cNvPr id="3" name="表格 3">
+            <a:extLst>
+              <a:ext uri="{FF2B5EF4-FFF2-40B4-BE49-F238E27FC236}">
+                <a16:creationId xmlns:a16="http://schemas.microsoft.com/office/drawing/2014/main" id="{229601BF-DB57-B9D7-B28D-ECB1DF821C40}"/>
+              </a:ext>
+            </a:extLst>
+          </p:cNvPr>
+          <p:cNvGraphicFramePr>
+            <a:graphicFrameLocks noGrp="1"/>
+          </p:cNvGraphicFramePr>
+          <p:nvPr>
+            <p:extLst>
+              <p:ext uri="{D42A27DB-BD31-4B8C-83A1-F6EECF244321}">
+                <p14:modId xmlns:p14="http://schemas.microsoft.com/office/powerpoint/2010/main" val="907748499"/>
+              </p:ext>
+            </p:extLst>
+          </p:nvPr>
+        </p:nvGraphicFramePr>
+        <p:xfrm>
+          <a:off x="1987452" y="3275840"/>
+          <a:ext cx="888826" cy="1313280"/>
+        </p:xfrm>
+        <a:graphic>
+          <a:graphicData uri="http://schemas.openxmlformats.org/drawingml/2006/table">
+            <a:tbl>
+              <a:tblPr firstRow="1" bandRow="1">
+                <a:tableStyleId>{5940675A-B579-460E-94D1-54222C63F5DA}</a:tableStyleId>
+              </a:tblPr>
+              <a:tblGrid>
+                <a:gridCol w="444413">
+                  <a:extLst>
+                    <a:ext uri="{9D8B030D-6E8A-4147-A177-3AD203B41FA5}">
+                      <a16:colId xmlns:a16="http://schemas.microsoft.com/office/drawing/2014/main" val="174649959"/>
+                    </a:ext>
+                  </a:extLst>
+                </a:gridCol>
+                <a:gridCol w="444413">
+                  <a:extLst>
+                    <a:ext uri="{9D8B030D-6E8A-4147-A177-3AD203B41FA5}">
+                      <a16:colId xmlns:a16="http://schemas.microsoft.com/office/drawing/2014/main" val="3270023902"/>
+                    </a:ext>
+                  </a:extLst>
+                </a:gridCol>
+              </a:tblGrid>
+              <a:tr h="111037">
+                <a:tc>
+                  <a:txBody>
+                    <a:bodyPr/>
+                    <a:lstStyle/>
+                    <a:p>
+                      <a:pPr algn="ctr"/>
+                      <a:r>
+                        <a:rPr lang="en-US" altLang="zh-CN" sz="1200"/>
+                        <a:t>key</a:t>
+                      </a:r>
+                      <a:endParaRPr lang="zh-CN" altLang="en-US" sz="1200"/>
+                    </a:p>
+                  </a:txBody>
+                  <a:tcPr marL="18000" marR="18000" marT="18000" marB="18000">
+                    <a:solidFill>
+                      <a:schemeClr val="bg1">
+                        <a:lumMod val="85000"/>
+                      </a:schemeClr>
+                    </a:solidFill>
+                  </a:tcPr>
+                </a:tc>
+                <a:tc>
+                  <a:txBody>
+                    <a:bodyPr/>
+                    <a:lstStyle/>
+                    <a:p>
+                      <a:pPr algn="ctr"/>
+                      <a:r>
+                        <a:rPr lang="en-US" altLang="zh-CN" sz="1200"/>
+                        <a:t>value</a:t>
+                      </a:r>
+                      <a:endParaRPr lang="zh-CN" altLang="en-US" sz="1200"/>
+                    </a:p>
+                  </a:txBody>
+                  <a:tcPr marL="18000" marR="18000" marT="18000" marB="18000">
+                    <a:solidFill>
+                      <a:schemeClr val="bg1">
+                        <a:lumMod val="85000"/>
+                      </a:schemeClr>
+                    </a:solidFill>
+                  </a:tcPr>
+                </a:tc>
+                <a:extLst>
+                  <a:ext uri="{0D108BD9-81ED-4DB2-BD59-A6C34878D82A}">
+                    <a16:rowId xmlns:a16="http://schemas.microsoft.com/office/drawing/2014/main" val="2949362503"/>
+                  </a:ext>
+                </a:extLst>
+              </a:tr>
+              <a:tr h="111037">
+                <a:tc>
+                  <a:txBody>
+                    <a:bodyPr/>
+                    <a:lstStyle/>
+                    <a:p>
+                      <a:r>
+                        <a:rPr lang="en-US" altLang="zh-CN" sz="1200"/>
+                        <a:t>1</a:t>
+                      </a:r>
+                      <a:endParaRPr lang="zh-CN" altLang="en-US" sz="1200"/>
+                    </a:p>
+                  </a:txBody>
+                  <a:tcPr marL="18000" marR="18000" marT="18000" marB="18000"/>
+                </a:tc>
+                <a:tc>
+                  <a:txBody>
+                    <a:bodyPr/>
+                    <a:lstStyle/>
+                    <a:p>
+                      <a:r>
+                        <a:rPr lang="en-US" altLang="zh-CN" sz="1200"/>
+                        <a:t>567</a:t>
+                      </a:r>
+                      <a:endParaRPr lang="zh-CN" altLang="en-US" sz="1200"/>
+                    </a:p>
+                  </a:txBody>
+                  <a:tcPr marL="18000" marR="18000" marT="18000" marB="18000"/>
+                </a:tc>
+                <a:extLst>
+                  <a:ext uri="{0D108BD9-81ED-4DB2-BD59-A6C34878D82A}">
+                    <a16:rowId xmlns:a16="http://schemas.microsoft.com/office/drawing/2014/main" val="1409621131"/>
+                  </a:ext>
+                </a:extLst>
+              </a:tr>
+              <a:tr h="111037">
+                <a:tc>
+                  <a:txBody>
+                    <a:bodyPr/>
+                    <a:lstStyle/>
+                    <a:p>
+                      <a:r>
+                        <a:rPr lang="en-US" altLang="zh-CN" sz="1200"/>
+                        <a:t>2</a:t>
+                      </a:r>
+                      <a:endParaRPr lang="zh-CN" altLang="en-US" sz="1200"/>
+                    </a:p>
+                  </a:txBody>
+                  <a:tcPr marL="18000" marR="18000" marT="18000" marB="18000"/>
+                </a:tc>
+                <a:tc>
+                  <a:txBody>
+                    <a:bodyPr/>
+                    <a:lstStyle/>
+                    <a:p>
+                      <a:r>
+                        <a:rPr lang="en-US" altLang="zh-CN" sz="1200"/>
+                        <a:t>12</a:t>
+                      </a:r>
+                      <a:endParaRPr lang="zh-CN" altLang="en-US" sz="1200"/>
+                    </a:p>
+                  </a:txBody>
+                  <a:tcPr marL="18000" marR="18000" marT="18000" marB="18000"/>
+                </a:tc>
+                <a:extLst>
+                  <a:ext uri="{0D108BD9-81ED-4DB2-BD59-A6C34878D82A}">
+                    <a16:rowId xmlns:a16="http://schemas.microsoft.com/office/drawing/2014/main" val="3417182335"/>
+                  </a:ext>
+                </a:extLst>
+              </a:tr>
+              <a:tr h="111037">
+                <a:tc>
+                  <a:txBody>
+                    <a:bodyPr/>
+                    <a:lstStyle/>
+                    <a:p>
+                      <a:r>
+                        <a:rPr lang="en-US" altLang="zh-CN" sz="1200"/>
+                        <a:t>3</a:t>
+                      </a:r>
+                      <a:endParaRPr lang="zh-CN" altLang="en-US" sz="1200"/>
+                    </a:p>
+                  </a:txBody>
+                  <a:tcPr marL="18000" marR="18000" marT="18000" marB="18000"/>
+                </a:tc>
+                <a:tc>
+                  <a:txBody>
+                    <a:bodyPr/>
+                    <a:lstStyle/>
+                    <a:p>
+                      <a:r>
+                        <a:rPr lang="en-US" altLang="zh-CN" sz="1200"/>
+                        <a:t>89</a:t>
+                      </a:r>
+                      <a:endParaRPr lang="zh-CN" altLang="en-US" sz="1200"/>
+                    </a:p>
+                  </a:txBody>
+                  <a:tcPr marL="18000" marR="18000" marT="18000" marB="18000"/>
+                </a:tc>
+                <a:extLst>
+                  <a:ext uri="{0D108BD9-81ED-4DB2-BD59-A6C34878D82A}">
+                    <a16:rowId xmlns:a16="http://schemas.microsoft.com/office/drawing/2014/main" val="2116486963"/>
+                  </a:ext>
+                </a:extLst>
+              </a:tr>
+              <a:tr h="111037">
+                <a:tc>
+                  <a:txBody>
+                    <a:bodyPr/>
+                    <a:lstStyle/>
+                    <a:p>
+                      <a:r>
+                        <a:rPr lang="en-US" altLang="zh-CN" sz="1200"/>
+                        <a:t>...</a:t>
+                      </a:r>
+                      <a:endParaRPr lang="zh-CN" altLang="en-US" sz="1200"/>
+                    </a:p>
+                  </a:txBody>
+                  <a:tcPr marL="18000" marR="18000" marT="18000" marB="18000"/>
+                </a:tc>
+                <a:tc>
+                  <a:txBody>
+                    <a:bodyPr/>
+                    <a:lstStyle/>
+                    <a:p>
+                      <a:r>
+                        <a:rPr lang="en-US" altLang="zh-CN" sz="1200"/>
+                        <a:t>...</a:t>
+                      </a:r>
+                      <a:endParaRPr lang="zh-CN" altLang="en-US" sz="1200"/>
+                    </a:p>
+                  </a:txBody>
+                  <a:tcPr marL="18000" marR="18000" marT="18000" marB="18000"/>
+                </a:tc>
+                <a:extLst>
+                  <a:ext uri="{0D108BD9-81ED-4DB2-BD59-A6C34878D82A}">
+                    <a16:rowId xmlns:a16="http://schemas.microsoft.com/office/drawing/2014/main" val="2759445214"/>
+                  </a:ext>
+                </a:extLst>
+              </a:tr>
+              <a:tr h="111037">
+                <a:tc>
+                  <a:txBody>
+                    <a:bodyPr/>
+                    <a:lstStyle/>
+                    <a:p>
+                      <a:r>
+                        <a:rPr lang="en-US" altLang="zh-CN" sz="1200"/>
+                        <a:t>128</a:t>
+                      </a:r>
+                      <a:endParaRPr lang="zh-CN" altLang="en-US" sz="1200"/>
+                    </a:p>
+                  </a:txBody>
+                  <a:tcPr marL="18000" marR="18000" marT="18000" marB="18000"/>
+                </a:tc>
+                <a:tc>
+                  <a:txBody>
+                    <a:bodyPr/>
+                    <a:lstStyle/>
+                    <a:p>
+                      <a:r>
+                        <a:rPr lang="en-US" altLang="zh-CN" sz="1200"/>
+                        <a:t>...</a:t>
+                      </a:r>
+                      <a:endParaRPr lang="zh-CN" altLang="en-US" sz="1200"/>
+                    </a:p>
+                  </a:txBody>
+                  <a:tcPr marL="18000" marR="18000" marT="18000" marB="18000"/>
+                </a:tc>
+                <a:extLst>
+                  <a:ext uri="{0D108BD9-81ED-4DB2-BD59-A6C34878D82A}">
+                    <a16:rowId xmlns:a16="http://schemas.microsoft.com/office/drawing/2014/main" val="832205179"/>
+                  </a:ext>
+                </a:extLst>
+              </a:tr>
+            </a:tbl>
+          </a:graphicData>
+        </a:graphic>
+      </p:graphicFrame>
+      <p:graphicFrame>
+        <p:nvGraphicFramePr>
+          <p:cNvPr id="4" name="表格 3">
+            <a:extLst>
+              <a:ext uri="{FF2B5EF4-FFF2-40B4-BE49-F238E27FC236}">
+                <a16:creationId xmlns:a16="http://schemas.microsoft.com/office/drawing/2014/main" id="{D1205960-1D6B-9EC1-712C-3FE34221181B}"/>
+              </a:ext>
+            </a:extLst>
+          </p:cNvPr>
+          <p:cNvGraphicFramePr>
+            <a:graphicFrameLocks noGrp="1"/>
+          </p:cNvGraphicFramePr>
+          <p:nvPr>
+            <p:extLst>
+              <p:ext uri="{D42A27DB-BD31-4B8C-83A1-F6EECF244321}">
+                <p14:modId xmlns:p14="http://schemas.microsoft.com/office/powerpoint/2010/main" val="3169485110"/>
+              </p:ext>
+            </p:extLst>
+          </p:nvPr>
+        </p:nvGraphicFramePr>
+        <p:xfrm>
+          <a:off x="4380801" y="3017654"/>
+          <a:ext cx="1057974" cy="1751040"/>
+        </p:xfrm>
+        <a:graphic>
+          <a:graphicData uri="http://schemas.openxmlformats.org/drawingml/2006/table">
+            <a:tbl>
+              <a:tblPr firstRow="1" bandRow="1">
+                <a:tableStyleId>{5940675A-B579-460E-94D1-54222C63F5DA}</a:tableStyleId>
+              </a:tblPr>
+              <a:tblGrid>
+                <a:gridCol w="400050">
+                  <a:extLst>
+                    <a:ext uri="{9D8B030D-6E8A-4147-A177-3AD203B41FA5}">
+                      <a16:colId xmlns:a16="http://schemas.microsoft.com/office/drawing/2014/main" val="174649959"/>
+                    </a:ext>
+                  </a:extLst>
+                </a:gridCol>
+                <a:gridCol w="657924">
+                  <a:extLst>
+                    <a:ext uri="{9D8B030D-6E8A-4147-A177-3AD203B41FA5}">
+                      <a16:colId xmlns:a16="http://schemas.microsoft.com/office/drawing/2014/main" val="3270023902"/>
+                    </a:ext>
+                  </a:extLst>
+                </a:gridCol>
+              </a:tblGrid>
+              <a:tr h="111037">
+                <a:tc>
+                  <a:txBody>
+                    <a:bodyPr/>
+                    <a:lstStyle/>
+                    <a:p>
+                      <a:pPr algn="ctr"/>
+                      <a:r>
+                        <a:rPr lang="en-US" altLang="zh-CN" sz="1200"/>
+                        <a:t>index</a:t>
+                      </a:r>
+                      <a:endParaRPr lang="zh-CN" altLang="en-US" sz="1200"/>
+                    </a:p>
+                  </a:txBody>
+                  <a:tcPr marL="18000" marR="18000" marT="18000" marB="18000">
+                    <a:solidFill>
+                      <a:schemeClr val="bg1">
+                        <a:lumMod val="85000"/>
+                      </a:schemeClr>
+                    </a:solidFill>
+                  </a:tcPr>
+                </a:tc>
+                <a:tc>
+                  <a:txBody>
+                    <a:bodyPr/>
+                    <a:lstStyle/>
+                    <a:p>
+                      <a:pPr algn="ctr"/>
+                      <a:r>
+                        <a:rPr lang="en-US" altLang="zh-CN" sz="1200"/>
+                        <a:t>value</a:t>
+                      </a:r>
+                      <a:endParaRPr lang="zh-CN" altLang="en-US" sz="1200"/>
+                    </a:p>
+                  </a:txBody>
+                  <a:tcPr marL="18000" marR="18000" marT="18000" marB="18000">
+                    <a:solidFill>
+                      <a:schemeClr val="bg1">
+                        <a:lumMod val="85000"/>
+                      </a:schemeClr>
+                    </a:solidFill>
+                  </a:tcPr>
+                </a:tc>
+                <a:extLst>
+                  <a:ext uri="{0D108BD9-81ED-4DB2-BD59-A6C34878D82A}">
+                    <a16:rowId xmlns:a16="http://schemas.microsoft.com/office/drawing/2014/main" val="1873389348"/>
+                  </a:ext>
+                </a:extLst>
+              </a:tr>
+              <a:tr h="111037">
+                <a:tc>
+                  <a:txBody>
+                    <a:bodyPr/>
+                    <a:lstStyle/>
+                    <a:p>
+                      <a:r>
+                        <a:rPr lang="en-US" altLang="zh-CN" sz="1200"/>
+                        <a:t>1</a:t>
+                      </a:r>
+                      <a:endParaRPr lang="zh-CN" altLang="en-US" sz="1200"/>
+                    </a:p>
+                  </a:txBody>
+                  <a:tcPr marL="18000" marR="18000" marT="18000" marB="18000"/>
+                </a:tc>
+                <a:tc>
+                  <a:txBody>
+                    <a:bodyPr/>
+                    <a:lstStyle/>
+                    <a:p>
+                      <a:r>
+                        <a:rPr lang="en-US" altLang="zh-CN" sz="1200"/>
+                        <a:t>{10, 3, ...}</a:t>
+                      </a:r>
+                      <a:endParaRPr lang="zh-CN" altLang="en-US" sz="1200"/>
+                    </a:p>
+                  </a:txBody>
+                  <a:tcPr marL="18000" marR="18000" marT="18000" marB="18000"/>
+                </a:tc>
+                <a:extLst>
+                  <a:ext uri="{0D108BD9-81ED-4DB2-BD59-A6C34878D82A}">
+                    <a16:rowId xmlns:a16="http://schemas.microsoft.com/office/drawing/2014/main" val="1409621131"/>
+                  </a:ext>
+                </a:extLst>
+              </a:tr>
+              <a:tr h="111037">
+                <a:tc>
+                  <a:txBody>
+                    <a:bodyPr/>
+                    <a:lstStyle/>
+                    <a:p>
+                      <a:r>
+                        <a:rPr lang="en-US" altLang="zh-CN" sz="1200"/>
+                        <a:t>2</a:t>
+                      </a:r>
+                      <a:endParaRPr lang="zh-CN" altLang="en-US" sz="1200"/>
+                    </a:p>
+                  </a:txBody>
+                  <a:tcPr marL="18000" marR="18000" marT="18000" marB="18000"/>
+                </a:tc>
+                <a:tc>
+                  <a:txBody>
+                    <a:bodyPr/>
+                    <a:lstStyle/>
+                    <a:p>
+                      <a:pPr marL="0" marR="0" lvl="0" indent="0" algn="l" defTabSz="914400" rtl="0" eaLnBrk="1" fontAlgn="auto" latinLnBrk="0" hangingPunct="1">
+                        <a:lnSpc>
+                          <a:spcPct val="100000"/>
+                        </a:lnSpc>
+                        <a:spcBef>
+                          <a:spcPts val="0"/>
+                        </a:spcBef>
+                        <a:spcAft>
+                          <a:spcPts val="0"/>
+                        </a:spcAft>
+                        <a:buClrTx/>
+                        <a:buSzTx/>
+                        <a:buFontTx/>
+                        <a:buNone/>
+                        <a:tabLst/>
+                        <a:defRPr/>
+                      </a:pPr>
+                      <a:r>
+                        <a:rPr lang="en-US" altLang="zh-CN" sz="1200"/>
+                        <a:t>{3, 1, ...}</a:t>
+                      </a:r>
+                      <a:endParaRPr lang="zh-CN" altLang="en-US" sz="1200"/>
+                    </a:p>
+                  </a:txBody>
+                  <a:tcPr marL="18000" marR="18000" marT="18000" marB="18000"/>
+                </a:tc>
+                <a:extLst>
+                  <a:ext uri="{0D108BD9-81ED-4DB2-BD59-A6C34878D82A}">
+                    <a16:rowId xmlns:a16="http://schemas.microsoft.com/office/drawing/2014/main" val="3417182335"/>
+                  </a:ext>
+                </a:extLst>
+              </a:tr>
+              <a:tr h="111037">
+                <a:tc>
+                  <a:txBody>
+                    <a:bodyPr/>
+                    <a:lstStyle/>
+                    <a:p>
+                      <a:r>
+                        <a:rPr lang="en-US" altLang="zh-CN" sz="1200"/>
+                        <a:t>3</a:t>
+                      </a:r>
+                      <a:endParaRPr lang="zh-CN" altLang="en-US" sz="1200"/>
+                    </a:p>
+                  </a:txBody>
+                  <a:tcPr marL="18000" marR="18000" marT="18000" marB="18000"/>
+                </a:tc>
+                <a:tc>
+                  <a:txBody>
+                    <a:bodyPr/>
+                    <a:lstStyle/>
+                    <a:p>
+                      <a:r>
+                        <a:rPr lang="en-US" altLang="zh-CN" sz="1200"/>
+                        <a:t>...</a:t>
+                      </a:r>
+                      <a:endParaRPr lang="zh-CN" altLang="en-US" sz="1200"/>
+                    </a:p>
+                  </a:txBody>
+                  <a:tcPr marL="18000" marR="18000" marT="18000" marB="18000"/>
+                </a:tc>
+                <a:extLst>
+                  <a:ext uri="{0D108BD9-81ED-4DB2-BD59-A6C34878D82A}">
+                    <a16:rowId xmlns:a16="http://schemas.microsoft.com/office/drawing/2014/main" val="2116486963"/>
+                  </a:ext>
+                </a:extLst>
+              </a:tr>
+              <a:tr h="111037">
+                <a:tc>
+                  <a:txBody>
+                    <a:bodyPr/>
+                    <a:lstStyle/>
+                    <a:p>
+                      <a:r>
+                        <a:rPr lang="en-US" altLang="zh-CN" sz="1200"/>
+                        <a:t>4</a:t>
+                      </a:r>
+                      <a:endParaRPr lang="zh-CN" altLang="en-US" sz="1200"/>
+                    </a:p>
+                  </a:txBody>
+                  <a:tcPr marL="18000" marR="18000" marT="18000" marB="18000"/>
+                </a:tc>
+                <a:tc>
+                  <a:txBody>
+                    <a:bodyPr/>
+                    <a:lstStyle/>
+                    <a:p>
+                      <a:r>
+                        <a:rPr lang="en-US" altLang="zh-CN" sz="1200"/>
+                        <a:t>...</a:t>
+                      </a:r>
+                      <a:endParaRPr lang="zh-CN" altLang="en-US" sz="1200"/>
+                    </a:p>
+                  </a:txBody>
+                  <a:tcPr marL="18000" marR="18000" marT="18000" marB="18000"/>
+                </a:tc>
+                <a:extLst>
+                  <a:ext uri="{0D108BD9-81ED-4DB2-BD59-A6C34878D82A}">
+                    <a16:rowId xmlns:a16="http://schemas.microsoft.com/office/drawing/2014/main" val="2759445214"/>
+                  </a:ext>
+                </a:extLst>
+              </a:tr>
+              <a:tr h="111037">
+                <a:tc>
+                  <a:txBody>
+                    <a:bodyPr/>
+                    <a:lstStyle/>
+                    <a:p>
+                      <a:r>
+                        <a:rPr lang="en-US" altLang="zh-CN" sz="1200"/>
+                        <a:t>5</a:t>
+                      </a:r>
+                      <a:endParaRPr lang="zh-CN" altLang="en-US" sz="1200"/>
+                    </a:p>
+                  </a:txBody>
+                  <a:tcPr marL="18000" marR="18000" marT="18000" marB="18000"/>
+                </a:tc>
+                <a:tc>
+                  <a:txBody>
+                    <a:bodyPr/>
+                    <a:lstStyle/>
+                    <a:p>
+                      <a:r>
+                        <a:rPr lang="en-US" altLang="zh-CN" sz="1200"/>
+                        <a:t>...</a:t>
+                      </a:r>
+                      <a:endParaRPr lang="zh-CN" altLang="en-US" sz="1200"/>
+                    </a:p>
+                  </a:txBody>
+                  <a:tcPr marL="18000" marR="18000" marT="18000" marB="18000"/>
+                </a:tc>
+                <a:extLst>
+                  <a:ext uri="{0D108BD9-81ED-4DB2-BD59-A6C34878D82A}">
+                    <a16:rowId xmlns:a16="http://schemas.microsoft.com/office/drawing/2014/main" val="832205179"/>
+                  </a:ext>
+                </a:extLst>
+              </a:tr>
+              <a:tr h="111037">
+                <a:tc>
+                  <a:txBody>
+                    <a:bodyPr/>
+                    <a:lstStyle/>
+                    <a:p>
+                      <a:r>
+                        <a:rPr lang="en-US" altLang="zh-CN" sz="1200"/>
+                        <a:t>...</a:t>
+                      </a:r>
+                      <a:endParaRPr lang="zh-CN" altLang="en-US" sz="1200"/>
+                    </a:p>
+                  </a:txBody>
+                  <a:tcPr marL="18000" marR="18000" marT="18000" marB="18000"/>
+                </a:tc>
+                <a:tc>
+                  <a:txBody>
+                    <a:bodyPr/>
+                    <a:lstStyle/>
+                    <a:p>
+                      <a:r>
+                        <a:rPr lang="en-US" altLang="zh-CN" sz="1200"/>
+                        <a:t>...</a:t>
+                      </a:r>
+                      <a:endParaRPr lang="zh-CN" altLang="en-US" sz="1200"/>
+                    </a:p>
+                  </a:txBody>
+                  <a:tcPr marL="18000" marR="18000" marT="18000" marB="18000"/>
+                </a:tc>
+                <a:extLst>
+                  <a:ext uri="{0D108BD9-81ED-4DB2-BD59-A6C34878D82A}">
+                    <a16:rowId xmlns:a16="http://schemas.microsoft.com/office/drawing/2014/main" val="4189517482"/>
+                  </a:ext>
+                </a:extLst>
+              </a:tr>
+              <a:tr h="111037">
+                <a:tc>
+                  <a:txBody>
+                    <a:bodyPr/>
+                    <a:lstStyle/>
+                    <a:p>
+                      <a:r>
+                        <a:rPr lang="en-US" altLang="zh-CN" sz="1200"/>
+                        <a:t>1000</a:t>
+                      </a:r>
+                      <a:endParaRPr lang="zh-CN" altLang="en-US" sz="1200"/>
+                    </a:p>
+                  </a:txBody>
+                  <a:tcPr marL="18000" marR="18000" marT="18000" marB="18000"/>
+                </a:tc>
+                <a:tc>
+                  <a:txBody>
+                    <a:bodyPr/>
+                    <a:lstStyle/>
+                    <a:p>
+                      <a:r>
+                        <a:rPr lang="en-US" altLang="zh-CN" sz="1200"/>
+                        <a:t>...</a:t>
+                      </a:r>
+                      <a:endParaRPr lang="zh-CN" altLang="en-US" sz="1200"/>
+                    </a:p>
+                  </a:txBody>
+                  <a:tcPr marL="18000" marR="18000" marT="18000" marB="18000"/>
+                </a:tc>
+                <a:extLst>
+                  <a:ext uri="{0D108BD9-81ED-4DB2-BD59-A6C34878D82A}">
+                    <a16:rowId xmlns:a16="http://schemas.microsoft.com/office/drawing/2014/main" val="3644968750"/>
+                  </a:ext>
+                </a:extLst>
+              </a:tr>
+            </a:tbl>
+          </a:graphicData>
+        </a:graphic>
+      </p:graphicFrame>
+      <p:graphicFrame>
+        <p:nvGraphicFramePr>
+          <p:cNvPr id="5" name="表格 4">
+            <a:extLst>
+              <a:ext uri="{FF2B5EF4-FFF2-40B4-BE49-F238E27FC236}">
+                <a16:creationId xmlns:a16="http://schemas.microsoft.com/office/drawing/2014/main" id="{67463F64-1ED1-6B1C-D240-753C5A96A9BA}"/>
+              </a:ext>
+            </a:extLst>
+          </p:cNvPr>
+          <p:cNvGraphicFramePr>
+            <a:graphicFrameLocks noGrp="1"/>
+          </p:cNvGraphicFramePr>
+          <p:nvPr>
+            <p:extLst>
+              <p:ext uri="{D42A27DB-BD31-4B8C-83A1-F6EECF244321}">
+                <p14:modId xmlns:p14="http://schemas.microsoft.com/office/powerpoint/2010/main" val="71759588"/>
+              </p:ext>
+            </p:extLst>
+          </p:nvPr>
+        </p:nvGraphicFramePr>
+        <p:xfrm>
+          <a:off x="6343318" y="3017654"/>
+          <a:ext cx="915988" cy="1751040"/>
+        </p:xfrm>
+        <a:graphic>
+          <a:graphicData uri="http://schemas.openxmlformats.org/drawingml/2006/table">
+            <a:tbl>
+              <a:tblPr firstRow="1" bandRow="1">
+                <a:tableStyleId>{5940675A-B579-460E-94D1-54222C63F5DA}</a:tableStyleId>
+              </a:tblPr>
+              <a:tblGrid>
+                <a:gridCol w="400050">
+                  <a:extLst>
+                    <a:ext uri="{9D8B030D-6E8A-4147-A177-3AD203B41FA5}">
+                      <a16:colId xmlns:a16="http://schemas.microsoft.com/office/drawing/2014/main" val="174649959"/>
+                    </a:ext>
+                  </a:extLst>
+                </a:gridCol>
+                <a:gridCol w="515938">
+                  <a:extLst>
+                    <a:ext uri="{9D8B030D-6E8A-4147-A177-3AD203B41FA5}">
+                      <a16:colId xmlns:a16="http://schemas.microsoft.com/office/drawing/2014/main" val="3270023902"/>
+                    </a:ext>
+                  </a:extLst>
+                </a:gridCol>
+              </a:tblGrid>
+              <a:tr h="111037">
+                <a:tc>
+                  <a:txBody>
+                    <a:bodyPr/>
+                    <a:lstStyle/>
+                    <a:p>
+                      <a:pPr algn="ctr"/>
+                      <a:r>
+                        <a:rPr lang="en-US" altLang="zh-CN" sz="1200"/>
+                        <a:t>index</a:t>
+                      </a:r>
+                      <a:endParaRPr lang="zh-CN" altLang="en-US" sz="1200"/>
+                    </a:p>
+                  </a:txBody>
+                  <a:tcPr marL="18000" marR="18000" marT="18000" marB="18000">
+                    <a:solidFill>
+                      <a:schemeClr val="bg1">
+                        <a:lumMod val="85000"/>
+                      </a:schemeClr>
+                    </a:solidFill>
+                  </a:tcPr>
+                </a:tc>
+                <a:tc>
+                  <a:txBody>
+                    <a:bodyPr/>
+                    <a:lstStyle/>
+                    <a:p>
+                      <a:pPr algn="ctr"/>
+                      <a:r>
+                        <a:rPr lang="en-US" altLang="zh-CN" sz="1200"/>
+                        <a:t>value</a:t>
+                      </a:r>
+                      <a:endParaRPr lang="zh-CN" altLang="en-US" sz="1200"/>
+                    </a:p>
+                  </a:txBody>
+                  <a:tcPr marL="18000" marR="18000" marT="18000" marB="18000">
+                    <a:solidFill>
+                      <a:schemeClr val="bg1">
+                        <a:lumMod val="85000"/>
+                      </a:schemeClr>
+                    </a:solidFill>
+                  </a:tcPr>
+                </a:tc>
+                <a:extLst>
+                  <a:ext uri="{0D108BD9-81ED-4DB2-BD59-A6C34878D82A}">
+                    <a16:rowId xmlns:a16="http://schemas.microsoft.com/office/drawing/2014/main" val="1873389348"/>
+                  </a:ext>
+                </a:extLst>
+              </a:tr>
+              <a:tr h="111037">
+                <a:tc>
+                  <a:txBody>
+                    <a:bodyPr/>
+                    <a:lstStyle/>
+                    <a:p>
+                      <a:r>
+                        <a:rPr lang="en-US" altLang="zh-CN" sz="1200"/>
+                        <a:t>1</a:t>
+                      </a:r>
+                      <a:endParaRPr lang="zh-CN" altLang="en-US" sz="1200"/>
+                    </a:p>
+                  </a:txBody>
+                  <a:tcPr marL="18000" marR="18000" marT="18000" marB="18000"/>
+                </a:tc>
+                <a:tc>
+                  <a:txBody>
+                    <a:bodyPr/>
+                    <a:lstStyle/>
+                    <a:p>
+                      <a:r>
+                        <a:rPr lang="en-US" altLang="zh-CN" sz="1200"/>
+                        <a:t>Page</a:t>
+                      </a:r>
+                      <a:endParaRPr lang="zh-CN" altLang="en-US" sz="1200"/>
+                    </a:p>
+                  </a:txBody>
+                  <a:tcPr marL="18000" marR="18000" marT="18000" marB="18000"/>
+                </a:tc>
+                <a:extLst>
+                  <a:ext uri="{0D108BD9-81ED-4DB2-BD59-A6C34878D82A}">
+                    <a16:rowId xmlns:a16="http://schemas.microsoft.com/office/drawing/2014/main" val="1409621131"/>
+                  </a:ext>
+                </a:extLst>
+              </a:tr>
+              <a:tr h="111037">
+                <a:tc>
+                  <a:txBody>
+                    <a:bodyPr/>
+                    <a:lstStyle/>
+                    <a:p>
+                      <a:r>
+                        <a:rPr lang="en-US" altLang="zh-CN" sz="1200"/>
+                        <a:t>2</a:t>
+                      </a:r>
+                      <a:endParaRPr lang="zh-CN" altLang="en-US" sz="1200"/>
+                    </a:p>
+                  </a:txBody>
+                  <a:tcPr marL="18000" marR="18000" marT="18000" marB="18000"/>
+                </a:tc>
+                <a:tc>
+                  <a:txBody>
+                    <a:bodyPr/>
+                    <a:lstStyle/>
+                    <a:p>
+                      <a:r>
+                        <a:rPr lang="en-US" altLang="zh-CN" sz="1200"/>
+                        <a:t>Page</a:t>
+                      </a:r>
+                      <a:endParaRPr lang="zh-CN" altLang="en-US" sz="1200"/>
+                    </a:p>
+                  </a:txBody>
+                  <a:tcPr marL="18000" marR="18000" marT="18000" marB="18000"/>
+                </a:tc>
+                <a:extLst>
+                  <a:ext uri="{0D108BD9-81ED-4DB2-BD59-A6C34878D82A}">
+                    <a16:rowId xmlns:a16="http://schemas.microsoft.com/office/drawing/2014/main" val="3417182335"/>
+                  </a:ext>
+                </a:extLst>
+              </a:tr>
+              <a:tr h="111037">
+                <a:tc>
+                  <a:txBody>
+                    <a:bodyPr/>
+                    <a:lstStyle/>
+                    <a:p>
+                      <a:r>
+                        <a:rPr lang="en-US" altLang="zh-CN" sz="1200"/>
+                        <a:t>3</a:t>
+                      </a:r>
+                      <a:endParaRPr lang="zh-CN" altLang="en-US" sz="1200"/>
+                    </a:p>
+                  </a:txBody>
+                  <a:tcPr marL="18000" marR="18000" marT="18000" marB="18000"/>
+                </a:tc>
+                <a:tc>
+                  <a:txBody>
+                    <a:bodyPr/>
+                    <a:lstStyle/>
+                    <a:p>
+                      <a:r>
+                        <a:rPr lang="en-US" altLang="zh-CN" sz="1200"/>
+                        <a:t>Page</a:t>
+                      </a:r>
+                      <a:endParaRPr lang="zh-CN" altLang="en-US" sz="1200"/>
+                    </a:p>
+                  </a:txBody>
+                  <a:tcPr marL="18000" marR="18000" marT="18000" marB="18000"/>
+                </a:tc>
+                <a:extLst>
+                  <a:ext uri="{0D108BD9-81ED-4DB2-BD59-A6C34878D82A}">
+                    <a16:rowId xmlns:a16="http://schemas.microsoft.com/office/drawing/2014/main" val="2116486963"/>
+                  </a:ext>
+                </a:extLst>
+              </a:tr>
+              <a:tr h="111037">
+                <a:tc>
+                  <a:txBody>
+                    <a:bodyPr/>
+                    <a:lstStyle/>
+                    <a:p>
+                      <a:r>
+                        <a:rPr lang="en-US" altLang="zh-CN" sz="1200"/>
+                        <a:t>4</a:t>
+                      </a:r>
+                      <a:endParaRPr lang="zh-CN" altLang="en-US" sz="1200"/>
+                    </a:p>
+                  </a:txBody>
+                  <a:tcPr marL="18000" marR="18000" marT="18000" marB="18000"/>
+                </a:tc>
+                <a:tc>
+                  <a:txBody>
+                    <a:bodyPr/>
+                    <a:lstStyle/>
+                    <a:p>
+                      <a:r>
+                        <a:rPr lang="en-US" altLang="zh-CN" sz="1200"/>
+                        <a:t>Page</a:t>
+                      </a:r>
+                      <a:endParaRPr lang="zh-CN" altLang="en-US" sz="1200"/>
+                    </a:p>
+                  </a:txBody>
+                  <a:tcPr marL="18000" marR="18000" marT="18000" marB="18000"/>
+                </a:tc>
+                <a:extLst>
+                  <a:ext uri="{0D108BD9-81ED-4DB2-BD59-A6C34878D82A}">
+                    <a16:rowId xmlns:a16="http://schemas.microsoft.com/office/drawing/2014/main" val="2759445214"/>
+                  </a:ext>
+                </a:extLst>
+              </a:tr>
+              <a:tr h="111037">
+                <a:tc>
+                  <a:txBody>
+                    <a:bodyPr/>
+                    <a:lstStyle/>
+                    <a:p>
+                      <a:r>
+                        <a:rPr lang="en-US" altLang="zh-CN" sz="1200"/>
+                        <a:t>5</a:t>
+                      </a:r>
+                      <a:endParaRPr lang="zh-CN" altLang="en-US" sz="1200"/>
+                    </a:p>
+                  </a:txBody>
+                  <a:tcPr marL="18000" marR="18000" marT="18000" marB="18000"/>
+                </a:tc>
+                <a:tc>
+                  <a:txBody>
+                    <a:bodyPr/>
+                    <a:lstStyle/>
+                    <a:p>
+                      <a:r>
+                        <a:rPr lang="en-US" altLang="zh-CN" sz="1200"/>
+                        <a:t>Page</a:t>
+                      </a:r>
+                      <a:endParaRPr lang="zh-CN" altLang="en-US" sz="1200"/>
+                    </a:p>
+                  </a:txBody>
+                  <a:tcPr marL="18000" marR="18000" marT="18000" marB="18000"/>
+                </a:tc>
+                <a:extLst>
+                  <a:ext uri="{0D108BD9-81ED-4DB2-BD59-A6C34878D82A}">
+                    <a16:rowId xmlns:a16="http://schemas.microsoft.com/office/drawing/2014/main" val="832205179"/>
+                  </a:ext>
+                </a:extLst>
+              </a:tr>
+              <a:tr h="111037">
+                <a:tc>
+                  <a:txBody>
+                    <a:bodyPr/>
+                    <a:lstStyle/>
+                    <a:p>
+                      <a:r>
+                        <a:rPr lang="en-US" altLang="zh-CN" sz="1200"/>
+                        <a:t>...</a:t>
+                      </a:r>
+                      <a:endParaRPr lang="zh-CN" altLang="en-US" sz="1200"/>
+                    </a:p>
+                  </a:txBody>
+                  <a:tcPr marL="18000" marR="18000" marT="18000" marB="18000"/>
+                </a:tc>
+                <a:tc>
+                  <a:txBody>
+                    <a:bodyPr/>
+                    <a:lstStyle/>
+                    <a:p>
+                      <a:r>
+                        <a:rPr lang="en-US" altLang="zh-CN" sz="1200"/>
+                        <a:t>Page</a:t>
+                      </a:r>
+                      <a:endParaRPr lang="zh-CN" altLang="en-US" sz="1200"/>
+                    </a:p>
+                  </a:txBody>
+                  <a:tcPr marL="18000" marR="18000" marT="18000" marB="18000"/>
+                </a:tc>
+                <a:extLst>
+                  <a:ext uri="{0D108BD9-81ED-4DB2-BD59-A6C34878D82A}">
+                    <a16:rowId xmlns:a16="http://schemas.microsoft.com/office/drawing/2014/main" val="4189517482"/>
+                  </a:ext>
+                </a:extLst>
+              </a:tr>
+              <a:tr h="111037">
+                <a:tc>
+                  <a:txBody>
+                    <a:bodyPr/>
+                    <a:lstStyle/>
+                    <a:p>
+                      <a:r>
+                        <a:rPr lang="en-US" altLang="zh-CN" sz="1200"/>
+                        <a:t>1000</a:t>
+                      </a:r>
+                      <a:endParaRPr lang="zh-CN" altLang="en-US" sz="1200"/>
+                    </a:p>
+                  </a:txBody>
+                  <a:tcPr marL="18000" marR="18000" marT="18000" marB="18000"/>
+                </a:tc>
+                <a:tc>
+                  <a:txBody>
+                    <a:bodyPr/>
+                    <a:lstStyle/>
+                    <a:p>
+                      <a:r>
+                        <a:rPr lang="en-US" altLang="zh-CN" sz="1200"/>
+                        <a:t>Page</a:t>
+                      </a:r>
+                      <a:endParaRPr lang="zh-CN" altLang="en-US" sz="1200"/>
+                    </a:p>
+                  </a:txBody>
+                  <a:tcPr marL="18000" marR="18000" marT="18000" marB="18000"/>
+                </a:tc>
+                <a:extLst>
+                  <a:ext uri="{0D108BD9-81ED-4DB2-BD59-A6C34878D82A}">
+                    <a16:rowId xmlns:a16="http://schemas.microsoft.com/office/drawing/2014/main" val="3644968750"/>
+                  </a:ext>
+                </a:extLst>
+              </a:tr>
+            </a:tbl>
+          </a:graphicData>
+        </a:graphic>
+      </p:graphicFrame>
+      <p:sp>
+        <p:nvSpPr>
+          <p:cNvPr id="6" name="文本框 5">
+            <a:extLst>
+              <a:ext uri="{FF2B5EF4-FFF2-40B4-BE49-F238E27FC236}">
+                <a16:creationId xmlns:a16="http://schemas.microsoft.com/office/drawing/2014/main" id="{0F02D962-CA41-E0C7-F5A5-7F7974D351B4}"/>
+              </a:ext>
+            </a:extLst>
+          </p:cNvPr>
+          <p:cNvSpPr txBox="1"/>
+          <p:nvPr/>
+        </p:nvSpPr>
+        <p:spPr>
+          <a:xfrm>
+            <a:off x="1810986" y="4851326"/>
+            <a:ext cx="1241758" cy="276999"/>
+          </a:xfrm>
+          <a:prstGeom prst="rect">
+            <a:avLst/>
+          </a:prstGeom>
+          <a:noFill/>
+        </p:spPr>
+        <p:txBody>
+          <a:bodyPr wrap="square" rtlCol="0">
+            <a:spAutoFit/>
+          </a:bodyPr>
+          <a:lstStyle/>
+          <a:p>
+            <a:r>
+              <a:rPr lang="en-US" altLang="zh-CN" sz="1200"/>
+              <a:t>SharedBufHash</a:t>
+            </a:r>
+            <a:endParaRPr lang="zh-CN" altLang="en-US" sz="1200"/>
+          </a:p>
+        </p:txBody>
+      </p:sp>
+      <p:sp>
+        <p:nvSpPr>
+          <p:cNvPr id="7" name="矩形 6">
+            <a:extLst>
+              <a:ext uri="{FF2B5EF4-FFF2-40B4-BE49-F238E27FC236}">
+                <a16:creationId xmlns:a16="http://schemas.microsoft.com/office/drawing/2014/main" id="{FB31D2C5-5DD2-ED46-AD3C-D8DE54DD831D}"/>
+              </a:ext>
+            </a:extLst>
+          </p:cNvPr>
+          <p:cNvSpPr/>
+          <p:nvPr/>
+        </p:nvSpPr>
+        <p:spPr>
+          <a:xfrm>
+            <a:off x="1352030" y="1568037"/>
+            <a:ext cx="1241758" cy="753896"/>
+          </a:xfrm>
+          <a:prstGeom prst="rect">
+            <a:avLst/>
+          </a:prstGeom>
+          <a:solidFill>
+            <a:schemeClr val="accent3">
+              <a:lumMod val="40000"/>
+              <a:lumOff val="60000"/>
+            </a:schemeClr>
+          </a:solidFill>
+          <a:ln>
+            <a:noFill/>
+          </a:ln>
+          <a:effectLst>
+            <a:outerShdw blurRad="50800" dist="38100" dir="2700000" algn="tl" rotWithShape="0">
+              <a:prstClr val="black">
+                <a:alpha val="40000"/>
+              </a:prstClr>
+            </a:outerShdw>
+          </a:effectLst>
+        </p:spPr>
+        <p:style>
+          <a:lnRef idx="2">
+            <a:schemeClr val="accent1">
+              <a:shade val="50000"/>
+            </a:schemeClr>
+          </a:lnRef>
+          <a:fillRef idx="1">
+            <a:schemeClr val="accent1"/>
+          </a:fillRef>
+          <a:effectRef idx="0">
+            <a:schemeClr val="accent1"/>
+          </a:effectRef>
+          <a:fontRef idx="minor">
+            <a:schemeClr val="lt1"/>
+          </a:fontRef>
+        </p:style>
+        <p:txBody>
+          <a:bodyPr rtlCol="0" anchor="ctr"/>
+          <a:lstStyle/>
+          <a:p>
+            <a:pPr algn="ctr"/>
+            <a:r>
+              <a:rPr lang="en-US" altLang="zh-CN" sz="1200">
+                <a:solidFill>
+                  <a:schemeClr val="tx1"/>
+                </a:solidFill>
+              </a:rPr>
+              <a:t>BufferTag</a:t>
+            </a:r>
+          </a:p>
+          <a:p>
+            <a:pPr marL="171450" indent="-171450">
+              <a:buFont typeface="Arial" panose="020B0604020202020204" pitchFamily="34" charset="0"/>
+              <a:buChar char="•"/>
+            </a:pPr>
+            <a:r>
+              <a:rPr lang="en-US" altLang="zh-CN" sz="1200">
+                <a:solidFill>
+                  <a:schemeClr val="tx1"/>
+                </a:solidFill>
+              </a:rPr>
+              <a:t>RelFileNode</a:t>
+            </a:r>
+          </a:p>
+          <a:p>
+            <a:pPr marL="171450" indent="-171450">
+              <a:buFont typeface="Arial" panose="020B0604020202020204" pitchFamily="34" charset="0"/>
+              <a:buChar char="•"/>
+            </a:pPr>
+            <a:r>
+              <a:rPr lang="en-US" altLang="zh-CN" sz="1200">
+                <a:solidFill>
+                  <a:schemeClr val="tx1"/>
+                </a:solidFill>
+              </a:rPr>
+              <a:t>forkNum</a:t>
+            </a:r>
+          </a:p>
+          <a:p>
+            <a:pPr marL="171450" indent="-171450">
+              <a:buFont typeface="Arial" panose="020B0604020202020204" pitchFamily="34" charset="0"/>
+              <a:buChar char="•"/>
+            </a:pPr>
+            <a:r>
+              <a:rPr lang="en-US" altLang="zh-CN" sz="1200">
+                <a:solidFill>
+                  <a:schemeClr val="tx1"/>
+                </a:solidFill>
+              </a:rPr>
+              <a:t>blockNum</a:t>
+            </a:r>
+            <a:endParaRPr lang="zh-CN" altLang="en-US" sz="1200">
+              <a:solidFill>
+                <a:schemeClr val="tx1"/>
+              </a:solidFill>
+            </a:endParaRPr>
+          </a:p>
+        </p:txBody>
+      </p:sp>
+      <p:sp>
+        <p:nvSpPr>
+          <p:cNvPr id="8" name="矩形 7">
+            <a:extLst>
+              <a:ext uri="{FF2B5EF4-FFF2-40B4-BE49-F238E27FC236}">
+                <a16:creationId xmlns:a16="http://schemas.microsoft.com/office/drawing/2014/main" id="{F24FE57A-E8CB-50AA-4B73-1D6DD7C6C24C}"/>
+              </a:ext>
+            </a:extLst>
+          </p:cNvPr>
+          <p:cNvSpPr/>
+          <p:nvPr/>
+        </p:nvSpPr>
+        <p:spPr>
+          <a:xfrm>
+            <a:off x="2876278" y="1754798"/>
+            <a:ext cx="781545" cy="380373"/>
+          </a:xfrm>
+          <a:prstGeom prst="rect">
+            <a:avLst/>
+          </a:prstGeom>
+          <a:solidFill>
+            <a:schemeClr val="accent3">
+              <a:lumMod val="40000"/>
+              <a:lumOff val="60000"/>
+            </a:schemeClr>
+          </a:solidFill>
+          <a:ln>
+            <a:noFill/>
+          </a:ln>
+          <a:effectLst>
+            <a:outerShdw blurRad="50800" dist="38100" dir="2700000" algn="tl" rotWithShape="0">
+              <a:prstClr val="black">
+                <a:alpha val="40000"/>
+              </a:prstClr>
+            </a:outerShdw>
+          </a:effectLst>
+        </p:spPr>
+        <p:style>
+          <a:lnRef idx="2">
+            <a:schemeClr val="accent1">
+              <a:shade val="50000"/>
+            </a:schemeClr>
+          </a:lnRef>
+          <a:fillRef idx="1">
+            <a:schemeClr val="accent1"/>
+          </a:fillRef>
+          <a:effectRef idx="0">
+            <a:schemeClr val="accent1"/>
+          </a:effectRef>
+          <a:fontRef idx="minor">
+            <a:schemeClr val="lt1"/>
+          </a:fontRef>
+        </p:style>
+        <p:txBody>
+          <a:bodyPr rtlCol="0" anchor="ctr"/>
+          <a:lstStyle/>
+          <a:p>
+            <a:pPr algn="ctr"/>
+            <a:r>
+              <a:rPr lang="en-US" altLang="zh-CN" sz="1200">
+                <a:solidFill>
+                  <a:schemeClr val="tx1"/>
+                </a:solidFill>
+              </a:rPr>
+              <a:t>buf_id</a:t>
+            </a:r>
+            <a:endParaRPr lang="zh-CN" altLang="en-US" sz="1200">
+              <a:solidFill>
+                <a:schemeClr val="tx1"/>
+              </a:solidFill>
+            </a:endParaRPr>
+          </a:p>
+        </p:txBody>
+      </p:sp>
+      <p:sp>
+        <p:nvSpPr>
+          <p:cNvPr id="11" name="文本框 10">
+            <a:extLst>
+              <a:ext uri="{FF2B5EF4-FFF2-40B4-BE49-F238E27FC236}">
+                <a16:creationId xmlns:a16="http://schemas.microsoft.com/office/drawing/2014/main" id="{F5521E7A-0C81-3393-CFE5-5C5BECCEFBBE}"/>
+              </a:ext>
+            </a:extLst>
+          </p:cNvPr>
+          <p:cNvSpPr txBox="1"/>
+          <p:nvPr/>
+        </p:nvSpPr>
+        <p:spPr>
+          <a:xfrm>
+            <a:off x="4241666" y="4855199"/>
+            <a:ext cx="1394460" cy="276999"/>
+          </a:xfrm>
+          <a:prstGeom prst="rect">
+            <a:avLst/>
+          </a:prstGeom>
+          <a:noFill/>
+        </p:spPr>
+        <p:txBody>
+          <a:bodyPr wrap="square" rtlCol="0">
+            <a:spAutoFit/>
+          </a:bodyPr>
+          <a:lstStyle/>
+          <a:p>
+            <a:r>
+              <a:rPr lang="en-US" altLang="zh-CN" sz="1200"/>
+              <a:t>BufferDescriptors</a:t>
+            </a:r>
+          </a:p>
+        </p:txBody>
+      </p:sp>
+      <p:sp>
+        <p:nvSpPr>
+          <p:cNvPr id="12" name="矩形 11">
+            <a:extLst>
+              <a:ext uri="{FF2B5EF4-FFF2-40B4-BE49-F238E27FC236}">
+                <a16:creationId xmlns:a16="http://schemas.microsoft.com/office/drawing/2014/main" id="{6EA2CB67-53C7-62D3-8B24-2B8F48D53E65}"/>
+              </a:ext>
+            </a:extLst>
+          </p:cNvPr>
+          <p:cNvSpPr/>
+          <p:nvPr/>
+        </p:nvSpPr>
+        <p:spPr>
+          <a:xfrm>
+            <a:off x="4241666" y="1377597"/>
+            <a:ext cx="1270844" cy="1169445"/>
+          </a:xfrm>
+          <a:prstGeom prst="rect">
+            <a:avLst/>
+          </a:prstGeom>
+          <a:solidFill>
+            <a:schemeClr val="accent3">
+              <a:lumMod val="40000"/>
+              <a:lumOff val="60000"/>
+            </a:schemeClr>
+          </a:solidFill>
+          <a:ln>
+            <a:noFill/>
+          </a:ln>
+          <a:effectLst>
+            <a:outerShdw blurRad="50800" dist="38100" dir="2700000" algn="tl" rotWithShape="0">
+              <a:prstClr val="black">
+                <a:alpha val="40000"/>
+              </a:prstClr>
+            </a:outerShdw>
+          </a:effectLst>
+        </p:spPr>
+        <p:style>
+          <a:lnRef idx="2">
+            <a:schemeClr val="accent1">
+              <a:shade val="50000"/>
+            </a:schemeClr>
+          </a:lnRef>
+          <a:fillRef idx="1">
+            <a:schemeClr val="accent1"/>
+          </a:fillRef>
+          <a:effectRef idx="0">
+            <a:schemeClr val="accent1"/>
+          </a:effectRef>
+          <a:fontRef idx="minor">
+            <a:schemeClr val="lt1"/>
+          </a:fontRef>
+        </p:style>
+        <p:txBody>
+          <a:bodyPr rtlCol="0" anchor="ctr"/>
+          <a:lstStyle/>
+          <a:p>
+            <a:pPr algn="ctr"/>
+            <a:r>
+              <a:rPr lang="en-US" altLang="zh-CN" sz="1200">
+                <a:solidFill>
+                  <a:schemeClr val="tx1"/>
+                </a:solidFill>
+              </a:rPr>
+              <a:t>BufferDesc</a:t>
+            </a:r>
+          </a:p>
+          <a:p>
+            <a:pPr marL="171450" indent="-171450">
+              <a:buFont typeface="Arial" panose="020B0604020202020204" pitchFamily="34" charset="0"/>
+              <a:buChar char="•"/>
+            </a:pPr>
+            <a:r>
+              <a:rPr lang="en-US" altLang="zh-CN" sz="1200">
+                <a:solidFill>
+                  <a:schemeClr val="tx1"/>
+                </a:solidFill>
+              </a:rPr>
+              <a:t>usage_count</a:t>
+            </a:r>
+          </a:p>
+          <a:p>
+            <a:pPr marL="171450" indent="-171450">
+              <a:buFont typeface="Arial" panose="020B0604020202020204" pitchFamily="34" charset="0"/>
+              <a:buChar char="•"/>
+            </a:pPr>
+            <a:r>
+              <a:rPr lang="en-US" altLang="zh-CN" sz="1200">
+                <a:solidFill>
+                  <a:schemeClr val="tx1"/>
+                </a:solidFill>
+              </a:rPr>
+              <a:t>refcount</a:t>
+            </a:r>
+          </a:p>
+          <a:p>
+            <a:pPr marL="171450" indent="-171450">
+              <a:buFont typeface="Arial" panose="020B0604020202020204" pitchFamily="34" charset="0"/>
+              <a:buChar char="•"/>
+            </a:pPr>
+            <a:r>
+              <a:rPr lang="en-US" altLang="zh-CN" sz="1200">
+                <a:solidFill>
+                  <a:schemeClr val="tx1"/>
+                </a:solidFill>
+              </a:rPr>
+              <a:t>freeNext</a:t>
+            </a:r>
+          </a:p>
+          <a:p>
+            <a:pPr marL="171450" indent="-171450">
+              <a:buFont typeface="Arial" panose="020B0604020202020204" pitchFamily="34" charset="0"/>
+              <a:buChar char="•"/>
+            </a:pPr>
+            <a:r>
+              <a:rPr lang="en-US" altLang="zh-CN" sz="1200">
+                <a:solidFill>
+                  <a:schemeClr val="tx1"/>
+                </a:solidFill>
+              </a:rPr>
+              <a:t>io_lock</a:t>
+            </a:r>
+          </a:p>
+          <a:p>
+            <a:pPr marL="171450" indent="-171450">
+              <a:buFont typeface="Arial" panose="020B0604020202020204" pitchFamily="34" charset="0"/>
+              <a:buChar char="•"/>
+            </a:pPr>
+            <a:r>
+              <a:rPr lang="en-US" altLang="zh-CN" sz="1200">
+                <a:solidFill>
+                  <a:schemeClr val="tx1"/>
+                </a:solidFill>
+              </a:rPr>
+              <a:t>content_lock</a:t>
+            </a:r>
+            <a:endParaRPr lang="zh-CN" altLang="en-US" sz="1200">
+              <a:solidFill>
+                <a:schemeClr val="tx1"/>
+              </a:solidFill>
+            </a:endParaRPr>
+          </a:p>
+        </p:txBody>
+      </p:sp>
+      <p:sp>
+        <p:nvSpPr>
+          <p:cNvPr id="14" name="矩形 13">
+            <a:extLst>
+              <a:ext uri="{FF2B5EF4-FFF2-40B4-BE49-F238E27FC236}">
+                <a16:creationId xmlns:a16="http://schemas.microsoft.com/office/drawing/2014/main" id="{25D2102D-C7D2-A104-7B1D-DAC67D71501D}"/>
+              </a:ext>
+            </a:extLst>
+          </p:cNvPr>
+          <p:cNvSpPr/>
+          <p:nvPr/>
+        </p:nvSpPr>
+        <p:spPr>
+          <a:xfrm>
+            <a:off x="6410539" y="1754797"/>
+            <a:ext cx="781545" cy="380373"/>
+          </a:xfrm>
+          <a:prstGeom prst="rect">
+            <a:avLst/>
+          </a:prstGeom>
+          <a:solidFill>
+            <a:schemeClr val="accent3">
+              <a:lumMod val="40000"/>
+              <a:lumOff val="60000"/>
+            </a:schemeClr>
+          </a:solidFill>
+          <a:ln>
+            <a:noFill/>
+          </a:ln>
+          <a:effectLst>
+            <a:outerShdw blurRad="50800" dist="38100" dir="2700000" algn="tl" rotWithShape="0">
+              <a:prstClr val="black">
+                <a:alpha val="40000"/>
+              </a:prstClr>
+            </a:outerShdw>
+          </a:effectLst>
+        </p:spPr>
+        <p:style>
+          <a:lnRef idx="2">
+            <a:schemeClr val="accent1">
+              <a:shade val="50000"/>
+            </a:schemeClr>
+          </a:lnRef>
+          <a:fillRef idx="1">
+            <a:schemeClr val="accent1"/>
+          </a:fillRef>
+          <a:effectRef idx="0">
+            <a:schemeClr val="accent1"/>
+          </a:effectRef>
+          <a:fontRef idx="minor">
+            <a:schemeClr val="lt1"/>
+          </a:fontRef>
+        </p:style>
+        <p:txBody>
+          <a:bodyPr rtlCol="0" anchor="ctr"/>
+          <a:lstStyle/>
+          <a:p>
+            <a:pPr algn="ctr"/>
+            <a:r>
+              <a:rPr lang="en-US" altLang="zh-CN" sz="1200">
+                <a:solidFill>
+                  <a:schemeClr val="tx1"/>
+                </a:solidFill>
+              </a:rPr>
+              <a:t>buffer</a:t>
+            </a:r>
+            <a:endParaRPr lang="zh-CN" altLang="en-US" sz="1200">
+              <a:solidFill>
+                <a:schemeClr val="tx1"/>
+              </a:solidFill>
+            </a:endParaRPr>
+          </a:p>
+        </p:txBody>
+      </p:sp>
+      <p:sp>
+        <p:nvSpPr>
+          <p:cNvPr id="15" name="文本框 14">
+            <a:extLst>
+              <a:ext uri="{FF2B5EF4-FFF2-40B4-BE49-F238E27FC236}">
+                <a16:creationId xmlns:a16="http://schemas.microsoft.com/office/drawing/2014/main" id="{75928A9E-A797-39DA-F198-58CC94FA090B}"/>
+              </a:ext>
+            </a:extLst>
+          </p:cNvPr>
+          <p:cNvSpPr txBox="1"/>
+          <p:nvPr/>
+        </p:nvSpPr>
+        <p:spPr>
+          <a:xfrm>
+            <a:off x="6343318" y="4851325"/>
+            <a:ext cx="949102" cy="276999"/>
+          </a:xfrm>
+          <a:prstGeom prst="rect">
+            <a:avLst/>
+          </a:prstGeom>
+          <a:noFill/>
+        </p:spPr>
+        <p:txBody>
+          <a:bodyPr wrap="square" rtlCol="0">
+            <a:spAutoFit/>
+          </a:bodyPr>
+          <a:lstStyle/>
+          <a:p>
+            <a:r>
+              <a:rPr lang="en-US" altLang="zh-CN" sz="1200"/>
+              <a:t>BufferPool</a:t>
+            </a:r>
+          </a:p>
+        </p:txBody>
+      </p:sp>
+      <p:cxnSp>
+        <p:nvCxnSpPr>
+          <p:cNvPr id="17" name="连接符: 曲线 16">
+            <a:extLst>
+              <a:ext uri="{FF2B5EF4-FFF2-40B4-BE49-F238E27FC236}">
+                <a16:creationId xmlns:a16="http://schemas.microsoft.com/office/drawing/2014/main" id="{A10848C3-A67D-9C62-D78D-F9CABBCD4DC1}"/>
+              </a:ext>
+            </a:extLst>
+          </p:cNvPr>
+          <p:cNvCxnSpPr>
+            <a:stCxn id="7" idx="2"/>
+          </p:cNvCxnSpPr>
+          <p:nvPr/>
+        </p:nvCxnSpPr>
+        <p:spPr>
+          <a:xfrm rot="16200000" flipH="1">
+            <a:off x="1594675" y="2700167"/>
+            <a:ext cx="953907" cy="197438"/>
+          </a:xfrm>
+          <a:prstGeom prst="curvedConnector3">
+            <a:avLst/>
+          </a:prstGeom>
+          <a:ln>
+            <a:tailEnd type="triangle"/>
+          </a:ln>
+        </p:spPr>
+        <p:style>
+          <a:lnRef idx="1">
+            <a:schemeClr val="accent6"/>
+          </a:lnRef>
+          <a:fillRef idx="0">
+            <a:schemeClr val="accent6"/>
+          </a:fillRef>
+          <a:effectRef idx="0">
+            <a:schemeClr val="accent6"/>
+          </a:effectRef>
+          <a:fontRef idx="minor">
+            <a:schemeClr val="tx1"/>
+          </a:fontRef>
+        </p:style>
+      </p:cxnSp>
+      <p:cxnSp>
+        <p:nvCxnSpPr>
+          <p:cNvPr id="18" name="连接符: 曲线 17">
+            <a:extLst>
+              <a:ext uri="{FF2B5EF4-FFF2-40B4-BE49-F238E27FC236}">
+                <a16:creationId xmlns:a16="http://schemas.microsoft.com/office/drawing/2014/main" id="{D7B1B4B0-A68D-D742-F4FF-C4E67DFAEED8}"/>
+              </a:ext>
+            </a:extLst>
+          </p:cNvPr>
+          <p:cNvCxnSpPr>
+            <a:cxnSpLocks/>
+            <a:stCxn id="8" idx="2"/>
+          </p:cNvCxnSpPr>
+          <p:nvPr/>
+        </p:nvCxnSpPr>
+        <p:spPr>
+          <a:xfrm rot="5400000">
+            <a:off x="2385642" y="2394430"/>
+            <a:ext cx="1140669" cy="622151"/>
+          </a:xfrm>
+          <a:prstGeom prst="curvedConnector3">
+            <a:avLst/>
+          </a:prstGeom>
+          <a:ln>
+            <a:tailEnd type="triangle"/>
+          </a:ln>
+        </p:spPr>
+        <p:style>
+          <a:lnRef idx="1">
+            <a:schemeClr val="accent6"/>
+          </a:lnRef>
+          <a:fillRef idx="0">
+            <a:schemeClr val="accent6"/>
+          </a:fillRef>
+          <a:effectRef idx="0">
+            <a:schemeClr val="accent6"/>
+          </a:effectRef>
+          <a:fontRef idx="minor">
+            <a:schemeClr val="tx1"/>
+          </a:fontRef>
+        </p:style>
+      </p:cxnSp>
+      <p:cxnSp>
+        <p:nvCxnSpPr>
+          <p:cNvPr id="21" name="连接符: 曲线 20">
+            <a:extLst>
+              <a:ext uri="{FF2B5EF4-FFF2-40B4-BE49-F238E27FC236}">
+                <a16:creationId xmlns:a16="http://schemas.microsoft.com/office/drawing/2014/main" id="{FE371361-E6D8-26AC-8966-50C2D83E0EC5}"/>
+              </a:ext>
+            </a:extLst>
+          </p:cNvPr>
+          <p:cNvCxnSpPr>
+            <a:cxnSpLocks/>
+            <a:stCxn id="12" idx="2"/>
+          </p:cNvCxnSpPr>
+          <p:nvPr/>
+        </p:nvCxnSpPr>
+        <p:spPr>
+          <a:xfrm rot="16200000" flipH="1">
+            <a:off x="4743503" y="2680627"/>
+            <a:ext cx="466592" cy="199422"/>
+          </a:xfrm>
+          <a:prstGeom prst="curvedConnector3">
+            <a:avLst>
+              <a:gd name="adj1" fmla="val 50000"/>
+            </a:avLst>
+          </a:prstGeom>
+          <a:ln>
+            <a:tailEnd type="triangle"/>
+          </a:ln>
+        </p:spPr>
+        <p:style>
+          <a:lnRef idx="1">
+            <a:schemeClr val="accent6"/>
+          </a:lnRef>
+          <a:fillRef idx="0">
+            <a:schemeClr val="accent6"/>
+          </a:fillRef>
+          <a:effectRef idx="0">
+            <a:schemeClr val="accent6"/>
+          </a:effectRef>
+          <a:fontRef idx="minor">
+            <a:schemeClr val="tx1"/>
+          </a:fontRef>
+        </p:style>
+      </p:cxnSp>
+      <p:cxnSp>
+        <p:nvCxnSpPr>
+          <p:cNvPr id="24" name="连接符: 曲线 23">
+            <a:extLst>
+              <a:ext uri="{FF2B5EF4-FFF2-40B4-BE49-F238E27FC236}">
+                <a16:creationId xmlns:a16="http://schemas.microsoft.com/office/drawing/2014/main" id="{DB547D11-DEE6-A86B-6E41-62AF593AFB8E}"/>
+              </a:ext>
+            </a:extLst>
+          </p:cNvPr>
+          <p:cNvCxnSpPr>
+            <a:cxnSpLocks/>
+            <a:stCxn id="14" idx="2"/>
+          </p:cNvCxnSpPr>
+          <p:nvPr/>
+        </p:nvCxnSpPr>
+        <p:spPr>
+          <a:xfrm rot="16200000" flipH="1">
+            <a:off x="6441518" y="2494964"/>
+            <a:ext cx="878464" cy="158876"/>
+          </a:xfrm>
+          <a:prstGeom prst="curvedConnector3">
+            <a:avLst>
+              <a:gd name="adj1" fmla="val 50000"/>
+            </a:avLst>
+          </a:prstGeom>
+          <a:ln>
+            <a:tailEnd type="triangle"/>
+          </a:ln>
+        </p:spPr>
+        <p:style>
+          <a:lnRef idx="1">
+            <a:schemeClr val="accent6"/>
+          </a:lnRef>
+          <a:fillRef idx="0">
+            <a:schemeClr val="accent6"/>
+          </a:fillRef>
+          <a:effectRef idx="0">
+            <a:schemeClr val="accent6"/>
+          </a:effectRef>
+          <a:fontRef idx="minor">
+            <a:schemeClr val="tx1"/>
+          </a:fontRef>
+        </p:style>
+      </p:cxnSp>
+    </p:spTree>
+    <p:extLst>
+      <p:ext uri="{BB962C8B-B14F-4D97-AF65-F5344CB8AC3E}">
+        <p14:creationId xmlns:p14="http://schemas.microsoft.com/office/powerpoint/2010/main" val="1193045920"/>
       </p:ext>
     </p:extLst>
   </p:cSld>

--- a/source/ppt/postgresql.pptx
+++ b/source/ppt/postgresql.pptx
@@ -4,9 +4,13 @@
   <p:sldMasterIdLst>
     <p:sldMasterId id="2147483648" r:id="rId1"/>
   </p:sldMasterIdLst>
+  <p:notesMasterIdLst>
+    <p:notesMasterId r:id="rId5"/>
+  </p:notesMasterIdLst>
   <p:sldIdLst>
     <p:sldId id="256" r:id="rId2"/>
     <p:sldId id="257" r:id="rId3"/>
+    <p:sldId id="258" r:id="rId4"/>
   </p:sldIdLst>
   <p:sldSz cx="12192000" cy="6858000"/>
   <p:notesSz cx="6858000" cy="9144000"/>
@@ -113,6 +117,439 @@
 </p:presentation>
 </file>
 
+<file path=ppt/notesMasters/notesMaster1.xml><?xml version="1.0" encoding="utf-8"?>
+<p:notesMaster xmlns:a="http://schemas.openxmlformats.org/drawingml/2006/main" xmlns:r="http://schemas.openxmlformats.org/officeDocument/2006/relationships" xmlns:p="http://schemas.openxmlformats.org/presentationml/2006/main">
+  <p:cSld>
+    <p:bg>
+      <p:bgRef idx="1001">
+        <a:schemeClr val="bg1"/>
+      </p:bgRef>
+    </p:bg>
+    <p:spTree>
+      <p:nvGrpSpPr>
+        <p:cNvPr id="1" name=""/>
+        <p:cNvGrpSpPr/>
+        <p:nvPr/>
+      </p:nvGrpSpPr>
+      <p:grpSpPr>
+        <a:xfrm>
+          <a:off x="0" y="0"/>
+          <a:ext cx="0" cy="0"/>
+          <a:chOff x="0" y="0"/>
+          <a:chExt cx="0" cy="0"/>
+        </a:xfrm>
+      </p:grpSpPr>
+      <p:sp>
+        <p:nvSpPr>
+          <p:cNvPr id="2" name="页眉占位符 1"/>
+          <p:cNvSpPr>
+            <a:spLocks noGrp="1"/>
+          </p:cNvSpPr>
+          <p:nvPr>
+            <p:ph type="hdr" sz="quarter"/>
+          </p:nvPr>
+        </p:nvSpPr>
+        <p:spPr>
+          <a:xfrm>
+            <a:off x="0" y="0"/>
+            <a:ext cx="2971800" cy="458788"/>
+          </a:xfrm>
+          <a:prstGeom prst="rect">
+            <a:avLst/>
+          </a:prstGeom>
+        </p:spPr>
+        <p:txBody>
+          <a:bodyPr vert="horz" lIns="91440" tIns="45720" rIns="91440" bIns="45720" rtlCol="0"/>
+          <a:lstStyle>
+            <a:lvl1pPr algn="l">
+              <a:defRPr sz="1200"/>
+            </a:lvl1pPr>
+          </a:lstStyle>
+          <a:p>
+            <a:endParaRPr lang="zh-CN" altLang="en-US"/>
+          </a:p>
+        </p:txBody>
+      </p:sp>
+      <p:sp>
+        <p:nvSpPr>
+          <p:cNvPr id="3" name="日期占位符 2"/>
+          <p:cNvSpPr>
+            <a:spLocks noGrp="1"/>
+          </p:cNvSpPr>
+          <p:nvPr>
+            <p:ph type="dt" idx="1"/>
+          </p:nvPr>
+        </p:nvSpPr>
+        <p:spPr>
+          <a:xfrm>
+            <a:off x="3884613" y="0"/>
+            <a:ext cx="2971800" cy="458788"/>
+          </a:xfrm>
+          <a:prstGeom prst="rect">
+            <a:avLst/>
+          </a:prstGeom>
+        </p:spPr>
+        <p:txBody>
+          <a:bodyPr vert="horz" lIns="91440" tIns="45720" rIns="91440" bIns="45720" rtlCol="0"/>
+          <a:lstStyle>
+            <a:lvl1pPr algn="r">
+              <a:defRPr sz="1200"/>
+            </a:lvl1pPr>
+          </a:lstStyle>
+          <a:p>
+            <a:fld id="{0A58E50E-8E88-43F8-979C-D93536808D84}" type="datetimeFigureOut">
+              <a:rPr lang="zh-CN" altLang="en-US" smtClean="0"/>
+              <a:t>2023/5/21</a:t>
+            </a:fld>
+            <a:endParaRPr lang="zh-CN" altLang="en-US"/>
+          </a:p>
+        </p:txBody>
+      </p:sp>
+      <p:sp>
+        <p:nvSpPr>
+          <p:cNvPr id="4" name="幻灯片图像占位符 3"/>
+          <p:cNvSpPr>
+            <a:spLocks noGrp="1" noRot="1" noChangeAspect="1"/>
+          </p:cNvSpPr>
+          <p:nvPr>
+            <p:ph type="sldImg" idx="2"/>
+          </p:nvPr>
+        </p:nvSpPr>
+        <p:spPr>
+          <a:xfrm>
+            <a:off x="685800" y="1143000"/>
+            <a:ext cx="5486400" cy="3086100"/>
+          </a:xfrm>
+          <a:prstGeom prst="rect">
+            <a:avLst/>
+          </a:prstGeom>
+          <a:noFill/>
+          <a:ln w="12700">
+            <a:solidFill>
+              <a:prstClr val="black"/>
+            </a:solidFill>
+          </a:ln>
+        </p:spPr>
+        <p:txBody>
+          <a:bodyPr vert="horz" lIns="91440" tIns="45720" rIns="91440" bIns="45720" rtlCol="0" anchor="ctr"/>
+          <a:lstStyle/>
+          <a:p>
+            <a:endParaRPr lang="zh-CN" altLang="en-US"/>
+          </a:p>
+        </p:txBody>
+      </p:sp>
+      <p:sp>
+        <p:nvSpPr>
+          <p:cNvPr id="5" name="备注占位符 4"/>
+          <p:cNvSpPr>
+            <a:spLocks noGrp="1"/>
+          </p:cNvSpPr>
+          <p:nvPr>
+            <p:ph type="body" sz="quarter" idx="3"/>
+          </p:nvPr>
+        </p:nvSpPr>
+        <p:spPr>
+          <a:xfrm>
+            <a:off x="685800" y="4400550"/>
+            <a:ext cx="5486400" cy="3600450"/>
+          </a:xfrm>
+          <a:prstGeom prst="rect">
+            <a:avLst/>
+          </a:prstGeom>
+        </p:spPr>
+        <p:txBody>
+          <a:bodyPr vert="horz" lIns="91440" tIns="45720" rIns="91440" bIns="45720" rtlCol="0"/>
+          <a:lstStyle/>
+          <a:p>
+            <a:pPr lvl="0"/>
+            <a:r>
+              <a:rPr lang="zh-CN" altLang="en-US"/>
+              <a:t>单击此处编辑母版文本样式</a:t>
+            </a:r>
+          </a:p>
+          <a:p>
+            <a:pPr lvl="1"/>
+            <a:r>
+              <a:rPr lang="zh-CN" altLang="en-US"/>
+              <a:t>二级</a:t>
+            </a:r>
+          </a:p>
+          <a:p>
+            <a:pPr lvl="2"/>
+            <a:r>
+              <a:rPr lang="zh-CN" altLang="en-US"/>
+              <a:t>三级</a:t>
+            </a:r>
+          </a:p>
+          <a:p>
+            <a:pPr lvl="3"/>
+            <a:r>
+              <a:rPr lang="zh-CN" altLang="en-US"/>
+              <a:t>四级</a:t>
+            </a:r>
+          </a:p>
+          <a:p>
+            <a:pPr lvl="4"/>
+            <a:r>
+              <a:rPr lang="zh-CN" altLang="en-US"/>
+              <a:t>五级</a:t>
+            </a:r>
+          </a:p>
+        </p:txBody>
+      </p:sp>
+      <p:sp>
+        <p:nvSpPr>
+          <p:cNvPr id="6" name="页脚占位符 5"/>
+          <p:cNvSpPr>
+            <a:spLocks noGrp="1"/>
+          </p:cNvSpPr>
+          <p:nvPr>
+            <p:ph type="ftr" sz="quarter" idx="4"/>
+          </p:nvPr>
+        </p:nvSpPr>
+        <p:spPr>
+          <a:xfrm>
+            <a:off x="0" y="8685213"/>
+            <a:ext cx="2971800" cy="458787"/>
+          </a:xfrm>
+          <a:prstGeom prst="rect">
+            <a:avLst/>
+          </a:prstGeom>
+        </p:spPr>
+        <p:txBody>
+          <a:bodyPr vert="horz" lIns="91440" tIns="45720" rIns="91440" bIns="45720" rtlCol="0" anchor="b"/>
+          <a:lstStyle>
+            <a:lvl1pPr algn="l">
+              <a:defRPr sz="1200"/>
+            </a:lvl1pPr>
+          </a:lstStyle>
+          <a:p>
+            <a:endParaRPr lang="zh-CN" altLang="en-US"/>
+          </a:p>
+        </p:txBody>
+      </p:sp>
+      <p:sp>
+        <p:nvSpPr>
+          <p:cNvPr id="7" name="灯片编号占位符 6"/>
+          <p:cNvSpPr>
+            <a:spLocks noGrp="1"/>
+          </p:cNvSpPr>
+          <p:nvPr>
+            <p:ph type="sldNum" sz="quarter" idx="5"/>
+          </p:nvPr>
+        </p:nvSpPr>
+        <p:spPr>
+          <a:xfrm>
+            <a:off x="3884613" y="8685213"/>
+            <a:ext cx="2971800" cy="458787"/>
+          </a:xfrm>
+          <a:prstGeom prst="rect">
+            <a:avLst/>
+          </a:prstGeom>
+        </p:spPr>
+        <p:txBody>
+          <a:bodyPr vert="horz" lIns="91440" tIns="45720" rIns="91440" bIns="45720" rtlCol="0" anchor="b"/>
+          <a:lstStyle>
+            <a:lvl1pPr algn="r">
+              <a:defRPr sz="1200"/>
+            </a:lvl1pPr>
+          </a:lstStyle>
+          <a:p>
+            <a:fld id="{18AB689E-76A9-4032-9351-F651399760D5}" type="slidenum">
+              <a:rPr lang="zh-CN" altLang="en-US" smtClean="0"/>
+              <a:t>‹#›</a:t>
+            </a:fld>
+            <a:endParaRPr lang="zh-CN" altLang="en-US"/>
+          </a:p>
+        </p:txBody>
+      </p:sp>
+    </p:spTree>
+    <p:extLst>
+      <p:ext uri="{BB962C8B-B14F-4D97-AF65-F5344CB8AC3E}">
+        <p14:creationId xmlns:p14="http://schemas.microsoft.com/office/powerpoint/2010/main" val="4241191882"/>
+      </p:ext>
+    </p:extLst>
+  </p:cSld>
+  <p:clrMap bg1="lt1" tx1="dk1" bg2="lt2" tx2="dk2" accent1="accent1" accent2="accent2" accent3="accent3" accent4="accent4" accent5="accent5" accent6="accent6" hlink="hlink" folHlink="folHlink"/>
+  <p:notesStyle>
+    <a:lvl1pPr marL="0" algn="l" defTabSz="914400" rtl="0" eaLnBrk="1" latinLnBrk="0" hangingPunct="1">
+      <a:defRPr sz="1200" kern="1200">
+        <a:solidFill>
+          <a:schemeClr val="tx1"/>
+        </a:solidFill>
+        <a:latin typeface="+mn-lt"/>
+        <a:ea typeface="+mn-ea"/>
+        <a:cs typeface="+mn-cs"/>
+      </a:defRPr>
+    </a:lvl1pPr>
+    <a:lvl2pPr marL="457200" algn="l" defTabSz="914400" rtl="0" eaLnBrk="1" latinLnBrk="0" hangingPunct="1">
+      <a:defRPr sz="1200" kern="1200">
+        <a:solidFill>
+          <a:schemeClr val="tx1"/>
+        </a:solidFill>
+        <a:latin typeface="+mn-lt"/>
+        <a:ea typeface="+mn-ea"/>
+        <a:cs typeface="+mn-cs"/>
+      </a:defRPr>
+    </a:lvl2pPr>
+    <a:lvl3pPr marL="914400" algn="l" defTabSz="914400" rtl="0" eaLnBrk="1" latinLnBrk="0" hangingPunct="1">
+      <a:defRPr sz="1200" kern="1200">
+        <a:solidFill>
+          <a:schemeClr val="tx1"/>
+        </a:solidFill>
+        <a:latin typeface="+mn-lt"/>
+        <a:ea typeface="+mn-ea"/>
+        <a:cs typeface="+mn-cs"/>
+      </a:defRPr>
+    </a:lvl3pPr>
+    <a:lvl4pPr marL="1371600" algn="l" defTabSz="914400" rtl="0" eaLnBrk="1" latinLnBrk="0" hangingPunct="1">
+      <a:defRPr sz="1200" kern="1200">
+        <a:solidFill>
+          <a:schemeClr val="tx1"/>
+        </a:solidFill>
+        <a:latin typeface="+mn-lt"/>
+        <a:ea typeface="+mn-ea"/>
+        <a:cs typeface="+mn-cs"/>
+      </a:defRPr>
+    </a:lvl4pPr>
+    <a:lvl5pPr marL="1828800" algn="l" defTabSz="914400" rtl="0" eaLnBrk="1" latinLnBrk="0" hangingPunct="1">
+      <a:defRPr sz="1200" kern="1200">
+        <a:solidFill>
+          <a:schemeClr val="tx1"/>
+        </a:solidFill>
+        <a:latin typeface="+mn-lt"/>
+        <a:ea typeface="+mn-ea"/>
+        <a:cs typeface="+mn-cs"/>
+      </a:defRPr>
+    </a:lvl5pPr>
+    <a:lvl6pPr marL="2286000" algn="l" defTabSz="914400" rtl="0" eaLnBrk="1" latinLnBrk="0" hangingPunct="1">
+      <a:defRPr sz="1200" kern="1200">
+        <a:solidFill>
+          <a:schemeClr val="tx1"/>
+        </a:solidFill>
+        <a:latin typeface="+mn-lt"/>
+        <a:ea typeface="+mn-ea"/>
+        <a:cs typeface="+mn-cs"/>
+      </a:defRPr>
+    </a:lvl6pPr>
+    <a:lvl7pPr marL="2743200" algn="l" defTabSz="914400" rtl="0" eaLnBrk="1" latinLnBrk="0" hangingPunct="1">
+      <a:defRPr sz="1200" kern="1200">
+        <a:solidFill>
+          <a:schemeClr val="tx1"/>
+        </a:solidFill>
+        <a:latin typeface="+mn-lt"/>
+        <a:ea typeface="+mn-ea"/>
+        <a:cs typeface="+mn-cs"/>
+      </a:defRPr>
+    </a:lvl7pPr>
+    <a:lvl8pPr marL="3200400" algn="l" defTabSz="914400" rtl="0" eaLnBrk="1" latinLnBrk="0" hangingPunct="1">
+      <a:defRPr sz="1200" kern="1200">
+        <a:solidFill>
+          <a:schemeClr val="tx1"/>
+        </a:solidFill>
+        <a:latin typeface="+mn-lt"/>
+        <a:ea typeface="+mn-ea"/>
+        <a:cs typeface="+mn-cs"/>
+      </a:defRPr>
+    </a:lvl8pPr>
+    <a:lvl9pPr marL="3657600" algn="l" defTabSz="914400" rtl="0" eaLnBrk="1" latinLnBrk="0" hangingPunct="1">
+      <a:defRPr sz="1200" kern="1200">
+        <a:solidFill>
+          <a:schemeClr val="tx1"/>
+        </a:solidFill>
+        <a:latin typeface="+mn-lt"/>
+        <a:ea typeface="+mn-ea"/>
+        <a:cs typeface="+mn-cs"/>
+      </a:defRPr>
+    </a:lvl9pPr>
+  </p:notesStyle>
+</p:notesMaster>
+</file>
+
+<file path=ppt/notesSlides/notesSlide1.xml><?xml version="1.0" encoding="utf-8"?>
+<p:notes xmlns:a="http://schemas.openxmlformats.org/drawingml/2006/main" xmlns:r="http://schemas.openxmlformats.org/officeDocument/2006/relationships" xmlns:p="http://schemas.openxmlformats.org/presentationml/2006/main">
+  <p:cSld>
+    <p:spTree>
+      <p:nvGrpSpPr>
+        <p:cNvPr id="1" name=""/>
+        <p:cNvGrpSpPr/>
+        <p:nvPr/>
+      </p:nvGrpSpPr>
+      <p:grpSpPr>
+        <a:xfrm>
+          <a:off x="0" y="0"/>
+          <a:ext cx="0" cy="0"/>
+          <a:chOff x="0" y="0"/>
+          <a:chExt cx="0" cy="0"/>
+        </a:xfrm>
+      </p:grpSpPr>
+      <p:sp>
+        <p:nvSpPr>
+          <p:cNvPr id="2" name="幻灯片图像占位符 1"/>
+          <p:cNvSpPr>
+            <a:spLocks noGrp="1" noRot="1" noChangeAspect="1"/>
+          </p:cNvSpPr>
+          <p:nvPr>
+            <p:ph type="sldImg"/>
+          </p:nvPr>
+        </p:nvSpPr>
+        <p:spPr/>
+      </p:sp>
+      <p:sp>
+        <p:nvSpPr>
+          <p:cNvPr id="3" name="备注占位符 2"/>
+          <p:cNvSpPr>
+            <a:spLocks noGrp="1"/>
+          </p:cNvSpPr>
+          <p:nvPr>
+            <p:ph type="body" idx="1"/>
+          </p:nvPr>
+        </p:nvSpPr>
+        <p:spPr/>
+        <p:txBody>
+          <a:bodyPr/>
+          <a:lstStyle/>
+          <a:p>
+            <a:endParaRPr lang="zh-CN" altLang="en-US"/>
+          </a:p>
+        </p:txBody>
+      </p:sp>
+      <p:sp>
+        <p:nvSpPr>
+          <p:cNvPr id="4" name="灯片编号占位符 3"/>
+          <p:cNvSpPr>
+            <a:spLocks noGrp="1"/>
+          </p:cNvSpPr>
+          <p:nvPr>
+            <p:ph type="sldNum" sz="quarter" idx="5"/>
+          </p:nvPr>
+        </p:nvSpPr>
+        <p:spPr/>
+        <p:txBody>
+          <a:bodyPr/>
+          <a:lstStyle/>
+          <a:p>
+            <a:fld id="{18AB689E-76A9-4032-9351-F651399760D5}" type="slidenum">
+              <a:rPr lang="zh-CN" altLang="en-US" smtClean="0"/>
+              <a:t>3</a:t>
+            </a:fld>
+            <a:endParaRPr lang="zh-CN" altLang="en-US"/>
+          </a:p>
+        </p:txBody>
+      </p:sp>
+    </p:spTree>
+    <p:extLst>
+      <p:ext uri="{BB962C8B-B14F-4D97-AF65-F5344CB8AC3E}">
+        <p14:creationId xmlns:p14="http://schemas.microsoft.com/office/powerpoint/2010/main" val="3775657032"/>
+      </p:ext>
+    </p:extLst>
+  </p:cSld>
+  <p:clrMapOvr>
+    <a:masterClrMapping/>
+  </p:clrMapOvr>
+</p:notes>
+</file>
+
 <file path=ppt/slideLayouts/slideLayout1.xml><?xml version="1.0" encoding="utf-8"?>
 <p:sldLayout xmlns:a="http://schemas.openxmlformats.org/drawingml/2006/main" xmlns:r="http://schemas.openxmlformats.org/officeDocument/2006/relationships" xmlns:p="http://schemas.openxmlformats.org/presentationml/2006/main" type="title" preserve="1">
   <p:cSld name="标题幻灯片">
@@ -260,7 +697,7 @@
           <a:p>
             <a:fld id="{6DE1A611-D6DF-4801-8173-DB5B82166BEB}" type="datetimeFigureOut">
               <a:rPr lang="zh-CN" altLang="en-US" smtClean="0"/>
-              <a:t>2023/5/16</a:t>
+              <a:t>2023/5/21</a:t>
             </a:fld>
             <a:endParaRPr lang="zh-CN" altLang="en-US"/>
           </a:p>
@@ -458,7 +895,7 @@
           <a:p>
             <a:fld id="{6DE1A611-D6DF-4801-8173-DB5B82166BEB}" type="datetimeFigureOut">
               <a:rPr lang="zh-CN" altLang="en-US" smtClean="0"/>
-              <a:t>2023/5/16</a:t>
+              <a:t>2023/5/21</a:t>
             </a:fld>
             <a:endParaRPr lang="zh-CN" altLang="en-US"/>
           </a:p>
@@ -666,7 +1103,7 @@
           <a:p>
             <a:fld id="{6DE1A611-D6DF-4801-8173-DB5B82166BEB}" type="datetimeFigureOut">
               <a:rPr lang="zh-CN" altLang="en-US" smtClean="0"/>
-              <a:t>2023/5/16</a:t>
+              <a:t>2023/5/21</a:t>
             </a:fld>
             <a:endParaRPr lang="zh-CN" altLang="en-US"/>
           </a:p>
@@ -864,7 +1301,7 @@
           <a:p>
             <a:fld id="{6DE1A611-D6DF-4801-8173-DB5B82166BEB}" type="datetimeFigureOut">
               <a:rPr lang="zh-CN" altLang="en-US" smtClean="0"/>
-              <a:t>2023/5/16</a:t>
+              <a:t>2023/5/21</a:t>
             </a:fld>
             <a:endParaRPr lang="zh-CN" altLang="en-US"/>
           </a:p>
@@ -1139,7 +1576,7 @@
           <a:p>
             <a:fld id="{6DE1A611-D6DF-4801-8173-DB5B82166BEB}" type="datetimeFigureOut">
               <a:rPr lang="zh-CN" altLang="en-US" smtClean="0"/>
-              <a:t>2023/5/16</a:t>
+              <a:t>2023/5/21</a:t>
             </a:fld>
             <a:endParaRPr lang="zh-CN" altLang="en-US"/>
           </a:p>
@@ -1404,7 +1841,7 @@
           <a:p>
             <a:fld id="{6DE1A611-D6DF-4801-8173-DB5B82166BEB}" type="datetimeFigureOut">
               <a:rPr lang="zh-CN" altLang="en-US" smtClean="0"/>
-              <a:t>2023/5/16</a:t>
+              <a:t>2023/5/21</a:t>
             </a:fld>
             <a:endParaRPr lang="zh-CN" altLang="en-US"/>
           </a:p>
@@ -1816,7 +2253,7 @@
           <a:p>
             <a:fld id="{6DE1A611-D6DF-4801-8173-DB5B82166BEB}" type="datetimeFigureOut">
               <a:rPr lang="zh-CN" altLang="en-US" smtClean="0"/>
-              <a:t>2023/5/16</a:t>
+              <a:t>2023/5/21</a:t>
             </a:fld>
             <a:endParaRPr lang="zh-CN" altLang="en-US"/>
           </a:p>
@@ -1957,7 +2394,7 @@
           <a:p>
             <a:fld id="{6DE1A611-D6DF-4801-8173-DB5B82166BEB}" type="datetimeFigureOut">
               <a:rPr lang="zh-CN" altLang="en-US" smtClean="0"/>
-              <a:t>2023/5/16</a:t>
+              <a:t>2023/5/21</a:t>
             </a:fld>
             <a:endParaRPr lang="zh-CN" altLang="en-US"/>
           </a:p>
@@ -2070,7 +2507,7 @@
           <a:p>
             <a:fld id="{6DE1A611-D6DF-4801-8173-DB5B82166BEB}" type="datetimeFigureOut">
               <a:rPr lang="zh-CN" altLang="en-US" smtClean="0"/>
-              <a:t>2023/5/16</a:t>
+              <a:t>2023/5/21</a:t>
             </a:fld>
             <a:endParaRPr lang="zh-CN" altLang="en-US"/>
           </a:p>
@@ -2381,7 +2818,7 @@
           <a:p>
             <a:fld id="{6DE1A611-D6DF-4801-8173-DB5B82166BEB}" type="datetimeFigureOut">
               <a:rPr lang="zh-CN" altLang="en-US" smtClean="0"/>
-              <a:t>2023/5/16</a:t>
+              <a:t>2023/5/21</a:t>
             </a:fld>
             <a:endParaRPr lang="zh-CN" altLang="en-US"/>
           </a:p>
@@ -2669,7 +3106,7 @@
           <a:p>
             <a:fld id="{6DE1A611-D6DF-4801-8173-DB5B82166BEB}" type="datetimeFigureOut">
               <a:rPr lang="zh-CN" altLang="en-US" smtClean="0"/>
-              <a:t>2023/5/16</a:t>
+              <a:t>2023/5/21</a:t>
             </a:fld>
             <a:endParaRPr lang="zh-CN" altLang="en-US"/>
           </a:p>
@@ -2910,7 +3347,7 @@
           <a:p>
             <a:fld id="{6DE1A611-D6DF-4801-8173-DB5B82166BEB}" type="datetimeFigureOut">
               <a:rPr lang="zh-CN" altLang="en-US" smtClean="0"/>
-              <a:t>2023/5/16</a:t>
+              <a:t>2023/5/21</a:t>
             </a:fld>
             <a:endParaRPr lang="zh-CN" altLang="en-US"/>
           </a:p>
@@ -6318,6 +6755,6938 @@
 </p:sld>
 </file>
 
+<file path=ppt/slides/slide3.xml><?xml version="1.0" encoding="utf-8"?>
+<p:sld xmlns:a="http://schemas.openxmlformats.org/drawingml/2006/main" xmlns:r="http://schemas.openxmlformats.org/officeDocument/2006/relationships" xmlns:p="http://schemas.openxmlformats.org/presentationml/2006/main">
+  <p:cSld>
+    <p:spTree>
+      <p:nvGrpSpPr>
+        <p:cNvPr id="1" name=""/>
+        <p:cNvGrpSpPr/>
+        <p:nvPr/>
+      </p:nvGrpSpPr>
+      <p:grpSpPr>
+        <a:xfrm>
+          <a:off x="0" y="0"/>
+          <a:ext cx="0" cy="0"/>
+          <a:chOff x="0" y="0"/>
+          <a:chExt cx="0" cy="0"/>
+        </a:xfrm>
+      </p:grpSpPr>
+      <p:graphicFrame>
+        <p:nvGraphicFramePr>
+          <p:cNvPr id="187" name="表格 186">
+            <a:extLst>
+              <a:ext uri="{FF2B5EF4-FFF2-40B4-BE49-F238E27FC236}">
+                <a16:creationId xmlns:a16="http://schemas.microsoft.com/office/drawing/2014/main" id="{084AA13C-D8BD-C504-CB32-00D4FD22A8EE}"/>
+              </a:ext>
+            </a:extLst>
+          </p:cNvPr>
+          <p:cNvGraphicFramePr>
+            <a:graphicFrameLocks noGrp="1"/>
+          </p:cNvGraphicFramePr>
+          <p:nvPr>
+            <p:extLst>
+              <p:ext uri="{D42A27DB-BD31-4B8C-83A1-F6EECF244321}">
+                <p14:modId xmlns:p14="http://schemas.microsoft.com/office/powerpoint/2010/main" val="2070038273"/>
+              </p:ext>
+            </p:extLst>
+          </p:nvPr>
+        </p:nvGraphicFramePr>
+        <p:xfrm>
+          <a:off x="250259" y="3157153"/>
+          <a:ext cx="1257675" cy="875520"/>
+        </p:xfrm>
+        <a:graphic>
+          <a:graphicData uri="http://schemas.openxmlformats.org/drawingml/2006/table">
+            <a:tbl>
+              <a:tblPr firstRow="1" bandRow="1">
+                <a:tableStyleId>{5940675A-B579-460E-94D1-54222C63F5DA}</a:tableStyleId>
+              </a:tblPr>
+              <a:tblGrid>
+                <a:gridCol w="1257675">
+                  <a:extLst>
+                    <a:ext uri="{9D8B030D-6E8A-4147-A177-3AD203B41FA5}">
+                      <a16:colId xmlns:a16="http://schemas.microsoft.com/office/drawing/2014/main" val="3450109719"/>
+                    </a:ext>
+                  </a:extLst>
+                </a:gridCol>
+              </a:tblGrid>
+              <a:tr h="127807">
+                <a:tc>
+                  <a:txBody>
+                    <a:bodyPr/>
+                    <a:lstStyle/>
+                    <a:p>
+                      <a:pPr algn="ctr"/>
+                      <a:r>
+                        <a:rPr lang="zh-CN" altLang="en-US" sz="1200"/>
+                        <a:t>全局变量 非</a:t>
+                      </a:r>
+                      <a:r>
+                        <a:rPr lang="en-US" altLang="zh-CN" sz="1200"/>
+                        <a:t>buffer</a:t>
+                      </a:r>
+                      <a:endParaRPr lang="zh-CN" altLang="en-US" sz="1200"/>
+                    </a:p>
+                  </a:txBody>
+                  <a:tcPr marL="18000" marR="18000" marT="18000" marB="18000">
+                    <a:solidFill>
+                      <a:schemeClr val="bg1">
+                        <a:lumMod val="85000"/>
+                      </a:schemeClr>
+                    </a:solidFill>
+                  </a:tcPr>
+                </a:tc>
+                <a:extLst>
+                  <a:ext uri="{0D108BD9-81ED-4DB2-BD59-A6C34878D82A}">
+                    <a16:rowId xmlns:a16="http://schemas.microsoft.com/office/drawing/2014/main" val="882242369"/>
+                  </a:ext>
+                </a:extLst>
+              </a:tr>
+              <a:tr h="0">
+                <a:tc>
+                  <a:txBody>
+                    <a:bodyPr/>
+                    <a:lstStyle/>
+                    <a:p>
+                      <a:pPr algn="ctr"/>
+                      <a:r>
+                        <a:rPr lang="en-US" altLang="zh-CN" sz="1200"/>
+                        <a:t>mainrdata_head</a:t>
+                      </a:r>
+                      <a:endParaRPr lang="zh-CN" altLang="en-US" sz="1200"/>
+                    </a:p>
+                  </a:txBody>
+                  <a:tcPr marL="18000" marR="18000" marT="18000" marB="18000"/>
+                </a:tc>
+                <a:extLst>
+                  <a:ext uri="{0D108BD9-81ED-4DB2-BD59-A6C34878D82A}">
+                    <a16:rowId xmlns:a16="http://schemas.microsoft.com/office/drawing/2014/main" val="3249990585"/>
+                  </a:ext>
+                </a:extLst>
+              </a:tr>
+              <a:tr h="127807">
+                <a:tc>
+                  <a:txBody>
+                    <a:bodyPr/>
+                    <a:lstStyle/>
+                    <a:p>
+                      <a:pPr marL="0" marR="0" lvl="0" indent="0" algn="ctr" defTabSz="914400" rtl="0" eaLnBrk="1" fontAlgn="auto" latinLnBrk="0" hangingPunct="1">
+                        <a:lnSpc>
+                          <a:spcPct val="100000"/>
+                        </a:lnSpc>
+                        <a:spcBef>
+                          <a:spcPts val="0"/>
+                        </a:spcBef>
+                        <a:spcAft>
+                          <a:spcPts val="0"/>
+                        </a:spcAft>
+                        <a:buClrTx/>
+                        <a:buSzTx/>
+                        <a:buFontTx/>
+                        <a:buNone/>
+                        <a:tabLst/>
+                        <a:defRPr/>
+                      </a:pPr>
+                      <a:r>
+                        <a:rPr lang="en-US" altLang="zh-CN" sz="1200"/>
+                        <a:t>mainrdata_last</a:t>
+                      </a:r>
+                      <a:endParaRPr lang="zh-CN" altLang="en-US" sz="1200"/>
+                    </a:p>
+                  </a:txBody>
+                  <a:tcPr marL="18000" marR="18000" marT="18000" marB="18000"/>
+                </a:tc>
+                <a:extLst>
+                  <a:ext uri="{0D108BD9-81ED-4DB2-BD59-A6C34878D82A}">
+                    <a16:rowId xmlns:a16="http://schemas.microsoft.com/office/drawing/2014/main" val="814788111"/>
+                  </a:ext>
+                </a:extLst>
+              </a:tr>
+              <a:tr h="127807">
+                <a:tc>
+                  <a:txBody>
+                    <a:bodyPr/>
+                    <a:lstStyle/>
+                    <a:p>
+                      <a:pPr marL="0" marR="0" lvl="0" indent="0" algn="ctr" defTabSz="914400" rtl="0" eaLnBrk="1" fontAlgn="auto" latinLnBrk="0" hangingPunct="1">
+                        <a:lnSpc>
+                          <a:spcPct val="100000"/>
+                        </a:lnSpc>
+                        <a:spcBef>
+                          <a:spcPts val="0"/>
+                        </a:spcBef>
+                        <a:spcAft>
+                          <a:spcPts val="0"/>
+                        </a:spcAft>
+                        <a:buClrTx/>
+                        <a:buSzTx/>
+                        <a:buFontTx/>
+                        <a:buNone/>
+                        <a:tabLst/>
+                        <a:defRPr/>
+                      </a:pPr>
+                      <a:r>
+                        <a:rPr lang="en-US" altLang="zh-CN" sz="1200"/>
+                        <a:t>mainrdata_len</a:t>
+                      </a:r>
+                      <a:endParaRPr lang="zh-CN" altLang="en-US" sz="1200"/>
+                    </a:p>
+                  </a:txBody>
+                  <a:tcPr marL="18000" marR="18000" marT="18000" marB="18000"/>
+                </a:tc>
+                <a:extLst>
+                  <a:ext uri="{0D108BD9-81ED-4DB2-BD59-A6C34878D82A}">
+                    <a16:rowId xmlns:a16="http://schemas.microsoft.com/office/drawing/2014/main" val="3617596648"/>
+                  </a:ext>
+                </a:extLst>
+              </a:tr>
+            </a:tbl>
+          </a:graphicData>
+        </a:graphic>
+      </p:graphicFrame>
+      <p:sp>
+        <p:nvSpPr>
+          <p:cNvPr id="2" name="文本框 1">
+            <a:extLst>
+              <a:ext uri="{FF2B5EF4-FFF2-40B4-BE49-F238E27FC236}">
+                <a16:creationId xmlns:a16="http://schemas.microsoft.com/office/drawing/2014/main" id="{9D27C8E7-BD67-9655-2338-5D77AAFD38B0}"/>
+              </a:ext>
+            </a:extLst>
+          </p:cNvPr>
+          <p:cNvSpPr txBox="1"/>
+          <p:nvPr/>
+        </p:nvSpPr>
+        <p:spPr>
+          <a:xfrm>
+            <a:off x="0" y="56948"/>
+            <a:ext cx="1333240" cy="276999"/>
+          </a:xfrm>
+          <a:prstGeom prst="rect">
+            <a:avLst/>
+          </a:prstGeom>
+          <a:noFill/>
+        </p:spPr>
+        <p:txBody>
+          <a:bodyPr wrap="square" rtlCol="0">
+            <a:spAutoFit/>
+          </a:bodyPr>
+          <a:lstStyle/>
+          <a:p>
+            <a:r>
+              <a:rPr lang="en-US" altLang="zh-CN" sz="1200"/>
+              <a:t>xlog</a:t>
+            </a:r>
+          </a:p>
+        </p:txBody>
+      </p:sp>
+      <p:graphicFrame>
+        <p:nvGraphicFramePr>
+          <p:cNvPr id="172" name="表格 171">
+            <a:extLst>
+              <a:ext uri="{FF2B5EF4-FFF2-40B4-BE49-F238E27FC236}">
+                <a16:creationId xmlns:a16="http://schemas.microsoft.com/office/drawing/2014/main" id="{1C7FA307-ED22-86D7-6700-84B404A75158}"/>
+              </a:ext>
+            </a:extLst>
+          </p:cNvPr>
+          <p:cNvGraphicFramePr>
+            <a:graphicFrameLocks noGrp="1"/>
+          </p:cNvGraphicFramePr>
+          <p:nvPr>
+            <p:extLst>
+              <p:ext uri="{D42A27DB-BD31-4B8C-83A1-F6EECF244321}">
+                <p14:modId xmlns:p14="http://schemas.microsoft.com/office/powerpoint/2010/main" val="1569065818"/>
+              </p:ext>
+            </p:extLst>
+          </p:nvPr>
+        </p:nvGraphicFramePr>
+        <p:xfrm>
+          <a:off x="1971488" y="1804330"/>
+          <a:ext cx="3703528" cy="875520"/>
+        </p:xfrm>
+        <a:graphic>
+          <a:graphicData uri="http://schemas.openxmlformats.org/drawingml/2006/table">
+            <a:tbl>
+              <a:tblPr firstRow="1" bandRow="1">
+                <a:tableStyleId>{5940675A-B579-460E-94D1-54222C63F5DA}</a:tableStyleId>
+              </a:tblPr>
+              <a:tblGrid>
+                <a:gridCol w="925882">
+                  <a:extLst>
+                    <a:ext uri="{9D8B030D-6E8A-4147-A177-3AD203B41FA5}">
+                      <a16:colId xmlns:a16="http://schemas.microsoft.com/office/drawing/2014/main" val="169595087"/>
+                    </a:ext>
+                  </a:extLst>
+                </a:gridCol>
+                <a:gridCol w="925882">
+                  <a:extLst>
+                    <a:ext uri="{9D8B030D-6E8A-4147-A177-3AD203B41FA5}">
+                      <a16:colId xmlns:a16="http://schemas.microsoft.com/office/drawing/2014/main" val="43907333"/>
+                    </a:ext>
+                  </a:extLst>
+                </a:gridCol>
+                <a:gridCol w="925882">
+                  <a:extLst>
+                    <a:ext uri="{9D8B030D-6E8A-4147-A177-3AD203B41FA5}">
+                      <a16:colId xmlns:a16="http://schemas.microsoft.com/office/drawing/2014/main" val="108386027"/>
+                    </a:ext>
+                  </a:extLst>
+                </a:gridCol>
+                <a:gridCol w="925882">
+                  <a:extLst>
+                    <a:ext uri="{9D8B030D-6E8A-4147-A177-3AD203B41FA5}">
+                      <a16:colId xmlns:a16="http://schemas.microsoft.com/office/drawing/2014/main" val="1440908449"/>
+                    </a:ext>
+                  </a:extLst>
+                </a:gridCol>
+              </a:tblGrid>
+              <a:tr h="0">
+                <a:tc>
+                  <a:txBody>
+                    <a:bodyPr/>
+                    <a:lstStyle/>
+                    <a:p>
+                      <a:pPr marL="0" marR="0" lvl="0" indent="0" algn="ctr" defTabSz="914400" rtl="0" eaLnBrk="1" fontAlgn="auto" latinLnBrk="0" hangingPunct="1">
+                        <a:lnSpc>
+                          <a:spcPct val="100000"/>
+                        </a:lnSpc>
+                        <a:spcBef>
+                          <a:spcPts val="0"/>
+                        </a:spcBef>
+                        <a:spcAft>
+                          <a:spcPts val="0"/>
+                        </a:spcAft>
+                        <a:buClrTx/>
+                        <a:buSzTx/>
+                        <a:buFontTx/>
+                        <a:buNone/>
+                        <a:tabLst/>
+                        <a:defRPr/>
+                      </a:pPr>
+                      <a:r>
+                        <a:rPr lang="en-US" altLang="zh-CN" sz="1200"/>
+                        <a:t>XLogRecData</a:t>
+                      </a:r>
+                      <a:endParaRPr lang="zh-CN" altLang="en-US" sz="1200"/>
+                    </a:p>
+                  </a:txBody>
+                  <a:tcPr marL="18000" marR="18000" marT="18000" marB="18000">
+                    <a:solidFill>
+                      <a:schemeClr val="accent1">
+                        <a:lumMod val="40000"/>
+                        <a:lumOff val="60000"/>
+                      </a:schemeClr>
+                    </a:solidFill>
+                  </a:tcPr>
+                </a:tc>
+                <a:tc>
+                  <a:txBody>
+                    <a:bodyPr/>
+                    <a:lstStyle/>
+                    <a:p>
+                      <a:pPr marL="0" marR="0" lvl="0" indent="0" algn="ctr" defTabSz="914400" rtl="0" eaLnBrk="1" fontAlgn="auto" latinLnBrk="0" hangingPunct="1">
+                        <a:lnSpc>
+                          <a:spcPct val="100000"/>
+                        </a:lnSpc>
+                        <a:spcBef>
+                          <a:spcPts val="0"/>
+                        </a:spcBef>
+                        <a:spcAft>
+                          <a:spcPts val="0"/>
+                        </a:spcAft>
+                        <a:buClrTx/>
+                        <a:buSzTx/>
+                        <a:buFontTx/>
+                        <a:buNone/>
+                        <a:tabLst/>
+                        <a:defRPr/>
+                      </a:pPr>
+                      <a:r>
+                        <a:rPr lang="en-US" altLang="zh-CN" sz="1200"/>
+                        <a:t>XLogRecData</a:t>
+                      </a:r>
+                      <a:endParaRPr lang="zh-CN" altLang="en-US" sz="1200"/>
+                    </a:p>
+                  </a:txBody>
+                  <a:tcPr marL="18000" marR="18000" marT="18000" marB="18000">
+                    <a:solidFill>
+                      <a:schemeClr val="accent1">
+                        <a:lumMod val="40000"/>
+                        <a:lumOff val="60000"/>
+                      </a:schemeClr>
+                    </a:solidFill>
+                  </a:tcPr>
+                </a:tc>
+                <a:tc>
+                  <a:txBody>
+                    <a:bodyPr/>
+                    <a:lstStyle/>
+                    <a:p>
+                      <a:pPr marL="0" marR="0" lvl="0" indent="0" algn="ctr" defTabSz="914400" rtl="0" eaLnBrk="1" fontAlgn="auto" latinLnBrk="0" hangingPunct="1">
+                        <a:lnSpc>
+                          <a:spcPct val="100000"/>
+                        </a:lnSpc>
+                        <a:spcBef>
+                          <a:spcPts val="0"/>
+                        </a:spcBef>
+                        <a:spcAft>
+                          <a:spcPts val="0"/>
+                        </a:spcAft>
+                        <a:buClrTx/>
+                        <a:buSzTx/>
+                        <a:buFontTx/>
+                        <a:buNone/>
+                        <a:tabLst/>
+                        <a:defRPr/>
+                      </a:pPr>
+                      <a:r>
+                        <a:rPr lang="en-US" altLang="zh-CN" sz="1200"/>
+                        <a:t>XLogRecData</a:t>
+                      </a:r>
+                      <a:endParaRPr lang="zh-CN" altLang="en-US" sz="1200"/>
+                    </a:p>
+                  </a:txBody>
+                  <a:tcPr marL="18000" marR="18000" marT="18000" marB="18000">
+                    <a:solidFill>
+                      <a:schemeClr val="accent6">
+                        <a:lumMod val="40000"/>
+                        <a:lumOff val="60000"/>
+                      </a:schemeClr>
+                    </a:solidFill>
+                  </a:tcPr>
+                </a:tc>
+                <a:tc>
+                  <a:txBody>
+                    <a:bodyPr/>
+                    <a:lstStyle/>
+                    <a:p>
+                      <a:pPr marL="0" marR="0" lvl="0" indent="0" algn="ctr" defTabSz="914400" rtl="0" eaLnBrk="1" fontAlgn="auto" latinLnBrk="0" hangingPunct="1">
+                        <a:lnSpc>
+                          <a:spcPct val="100000"/>
+                        </a:lnSpc>
+                        <a:spcBef>
+                          <a:spcPts val="0"/>
+                        </a:spcBef>
+                        <a:spcAft>
+                          <a:spcPts val="0"/>
+                        </a:spcAft>
+                        <a:buClrTx/>
+                        <a:buSzTx/>
+                        <a:buFontTx/>
+                        <a:buNone/>
+                        <a:tabLst/>
+                        <a:defRPr/>
+                      </a:pPr>
+                      <a:r>
+                        <a:rPr lang="en-US" altLang="zh-CN" sz="1200"/>
+                        <a:t>XLogRecData</a:t>
+                      </a:r>
+                      <a:endParaRPr lang="zh-CN" altLang="en-US" sz="1200"/>
+                    </a:p>
+                  </a:txBody>
+                  <a:tcPr marL="18000" marR="18000" marT="18000" marB="18000">
+                    <a:solidFill>
+                      <a:schemeClr val="bg1">
+                        <a:lumMod val="85000"/>
+                      </a:schemeClr>
+                    </a:solidFill>
+                  </a:tcPr>
+                </a:tc>
+                <a:extLst>
+                  <a:ext uri="{0D108BD9-81ED-4DB2-BD59-A6C34878D82A}">
+                    <a16:rowId xmlns:a16="http://schemas.microsoft.com/office/drawing/2014/main" val="882242369"/>
+                  </a:ext>
+                </a:extLst>
+              </a:tr>
+              <a:tr h="0">
+                <a:tc>
+                  <a:txBody>
+                    <a:bodyPr/>
+                    <a:lstStyle/>
+                    <a:p>
+                      <a:pPr algn="ctr"/>
+                      <a:r>
+                        <a:rPr lang="en-US" altLang="zh-CN" sz="1200"/>
+                        <a:t>next</a:t>
+                      </a:r>
+                      <a:endParaRPr lang="zh-CN" altLang="en-US" sz="1200"/>
+                    </a:p>
+                  </a:txBody>
+                  <a:tcPr marL="18000" marR="18000" marT="18000" marB="18000"/>
+                </a:tc>
+                <a:tc>
+                  <a:txBody>
+                    <a:bodyPr/>
+                    <a:lstStyle/>
+                    <a:p>
+                      <a:pPr algn="ctr"/>
+                      <a:r>
+                        <a:rPr lang="en-US" altLang="zh-CN" sz="1200"/>
+                        <a:t>next</a:t>
+                      </a:r>
+                      <a:endParaRPr lang="zh-CN" altLang="en-US" sz="1200"/>
+                    </a:p>
+                  </a:txBody>
+                  <a:tcPr marL="18000" marR="18000" marT="18000" marB="18000"/>
+                </a:tc>
+                <a:tc>
+                  <a:txBody>
+                    <a:bodyPr/>
+                    <a:lstStyle/>
+                    <a:p>
+                      <a:pPr algn="ctr"/>
+                      <a:r>
+                        <a:rPr lang="en-US" altLang="zh-CN" sz="1200"/>
+                        <a:t>next</a:t>
+                      </a:r>
+                      <a:endParaRPr lang="zh-CN" altLang="en-US" sz="1200"/>
+                    </a:p>
+                  </a:txBody>
+                  <a:tcPr marL="18000" marR="18000" marT="18000" marB="18000"/>
+                </a:tc>
+                <a:tc>
+                  <a:txBody>
+                    <a:bodyPr/>
+                    <a:lstStyle/>
+                    <a:p>
+                      <a:pPr algn="ctr"/>
+                      <a:endParaRPr lang="zh-CN" altLang="en-US" sz="1200"/>
+                    </a:p>
+                  </a:txBody>
+                  <a:tcPr marL="18000" marR="18000" marT="18000" marB="18000"/>
+                </a:tc>
+                <a:extLst>
+                  <a:ext uri="{0D108BD9-81ED-4DB2-BD59-A6C34878D82A}">
+                    <a16:rowId xmlns:a16="http://schemas.microsoft.com/office/drawing/2014/main" val="3249990585"/>
+                  </a:ext>
+                </a:extLst>
+              </a:tr>
+              <a:tr h="0">
+                <a:tc>
+                  <a:txBody>
+                    <a:bodyPr/>
+                    <a:lstStyle/>
+                    <a:p>
+                      <a:pPr marL="0" marR="0" lvl="0" indent="0" algn="ctr" defTabSz="914400" rtl="0" eaLnBrk="1" fontAlgn="auto" latinLnBrk="0" hangingPunct="1">
+                        <a:lnSpc>
+                          <a:spcPct val="100000"/>
+                        </a:lnSpc>
+                        <a:spcBef>
+                          <a:spcPts val="0"/>
+                        </a:spcBef>
+                        <a:spcAft>
+                          <a:spcPts val="0"/>
+                        </a:spcAft>
+                        <a:buClrTx/>
+                        <a:buSzTx/>
+                        <a:buFontTx/>
+                        <a:buNone/>
+                        <a:tabLst/>
+                        <a:defRPr/>
+                      </a:pPr>
+                      <a:r>
+                        <a:rPr lang="en-US" altLang="zh-CN" sz="1200"/>
+                        <a:t>data</a:t>
+                      </a:r>
+                      <a:endParaRPr lang="zh-CN" altLang="en-US" sz="1200"/>
+                    </a:p>
+                  </a:txBody>
+                  <a:tcPr marL="18000" marR="18000" marT="18000" marB="18000"/>
+                </a:tc>
+                <a:tc>
+                  <a:txBody>
+                    <a:bodyPr/>
+                    <a:lstStyle/>
+                    <a:p>
+                      <a:pPr marL="0" marR="0" lvl="0" indent="0" algn="ctr" defTabSz="914400" rtl="0" eaLnBrk="1" fontAlgn="auto" latinLnBrk="0" hangingPunct="1">
+                        <a:lnSpc>
+                          <a:spcPct val="100000"/>
+                        </a:lnSpc>
+                        <a:spcBef>
+                          <a:spcPts val="0"/>
+                        </a:spcBef>
+                        <a:spcAft>
+                          <a:spcPts val="0"/>
+                        </a:spcAft>
+                        <a:buClrTx/>
+                        <a:buSzTx/>
+                        <a:buFontTx/>
+                        <a:buNone/>
+                        <a:tabLst/>
+                        <a:defRPr/>
+                      </a:pPr>
+                      <a:r>
+                        <a:rPr lang="en-US" altLang="zh-CN" sz="1200"/>
+                        <a:t>data</a:t>
+                      </a:r>
+                      <a:endParaRPr lang="zh-CN" altLang="en-US" sz="1200"/>
+                    </a:p>
+                  </a:txBody>
+                  <a:tcPr marL="18000" marR="18000" marT="18000" marB="18000"/>
+                </a:tc>
+                <a:tc>
+                  <a:txBody>
+                    <a:bodyPr/>
+                    <a:lstStyle/>
+                    <a:p>
+                      <a:pPr marL="0" marR="0" lvl="0" indent="0" algn="ctr" defTabSz="914400" rtl="0" eaLnBrk="1" fontAlgn="auto" latinLnBrk="0" hangingPunct="1">
+                        <a:lnSpc>
+                          <a:spcPct val="100000"/>
+                        </a:lnSpc>
+                        <a:spcBef>
+                          <a:spcPts val="0"/>
+                        </a:spcBef>
+                        <a:spcAft>
+                          <a:spcPts val="0"/>
+                        </a:spcAft>
+                        <a:buClrTx/>
+                        <a:buSzTx/>
+                        <a:buFontTx/>
+                        <a:buNone/>
+                        <a:tabLst/>
+                        <a:defRPr/>
+                      </a:pPr>
+                      <a:r>
+                        <a:rPr lang="en-US" altLang="zh-CN" sz="1200"/>
+                        <a:t>data</a:t>
+                      </a:r>
+                      <a:endParaRPr lang="zh-CN" altLang="en-US" sz="1200"/>
+                    </a:p>
+                  </a:txBody>
+                  <a:tcPr marL="18000" marR="18000" marT="18000" marB="18000"/>
+                </a:tc>
+                <a:tc>
+                  <a:txBody>
+                    <a:bodyPr/>
+                    <a:lstStyle/>
+                    <a:p>
+                      <a:pPr marL="0" marR="0" lvl="0" indent="0" algn="ctr" defTabSz="914400" rtl="0" eaLnBrk="1" fontAlgn="auto" latinLnBrk="0" hangingPunct="1">
+                        <a:lnSpc>
+                          <a:spcPct val="100000"/>
+                        </a:lnSpc>
+                        <a:spcBef>
+                          <a:spcPts val="0"/>
+                        </a:spcBef>
+                        <a:spcAft>
+                          <a:spcPts val="0"/>
+                        </a:spcAft>
+                        <a:buClrTx/>
+                        <a:buSzTx/>
+                        <a:buFontTx/>
+                        <a:buNone/>
+                        <a:tabLst/>
+                        <a:defRPr/>
+                      </a:pPr>
+                      <a:endParaRPr lang="zh-CN" altLang="en-US" sz="1200"/>
+                    </a:p>
+                  </a:txBody>
+                  <a:tcPr marL="18000" marR="18000" marT="18000" marB="18000"/>
+                </a:tc>
+                <a:extLst>
+                  <a:ext uri="{0D108BD9-81ED-4DB2-BD59-A6C34878D82A}">
+                    <a16:rowId xmlns:a16="http://schemas.microsoft.com/office/drawing/2014/main" val="814788111"/>
+                  </a:ext>
+                </a:extLst>
+              </a:tr>
+              <a:tr h="0">
+                <a:tc>
+                  <a:txBody>
+                    <a:bodyPr/>
+                    <a:lstStyle/>
+                    <a:p>
+                      <a:pPr marL="0" marR="0" lvl="0" indent="0" algn="ctr" defTabSz="914400" rtl="0" eaLnBrk="1" fontAlgn="auto" latinLnBrk="0" hangingPunct="1">
+                        <a:lnSpc>
+                          <a:spcPct val="100000"/>
+                        </a:lnSpc>
+                        <a:spcBef>
+                          <a:spcPts val="0"/>
+                        </a:spcBef>
+                        <a:spcAft>
+                          <a:spcPts val="0"/>
+                        </a:spcAft>
+                        <a:buClrTx/>
+                        <a:buSzTx/>
+                        <a:buFontTx/>
+                        <a:buNone/>
+                        <a:tabLst/>
+                        <a:defRPr/>
+                      </a:pPr>
+                      <a:r>
+                        <a:rPr lang="en-US" altLang="zh-CN" sz="1200"/>
+                        <a:t>len</a:t>
+                      </a:r>
+                      <a:endParaRPr lang="zh-CN" altLang="en-US" sz="1200"/>
+                    </a:p>
+                  </a:txBody>
+                  <a:tcPr marL="18000" marR="18000" marT="18000" marB="18000"/>
+                </a:tc>
+                <a:tc>
+                  <a:txBody>
+                    <a:bodyPr/>
+                    <a:lstStyle/>
+                    <a:p>
+                      <a:pPr marL="0" marR="0" lvl="0" indent="0" algn="ctr" defTabSz="914400" rtl="0" eaLnBrk="1" fontAlgn="auto" latinLnBrk="0" hangingPunct="1">
+                        <a:lnSpc>
+                          <a:spcPct val="100000"/>
+                        </a:lnSpc>
+                        <a:spcBef>
+                          <a:spcPts val="0"/>
+                        </a:spcBef>
+                        <a:spcAft>
+                          <a:spcPts val="0"/>
+                        </a:spcAft>
+                        <a:buClrTx/>
+                        <a:buSzTx/>
+                        <a:buFontTx/>
+                        <a:buNone/>
+                        <a:tabLst/>
+                        <a:defRPr/>
+                      </a:pPr>
+                      <a:r>
+                        <a:rPr lang="en-US" altLang="zh-CN" sz="1200"/>
+                        <a:t>len</a:t>
+                      </a:r>
+                      <a:endParaRPr lang="zh-CN" altLang="en-US" sz="1200"/>
+                    </a:p>
+                  </a:txBody>
+                  <a:tcPr marL="18000" marR="18000" marT="18000" marB="18000"/>
+                </a:tc>
+                <a:tc>
+                  <a:txBody>
+                    <a:bodyPr/>
+                    <a:lstStyle/>
+                    <a:p>
+                      <a:pPr marL="0" marR="0" lvl="0" indent="0" algn="ctr" defTabSz="914400" rtl="0" eaLnBrk="1" fontAlgn="auto" latinLnBrk="0" hangingPunct="1">
+                        <a:lnSpc>
+                          <a:spcPct val="100000"/>
+                        </a:lnSpc>
+                        <a:spcBef>
+                          <a:spcPts val="0"/>
+                        </a:spcBef>
+                        <a:spcAft>
+                          <a:spcPts val="0"/>
+                        </a:spcAft>
+                        <a:buClrTx/>
+                        <a:buSzTx/>
+                        <a:buFontTx/>
+                        <a:buNone/>
+                        <a:tabLst/>
+                        <a:defRPr/>
+                      </a:pPr>
+                      <a:r>
+                        <a:rPr lang="en-US" altLang="zh-CN" sz="1200"/>
+                        <a:t>len</a:t>
+                      </a:r>
+                      <a:endParaRPr lang="zh-CN" altLang="en-US" sz="1200"/>
+                    </a:p>
+                  </a:txBody>
+                  <a:tcPr marL="18000" marR="18000" marT="18000" marB="18000"/>
+                </a:tc>
+                <a:tc>
+                  <a:txBody>
+                    <a:bodyPr/>
+                    <a:lstStyle/>
+                    <a:p>
+                      <a:pPr marL="0" marR="0" lvl="0" indent="0" algn="ctr" defTabSz="914400" rtl="0" eaLnBrk="1" fontAlgn="auto" latinLnBrk="0" hangingPunct="1">
+                        <a:lnSpc>
+                          <a:spcPct val="100000"/>
+                        </a:lnSpc>
+                        <a:spcBef>
+                          <a:spcPts val="0"/>
+                        </a:spcBef>
+                        <a:spcAft>
+                          <a:spcPts val="0"/>
+                        </a:spcAft>
+                        <a:buClrTx/>
+                        <a:buSzTx/>
+                        <a:buFontTx/>
+                        <a:buNone/>
+                        <a:tabLst/>
+                        <a:defRPr/>
+                      </a:pPr>
+                      <a:endParaRPr lang="zh-CN" altLang="en-US" sz="1200"/>
+                    </a:p>
+                  </a:txBody>
+                  <a:tcPr marL="18000" marR="18000" marT="18000" marB="18000"/>
+                </a:tc>
+                <a:extLst>
+                  <a:ext uri="{0D108BD9-81ED-4DB2-BD59-A6C34878D82A}">
+                    <a16:rowId xmlns:a16="http://schemas.microsoft.com/office/drawing/2014/main" val="3617596648"/>
+                  </a:ext>
+                </a:extLst>
+              </a:tr>
+            </a:tbl>
+          </a:graphicData>
+        </a:graphic>
+      </p:graphicFrame>
+      <p:graphicFrame>
+        <p:nvGraphicFramePr>
+          <p:cNvPr id="173" name="表格 172">
+            <a:extLst>
+              <a:ext uri="{FF2B5EF4-FFF2-40B4-BE49-F238E27FC236}">
+                <a16:creationId xmlns:a16="http://schemas.microsoft.com/office/drawing/2014/main" id="{A6447D43-5C46-EC3B-B923-1DDE954C7ECC}"/>
+              </a:ext>
+            </a:extLst>
+          </p:cNvPr>
+          <p:cNvGraphicFramePr>
+            <a:graphicFrameLocks noGrp="1"/>
+          </p:cNvGraphicFramePr>
+          <p:nvPr>
+            <p:extLst>
+              <p:ext uri="{D42A27DB-BD31-4B8C-83A1-F6EECF244321}">
+                <p14:modId xmlns:p14="http://schemas.microsoft.com/office/powerpoint/2010/main" val="2680649541"/>
+              </p:ext>
+            </p:extLst>
+          </p:nvPr>
+        </p:nvGraphicFramePr>
+        <p:xfrm>
+          <a:off x="1923440" y="4001522"/>
+          <a:ext cx="3528834" cy="1969920"/>
+        </p:xfrm>
+        <a:graphic>
+          <a:graphicData uri="http://schemas.openxmlformats.org/drawingml/2006/table">
+            <a:tbl>
+              <a:tblPr firstRow="1" bandRow="1">
+                <a:tableStyleId>{5940675A-B579-460E-94D1-54222C63F5DA}</a:tableStyleId>
+              </a:tblPr>
+              <a:tblGrid>
+                <a:gridCol w="1176278">
+                  <a:extLst>
+                    <a:ext uri="{9D8B030D-6E8A-4147-A177-3AD203B41FA5}">
+                      <a16:colId xmlns:a16="http://schemas.microsoft.com/office/drawing/2014/main" val="3450109719"/>
+                    </a:ext>
+                  </a:extLst>
+                </a:gridCol>
+                <a:gridCol w="1176278">
+                  <a:extLst>
+                    <a:ext uri="{9D8B030D-6E8A-4147-A177-3AD203B41FA5}">
+                      <a16:colId xmlns:a16="http://schemas.microsoft.com/office/drawing/2014/main" val="2781238105"/>
+                    </a:ext>
+                  </a:extLst>
+                </a:gridCol>
+                <a:gridCol w="1176278">
+                  <a:extLst>
+                    <a:ext uri="{9D8B030D-6E8A-4147-A177-3AD203B41FA5}">
+                      <a16:colId xmlns:a16="http://schemas.microsoft.com/office/drawing/2014/main" val="847997279"/>
+                    </a:ext>
+                  </a:extLst>
+                </a:gridCol>
+              </a:tblGrid>
+              <a:tr h="0">
+                <a:tc>
+                  <a:txBody>
+                    <a:bodyPr/>
+                    <a:lstStyle/>
+                    <a:p>
+                      <a:r>
+                        <a:rPr lang="en-US" altLang="zh-CN" sz="1200"/>
+                        <a:t>registered_buffer</a:t>
+                      </a:r>
+                      <a:endParaRPr lang="zh-CN" altLang="en-US" sz="1200"/>
+                    </a:p>
+                  </a:txBody>
+                  <a:tcPr marL="18000" marR="18000" marT="18000" marB="18000">
+                    <a:solidFill>
+                      <a:schemeClr val="accent2">
+                        <a:lumMod val="40000"/>
+                        <a:lumOff val="60000"/>
+                      </a:schemeClr>
+                    </a:solidFill>
+                  </a:tcPr>
+                </a:tc>
+                <a:tc>
+                  <a:txBody>
+                    <a:bodyPr/>
+                    <a:lstStyle/>
+                    <a:p>
+                      <a:endParaRPr lang="zh-CN" altLang="en-US" sz="1200"/>
+                    </a:p>
+                  </a:txBody>
+                  <a:tcPr marL="18000" marR="18000" marT="18000" marB="18000">
+                    <a:solidFill>
+                      <a:schemeClr val="accent2">
+                        <a:lumMod val="40000"/>
+                        <a:lumOff val="60000"/>
+                      </a:schemeClr>
+                    </a:solidFill>
+                  </a:tcPr>
+                </a:tc>
+                <a:tc>
+                  <a:txBody>
+                    <a:bodyPr/>
+                    <a:lstStyle/>
+                    <a:p>
+                      <a:endParaRPr lang="zh-CN" altLang="en-US" sz="1200"/>
+                    </a:p>
+                  </a:txBody>
+                  <a:tcPr marL="18000" marR="18000" marT="18000" marB="18000">
+                    <a:solidFill>
+                      <a:schemeClr val="accent2">
+                        <a:lumMod val="40000"/>
+                        <a:lumOff val="60000"/>
+                      </a:schemeClr>
+                    </a:solidFill>
+                  </a:tcPr>
+                </a:tc>
+                <a:extLst>
+                  <a:ext uri="{0D108BD9-81ED-4DB2-BD59-A6C34878D82A}">
+                    <a16:rowId xmlns:a16="http://schemas.microsoft.com/office/drawing/2014/main" val="882242369"/>
+                  </a:ext>
+                </a:extLst>
+              </a:tr>
+              <a:tr h="0">
+                <a:tc>
+                  <a:txBody>
+                    <a:bodyPr/>
+                    <a:lstStyle/>
+                    <a:p>
+                      <a:pPr algn="ctr"/>
+                      <a:r>
+                        <a:rPr lang="en-US" altLang="zh-CN" sz="1200"/>
+                        <a:t>flag</a:t>
+                      </a:r>
+                      <a:endParaRPr lang="zh-CN" altLang="en-US" sz="1200"/>
+                    </a:p>
+                  </a:txBody>
+                  <a:tcPr marL="18000" marR="18000" marT="18000" marB="18000"/>
+                </a:tc>
+                <a:tc>
+                  <a:txBody>
+                    <a:bodyPr/>
+                    <a:lstStyle/>
+                    <a:p>
+                      <a:pPr algn="ctr"/>
+                      <a:endParaRPr lang="zh-CN" altLang="en-US" sz="1200"/>
+                    </a:p>
+                  </a:txBody>
+                  <a:tcPr marL="18000" marR="18000" marT="18000" marB="18000"/>
+                </a:tc>
+                <a:tc>
+                  <a:txBody>
+                    <a:bodyPr/>
+                    <a:lstStyle/>
+                    <a:p>
+                      <a:pPr algn="ctr"/>
+                      <a:endParaRPr lang="zh-CN" altLang="en-US" sz="1200"/>
+                    </a:p>
+                  </a:txBody>
+                  <a:tcPr marL="18000" marR="18000" marT="18000" marB="18000"/>
+                </a:tc>
+                <a:extLst>
+                  <a:ext uri="{0D108BD9-81ED-4DB2-BD59-A6C34878D82A}">
+                    <a16:rowId xmlns:a16="http://schemas.microsoft.com/office/drawing/2014/main" val="821473816"/>
+                  </a:ext>
+                </a:extLst>
+              </a:tr>
+              <a:tr h="0">
+                <a:tc>
+                  <a:txBody>
+                    <a:bodyPr/>
+                    <a:lstStyle/>
+                    <a:p>
+                      <a:pPr algn="ctr"/>
+                      <a:r>
+                        <a:rPr lang="en-US" altLang="zh-CN" sz="1200"/>
+                        <a:t>rnode</a:t>
+                      </a:r>
+                      <a:endParaRPr lang="zh-CN" altLang="en-US" sz="1200"/>
+                    </a:p>
+                  </a:txBody>
+                  <a:tcPr marL="18000" marR="18000" marT="18000" marB="18000"/>
+                </a:tc>
+                <a:tc>
+                  <a:txBody>
+                    <a:bodyPr/>
+                    <a:lstStyle/>
+                    <a:p>
+                      <a:pPr algn="ctr"/>
+                      <a:endParaRPr lang="zh-CN" altLang="en-US" sz="1200"/>
+                    </a:p>
+                  </a:txBody>
+                  <a:tcPr marL="18000" marR="18000" marT="18000" marB="18000"/>
+                </a:tc>
+                <a:tc>
+                  <a:txBody>
+                    <a:bodyPr/>
+                    <a:lstStyle/>
+                    <a:p>
+                      <a:pPr algn="ctr"/>
+                      <a:endParaRPr lang="zh-CN" altLang="en-US" sz="1200"/>
+                    </a:p>
+                  </a:txBody>
+                  <a:tcPr marL="18000" marR="18000" marT="18000" marB="18000"/>
+                </a:tc>
+                <a:extLst>
+                  <a:ext uri="{0D108BD9-81ED-4DB2-BD59-A6C34878D82A}">
+                    <a16:rowId xmlns:a16="http://schemas.microsoft.com/office/drawing/2014/main" val="2535815466"/>
+                  </a:ext>
+                </a:extLst>
+              </a:tr>
+              <a:tr h="0">
+                <a:tc>
+                  <a:txBody>
+                    <a:bodyPr/>
+                    <a:lstStyle/>
+                    <a:p>
+                      <a:pPr algn="ctr"/>
+                      <a:r>
+                        <a:rPr lang="en-US" altLang="zh-CN" sz="1200"/>
+                        <a:t>forkno</a:t>
+                      </a:r>
+                      <a:endParaRPr lang="zh-CN" altLang="en-US" sz="1200"/>
+                    </a:p>
+                  </a:txBody>
+                  <a:tcPr marL="18000" marR="18000" marT="18000" marB="18000"/>
+                </a:tc>
+                <a:tc>
+                  <a:txBody>
+                    <a:bodyPr/>
+                    <a:lstStyle/>
+                    <a:p>
+                      <a:pPr algn="ctr"/>
+                      <a:endParaRPr lang="zh-CN" altLang="en-US" sz="1200"/>
+                    </a:p>
+                  </a:txBody>
+                  <a:tcPr marL="18000" marR="18000" marT="18000" marB="18000"/>
+                </a:tc>
+                <a:tc>
+                  <a:txBody>
+                    <a:bodyPr/>
+                    <a:lstStyle/>
+                    <a:p>
+                      <a:pPr algn="ctr"/>
+                      <a:endParaRPr lang="zh-CN" altLang="en-US" sz="1200"/>
+                    </a:p>
+                  </a:txBody>
+                  <a:tcPr marL="18000" marR="18000" marT="18000" marB="18000"/>
+                </a:tc>
+                <a:extLst>
+                  <a:ext uri="{0D108BD9-81ED-4DB2-BD59-A6C34878D82A}">
+                    <a16:rowId xmlns:a16="http://schemas.microsoft.com/office/drawing/2014/main" val="3249990585"/>
+                  </a:ext>
+                </a:extLst>
+              </a:tr>
+              <a:tr h="0">
+                <a:tc>
+                  <a:txBody>
+                    <a:bodyPr/>
+                    <a:lstStyle/>
+                    <a:p>
+                      <a:pPr algn="ctr"/>
+                      <a:r>
+                        <a:rPr lang="en-US" altLang="zh-CN" sz="1200"/>
+                        <a:t>block</a:t>
+                      </a:r>
+                      <a:endParaRPr lang="zh-CN" altLang="en-US" sz="1200"/>
+                    </a:p>
+                  </a:txBody>
+                  <a:tcPr marL="18000" marR="18000" marT="18000" marB="18000"/>
+                </a:tc>
+                <a:tc>
+                  <a:txBody>
+                    <a:bodyPr/>
+                    <a:lstStyle/>
+                    <a:p>
+                      <a:pPr algn="ctr"/>
+                      <a:endParaRPr lang="zh-CN" altLang="en-US" sz="1200"/>
+                    </a:p>
+                  </a:txBody>
+                  <a:tcPr marL="18000" marR="18000" marT="18000" marB="18000"/>
+                </a:tc>
+                <a:tc>
+                  <a:txBody>
+                    <a:bodyPr/>
+                    <a:lstStyle/>
+                    <a:p>
+                      <a:pPr algn="ctr"/>
+                      <a:endParaRPr lang="zh-CN" altLang="en-US" sz="1200"/>
+                    </a:p>
+                  </a:txBody>
+                  <a:tcPr marL="18000" marR="18000" marT="18000" marB="18000"/>
+                </a:tc>
+                <a:extLst>
+                  <a:ext uri="{0D108BD9-81ED-4DB2-BD59-A6C34878D82A}">
+                    <a16:rowId xmlns:a16="http://schemas.microsoft.com/office/drawing/2014/main" val="814788111"/>
+                  </a:ext>
+                </a:extLst>
+              </a:tr>
+              <a:tr h="0">
+                <a:tc>
+                  <a:txBody>
+                    <a:bodyPr/>
+                    <a:lstStyle/>
+                    <a:p>
+                      <a:pPr algn="ctr"/>
+                      <a:r>
+                        <a:rPr lang="en-US" altLang="zh-CN" sz="1200"/>
+                        <a:t>page</a:t>
+                      </a:r>
+                      <a:endParaRPr lang="zh-CN" altLang="en-US" sz="1200"/>
+                    </a:p>
+                  </a:txBody>
+                  <a:tcPr marL="18000" marR="18000" marT="18000" marB="18000"/>
+                </a:tc>
+                <a:tc>
+                  <a:txBody>
+                    <a:bodyPr/>
+                    <a:lstStyle/>
+                    <a:p>
+                      <a:pPr algn="ctr"/>
+                      <a:endParaRPr lang="zh-CN" altLang="en-US" sz="1200"/>
+                    </a:p>
+                  </a:txBody>
+                  <a:tcPr marL="18000" marR="18000" marT="18000" marB="18000"/>
+                </a:tc>
+                <a:tc>
+                  <a:txBody>
+                    <a:bodyPr/>
+                    <a:lstStyle/>
+                    <a:p>
+                      <a:pPr algn="ctr"/>
+                      <a:endParaRPr lang="zh-CN" altLang="en-US" sz="1200"/>
+                    </a:p>
+                  </a:txBody>
+                  <a:tcPr marL="18000" marR="18000" marT="18000" marB="18000"/>
+                </a:tc>
+                <a:extLst>
+                  <a:ext uri="{0D108BD9-81ED-4DB2-BD59-A6C34878D82A}">
+                    <a16:rowId xmlns:a16="http://schemas.microsoft.com/office/drawing/2014/main" val="2444399187"/>
+                  </a:ext>
+                </a:extLst>
+              </a:tr>
+              <a:tr h="0">
+                <a:tc>
+                  <a:txBody>
+                    <a:bodyPr/>
+                    <a:lstStyle/>
+                    <a:p>
+                      <a:pPr algn="ctr"/>
+                      <a:r>
+                        <a:rPr lang="en-US" altLang="zh-CN" sz="1200"/>
+                        <a:t>rdata_len</a:t>
+                      </a:r>
+                      <a:endParaRPr lang="zh-CN" altLang="en-US" sz="1200"/>
+                    </a:p>
+                  </a:txBody>
+                  <a:tcPr marL="18000" marR="18000" marT="18000" marB="18000"/>
+                </a:tc>
+                <a:tc>
+                  <a:txBody>
+                    <a:bodyPr/>
+                    <a:lstStyle/>
+                    <a:p>
+                      <a:pPr algn="ctr"/>
+                      <a:endParaRPr lang="zh-CN" altLang="en-US" sz="1200"/>
+                    </a:p>
+                  </a:txBody>
+                  <a:tcPr marL="18000" marR="18000" marT="18000" marB="18000"/>
+                </a:tc>
+                <a:tc>
+                  <a:txBody>
+                    <a:bodyPr/>
+                    <a:lstStyle/>
+                    <a:p>
+                      <a:pPr algn="ctr"/>
+                      <a:endParaRPr lang="zh-CN" altLang="en-US" sz="1200"/>
+                    </a:p>
+                  </a:txBody>
+                  <a:tcPr marL="18000" marR="18000" marT="18000" marB="18000"/>
+                </a:tc>
+                <a:extLst>
+                  <a:ext uri="{0D108BD9-81ED-4DB2-BD59-A6C34878D82A}">
+                    <a16:rowId xmlns:a16="http://schemas.microsoft.com/office/drawing/2014/main" val="4199591112"/>
+                  </a:ext>
+                </a:extLst>
+              </a:tr>
+              <a:tr h="0">
+                <a:tc>
+                  <a:txBody>
+                    <a:bodyPr/>
+                    <a:lstStyle/>
+                    <a:p>
+                      <a:pPr algn="ctr"/>
+                      <a:r>
+                        <a:rPr lang="en-US" altLang="zh-CN" sz="1200"/>
+                        <a:t>rdata_head</a:t>
+                      </a:r>
+                      <a:endParaRPr lang="zh-CN" altLang="en-US" sz="1200"/>
+                    </a:p>
+                  </a:txBody>
+                  <a:tcPr marL="18000" marR="18000" marT="18000" marB="18000"/>
+                </a:tc>
+                <a:tc>
+                  <a:txBody>
+                    <a:bodyPr/>
+                    <a:lstStyle/>
+                    <a:p>
+                      <a:pPr algn="ctr"/>
+                      <a:endParaRPr lang="zh-CN" altLang="en-US" sz="1200"/>
+                    </a:p>
+                  </a:txBody>
+                  <a:tcPr marL="18000" marR="18000" marT="18000" marB="18000"/>
+                </a:tc>
+                <a:tc>
+                  <a:txBody>
+                    <a:bodyPr/>
+                    <a:lstStyle/>
+                    <a:p>
+                      <a:pPr algn="ctr"/>
+                      <a:endParaRPr lang="zh-CN" altLang="en-US" sz="1200"/>
+                    </a:p>
+                  </a:txBody>
+                  <a:tcPr marL="18000" marR="18000" marT="18000" marB="18000"/>
+                </a:tc>
+                <a:extLst>
+                  <a:ext uri="{0D108BD9-81ED-4DB2-BD59-A6C34878D82A}">
+                    <a16:rowId xmlns:a16="http://schemas.microsoft.com/office/drawing/2014/main" val="1458723113"/>
+                  </a:ext>
+                </a:extLst>
+              </a:tr>
+              <a:tr h="0">
+                <a:tc>
+                  <a:txBody>
+                    <a:bodyPr/>
+                    <a:lstStyle/>
+                    <a:p>
+                      <a:pPr algn="ctr"/>
+                      <a:r>
+                        <a:rPr lang="en-US" altLang="zh-CN" sz="1200"/>
+                        <a:t>rdata_tail</a:t>
+                      </a:r>
+                      <a:endParaRPr lang="zh-CN" altLang="en-US" sz="1200"/>
+                    </a:p>
+                  </a:txBody>
+                  <a:tcPr marL="18000" marR="18000" marT="18000" marB="18000"/>
+                </a:tc>
+                <a:tc>
+                  <a:txBody>
+                    <a:bodyPr/>
+                    <a:lstStyle/>
+                    <a:p>
+                      <a:pPr algn="ctr"/>
+                      <a:endParaRPr lang="zh-CN" altLang="en-US" sz="1200"/>
+                    </a:p>
+                  </a:txBody>
+                  <a:tcPr marL="18000" marR="18000" marT="18000" marB="18000"/>
+                </a:tc>
+                <a:tc>
+                  <a:txBody>
+                    <a:bodyPr/>
+                    <a:lstStyle/>
+                    <a:p>
+                      <a:pPr algn="ctr"/>
+                      <a:endParaRPr lang="zh-CN" altLang="en-US" sz="1200"/>
+                    </a:p>
+                  </a:txBody>
+                  <a:tcPr marL="18000" marR="18000" marT="18000" marB="18000"/>
+                </a:tc>
+                <a:extLst>
+                  <a:ext uri="{0D108BD9-81ED-4DB2-BD59-A6C34878D82A}">
+                    <a16:rowId xmlns:a16="http://schemas.microsoft.com/office/drawing/2014/main" val="633029353"/>
+                  </a:ext>
+                </a:extLst>
+              </a:tr>
+            </a:tbl>
+          </a:graphicData>
+        </a:graphic>
+      </p:graphicFrame>
+      <p:graphicFrame>
+        <p:nvGraphicFramePr>
+          <p:cNvPr id="174" name="表格 173">
+            <a:extLst>
+              <a:ext uri="{FF2B5EF4-FFF2-40B4-BE49-F238E27FC236}">
+                <a16:creationId xmlns:a16="http://schemas.microsoft.com/office/drawing/2014/main" id="{A2FECB16-B8B9-4191-3F09-E425A218E4CC}"/>
+              </a:ext>
+            </a:extLst>
+          </p:cNvPr>
+          <p:cNvGraphicFramePr>
+            <a:graphicFrameLocks noGrp="1"/>
+          </p:cNvGraphicFramePr>
+          <p:nvPr>
+            <p:extLst>
+              <p:ext uri="{D42A27DB-BD31-4B8C-83A1-F6EECF244321}">
+                <p14:modId xmlns:p14="http://schemas.microsoft.com/office/powerpoint/2010/main" val="303067605"/>
+              </p:ext>
+            </p:extLst>
+          </p:nvPr>
+        </p:nvGraphicFramePr>
+        <p:xfrm>
+          <a:off x="250259" y="1809701"/>
+          <a:ext cx="1257675" cy="875520"/>
+        </p:xfrm>
+        <a:graphic>
+          <a:graphicData uri="http://schemas.openxmlformats.org/drawingml/2006/table">
+            <a:tbl>
+              <a:tblPr firstRow="1" bandRow="1">
+                <a:tableStyleId>{5940675A-B579-460E-94D1-54222C63F5DA}</a:tableStyleId>
+              </a:tblPr>
+              <a:tblGrid>
+                <a:gridCol w="1257675">
+                  <a:extLst>
+                    <a:ext uri="{9D8B030D-6E8A-4147-A177-3AD203B41FA5}">
+                      <a16:colId xmlns:a16="http://schemas.microsoft.com/office/drawing/2014/main" val="3450109719"/>
+                    </a:ext>
+                  </a:extLst>
+                </a:gridCol>
+              </a:tblGrid>
+              <a:tr h="127807">
+                <a:tc>
+                  <a:txBody>
+                    <a:bodyPr/>
+                    <a:lstStyle/>
+                    <a:p>
+                      <a:pPr algn="ctr"/>
+                      <a:r>
+                        <a:rPr lang="zh-CN" altLang="en-US" sz="1200"/>
+                        <a:t>全局变量</a:t>
+                      </a:r>
+                    </a:p>
+                  </a:txBody>
+                  <a:tcPr marL="18000" marR="18000" marT="18000" marB="18000">
+                    <a:solidFill>
+                      <a:schemeClr val="bg1">
+                        <a:lumMod val="85000"/>
+                      </a:schemeClr>
+                    </a:solidFill>
+                  </a:tcPr>
+                </a:tc>
+                <a:extLst>
+                  <a:ext uri="{0D108BD9-81ED-4DB2-BD59-A6C34878D82A}">
+                    <a16:rowId xmlns:a16="http://schemas.microsoft.com/office/drawing/2014/main" val="882242369"/>
+                  </a:ext>
+                </a:extLst>
+              </a:tr>
+              <a:tr h="0">
+                <a:tc>
+                  <a:txBody>
+                    <a:bodyPr/>
+                    <a:lstStyle/>
+                    <a:p>
+                      <a:pPr algn="ctr"/>
+                      <a:r>
+                        <a:rPr lang="en-US" altLang="zh-CN" sz="1200"/>
+                        <a:t>rdatas[</a:t>
+                      </a:r>
+                      <a:r>
+                        <a:rPr lang="zh-CN" altLang="en-US" sz="1200"/>
+                        <a:t>数组</a:t>
+                      </a:r>
+                      <a:r>
+                        <a:rPr lang="en-US" altLang="zh-CN" sz="1200"/>
+                        <a:t>]</a:t>
+                      </a:r>
+                      <a:endParaRPr lang="zh-CN" altLang="en-US" sz="1200"/>
+                    </a:p>
+                  </a:txBody>
+                  <a:tcPr marL="18000" marR="18000" marT="18000" marB="18000"/>
+                </a:tc>
+                <a:extLst>
+                  <a:ext uri="{0D108BD9-81ED-4DB2-BD59-A6C34878D82A}">
+                    <a16:rowId xmlns:a16="http://schemas.microsoft.com/office/drawing/2014/main" val="3249990585"/>
+                  </a:ext>
+                </a:extLst>
+              </a:tr>
+              <a:tr h="127807">
+                <a:tc>
+                  <a:txBody>
+                    <a:bodyPr/>
+                    <a:lstStyle/>
+                    <a:p>
+                      <a:pPr marL="0" marR="0" lvl="0" indent="0" algn="ctr" defTabSz="914400" rtl="0" eaLnBrk="1" fontAlgn="auto" latinLnBrk="0" hangingPunct="1">
+                        <a:lnSpc>
+                          <a:spcPct val="100000"/>
+                        </a:lnSpc>
+                        <a:spcBef>
+                          <a:spcPts val="0"/>
+                        </a:spcBef>
+                        <a:spcAft>
+                          <a:spcPts val="0"/>
+                        </a:spcAft>
+                        <a:buClrTx/>
+                        <a:buSzTx/>
+                        <a:buFontTx/>
+                        <a:buNone/>
+                        <a:tabLst/>
+                        <a:defRPr/>
+                      </a:pPr>
+                      <a:r>
+                        <a:rPr lang="en-US" altLang="zh-CN" sz="1200"/>
+                        <a:t>num_rdatas</a:t>
+                      </a:r>
+                      <a:endParaRPr lang="zh-CN" altLang="en-US" sz="1200"/>
+                    </a:p>
+                  </a:txBody>
+                  <a:tcPr marL="18000" marR="18000" marT="18000" marB="18000"/>
+                </a:tc>
+                <a:extLst>
+                  <a:ext uri="{0D108BD9-81ED-4DB2-BD59-A6C34878D82A}">
+                    <a16:rowId xmlns:a16="http://schemas.microsoft.com/office/drawing/2014/main" val="814788111"/>
+                  </a:ext>
+                </a:extLst>
+              </a:tr>
+              <a:tr h="127807">
+                <a:tc>
+                  <a:txBody>
+                    <a:bodyPr/>
+                    <a:lstStyle/>
+                    <a:p>
+                      <a:pPr marL="0" marR="0" lvl="0" indent="0" algn="ctr" defTabSz="914400" rtl="0" eaLnBrk="1" fontAlgn="auto" latinLnBrk="0" hangingPunct="1">
+                        <a:lnSpc>
+                          <a:spcPct val="100000"/>
+                        </a:lnSpc>
+                        <a:spcBef>
+                          <a:spcPts val="0"/>
+                        </a:spcBef>
+                        <a:spcAft>
+                          <a:spcPts val="0"/>
+                        </a:spcAft>
+                        <a:buClrTx/>
+                        <a:buSzTx/>
+                        <a:buFontTx/>
+                        <a:buNone/>
+                        <a:tabLst/>
+                        <a:defRPr/>
+                      </a:pPr>
+                      <a:r>
+                        <a:rPr lang="en-US" altLang="zh-CN" sz="1200"/>
+                        <a:t>max_rdatas</a:t>
+                      </a:r>
+                      <a:endParaRPr lang="zh-CN" altLang="en-US" sz="1200"/>
+                    </a:p>
+                  </a:txBody>
+                  <a:tcPr marL="18000" marR="18000" marT="18000" marB="18000"/>
+                </a:tc>
+                <a:extLst>
+                  <a:ext uri="{0D108BD9-81ED-4DB2-BD59-A6C34878D82A}">
+                    <a16:rowId xmlns:a16="http://schemas.microsoft.com/office/drawing/2014/main" val="3617596648"/>
+                  </a:ext>
+                </a:extLst>
+              </a:tr>
+            </a:tbl>
+          </a:graphicData>
+        </a:graphic>
+      </p:graphicFrame>
+      <p:sp>
+        <p:nvSpPr>
+          <p:cNvPr id="175" name="文本框 174">
+            <a:extLst>
+              <a:ext uri="{FF2B5EF4-FFF2-40B4-BE49-F238E27FC236}">
+                <a16:creationId xmlns:a16="http://schemas.microsoft.com/office/drawing/2014/main" id="{857A5F3A-126B-BB28-5785-D44876C2C2B9}"/>
+              </a:ext>
+            </a:extLst>
+          </p:cNvPr>
+          <p:cNvSpPr txBox="1"/>
+          <p:nvPr/>
+        </p:nvSpPr>
+        <p:spPr>
+          <a:xfrm>
+            <a:off x="811204" y="784334"/>
+            <a:ext cx="2147650" cy="276999"/>
+          </a:xfrm>
+          <a:prstGeom prst="rect">
+            <a:avLst/>
+          </a:prstGeom>
+          <a:noFill/>
+        </p:spPr>
+        <p:txBody>
+          <a:bodyPr wrap="square" rtlCol="0">
+            <a:spAutoFit/>
+          </a:bodyPr>
+          <a:lstStyle/>
+          <a:p>
+            <a:r>
+              <a:rPr lang="en-US" altLang="zh-CN" sz="1200">
+                <a:solidFill>
+                  <a:schemeClr val="accent1">
+                    <a:lumMod val="75000"/>
+                  </a:schemeClr>
+                </a:solidFill>
+              </a:rPr>
+              <a:t>1 XLogRegisterData(data, len)</a:t>
+            </a:r>
+          </a:p>
+        </p:txBody>
+      </p:sp>
+      <p:sp>
+        <p:nvSpPr>
+          <p:cNvPr id="176" name="矩形 175">
+            <a:extLst>
+              <a:ext uri="{FF2B5EF4-FFF2-40B4-BE49-F238E27FC236}">
+                <a16:creationId xmlns:a16="http://schemas.microsoft.com/office/drawing/2014/main" id="{358A0FA7-7DDC-9763-447C-1BE7DA919E9D}"/>
+              </a:ext>
+            </a:extLst>
+          </p:cNvPr>
+          <p:cNvSpPr/>
+          <p:nvPr/>
+        </p:nvSpPr>
+        <p:spPr>
+          <a:xfrm>
+            <a:off x="1838919" y="1095381"/>
+            <a:ext cx="664356" cy="217861"/>
+          </a:xfrm>
+          <a:prstGeom prst="rect">
+            <a:avLst/>
+          </a:prstGeom>
+          <a:solidFill>
+            <a:schemeClr val="accent3">
+              <a:lumMod val="40000"/>
+              <a:lumOff val="60000"/>
+            </a:schemeClr>
+          </a:solidFill>
+          <a:ln>
+            <a:solidFill>
+              <a:schemeClr val="bg1">
+                <a:lumMod val="65000"/>
+              </a:schemeClr>
+            </a:solidFill>
+          </a:ln>
+          <a:effectLst>
+            <a:outerShdw blurRad="50800" dist="38100" dir="2700000" algn="tl" rotWithShape="0">
+              <a:prstClr val="black">
+                <a:alpha val="40000"/>
+              </a:prstClr>
+            </a:outerShdw>
+          </a:effectLst>
+        </p:spPr>
+        <p:style>
+          <a:lnRef idx="2">
+            <a:schemeClr val="accent1">
+              <a:shade val="50000"/>
+            </a:schemeClr>
+          </a:lnRef>
+          <a:fillRef idx="1">
+            <a:schemeClr val="accent1"/>
+          </a:fillRef>
+          <a:effectRef idx="0">
+            <a:schemeClr val="accent1"/>
+          </a:effectRef>
+          <a:fontRef idx="minor">
+            <a:schemeClr val="lt1"/>
+          </a:fontRef>
+        </p:style>
+        <p:txBody>
+          <a:bodyPr rtlCol="0" anchor="ctr"/>
+          <a:lstStyle/>
+          <a:p>
+            <a:pPr algn="ctr"/>
+            <a:r>
+              <a:rPr lang="en-US" altLang="zh-CN" sz="1200">
+                <a:solidFill>
+                  <a:schemeClr val="tx1"/>
+                </a:solidFill>
+              </a:rPr>
+              <a:t>data</a:t>
+            </a:r>
+            <a:endParaRPr lang="zh-CN" altLang="en-US" sz="1200">
+              <a:solidFill>
+                <a:schemeClr val="tx1"/>
+              </a:solidFill>
+            </a:endParaRPr>
+          </a:p>
+        </p:txBody>
+      </p:sp>
+      <p:sp>
+        <p:nvSpPr>
+          <p:cNvPr id="177" name="矩形 176">
+            <a:extLst>
+              <a:ext uri="{FF2B5EF4-FFF2-40B4-BE49-F238E27FC236}">
+                <a16:creationId xmlns:a16="http://schemas.microsoft.com/office/drawing/2014/main" id="{842CA598-118D-E2ED-EFD7-3421835D8CC6}"/>
+              </a:ext>
+            </a:extLst>
+          </p:cNvPr>
+          <p:cNvSpPr/>
+          <p:nvPr/>
+        </p:nvSpPr>
+        <p:spPr>
+          <a:xfrm>
+            <a:off x="2514697" y="1095381"/>
+            <a:ext cx="664357" cy="217861"/>
+          </a:xfrm>
+          <a:prstGeom prst="rect">
+            <a:avLst/>
+          </a:prstGeom>
+          <a:solidFill>
+            <a:schemeClr val="accent3">
+              <a:lumMod val="40000"/>
+              <a:lumOff val="60000"/>
+            </a:schemeClr>
+          </a:solidFill>
+          <a:ln>
+            <a:solidFill>
+              <a:schemeClr val="bg1">
+                <a:lumMod val="65000"/>
+              </a:schemeClr>
+            </a:solidFill>
+          </a:ln>
+          <a:effectLst>
+            <a:outerShdw blurRad="50800" dist="38100" dir="2700000" algn="tl" rotWithShape="0">
+              <a:prstClr val="black">
+                <a:alpha val="40000"/>
+              </a:prstClr>
+            </a:outerShdw>
+          </a:effectLst>
+        </p:spPr>
+        <p:style>
+          <a:lnRef idx="2">
+            <a:schemeClr val="accent1">
+              <a:shade val="50000"/>
+            </a:schemeClr>
+          </a:lnRef>
+          <a:fillRef idx="1">
+            <a:schemeClr val="accent1"/>
+          </a:fillRef>
+          <a:effectRef idx="0">
+            <a:schemeClr val="accent1"/>
+          </a:effectRef>
+          <a:fontRef idx="minor">
+            <a:schemeClr val="lt1"/>
+          </a:fontRef>
+        </p:style>
+        <p:txBody>
+          <a:bodyPr rtlCol="0" anchor="ctr"/>
+          <a:lstStyle/>
+          <a:p>
+            <a:pPr algn="ctr"/>
+            <a:r>
+              <a:rPr lang="en-US" altLang="zh-CN" sz="1200">
+                <a:solidFill>
+                  <a:schemeClr val="tx1"/>
+                </a:solidFill>
+              </a:rPr>
+              <a:t>len</a:t>
+            </a:r>
+            <a:endParaRPr lang="zh-CN" altLang="en-US" sz="1200">
+              <a:solidFill>
+                <a:schemeClr val="tx1"/>
+              </a:solidFill>
+            </a:endParaRPr>
+          </a:p>
+        </p:txBody>
+      </p:sp>
+      <p:sp>
+        <p:nvSpPr>
+          <p:cNvPr id="178" name="等腰三角形 177">
+            <a:extLst>
+              <a:ext uri="{FF2B5EF4-FFF2-40B4-BE49-F238E27FC236}">
+                <a16:creationId xmlns:a16="http://schemas.microsoft.com/office/drawing/2014/main" id="{2049245D-A016-253B-A7BD-E2FDABDA55FA}"/>
+              </a:ext>
+            </a:extLst>
+          </p:cNvPr>
+          <p:cNvSpPr/>
+          <p:nvPr/>
+        </p:nvSpPr>
+        <p:spPr>
+          <a:xfrm>
+            <a:off x="3584172" y="2276719"/>
+            <a:ext cx="135802" cy="118454"/>
+          </a:xfrm>
+          <a:prstGeom prst="triangle">
+            <a:avLst/>
+          </a:prstGeom>
+          <a:solidFill>
+            <a:schemeClr val="bg1">
+              <a:lumMod val="65000"/>
+            </a:schemeClr>
+          </a:solidFill>
+          <a:ln>
+            <a:noFill/>
+          </a:ln>
+        </p:spPr>
+        <p:style>
+          <a:lnRef idx="2">
+            <a:schemeClr val="accent5">
+              <a:shade val="50000"/>
+            </a:schemeClr>
+          </a:lnRef>
+          <a:fillRef idx="1">
+            <a:schemeClr val="accent5"/>
+          </a:fillRef>
+          <a:effectRef idx="0">
+            <a:schemeClr val="accent5"/>
+          </a:effectRef>
+          <a:fontRef idx="minor">
+            <a:schemeClr val="lt1"/>
+          </a:fontRef>
+        </p:style>
+        <p:txBody>
+          <a:bodyPr rtlCol="0" anchor="ctr"/>
+          <a:lstStyle/>
+          <a:p>
+            <a:pPr algn="ctr"/>
+            <a:endParaRPr lang="zh-CN" altLang="en-US"/>
+          </a:p>
+        </p:txBody>
+      </p:sp>
+      <p:cxnSp>
+        <p:nvCxnSpPr>
+          <p:cNvPr id="179" name="连接符: 曲线 178">
+            <a:extLst>
+              <a:ext uri="{FF2B5EF4-FFF2-40B4-BE49-F238E27FC236}">
+                <a16:creationId xmlns:a16="http://schemas.microsoft.com/office/drawing/2014/main" id="{E06783AD-3BD3-A6A7-D87C-391280BFF0D2}"/>
+              </a:ext>
+            </a:extLst>
+          </p:cNvPr>
+          <p:cNvCxnSpPr>
+            <a:cxnSpLocks/>
+            <a:stCxn id="178" idx="1"/>
+            <a:endCxn id="176" idx="2"/>
+          </p:cNvCxnSpPr>
+          <p:nvPr/>
+        </p:nvCxnSpPr>
+        <p:spPr>
+          <a:xfrm rot="10800000">
+            <a:off x="2171097" y="1313242"/>
+            <a:ext cx="1447026" cy="1022704"/>
+          </a:xfrm>
+          <a:prstGeom prst="curvedConnector2">
+            <a:avLst/>
+          </a:prstGeom>
+          <a:ln>
+            <a:solidFill>
+              <a:schemeClr val="accent1">
+                <a:lumMod val="60000"/>
+                <a:lumOff val="40000"/>
+              </a:schemeClr>
+            </a:solidFill>
+            <a:tailEnd type="triangle"/>
+          </a:ln>
+        </p:spPr>
+        <p:style>
+          <a:lnRef idx="1">
+            <a:schemeClr val="accent6"/>
+          </a:lnRef>
+          <a:fillRef idx="0">
+            <a:schemeClr val="accent6"/>
+          </a:fillRef>
+          <a:effectRef idx="0">
+            <a:schemeClr val="accent6"/>
+          </a:effectRef>
+          <a:fontRef idx="minor">
+            <a:schemeClr val="tx1"/>
+          </a:fontRef>
+        </p:style>
+      </p:cxnSp>
+      <p:sp>
+        <p:nvSpPr>
+          <p:cNvPr id="183" name="等腰三角形 182">
+            <a:extLst>
+              <a:ext uri="{FF2B5EF4-FFF2-40B4-BE49-F238E27FC236}">
+                <a16:creationId xmlns:a16="http://schemas.microsoft.com/office/drawing/2014/main" id="{CB4C3220-1E81-FF23-A399-F04033718644}"/>
+              </a:ext>
+            </a:extLst>
+          </p:cNvPr>
+          <p:cNvSpPr/>
+          <p:nvPr/>
+        </p:nvSpPr>
+        <p:spPr>
+          <a:xfrm>
+            <a:off x="3591398" y="2500964"/>
+            <a:ext cx="135802" cy="118454"/>
+          </a:xfrm>
+          <a:prstGeom prst="triangle">
+            <a:avLst/>
+          </a:prstGeom>
+          <a:solidFill>
+            <a:schemeClr val="bg1">
+              <a:lumMod val="65000"/>
+            </a:schemeClr>
+          </a:solidFill>
+          <a:ln>
+            <a:noFill/>
+          </a:ln>
+        </p:spPr>
+        <p:style>
+          <a:lnRef idx="2">
+            <a:schemeClr val="accent5">
+              <a:shade val="50000"/>
+            </a:schemeClr>
+          </a:lnRef>
+          <a:fillRef idx="1">
+            <a:schemeClr val="accent5"/>
+          </a:fillRef>
+          <a:effectRef idx="0">
+            <a:schemeClr val="accent5"/>
+          </a:effectRef>
+          <a:fontRef idx="minor">
+            <a:schemeClr val="lt1"/>
+          </a:fontRef>
+        </p:style>
+        <p:txBody>
+          <a:bodyPr rtlCol="0" anchor="ctr"/>
+          <a:lstStyle/>
+          <a:p>
+            <a:pPr algn="ctr"/>
+            <a:endParaRPr lang="zh-CN" altLang="en-US"/>
+          </a:p>
+        </p:txBody>
+      </p:sp>
+      <p:cxnSp>
+        <p:nvCxnSpPr>
+          <p:cNvPr id="184" name="连接符: 曲线 183">
+            <a:extLst>
+              <a:ext uri="{FF2B5EF4-FFF2-40B4-BE49-F238E27FC236}">
+                <a16:creationId xmlns:a16="http://schemas.microsoft.com/office/drawing/2014/main" id="{876C725B-206F-513A-9BF5-5427B38C07AF}"/>
+              </a:ext>
+            </a:extLst>
+          </p:cNvPr>
+          <p:cNvCxnSpPr>
+            <a:cxnSpLocks/>
+            <a:stCxn id="183" idx="1"/>
+            <a:endCxn id="177" idx="2"/>
+          </p:cNvCxnSpPr>
+          <p:nvPr/>
+        </p:nvCxnSpPr>
+        <p:spPr>
+          <a:xfrm rot="10800000">
+            <a:off x="2846877" y="1313243"/>
+            <a:ext cx="778473" cy="1246949"/>
+          </a:xfrm>
+          <a:prstGeom prst="curvedConnector2">
+            <a:avLst/>
+          </a:prstGeom>
+          <a:ln>
+            <a:solidFill>
+              <a:schemeClr val="accent1">
+                <a:lumMod val="60000"/>
+                <a:lumOff val="40000"/>
+              </a:schemeClr>
+            </a:solidFill>
+            <a:tailEnd type="triangle"/>
+          </a:ln>
+        </p:spPr>
+        <p:style>
+          <a:lnRef idx="1">
+            <a:schemeClr val="accent6"/>
+          </a:lnRef>
+          <a:fillRef idx="0">
+            <a:schemeClr val="accent6"/>
+          </a:fillRef>
+          <a:effectRef idx="0">
+            <a:schemeClr val="accent6"/>
+          </a:effectRef>
+          <a:fontRef idx="minor">
+            <a:schemeClr val="tx1"/>
+          </a:fontRef>
+        </p:style>
+      </p:cxnSp>
+      <p:sp>
+        <p:nvSpPr>
+          <p:cNvPr id="190" name="等腰三角形 189">
+            <a:extLst>
+              <a:ext uri="{FF2B5EF4-FFF2-40B4-BE49-F238E27FC236}">
+                <a16:creationId xmlns:a16="http://schemas.microsoft.com/office/drawing/2014/main" id="{2B7F94C4-535A-FDEE-419D-C681B67DDABB}"/>
+              </a:ext>
+            </a:extLst>
+          </p:cNvPr>
+          <p:cNvSpPr/>
+          <p:nvPr/>
+        </p:nvSpPr>
+        <p:spPr>
+          <a:xfrm>
+            <a:off x="1418841" y="3438557"/>
+            <a:ext cx="135802" cy="118454"/>
+          </a:xfrm>
+          <a:prstGeom prst="triangle">
+            <a:avLst/>
+          </a:prstGeom>
+          <a:solidFill>
+            <a:schemeClr val="bg1">
+              <a:lumMod val="65000"/>
+            </a:schemeClr>
+          </a:solidFill>
+          <a:ln>
+            <a:noFill/>
+          </a:ln>
+        </p:spPr>
+        <p:style>
+          <a:lnRef idx="2">
+            <a:schemeClr val="accent5">
+              <a:shade val="50000"/>
+            </a:schemeClr>
+          </a:lnRef>
+          <a:fillRef idx="1">
+            <a:schemeClr val="accent5"/>
+          </a:fillRef>
+          <a:effectRef idx="0">
+            <a:schemeClr val="accent5"/>
+          </a:effectRef>
+          <a:fontRef idx="minor">
+            <a:schemeClr val="lt1"/>
+          </a:fontRef>
+        </p:style>
+        <p:txBody>
+          <a:bodyPr rtlCol="0" anchor="ctr"/>
+          <a:lstStyle/>
+          <a:p>
+            <a:pPr algn="ctr"/>
+            <a:endParaRPr lang="zh-CN" altLang="en-US"/>
+          </a:p>
+        </p:txBody>
+      </p:sp>
+      <p:sp>
+        <p:nvSpPr>
+          <p:cNvPr id="191" name="等腰三角形 190">
+            <a:extLst>
+              <a:ext uri="{FF2B5EF4-FFF2-40B4-BE49-F238E27FC236}">
+                <a16:creationId xmlns:a16="http://schemas.microsoft.com/office/drawing/2014/main" id="{6C32AE75-EDC0-E23F-E0DF-C9E483DEB99F}"/>
+              </a:ext>
+            </a:extLst>
+          </p:cNvPr>
+          <p:cNvSpPr/>
+          <p:nvPr/>
+        </p:nvSpPr>
+        <p:spPr>
+          <a:xfrm>
+            <a:off x="1437616" y="3661207"/>
+            <a:ext cx="135802" cy="118454"/>
+          </a:xfrm>
+          <a:prstGeom prst="triangle">
+            <a:avLst/>
+          </a:prstGeom>
+          <a:solidFill>
+            <a:schemeClr val="bg1">
+              <a:lumMod val="65000"/>
+            </a:schemeClr>
+          </a:solidFill>
+          <a:ln>
+            <a:noFill/>
+          </a:ln>
+        </p:spPr>
+        <p:style>
+          <a:lnRef idx="2">
+            <a:schemeClr val="accent5">
+              <a:shade val="50000"/>
+            </a:schemeClr>
+          </a:lnRef>
+          <a:fillRef idx="1">
+            <a:schemeClr val="accent5"/>
+          </a:fillRef>
+          <a:effectRef idx="0">
+            <a:schemeClr val="accent5"/>
+          </a:effectRef>
+          <a:fontRef idx="minor">
+            <a:schemeClr val="lt1"/>
+          </a:fontRef>
+        </p:style>
+        <p:txBody>
+          <a:bodyPr rtlCol="0" anchor="ctr"/>
+          <a:lstStyle/>
+          <a:p>
+            <a:pPr algn="ctr"/>
+            <a:endParaRPr lang="zh-CN" altLang="en-US"/>
+          </a:p>
+        </p:txBody>
+      </p:sp>
+      <p:cxnSp>
+        <p:nvCxnSpPr>
+          <p:cNvPr id="192" name="连接符: 曲线 191">
+            <a:extLst>
+              <a:ext uri="{FF2B5EF4-FFF2-40B4-BE49-F238E27FC236}">
+                <a16:creationId xmlns:a16="http://schemas.microsoft.com/office/drawing/2014/main" id="{BE7FC230-0438-AB05-6D94-E2A000EC92D9}"/>
+              </a:ext>
+            </a:extLst>
+          </p:cNvPr>
+          <p:cNvCxnSpPr>
+            <a:cxnSpLocks/>
+            <a:stCxn id="190" idx="5"/>
+          </p:cNvCxnSpPr>
+          <p:nvPr/>
+        </p:nvCxnSpPr>
+        <p:spPr>
+          <a:xfrm flipV="1">
+            <a:off x="1520693" y="2712044"/>
+            <a:ext cx="870270" cy="785740"/>
+          </a:xfrm>
+          <a:prstGeom prst="curvedConnector3">
+            <a:avLst>
+              <a:gd name="adj1" fmla="val 50000"/>
+            </a:avLst>
+          </a:prstGeom>
+          <a:ln>
+            <a:solidFill>
+              <a:schemeClr val="accent1">
+                <a:lumMod val="60000"/>
+                <a:lumOff val="40000"/>
+              </a:schemeClr>
+            </a:solidFill>
+            <a:tailEnd type="triangle"/>
+          </a:ln>
+        </p:spPr>
+        <p:style>
+          <a:lnRef idx="1">
+            <a:schemeClr val="accent6"/>
+          </a:lnRef>
+          <a:fillRef idx="0">
+            <a:schemeClr val="accent6"/>
+          </a:fillRef>
+          <a:effectRef idx="0">
+            <a:schemeClr val="accent6"/>
+          </a:effectRef>
+          <a:fontRef idx="minor">
+            <a:schemeClr val="tx1"/>
+          </a:fontRef>
+        </p:style>
+      </p:cxnSp>
+      <p:cxnSp>
+        <p:nvCxnSpPr>
+          <p:cNvPr id="195" name="连接符: 曲线 194">
+            <a:extLst>
+              <a:ext uri="{FF2B5EF4-FFF2-40B4-BE49-F238E27FC236}">
+                <a16:creationId xmlns:a16="http://schemas.microsoft.com/office/drawing/2014/main" id="{DFC61C43-3B58-9C02-AA63-ADFA538E5F05}"/>
+              </a:ext>
+            </a:extLst>
+          </p:cNvPr>
+          <p:cNvCxnSpPr>
+            <a:cxnSpLocks/>
+            <a:stCxn id="191" idx="5"/>
+          </p:cNvCxnSpPr>
+          <p:nvPr/>
+        </p:nvCxnSpPr>
+        <p:spPr>
+          <a:xfrm flipV="1">
+            <a:off x="1539468" y="2676931"/>
+            <a:ext cx="1845527" cy="1043503"/>
+          </a:xfrm>
+          <a:prstGeom prst="curvedConnector3">
+            <a:avLst>
+              <a:gd name="adj1" fmla="val 50000"/>
+            </a:avLst>
+          </a:prstGeom>
+          <a:ln>
+            <a:solidFill>
+              <a:schemeClr val="accent1">
+                <a:lumMod val="60000"/>
+                <a:lumOff val="40000"/>
+              </a:schemeClr>
+            </a:solidFill>
+            <a:tailEnd type="triangle"/>
+          </a:ln>
+        </p:spPr>
+        <p:style>
+          <a:lnRef idx="1">
+            <a:schemeClr val="accent6"/>
+          </a:lnRef>
+          <a:fillRef idx="0">
+            <a:schemeClr val="accent6"/>
+          </a:fillRef>
+          <a:effectRef idx="0">
+            <a:schemeClr val="accent6"/>
+          </a:effectRef>
+          <a:fontRef idx="minor">
+            <a:schemeClr val="tx1"/>
+          </a:fontRef>
+        </p:style>
+      </p:cxnSp>
+      <p:sp>
+        <p:nvSpPr>
+          <p:cNvPr id="204" name="等腰三角形 203">
+            <a:extLst>
+              <a:ext uri="{FF2B5EF4-FFF2-40B4-BE49-F238E27FC236}">
+                <a16:creationId xmlns:a16="http://schemas.microsoft.com/office/drawing/2014/main" id="{34B44690-3E93-1077-6FCD-0525EE673DF2}"/>
+              </a:ext>
+            </a:extLst>
+          </p:cNvPr>
+          <p:cNvSpPr/>
+          <p:nvPr/>
+        </p:nvSpPr>
+        <p:spPr>
+          <a:xfrm>
+            <a:off x="2915145" y="4300828"/>
+            <a:ext cx="135802" cy="118454"/>
+          </a:xfrm>
+          <a:prstGeom prst="triangle">
+            <a:avLst/>
+          </a:prstGeom>
+          <a:solidFill>
+            <a:schemeClr val="bg1">
+              <a:lumMod val="65000"/>
+            </a:schemeClr>
+          </a:solidFill>
+          <a:ln>
+            <a:noFill/>
+          </a:ln>
+        </p:spPr>
+        <p:style>
+          <a:lnRef idx="2">
+            <a:schemeClr val="accent5">
+              <a:shade val="50000"/>
+            </a:schemeClr>
+          </a:lnRef>
+          <a:fillRef idx="1">
+            <a:schemeClr val="accent5"/>
+          </a:fillRef>
+          <a:effectRef idx="0">
+            <a:schemeClr val="accent5"/>
+          </a:effectRef>
+          <a:fontRef idx="minor">
+            <a:schemeClr val="lt1"/>
+          </a:fontRef>
+        </p:style>
+        <p:txBody>
+          <a:bodyPr rtlCol="0" anchor="ctr"/>
+          <a:lstStyle/>
+          <a:p>
+            <a:pPr algn="ctr"/>
+            <a:endParaRPr lang="zh-CN" altLang="en-US"/>
+          </a:p>
+        </p:txBody>
+      </p:sp>
+      <p:sp>
+        <p:nvSpPr>
+          <p:cNvPr id="205" name="等腰三角形 204">
+            <a:extLst>
+              <a:ext uri="{FF2B5EF4-FFF2-40B4-BE49-F238E27FC236}">
+                <a16:creationId xmlns:a16="http://schemas.microsoft.com/office/drawing/2014/main" id="{F530B600-5FB5-2459-D20A-C0DC7B84691F}"/>
+              </a:ext>
+            </a:extLst>
+          </p:cNvPr>
+          <p:cNvSpPr/>
+          <p:nvPr/>
+        </p:nvSpPr>
+        <p:spPr>
+          <a:xfrm>
+            <a:off x="2915145" y="5157016"/>
+            <a:ext cx="135802" cy="118454"/>
+          </a:xfrm>
+          <a:prstGeom prst="triangle">
+            <a:avLst/>
+          </a:prstGeom>
+          <a:solidFill>
+            <a:schemeClr val="bg1">
+              <a:lumMod val="65000"/>
+            </a:schemeClr>
+          </a:solidFill>
+          <a:ln>
+            <a:noFill/>
+          </a:ln>
+        </p:spPr>
+        <p:style>
+          <a:lnRef idx="2">
+            <a:schemeClr val="accent5">
+              <a:shade val="50000"/>
+            </a:schemeClr>
+          </a:lnRef>
+          <a:fillRef idx="1">
+            <a:schemeClr val="accent5"/>
+          </a:fillRef>
+          <a:effectRef idx="0">
+            <a:schemeClr val="accent5"/>
+          </a:effectRef>
+          <a:fontRef idx="minor">
+            <a:schemeClr val="lt1"/>
+          </a:fontRef>
+        </p:style>
+        <p:txBody>
+          <a:bodyPr rtlCol="0" anchor="ctr"/>
+          <a:lstStyle/>
+          <a:p>
+            <a:pPr algn="ctr"/>
+            <a:endParaRPr lang="zh-CN" altLang="en-US"/>
+          </a:p>
+        </p:txBody>
+      </p:sp>
+      <p:sp>
+        <p:nvSpPr>
+          <p:cNvPr id="206" name="等腰三角形 205">
+            <a:extLst>
+              <a:ext uri="{FF2B5EF4-FFF2-40B4-BE49-F238E27FC236}">
+                <a16:creationId xmlns:a16="http://schemas.microsoft.com/office/drawing/2014/main" id="{7BE225B4-6E75-740D-4C98-718C03895CD6}"/>
+              </a:ext>
+            </a:extLst>
+          </p:cNvPr>
+          <p:cNvSpPr/>
+          <p:nvPr/>
+        </p:nvSpPr>
+        <p:spPr>
+          <a:xfrm>
+            <a:off x="2910806" y="4522679"/>
+            <a:ext cx="135802" cy="118454"/>
+          </a:xfrm>
+          <a:prstGeom prst="triangle">
+            <a:avLst/>
+          </a:prstGeom>
+          <a:solidFill>
+            <a:schemeClr val="bg1">
+              <a:lumMod val="65000"/>
+            </a:schemeClr>
+          </a:solidFill>
+          <a:ln>
+            <a:noFill/>
+          </a:ln>
+        </p:spPr>
+        <p:style>
+          <a:lnRef idx="2">
+            <a:schemeClr val="accent5">
+              <a:shade val="50000"/>
+            </a:schemeClr>
+          </a:lnRef>
+          <a:fillRef idx="1">
+            <a:schemeClr val="accent5"/>
+          </a:fillRef>
+          <a:effectRef idx="0">
+            <a:schemeClr val="accent5"/>
+          </a:effectRef>
+          <a:fontRef idx="minor">
+            <a:schemeClr val="lt1"/>
+          </a:fontRef>
+        </p:style>
+        <p:txBody>
+          <a:bodyPr rtlCol="0" anchor="ctr"/>
+          <a:lstStyle/>
+          <a:p>
+            <a:pPr algn="ctr"/>
+            <a:endParaRPr lang="zh-CN" altLang="en-US"/>
+          </a:p>
+        </p:txBody>
+      </p:sp>
+      <p:sp>
+        <p:nvSpPr>
+          <p:cNvPr id="207" name="等腰三角形 206">
+            <a:extLst>
+              <a:ext uri="{FF2B5EF4-FFF2-40B4-BE49-F238E27FC236}">
+                <a16:creationId xmlns:a16="http://schemas.microsoft.com/office/drawing/2014/main" id="{8A7B1476-961E-175F-21BD-7C7211BC2211}"/>
+              </a:ext>
+            </a:extLst>
+          </p:cNvPr>
+          <p:cNvSpPr/>
+          <p:nvPr/>
+        </p:nvSpPr>
+        <p:spPr>
+          <a:xfrm>
+            <a:off x="2910806" y="4729198"/>
+            <a:ext cx="135802" cy="118454"/>
+          </a:xfrm>
+          <a:prstGeom prst="triangle">
+            <a:avLst/>
+          </a:prstGeom>
+          <a:solidFill>
+            <a:schemeClr val="bg1">
+              <a:lumMod val="65000"/>
+            </a:schemeClr>
+          </a:solidFill>
+          <a:ln>
+            <a:noFill/>
+          </a:ln>
+        </p:spPr>
+        <p:style>
+          <a:lnRef idx="2">
+            <a:schemeClr val="accent5">
+              <a:shade val="50000"/>
+            </a:schemeClr>
+          </a:lnRef>
+          <a:fillRef idx="1">
+            <a:schemeClr val="accent5"/>
+          </a:fillRef>
+          <a:effectRef idx="0">
+            <a:schemeClr val="accent5"/>
+          </a:effectRef>
+          <a:fontRef idx="minor">
+            <a:schemeClr val="lt1"/>
+          </a:fontRef>
+        </p:style>
+        <p:txBody>
+          <a:bodyPr rtlCol="0" anchor="ctr"/>
+          <a:lstStyle/>
+          <a:p>
+            <a:pPr algn="ctr"/>
+            <a:endParaRPr lang="zh-CN" altLang="en-US"/>
+          </a:p>
+        </p:txBody>
+      </p:sp>
+      <p:sp>
+        <p:nvSpPr>
+          <p:cNvPr id="208" name="等腰三角形 207">
+            <a:extLst>
+              <a:ext uri="{FF2B5EF4-FFF2-40B4-BE49-F238E27FC236}">
+                <a16:creationId xmlns:a16="http://schemas.microsoft.com/office/drawing/2014/main" id="{E4197923-C53A-1D8E-FB0A-7ECF884E653A}"/>
+              </a:ext>
+            </a:extLst>
+          </p:cNvPr>
+          <p:cNvSpPr/>
+          <p:nvPr/>
+        </p:nvSpPr>
+        <p:spPr>
+          <a:xfrm>
+            <a:off x="2916939" y="4950773"/>
+            <a:ext cx="135802" cy="118454"/>
+          </a:xfrm>
+          <a:prstGeom prst="triangle">
+            <a:avLst/>
+          </a:prstGeom>
+          <a:solidFill>
+            <a:schemeClr val="bg1">
+              <a:lumMod val="65000"/>
+            </a:schemeClr>
+          </a:solidFill>
+          <a:ln>
+            <a:noFill/>
+          </a:ln>
+        </p:spPr>
+        <p:style>
+          <a:lnRef idx="2">
+            <a:schemeClr val="accent5">
+              <a:shade val="50000"/>
+            </a:schemeClr>
+          </a:lnRef>
+          <a:fillRef idx="1">
+            <a:schemeClr val="accent5"/>
+          </a:fillRef>
+          <a:effectRef idx="0">
+            <a:schemeClr val="accent5"/>
+          </a:effectRef>
+          <a:fontRef idx="minor">
+            <a:schemeClr val="lt1"/>
+          </a:fontRef>
+        </p:style>
+        <p:txBody>
+          <a:bodyPr rtlCol="0" anchor="ctr"/>
+          <a:lstStyle/>
+          <a:p>
+            <a:pPr algn="ctr"/>
+            <a:endParaRPr lang="zh-CN" altLang="en-US"/>
+          </a:p>
+        </p:txBody>
+      </p:sp>
+      <p:sp>
+        <p:nvSpPr>
+          <p:cNvPr id="209" name="等腰三角形 208">
+            <a:extLst>
+              <a:ext uri="{FF2B5EF4-FFF2-40B4-BE49-F238E27FC236}">
+                <a16:creationId xmlns:a16="http://schemas.microsoft.com/office/drawing/2014/main" id="{909A0796-E78F-6ECD-C085-17604027E8C0}"/>
+              </a:ext>
+            </a:extLst>
+          </p:cNvPr>
+          <p:cNvSpPr/>
+          <p:nvPr/>
+        </p:nvSpPr>
+        <p:spPr>
+          <a:xfrm>
+            <a:off x="2915145" y="5607195"/>
+            <a:ext cx="135802" cy="118454"/>
+          </a:xfrm>
+          <a:prstGeom prst="triangle">
+            <a:avLst/>
+          </a:prstGeom>
+          <a:solidFill>
+            <a:schemeClr val="bg1">
+              <a:lumMod val="65000"/>
+            </a:schemeClr>
+          </a:solidFill>
+          <a:ln>
+            <a:noFill/>
+          </a:ln>
+        </p:spPr>
+        <p:style>
+          <a:lnRef idx="2">
+            <a:schemeClr val="accent5">
+              <a:shade val="50000"/>
+            </a:schemeClr>
+          </a:lnRef>
+          <a:fillRef idx="1">
+            <a:schemeClr val="accent5"/>
+          </a:fillRef>
+          <a:effectRef idx="0">
+            <a:schemeClr val="accent5"/>
+          </a:effectRef>
+          <a:fontRef idx="minor">
+            <a:schemeClr val="lt1"/>
+          </a:fontRef>
+        </p:style>
+        <p:txBody>
+          <a:bodyPr rtlCol="0" anchor="ctr"/>
+          <a:lstStyle/>
+          <a:p>
+            <a:pPr algn="ctr"/>
+            <a:endParaRPr lang="zh-CN" altLang="en-US"/>
+          </a:p>
+        </p:txBody>
+      </p:sp>
+      <p:sp>
+        <p:nvSpPr>
+          <p:cNvPr id="210" name="等腰三角形 209">
+            <a:extLst>
+              <a:ext uri="{FF2B5EF4-FFF2-40B4-BE49-F238E27FC236}">
+                <a16:creationId xmlns:a16="http://schemas.microsoft.com/office/drawing/2014/main" id="{446423A8-98DC-E4F1-0943-623409A3E8B8}"/>
+              </a:ext>
+            </a:extLst>
+          </p:cNvPr>
+          <p:cNvSpPr/>
+          <p:nvPr/>
+        </p:nvSpPr>
+        <p:spPr>
+          <a:xfrm>
+            <a:off x="2910806" y="5828939"/>
+            <a:ext cx="135802" cy="118454"/>
+          </a:xfrm>
+          <a:prstGeom prst="triangle">
+            <a:avLst/>
+          </a:prstGeom>
+          <a:solidFill>
+            <a:schemeClr val="bg1">
+              <a:lumMod val="65000"/>
+            </a:schemeClr>
+          </a:solidFill>
+          <a:ln>
+            <a:noFill/>
+          </a:ln>
+        </p:spPr>
+        <p:style>
+          <a:lnRef idx="2">
+            <a:schemeClr val="accent5">
+              <a:shade val="50000"/>
+            </a:schemeClr>
+          </a:lnRef>
+          <a:fillRef idx="1">
+            <a:schemeClr val="accent5"/>
+          </a:fillRef>
+          <a:effectRef idx="0">
+            <a:schemeClr val="accent5"/>
+          </a:effectRef>
+          <a:fontRef idx="minor">
+            <a:schemeClr val="lt1"/>
+          </a:fontRef>
+        </p:style>
+        <p:txBody>
+          <a:bodyPr rtlCol="0" anchor="ctr"/>
+          <a:lstStyle/>
+          <a:p>
+            <a:pPr algn="ctr"/>
+            <a:endParaRPr lang="zh-CN" altLang="en-US"/>
+          </a:p>
+        </p:txBody>
+      </p:sp>
+      <p:sp>
+        <p:nvSpPr>
+          <p:cNvPr id="211" name="文本框 210">
+            <a:extLst>
+              <a:ext uri="{FF2B5EF4-FFF2-40B4-BE49-F238E27FC236}">
+                <a16:creationId xmlns:a16="http://schemas.microsoft.com/office/drawing/2014/main" id="{C448329F-9EEC-BB64-15CA-87BE4407AC06}"/>
+              </a:ext>
+            </a:extLst>
+          </p:cNvPr>
+          <p:cNvSpPr txBox="1"/>
+          <p:nvPr/>
+        </p:nvSpPr>
+        <p:spPr>
+          <a:xfrm>
+            <a:off x="2455227" y="6414930"/>
+            <a:ext cx="2916095" cy="276999"/>
+          </a:xfrm>
+          <a:prstGeom prst="rect">
+            <a:avLst/>
+          </a:prstGeom>
+          <a:noFill/>
+        </p:spPr>
+        <p:txBody>
+          <a:bodyPr wrap="square" rtlCol="0">
+            <a:spAutoFit/>
+          </a:bodyPr>
+          <a:lstStyle/>
+          <a:p>
+            <a:r>
+              <a:rPr lang="en-US" altLang="zh-CN" sz="1200">
+                <a:solidFill>
+                  <a:schemeClr val="accent2">
+                    <a:lumMod val="75000"/>
+                  </a:schemeClr>
+                </a:solidFill>
+              </a:rPr>
+              <a:t>2 XLogRegisterBuffer(block_id, buffer, flag)</a:t>
+            </a:r>
+          </a:p>
+        </p:txBody>
+      </p:sp>
+      <p:sp>
+        <p:nvSpPr>
+          <p:cNvPr id="212" name="矩形 211">
+            <a:extLst>
+              <a:ext uri="{FF2B5EF4-FFF2-40B4-BE49-F238E27FC236}">
+                <a16:creationId xmlns:a16="http://schemas.microsoft.com/office/drawing/2014/main" id="{AF294C84-9829-C70E-C179-4AFD955E3959}"/>
+              </a:ext>
+            </a:extLst>
+          </p:cNvPr>
+          <p:cNvSpPr/>
+          <p:nvPr/>
+        </p:nvSpPr>
+        <p:spPr>
+          <a:xfrm>
+            <a:off x="3131006" y="6143989"/>
+            <a:ext cx="800803" cy="217861"/>
+          </a:xfrm>
+          <a:prstGeom prst="rect">
+            <a:avLst/>
+          </a:prstGeom>
+          <a:solidFill>
+            <a:schemeClr val="accent3">
+              <a:lumMod val="40000"/>
+              <a:lumOff val="60000"/>
+            </a:schemeClr>
+          </a:solidFill>
+          <a:ln>
+            <a:solidFill>
+              <a:schemeClr val="bg1">
+                <a:lumMod val="65000"/>
+              </a:schemeClr>
+            </a:solidFill>
+          </a:ln>
+          <a:effectLst>
+            <a:outerShdw blurRad="50800" dist="38100" dir="2700000" algn="tl" rotWithShape="0">
+              <a:prstClr val="black">
+                <a:alpha val="40000"/>
+              </a:prstClr>
+            </a:outerShdw>
+          </a:effectLst>
+        </p:spPr>
+        <p:style>
+          <a:lnRef idx="2">
+            <a:schemeClr val="accent1">
+              <a:shade val="50000"/>
+            </a:schemeClr>
+          </a:lnRef>
+          <a:fillRef idx="1">
+            <a:schemeClr val="accent1"/>
+          </a:fillRef>
+          <a:effectRef idx="0">
+            <a:schemeClr val="accent1"/>
+          </a:effectRef>
+          <a:fontRef idx="minor">
+            <a:schemeClr val="lt1"/>
+          </a:fontRef>
+        </p:style>
+        <p:txBody>
+          <a:bodyPr rtlCol="0" anchor="ctr"/>
+          <a:lstStyle/>
+          <a:p>
+            <a:pPr algn="ctr"/>
+            <a:r>
+              <a:rPr lang="en-US" altLang="zh-CN" sz="1200">
+                <a:solidFill>
+                  <a:schemeClr val="tx1"/>
+                </a:solidFill>
+              </a:rPr>
+              <a:t>block_id</a:t>
+            </a:r>
+            <a:endParaRPr lang="zh-CN" altLang="en-US" sz="1200">
+              <a:solidFill>
+                <a:schemeClr val="tx1"/>
+              </a:solidFill>
+            </a:endParaRPr>
+          </a:p>
+        </p:txBody>
+      </p:sp>
+      <p:sp>
+        <p:nvSpPr>
+          <p:cNvPr id="213" name="矩形 212">
+            <a:extLst>
+              <a:ext uri="{FF2B5EF4-FFF2-40B4-BE49-F238E27FC236}">
+                <a16:creationId xmlns:a16="http://schemas.microsoft.com/office/drawing/2014/main" id="{0A7D39C1-F9E7-043E-3D85-257BFAC4FD79}"/>
+              </a:ext>
+            </a:extLst>
+          </p:cNvPr>
+          <p:cNvSpPr/>
+          <p:nvPr/>
+        </p:nvSpPr>
+        <p:spPr>
+          <a:xfrm>
+            <a:off x="3943231" y="6143989"/>
+            <a:ext cx="664357" cy="217861"/>
+          </a:xfrm>
+          <a:prstGeom prst="rect">
+            <a:avLst/>
+          </a:prstGeom>
+          <a:solidFill>
+            <a:schemeClr val="accent3">
+              <a:lumMod val="40000"/>
+              <a:lumOff val="60000"/>
+            </a:schemeClr>
+          </a:solidFill>
+          <a:ln>
+            <a:solidFill>
+              <a:schemeClr val="bg1">
+                <a:lumMod val="65000"/>
+              </a:schemeClr>
+            </a:solidFill>
+          </a:ln>
+          <a:effectLst>
+            <a:outerShdw blurRad="50800" dist="38100" dir="2700000" algn="tl" rotWithShape="0">
+              <a:prstClr val="black">
+                <a:alpha val="40000"/>
+              </a:prstClr>
+            </a:outerShdw>
+          </a:effectLst>
+        </p:spPr>
+        <p:style>
+          <a:lnRef idx="2">
+            <a:schemeClr val="accent1">
+              <a:shade val="50000"/>
+            </a:schemeClr>
+          </a:lnRef>
+          <a:fillRef idx="1">
+            <a:schemeClr val="accent1"/>
+          </a:fillRef>
+          <a:effectRef idx="0">
+            <a:schemeClr val="accent1"/>
+          </a:effectRef>
+          <a:fontRef idx="minor">
+            <a:schemeClr val="lt1"/>
+          </a:fontRef>
+        </p:style>
+        <p:txBody>
+          <a:bodyPr rtlCol="0" anchor="ctr"/>
+          <a:lstStyle/>
+          <a:p>
+            <a:pPr algn="ctr"/>
+            <a:r>
+              <a:rPr lang="en-US" altLang="zh-CN" sz="1200">
+                <a:solidFill>
+                  <a:schemeClr val="tx1"/>
+                </a:solidFill>
+              </a:rPr>
+              <a:t>buffer</a:t>
+            </a:r>
+            <a:endParaRPr lang="zh-CN" altLang="en-US" sz="1200">
+              <a:solidFill>
+                <a:schemeClr val="tx1"/>
+              </a:solidFill>
+            </a:endParaRPr>
+          </a:p>
+        </p:txBody>
+      </p:sp>
+      <p:sp>
+        <p:nvSpPr>
+          <p:cNvPr id="214" name="矩形 213">
+            <a:extLst>
+              <a:ext uri="{FF2B5EF4-FFF2-40B4-BE49-F238E27FC236}">
+                <a16:creationId xmlns:a16="http://schemas.microsoft.com/office/drawing/2014/main" id="{88FC5517-C32E-30A7-8FDE-4703838DDBC6}"/>
+              </a:ext>
+            </a:extLst>
+          </p:cNvPr>
+          <p:cNvSpPr/>
+          <p:nvPr/>
+        </p:nvSpPr>
+        <p:spPr>
+          <a:xfrm>
+            <a:off x="4609421" y="6142275"/>
+            <a:ext cx="664357" cy="217861"/>
+          </a:xfrm>
+          <a:prstGeom prst="rect">
+            <a:avLst/>
+          </a:prstGeom>
+          <a:solidFill>
+            <a:schemeClr val="accent3">
+              <a:lumMod val="40000"/>
+              <a:lumOff val="60000"/>
+            </a:schemeClr>
+          </a:solidFill>
+          <a:ln>
+            <a:solidFill>
+              <a:schemeClr val="bg1">
+                <a:lumMod val="65000"/>
+              </a:schemeClr>
+            </a:solidFill>
+          </a:ln>
+          <a:effectLst>
+            <a:outerShdw blurRad="50800" dist="38100" dir="2700000" algn="tl" rotWithShape="0">
+              <a:prstClr val="black">
+                <a:alpha val="40000"/>
+              </a:prstClr>
+            </a:outerShdw>
+          </a:effectLst>
+        </p:spPr>
+        <p:style>
+          <a:lnRef idx="2">
+            <a:schemeClr val="accent1">
+              <a:shade val="50000"/>
+            </a:schemeClr>
+          </a:lnRef>
+          <a:fillRef idx="1">
+            <a:schemeClr val="accent1"/>
+          </a:fillRef>
+          <a:effectRef idx="0">
+            <a:schemeClr val="accent1"/>
+          </a:effectRef>
+          <a:fontRef idx="minor">
+            <a:schemeClr val="lt1"/>
+          </a:fontRef>
+        </p:style>
+        <p:txBody>
+          <a:bodyPr rtlCol="0" anchor="ctr"/>
+          <a:lstStyle/>
+          <a:p>
+            <a:pPr algn="ctr"/>
+            <a:r>
+              <a:rPr lang="en-US" altLang="zh-CN" sz="1200">
+                <a:solidFill>
+                  <a:schemeClr val="tx1"/>
+                </a:solidFill>
+              </a:rPr>
+              <a:t>flag</a:t>
+            </a:r>
+            <a:endParaRPr lang="zh-CN" altLang="en-US" sz="1200">
+              <a:solidFill>
+                <a:schemeClr val="tx1"/>
+              </a:solidFill>
+            </a:endParaRPr>
+          </a:p>
+        </p:txBody>
+      </p:sp>
+      <p:cxnSp>
+        <p:nvCxnSpPr>
+          <p:cNvPr id="215" name="连接符: 曲线 214">
+            <a:extLst>
+              <a:ext uri="{FF2B5EF4-FFF2-40B4-BE49-F238E27FC236}">
+                <a16:creationId xmlns:a16="http://schemas.microsoft.com/office/drawing/2014/main" id="{5D40AB42-FB5A-0CCE-1C2A-AC0BD0C058F0}"/>
+              </a:ext>
+            </a:extLst>
+          </p:cNvPr>
+          <p:cNvCxnSpPr>
+            <a:cxnSpLocks/>
+            <a:stCxn id="204" idx="5"/>
+            <a:endCxn id="214" idx="0"/>
+          </p:cNvCxnSpPr>
+          <p:nvPr/>
+        </p:nvCxnSpPr>
+        <p:spPr>
+          <a:xfrm>
+            <a:off x="3016997" y="4360055"/>
+            <a:ext cx="1924603" cy="1782220"/>
+          </a:xfrm>
+          <a:prstGeom prst="curvedConnector2">
+            <a:avLst/>
+          </a:prstGeom>
+          <a:ln>
+            <a:tailEnd type="triangle"/>
+          </a:ln>
+        </p:spPr>
+        <p:style>
+          <a:lnRef idx="1">
+            <a:schemeClr val="accent2"/>
+          </a:lnRef>
+          <a:fillRef idx="0">
+            <a:schemeClr val="accent2"/>
+          </a:fillRef>
+          <a:effectRef idx="0">
+            <a:schemeClr val="accent2"/>
+          </a:effectRef>
+          <a:fontRef idx="minor">
+            <a:schemeClr val="tx1"/>
+          </a:fontRef>
+        </p:style>
+      </p:cxnSp>
+      <p:cxnSp>
+        <p:nvCxnSpPr>
+          <p:cNvPr id="218" name="连接符: 曲线 217">
+            <a:extLst>
+              <a:ext uri="{FF2B5EF4-FFF2-40B4-BE49-F238E27FC236}">
+                <a16:creationId xmlns:a16="http://schemas.microsoft.com/office/drawing/2014/main" id="{98FD17A0-DCB5-E53D-C98F-454BA21DF814}"/>
+              </a:ext>
+            </a:extLst>
+          </p:cNvPr>
+          <p:cNvCxnSpPr>
+            <a:cxnSpLocks/>
+            <a:stCxn id="206" idx="5"/>
+            <a:endCxn id="213" idx="0"/>
+          </p:cNvCxnSpPr>
+          <p:nvPr/>
+        </p:nvCxnSpPr>
+        <p:spPr>
+          <a:xfrm>
+            <a:off x="3012658" y="4581906"/>
+            <a:ext cx="1262752" cy="1562083"/>
+          </a:xfrm>
+          <a:prstGeom prst="curvedConnector2">
+            <a:avLst/>
+          </a:prstGeom>
+          <a:ln>
+            <a:tailEnd type="triangle"/>
+          </a:ln>
+        </p:spPr>
+        <p:style>
+          <a:lnRef idx="1">
+            <a:schemeClr val="accent2"/>
+          </a:lnRef>
+          <a:fillRef idx="0">
+            <a:schemeClr val="accent2"/>
+          </a:fillRef>
+          <a:effectRef idx="0">
+            <a:schemeClr val="accent2"/>
+          </a:effectRef>
+          <a:fontRef idx="minor">
+            <a:schemeClr val="tx1"/>
+          </a:fontRef>
+        </p:style>
+      </p:cxnSp>
+      <p:cxnSp>
+        <p:nvCxnSpPr>
+          <p:cNvPr id="223" name="连接符: 曲线 222">
+            <a:extLst>
+              <a:ext uri="{FF2B5EF4-FFF2-40B4-BE49-F238E27FC236}">
+                <a16:creationId xmlns:a16="http://schemas.microsoft.com/office/drawing/2014/main" id="{C25C2DB0-76AA-2D29-745F-D6C6BA400FE7}"/>
+              </a:ext>
+            </a:extLst>
+          </p:cNvPr>
+          <p:cNvCxnSpPr>
+            <a:cxnSpLocks/>
+            <a:stCxn id="207" idx="5"/>
+            <a:endCxn id="213" idx="0"/>
+          </p:cNvCxnSpPr>
+          <p:nvPr/>
+        </p:nvCxnSpPr>
+        <p:spPr>
+          <a:xfrm>
+            <a:off x="3012658" y="4788425"/>
+            <a:ext cx="1262752" cy="1355564"/>
+          </a:xfrm>
+          <a:prstGeom prst="curvedConnector2">
+            <a:avLst/>
+          </a:prstGeom>
+          <a:ln>
+            <a:tailEnd type="triangle"/>
+          </a:ln>
+        </p:spPr>
+        <p:style>
+          <a:lnRef idx="1">
+            <a:schemeClr val="accent2"/>
+          </a:lnRef>
+          <a:fillRef idx="0">
+            <a:schemeClr val="accent2"/>
+          </a:fillRef>
+          <a:effectRef idx="0">
+            <a:schemeClr val="accent2"/>
+          </a:effectRef>
+          <a:fontRef idx="minor">
+            <a:schemeClr val="tx1"/>
+          </a:fontRef>
+        </p:style>
+      </p:cxnSp>
+      <p:cxnSp>
+        <p:nvCxnSpPr>
+          <p:cNvPr id="226" name="连接符: 曲线 225">
+            <a:extLst>
+              <a:ext uri="{FF2B5EF4-FFF2-40B4-BE49-F238E27FC236}">
+                <a16:creationId xmlns:a16="http://schemas.microsoft.com/office/drawing/2014/main" id="{75B5F114-14A5-34F8-5FF5-96367E0E6981}"/>
+              </a:ext>
+            </a:extLst>
+          </p:cNvPr>
+          <p:cNvCxnSpPr>
+            <a:cxnSpLocks/>
+            <a:stCxn id="208" idx="5"/>
+            <a:endCxn id="213" idx="0"/>
+          </p:cNvCxnSpPr>
+          <p:nvPr/>
+        </p:nvCxnSpPr>
+        <p:spPr>
+          <a:xfrm>
+            <a:off x="3018791" y="5010000"/>
+            <a:ext cx="1256619" cy="1133989"/>
+          </a:xfrm>
+          <a:prstGeom prst="curvedConnector2">
+            <a:avLst/>
+          </a:prstGeom>
+          <a:ln>
+            <a:tailEnd type="triangle"/>
+          </a:ln>
+        </p:spPr>
+        <p:style>
+          <a:lnRef idx="1">
+            <a:schemeClr val="accent2"/>
+          </a:lnRef>
+          <a:fillRef idx="0">
+            <a:schemeClr val="accent2"/>
+          </a:fillRef>
+          <a:effectRef idx="0">
+            <a:schemeClr val="accent2"/>
+          </a:effectRef>
+          <a:fontRef idx="minor">
+            <a:schemeClr val="tx1"/>
+          </a:fontRef>
+        </p:style>
+      </p:cxnSp>
+      <p:cxnSp>
+        <p:nvCxnSpPr>
+          <p:cNvPr id="229" name="连接符: 曲线 228">
+            <a:extLst>
+              <a:ext uri="{FF2B5EF4-FFF2-40B4-BE49-F238E27FC236}">
+                <a16:creationId xmlns:a16="http://schemas.microsoft.com/office/drawing/2014/main" id="{7813AB39-B2EE-3696-3629-7A7C7FBDC93B}"/>
+              </a:ext>
+            </a:extLst>
+          </p:cNvPr>
+          <p:cNvCxnSpPr>
+            <a:cxnSpLocks/>
+            <a:stCxn id="205" idx="5"/>
+            <a:endCxn id="213" idx="0"/>
+          </p:cNvCxnSpPr>
+          <p:nvPr/>
+        </p:nvCxnSpPr>
+        <p:spPr>
+          <a:xfrm>
+            <a:off x="3016997" y="5216243"/>
+            <a:ext cx="1258413" cy="927746"/>
+          </a:xfrm>
+          <a:prstGeom prst="curvedConnector2">
+            <a:avLst/>
+          </a:prstGeom>
+          <a:ln>
+            <a:tailEnd type="triangle"/>
+          </a:ln>
+        </p:spPr>
+        <p:style>
+          <a:lnRef idx="1">
+            <a:schemeClr val="accent2"/>
+          </a:lnRef>
+          <a:fillRef idx="0">
+            <a:schemeClr val="accent2"/>
+          </a:fillRef>
+          <a:effectRef idx="0">
+            <a:schemeClr val="accent2"/>
+          </a:effectRef>
+          <a:fontRef idx="minor">
+            <a:schemeClr val="tx1"/>
+          </a:fontRef>
+        </p:style>
+      </p:cxnSp>
+      <p:sp>
+        <p:nvSpPr>
+          <p:cNvPr id="232" name="文本框 231">
+            <a:extLst>
+              <a:ext uri="{FF2B5EF4-FFF2-40B4-BE49-F238E27FC236}">
+                <a16:creationId xmlns:a16="http://schemas.microsoft.com/office/drawing/2014/main" id="{092FE15C-212B-F7A0-F0AE-1584970FC6B0}"/>
+              </a:ext>
+            </a:extLst>
+          </p:cNvPr>
+          <p:cNvSpPr txBox="1"/>
+          <p:nvPr/>
+        </p:nvSpPr>
+        <p:spPr>
+          <a:xfrm>
+            <a:off x="3390513" y="800048"/>
+            <a:ext cx="2974221" cy="276999"/>
+          </a:xfrm>
+          <a:prstGeom prst="rect">
+            <a:avLst/>
+          </a:prstGeom>
+          <a:noFill/>
+        </p:spPr>
+        <p:txBody>
+          <a:bodyPr wrap="square" rtlCol="0">
+            <a:spAutoFit/>
+          </a:bodyPr>
+          <a:lstStyle/>
+          <a:p>
+            <a:r>
+              <a:rPr lang="en-US" altLang="zh-CN" sz="1200">
+                <a:solidFill>
+                  <a:schemeClr val="accent6">
+                    <a:lumMod val="75000"/>
+                  </a:schemeClr>
+                </a:solidFill>
+              </a:rPr>
+              <a:t>3 XLogRegisterBufData(block_id, data, len)</a:t>
+            </a:r>
+          </a:p>
+        </p:txBody>
+      </p:sp>
+      <p:sp>
+        <p:nvSpPr>
+          <p:cNvPr id="233" name="矩形 232">
+            <a:extLst>
+              <a:ext uri="{FF2B5EF4-FFF2-40B4-BE49-F238E27FC236}">
+                <a16:creationId xmlns:a16="http://schemas.microsoft.com/office/drawing/2014/main" id="{6F274FC6-AB62-7BD9-D8A6-0C5464DAED36}"/>
+              </a:ext>
+            </a:extLst>
+          </p:cNvPr>
+          <p:cNvSpPr/>
+          <p:nvPr/>
+        </p:nvSpPr>
+        <p:spPr>
+          <a:xfrm>
+            <a:off x="4520498" y="1080008"/>
+            <a:ext cx="800803" cy="217861"/>
+          </a:xfrm>
+          <a:prstGeom prst="rect">
+            <a:avLst/>
+          </a:prstGeom>
+          <a:solidFill>
+            <a:schemeClr val="accent3">
+              <a:lumMod val="40000"/>
+              <a:lumOff val="60000"/>
+            </a:schemeClr>
+          </a:solidFill>
+          <a:ln>
+            <a:solidFill>
+              <a:schemeClr val="bg1">
+                <a:lumMod val="65000"/>
+              </a:schemeClr>
+            </a:solidFill>
+          </a:ln>
+          <a:effectLst>
+            <a:outerShdw blurRad="50800" dist="38100" dir="2700000" algn="tl" rotWithShape="0">
+              <a:prstClr val="black">
+                <a:alpha val="40000"/>
+              </a:prstClr>
+            </a:outerShdw>
+          </a:effectLst>
+        </p:spPr>
+        <p:style>
+          <a:lnRef idx="2">
+            <a:schemeClr val="accent1">
+              <a:shade val="50000"/>
+            </a:schemeClr>
+          </a:lnRef>
+          <a:fillRef idx="1">
+            <a:schemeClr val="accent1"/>
+          </a:fillRef>
+          <a:effectRef idx="0">
+            <a:schemeClr val="accent1"/>
+          </a:effectRef>
+          <a:fontRef idx="minor">
+            <a:schemeClr val="lt1"/>
+          </a:fontRef>
+        </p:style>
+        <p:txBody>
+          <a:bodyPr rtlCol="0" anchor="ctr"/>
+          <a:lstStyle/>
+          <a:p>
+            <a:pPr algn="ctr"/>
+            <a:r>
+              <a:rPr lang="en-US" altLang="zh-CN" sz="1200">
+                <a:solidFill>
+                  <a:schemeClr val="tx1"/>
+                </a:solidFill>
+              </a:rPr>
+              <a:t>block_id</a:t>
+            </a:r>
+            <a:endParaRPr lang="zh-CN" altLang="en-US" sz="1200">
+              <a:solidFill>
+                <a:schemeClr val="tx1"/>
+              </a:solidFill>
+            </a:endParaRPr>
+          </a:p>
+        </p:txBody>
+      </p:sp>
+      <p:sp>
+        <p:nvSpPr>
+          <p:cNvPr id="234" name="矩形 233">
+            <a:extLst>
+              <a:ext uri="{FF2B5EF4-FFF2-40B4-BE49-F238E27FC236}">
+                <a16:creationId xmlns:a16="http://schemas.microsoft.com/office/drawing/2014/main" id="{514334A1-D604-DA0C-BABE-2D86A33C1687}"/>
+              </a:ext>
+            </a:extLst>
+          </p:cNvPr>
+          <p:cNvSpPr/>
+          <p:nvPr/>
+        </p:nvSpPr>
+        <p:spPr>
+          <a:xfrm>
+            <a:off x="5310000" y="1080007"/>
+            <a:ext cx="563372" cy="217861"/>
+          </a:xfrm>
+          <a:prstGeom prst="rect">
+            <a:avLst/>
+          </a:prstGeom>
+          <a:solidFill>
+            <a:schemeClr val="accent3">
+              <a:lumMod val="40000"/>
+              <a:lumOff val="60000"/>
+            </a:schemeClr>
+          </a:solidFill>
+          <a:ln>
+            <a:solidFill>
+              <a:schemeClr val="bg1">
+                <a:lumMod val="65000"/>
+              </a:schemeClr>
+            </a:solidFill>
+          </a:ln>
+          <a:effectLst>
+            <a:outerShdw blurRad="50800" dist="38100" dir="2700000" algn="tl" rotWithShape="0">
+              <a:prstClr val="black">
+                <a:alpha val="40000"/>
+              </a:prstClr>
+            </a:outerShdw>
+          </a:effectLst>
+        </p:spPr>
+        <p:style>
+          <a:lnRef idx="2">
+            <a:schemeClr val="accent1">
+              <a:shade val="50000"/>
+            </a:schemeClr>
+          </a:lnRef>
+          <a:fillRef idx="1">
+            <a:schemeClr val="accent1"/>
+          </a:fillRef>
+          <a:effectRef idx="0">
+            <a:schemeClr val="accent1"/>
+          </a:effectRef>
+          <a:fontRef idx="minor">
+            <a:schemeClr val="lt1"/>
+          </a:fontRef>
+        </p:style>
+        <p:txBody>
+          <a:bodyPr rtlCol="0" anchor="ctr"/>
+          <a:lstStyle/>
+          <a:p>
+            <a:pPr algn="ctr"/>
+            <a:r>
+              <a:rPr lang="en-US" altLang="zh-CN" sz="1200">
+                <a:solidFill>
+                  <a:schemeClr val="tx1"/>
+                </a:solidFill>
+              </a:rPr>
+              <a:t>data</a:t>
+            </a:r>
+            <a:endParaRPr lang="zh-CN" altLang="en-US" sz="1200">
+              <a:solidFill>
+                <a:schemeClr val="tx1"/>
+              </a:solidFill>
+            </a:endParaRPr>
+          </a:p>
+        </p:txBody>
+      </p:sp>
+      <p:sp>
+        <p:nvSpPr>
+          <p:cNvPr id="235" name="矩形 234">
+            <a:extLst>
+              <a:ext uri="{FF2B5EF4-FFF2-40B4-BE49-F238E27FC236}">
+                <a16:creationId xmlns:a16="http://schemas.microsoft.com/office/drawing/2014/main" id="{57000E63-467B-E211-FFB5-7F19034ADEDE}"/>
+              </a:ext>
+            </a:extLst>
+          </p:cNvPr>
+          <p:cNvSpPr/>
+          <p:nvPr/>
+        </p:nvSpPr>
+        <p:spPr>
+          <a:xfrm>
+            <a:off x="5873372" y="1078165"/>
+            <a:ext cx="664357" cy="217861"/>
+          </a:xfrm>
+          <a:prstGeom prst="rect">
+            <a:avLst/>
+          </a:prstGeom>
+          <a:solidFill>
+            <a:schemeClr val="accent3">
+              <a:lumMod val="40000"/>
+              <a:lumOff val="60000"/>
+            </a:schemeClr>
+          </a:solidFill>
+          <a:ln>
+            <a:solidFill>
+              <a:schemeClr val="bg1">
+                <a:lumMod val="65000"/>
+              </a:schemeClr>
+            </a:solidFill>
+          </a:ln>
+          <a:effectLst>
+            <a:outerShdw blurRad="50800" dist="38100" dir="2700000" algn="tl" rotWithShape="0">
+              <a:prstClr val="black">
+                <a:alpha val="40000"/>
+              </a:prstClr>
+            </a:outerShdw>
+          </a:effectLst>
+        </p:spPr>
+        <p:style>
+          <a:lnRef idx="2">
+            <a:schemeClr val="accent1">
+              <a:shade val="50000"/>
+            </a:schemeClr>
+          </a:lnRef>
+          <a:fillRef idx="1">
+            <a:schemeClr val="accent1"/>
+          </a:fillRef>
+          <a:effectRef idx="0">
+            <a:schemeClr val="accent1"/>
+          </a:effectRef>
+          <a:fontRef idx="minor">
+            <a:schemeClr val="lt1"/>
+          </a:fontRef>
+        </p:style>
+        <p:txBody>
+          <a:bodyPr rtlCol="0" anchor="ctr"/>
+          <a:lstStyle/>
+          <a:p>
+            <a:pPr algn="ctr"/>
+            <a:r>
+              <a:rPr lang="en-US" altLang="zh-CN" sz="1200">
+                <a:solidFill>
+                  <a:schemeClr val="tx1"/>
+                </a:solidFill>
+              </a:rPr>
+              <a:t>len</a:t>
+            </a:r>
+            <a:endParaRPr lang="zh-CN" altLang="en-US" sz="1200">
+              <a:solidFill>
+                <a:schemeClr val="tx1"/>
+              </a:solidFill>
+            </a:endParaRPr>
+          </a:p>
+        </p:txBody>
+      </p:sp>
+      <p:cxnSp>
+        <p:nvCxnSpPr>
+          <p:cNvPr id="241" name="连接符: 曲线 240">
+            <a:extLst>
+              <a:ext uri="{FF2B5EF4-FFF2-40B4-BE49-F238E27FC236}">
+                <a16:creationId xmlns:a16="http://schemas.microsoft.com/office/drawing/2014/main" id="{43E4BFE8-C1DB-845C-3ED3-3B2FDA44598F}"/>
+              </a:ext>
+            </a:extLst>
+          </p:cNvPr>
+          <p:cNvCxnSpPr>
+            <a:cxnSpLocks/>
+            <a:stCxn id="209" idx="5"/>
+          </p:cNvCxnSpPr>
+          <p:nvPr/>
+        </p:nvCxnSpPr>
+        <p:spPr>
+          <a:xfrm flipV="1">
+            <a:off x="3016997" y="2239361"/>
+            <a:ext cx="1254860" cy="3427061"/>
+          </a:xfrm>
+          <a:prstGeom prst="curvedConnector2">
+            <a:avLst/>
+          </a:prstGeom>
+          <a:ln>
+            <a:tailEnd type="triangle"/>
+          </a:ln>
+        </p:spPr>
+        <p:style>
+          <a:lnRef idx="1">
+            <a:schemeClr val="accent6"/>
+          </a:lnRef>
+          <a:fillRef idx="0">
+            <a:schemeClr val="accent6"/>
+          </a:fillRef>
+          <a:effectRef idx="0">
+            <a:schemeClr val="accent6"/>
+          </a:effectRef>
+          <a:fontRef idx="minor">
+            <a:schemeClr val="tx1"/>
+          </a:fontRef>
+        </p:style>
+      </p:cxnSp>
+      <p:cxnSp>
+        <p:nvCxnSpPr>
+          <p:cNvPr id="245" name="连接符: 曲线 244">
+            <a:extLst>
+              <a:ext uri="{FF2B5EF4-FFF2-40B4-BE49-F238E27FC236}">
+                <a16:creationId xmlns:a16="http://schemas.microsoft.com/office/drawing/2014/main" id="{A774FE31-4BA2-7F12-AE84-489D65CF98F9}"/>
+              </a:ext>
+            </a:extLst>
+          </p:cNvPr>
+          <p:cNvCxnSpPr>
+            <a:cxnSpLocks/>
+            <a:stCxn id="210" idx="5"/>
+          </p:cNvCxnSpPr>
+          <p:nvPr/>
+        </p:nvCxnSpPr>
+        <p:spPr>
+          <a:xfrm flipV="1">
+            <a:off x="3012658" y="2239361"/>
+            <a:ext cx="1259199" cy="3648805"/>
+          </a:xfrm>
+          <a:prstGeom prst="curvedConnector2">
+            <a:avLst/>
+          </a:prstGeom>
+          <a:ln>
+            <a:tailEnd type="triangle"/>
+          </a:ln>
+        </p:spPr>
+        <p:style>
+          <a:lnRef idx="1">
+            <a:schemeClr val="accent6"/>
+          </a:lnRef>
+          <a:fillRef idx="0">
+            <a:schemeClr val="accent6"/>
+          </a:fillRef>
+          <a:effectRef idx="0">
+            <a:schemeClr val="accent6"/>
+          </a:effectRef>
+          <a:fontRef idx="minor">
+            <a:schemeClr val="tx1"/>
+          </a:fontRef>
+        </p:style>
+      </p:cxnSp>
+      <p:sp>
+        <p:nvSpPr>
+          <p:cNvPr id="249" name="等腰三角形 248">
+            <a:extLst>
+              <a:ext uri="{FF2B5EF4-FFF2-40B4-BE49-F238E27FC236}">
+                <a16:creationId xmlns:a16="http://schemas.microsoft.com/office/drawing/2014/main" id="{32B78EA3-AF79-DF31-930E-BC452C5269C9}"/>
+              </a:ext>
+            </a:extLst>
+          </p:cNvPr>
+          <p:cNvSpPr/>
+          <p:nvPr/>
+        </p:nvSpPr>
+        <p:spPr>
+          <a:xfrm>
+            <a:off x="4561693" y="2276719"/>
+            <a:ext cx="135802" cy="118454"/>
+          </a:xfrm>
+          <a:prstGeom prst="triangle">
+            <a:avLst/>
+          </a:prstGeom>
+          <a:solidFill>
+            <a:schemeClr val="bg1">
+              <a:lumMod val="65000"/>
+            </a:schemeClr>
+          </a:solidFill>
+          <a:ln>
+            <a:noFill/>
+          </a:ln>
+        </p:spPr>
+        <p:style>
+          <a:lnRef idx="2">
+            <a:schemeClr val="accent5">
+              <a:shade val="50000"/>
+            </a:schemeClr>
+          </a:lnRef>
+          <a:fillRef idx="1">
+            <a:schemeClr val="accent5"/>
+          </a:fillRef>
+          <a:effectRef idx="0">
+            <a:schemeClr val="accent5"/>
+          </a:effectRef>
+          <a:fontRef idx="minor">
+            <a:schemeClr val="lt1"/>
+          </a:fontRef>
+        </p:style>
+        <p:txBody>
+          <a:bodyPr rtlCol="0" anchor="ctr"/>
+          <a:lstStyle/>
+          <a:p>
+            <a:pPr algn="ctr"/>
+            <a:endParaRPr lang="zh-CN" altLang="en-US"/>
+          </a:p>
+        </p:txBody>
+      </p:sp>
+      <p:sp>
+        <p:nvSpPr>
+          <p:cNvPr id="250" name="等腰三角形 249">
+            <a:extLst>
+              <a:ext uri="{FF2B5EF4-FFF2-40B4-BE49-F238E27FC236}">
+                <a16:creationId xmlns:a16="http://schemas.microsoft.com/office/drawing/2014/main" id="{021B24B5-093A-80E4-49F8-A37DE3620286}"/>
+              </a:ext>
+            </a:extLst>
+          </p:cNvPr>
+          <p:cNvSpPr/>
+          <p:nvPr/>
+        </p:nvSpPr>
+        <p:spPr>
+          <a:xfrm>
+            <a:off x="4558236" y="2498463"/>
+            <a:ext cx="135802" cy="118454"/>
+          </a:xfrm>
+          <a:prstGeom prst="triangle">
+            <a:avLst/>
+          </a:prstGeom>
+          <a:solidFill>
+            <a:schemeClr val="bg1">
+              <a:lumMod val="65000"/>
+            </a:schemeClr>
+          </a:solidFill>
+          <a:ln>
+            <a:noFill/>
+          </a:ln>
+        </p:spPr>
+        <p:style>
+          <a:lnRef idx="2">
+            <a:schemeClr val="accent5">
+              <a:shade val="50000"/>
+            </a:schemeClr>
+          </a:lnRef>
+          <a:fillRef idx="1">
+            <a:schemeClr val="accent5"/>
+          </a:fillRef>
+          <a:effectRef idx="0">
+            <a:schemeClr val="accent5"/>
+          </a:effectRef>
+          <a:fontRef idx="minor">
+            <a:schemeClr val="lt1"/>
+          </a:fontRef>
+        </p:style>
+        <p:txBody>
+          <a:bodyPr rtlCol="0" anchor="ctr"/>
+          <a:lstStyle/>
+          <a:p>
+            <a:pPr algn="ctr"/>
+            <a:endParaRPr lang="zh-CN" altLang="en-US"/>
+          </a:p>
+        </p:txBody>
+      </p:sp>
+      <p:cxnSp>
+        <p:nvCxnSpPr>
+          <p:cNvPr id="251" name="连接符: 曲线 250">
+            <a:extLst>
+              <a:ext uri="{FF2B5EF4-FFF2-40B4-BE49-F238E27FC236}">
+                <a16:creationId xmlns:a16="http://schemas.microsoft.com/office/drawing/2014/main" id="{B11C67C5-E073-5985-909F-EDDDD105E58B}"/>
+              </a:ext>
+            </a:extLst>
+          </p:cNvPr>
+          <p:cNvCxnSpPr>
+            <a:cxnSpLocks/>
+            <a:stCxn id="249" idx="5"/>
+            <a:endCxn id="234" idx="2"/>
+          </p:cNvCxnSpPr>
+          <p:nvPr/>
+        </p:nvCxnSpPr>
+        <p:spPr>
+          <a:xfrm flipV="1">
+            <a:off x="4663545" y="1297868"/>
+            <a:ext cx="928141" cy="1038078"/>
+          </a:xfrm>
+          <a:prstGeom prst="curvedConnector2">
+            <a:avLst/>
+          </a:prstGeom>
+          <a:ln>
+            <a:tailEnd type="triangle"/>
+          </a:ln>
+        </p:spPr>
+        <p:style>
+          <a:lnRef idx="1">
+            <a:schemeClr val="accent6"/>
+          </a:lnRef>
+          <a:fillRef idx="0">
+            <a:schemeClr val="accent6"/>
+          </a:fillRef>
+          <a:effectRef idx="0">
+            <a:schemeClr val="accent6"/>
+          </a:effectRef>
+          <a:fontRef idx="minor">
+            <a:schemeClr val="tx1"/>
+          </a:fontRef>
+        </p:style>
+      </p:cxnSp>
+      <p:cxnSp>
+        <p:nvCxnSpPr>
+          <p:cNvPr id="254" name="连接符: 曲线 253">
+            <a:extLst>
+              <a:ext uri="{FF2B5EF4-FFF2-40B4-BE49-F238E27FC236}">
+                <a16:creationId xmlns:a16="http://schemas.microsoft.com/office/drawing/2014/main" id="{B77CBC7F-CF03-53D0-4034-E531B616F9A4}"/>
+              </a:ext>
+            </a:extLst>
+          </p:cNvPr>
+          <p:cNvCxnSpPr>
+            <a:cxnSpLocks/>
+            <a:stCxn id="250" idx="5"/>
+            <a:endCxn id="235" idx="2"/>
+          </p:cNvCxnSpPr>
+          <p:nvPr/>
+        </p:nvCxnSpPr>
+        <p:spPr>
+          <a:xfrm flipV="1">
+            <a:off x="4660088" y="1296026"/>
+            <a:ext cx="1545463" cy="1261664"/>
+          </a:xfrm>
+          <a:prstGeom prst="curvedConnector2">
+            <a:avLst/>
+          </a:prstGeom>
+          <a:ln>
+            <a:tailEnd type="triangle"/>
+          </a:ln>
+        </p:spPr>
+        <p:style>
+          <a:lnRef idx="1">
+            <a:schemeClr val="accent6"/>
+          </a:lnRef>
+          <a:fillRef idx="0">
+            <a:schemeClr val="accent6"/>
+          </a:fillRef>
+          <a:effectRef idx="0">
+            <a:schemeClr val="accent6"/>
+          </a:effectRef>
+          <a:fontRef idx="minor">
+            <a:schemeClr val="tx1"/>
+          </a:fontRef>
+        </p:style>
+      </p:cxnSp>
+      <p:graphicFrame>
+        <p:nvGraphicFramePr>
+          <p:cNvPr id="257" name="表格 256">
+            <a:extLst>
+              <a:ext uri="{FF2B5EF4-FFF2-40B4-BE49-F238E27FC236}">
+                <a16:creationId xmlns:a16="http://schemas.microsoft.com/office/drawing/2014/main" id="{E95BBC86-FC26-ACA7-602F-B2D3C7C1CF47}"/>
+              </a:ext>
+            </a:extLst>
+          </p:cNvPr>
+          <p:cNvGraphicFramePr>
+            <a:graphicFrameLocks noGrp="1"/>
+          </p:cNvGraphicFramePr>
+          <p:nvPr>
+            <p:extLst>
+              <p:ext uri="{D42A27DB-BD31-4B8C-83A1-F6EECF244321}">
+                <p14:modId xmlns:p14="http://schemas.microsoft.com/office/powerpoint/2010/main" val="3897626906"/>
+              </p:ext>
+            </p:extLst>
+          </p:nvPr>
+        </p:nvGraphicFramePr>
+        <p:xfrm>
+          <a:off x="126935" y="4362945"/>
+          <a:ext cx="1674137" cy="875520"/>
+        </p:xfrm>
+        <a:graphic>
+          <a:graphicData uri="http://schemas.openxmlformats.org/drawingml/2006/table">
+            <a:tbl>
+              <a:tblPr firstRow="1" bandRow="1">
+                <a:tableStyleId>{5940675A-B579-460E-94D1-54222C63F5DA}</a:tableStyleId>
+              </a:tblPr>
+              <a:tblGrid>
+                <a:gridCol w="1674137">
+                  <a:extLst>
+                    <a:ext uri="{9D8B030D-6E8A-4147-A177-3AD203B41FA5}">
+                      <a16:colId xmlns:a16="http://schemas.microsoft.com/office/drawing/2014/main" val="3450109719"/>
+                    </a:ext>
+                  </a:extLst>
+                </a:gridCol>
+              </a:tblGrid>
+              <a:tr h="127807">
+                <a:tc>
+                  <a:txBody>
+                    <a:bodyPr/>
+                    <a:lstStyle/>
+                    <a:p>
+                      <a:pPr algn="ctr"/>
+                      <a:r>
+                        <a:rPr lang="zh-CN" altLang="en-US" sz="1200"/>
+                        <a:t>全局变量</a:t>
+                      </a:r>
+                    </a:p>
+                  </a:txBody>
+                  <a:tcPr marL="18000" marR="18000" marT="18000" marB="18000">
+                    <a:solidFill>
+                      <a:schemeClr val="bg1">
+                        <a:lumMod val="85000"/>
+                      </a:schemeClr>
+                    </a:solidFill>
+                  </a:tcPr>
+                </a:tc>
+                <a:extLst>
+                  <a:ext uri="{0D108BD9-81ED-4DB2-BD59-A6C34878D82A}">
+                    <a16:rowId xmlns:a16="http://schemas.microsoft.com/office/drawing/2014/main" val="882242369"/>
+                  </a:ext>
+                </a:extLst>
+              </a:tr>
+              <a:tr h="0">
+                <a:tc>
+                  <a:txBody>
+                    <a:bodyPr/>
+                    <a:lstStyle/>
+                    <a:p>
+                      <a:pPr algn="ctr"/>
+                      <a:r>
+                        <a:rPr lang="en-US" altLang="zh-CN" sz="1200"/>
+                        <a:t>registered_buffers[</a:t>
+                      </a:r>
+                      <a:r>
+                        <a:rPr lang="zh-CN" altLang="en-US" sz="1200"/>
+                        <a:t>数组</a:t>
+                      </a:r>
+                      <a:r>
+                        <a:rPr lang="en-US" altLang="zh-CN" sz="1200"/>
+                        <a:t>]</a:t>
+                      </a:r>
+                      <a:endParaRPr lang="zh-CN" altLang="en-US" sz="1200"/>
+                    </a:p>
+                  </a:txBody>
+                  <a:tcPr marL="18000" marR="18000" marT="18000" marB="18000"/>
+                </a:tc>
+                <a:extLst>
+                  <a:ext uri="{0D108BD9-81ED-4DB2-BD59-A6C34878D82A}">
+                    <a16:rowId xmlns:a16="http://schemas.microsoft.com/office/drawing/2014/main" val="3249990585"/>
+                  </a:ext>
+                </a:extLst>
+              </a:tr>
+              <a:tr h="127807">
+                <a:tc>
+                  <a:txBody>
+                    <a:bodyPr/>
+                    <a:lstStyle/>
+                    <a:p>
+                      <a:pPr marL="0" marR="0" lvl="0" indent="0" algn="ctr" defTabSz="914400" rtl="0" eaLnBrk="1" fontAlgn="auto" latinLnBrk="0" hangingPunct="1">
+                        <a:lnSpc>
+                          <a:spcPct val="100000"/>
+                        </a:lnSpc>
+                        <a:spcBef>
+                          <a:spcPts val="0"/>
+                        </a:spcBef>
+                        <a:spcAft>
+                          <a:spcPts val="0"/>
+                        </a:spcAft>
+                        <a:buClrTx/>
+                        <a:buSzTx/>
+                        <a:buFontTx/>
+                        <a:buNone/>
+                        <a:tabLst/>
+                        <a:defRPr/>
+                      </a:pPr>
+                      <a:r>
+                        <a:rPr lang="en-US" altLang="zh-CN" sz="1200"/>
+                        <a:t>max_registered_buffers</a:t>
+                      </a:r>
+                      <a:endParaRPr lang="zh-CN" altLang="en-US" sz="1200"/>
+                    </a:p>
+                  </a:txBody>
+                  <a:tcPr marL="18000" marR="18000" marT="18000" marB="18000"/>
+                </a:tc>
+                <a:extLst>
+                  <a:ext uri="{0D108BD9-81ED-4DB2-BD59-A6C34878D82A}">
+                    <a16:rowId xmlns:a16="http://schemas.microsoft.com/office/drawing/2014/main" val="814788111"/>
+                  </a:ext>
+                </a:extLst>
+              </a:tr>
+              <a:tr h="127807">
+                <a:tc>
+                  <a:txBody>
+                    <a:bodyPr/>
+                    <a:lstStyle/>
+                    <a:p>
+                      <a:pPr marL="0" marR="0" lvl="0" indent="0" algn="ctr" defTabSz="914400" rtl="0" eaLnBrk="1" fontAlgn="auto" latinLnBrk="0" hangingPunct="1">
+                        <a:lnSpc>
+                          <a:spcPct val="100000"/>
+                        </a:lnSpc>
+                        <a:spcBef>
+                          <a:spcPts val="0"/>
+                        </a:spcBef>
+                        <a:spcAft>
+                          <a:spcPts val="0"/>
+                        </a:spcAft>
+                        <a:buClrTx/>
+                        <a:buSzTx/>
+                        <a:buFontTx/>
+                        <a:buNone/>
+                        <a:tabLst/>
+                        <a:defRPr/>
+                      </a:pPr>
+                      <a:r>
+                        <a:rPr lang="en-US" altLang="zh-CN" sz="1200"/>
+                        <a:t>max_registered_block_id</a:t>
+                      </a:r>
+                      <a:endParaRPr lang="zh-CN" altLang="en-US" sz="1200"/>
+                    </a:p>
+                  </a:txBody>
+                  <a:tcPr marL="18000" marR="18000" marT="18000" marB="18000"/>
+                </a:tc>
+                <a:extLst>
+                  <a:ext uri="{0D108BD9-81ED-4DB2-BD59-A6C34878D82A}">
+                    <a16:rowId xmlns:a16="http://schemas.microsoft.com/office/drawing/2014/main" val="3617596648"/>
+                  </a:ext>
+                </a:extLst>
+              </a:tr>
+            </a:tbl>
+          </a:graphicData>
+        </a:graphic>
+      </p:graphicFrame>
+      <p:graphicFrame>
+        <p:nvGraphicFramePr>
+          <p:cNvPr id="264" name="表格 263">
+            <a:extLst>
+              <a:ext uri="{FF2B5EF4-FFF2-40B4-BE49-F238E27FC236}">
+                <a16:creationId xmlns:a16="http://schemas.microsoft.com/office/drawing/2014/main" id="{266A13BC-C619-76E8-0E51-14DEA17E3549}"/>
+              </a:ext>
+            </a:extLst>
+          </p:cNvPr>
+          <p:cNvGraphicFramePr>
+            <a:graphicFrameLocks noGrp="1"/>
+          </p:cNvGraphicFramePr>
+          <p:nvPr>
+            <p:extLst>
+              <p:ext uri="{D42A27DB-BD31-4B8C-83A1-F6EECF244321}">
+                <p14:modId xmlns:p14="http://schemas.microsoft.com/office/powerpoint/2010/main" val="1596558023"/>
+              </p:ext>
+            </p:extLst>
+          </p:nvPr>
+        </p:nvGraphicFramePr>
+        <p:xfrm>
+          <a:off x="5922382" y="3364055"/>
+          <a:ext cx="1467934" cy="656640"/>
+        </p:xfrm>
+        <a:graphic>
+          <a:graphicData uri="http://schemas.openxmlformats.org/drawingml/2006/table">
+            <a:tbl>
+              <a:tblPr firstRow="1" bandRow="1">
+                <a:tableStyleId>{5940675A-B579-460E-94D1-54222C63F5DA}</a:tableStyleId>
+              </a:tblPr>
+              <a:tblGrid>
+                <a:gridCol w="1467934">
+                  <a:extLst>
+                    <a:ext uri="{9D8B030D-6E8A-4147-A177-3AD203B41FA5}">
+                      <a16:colId xmlns:a16="http://schemas.microsoft.com/office/drawing/2014/main" val="3450109719"/>
+                    </a:ext>
+                  </a:extLst>
+                </a:gridCol>
+              </a:tblGrid>
+              <a:tr h="189456">
+                <a:tc>
+                  <a:txBody>
+                    <a:bodyPr/>
+                    <a:lstStyle/>
+                    <a:p>
+                      <a:pPr algn="ctr"/>
+                      <a:r>
+                        <a:rPr lang="zh-CN" altLang="en-US" sz="1200"/>
+                        <a:t>全局变量</a:t>
+                      </a:r>
+                    </a:p>
+                  </a:txBody>
+                  <a:tcPr marL="18000" marR="18000" marT="18000" marB="18000">
+                    <a:solidFill>
+                      <a:schemeClr val="bg1">
+                        <a:lumMod val="85000"/>
+                      </a:schemeClr>
+                    </a:solidFill>
+                  </a:tcPr>
+                </a:tc>
+                <a:extLst>
+                  <a:ext uri="{0D108BD9-81ED-4DB2-BD59-A6C34878D82A}">
+                    <a16:rowId xmlns:a16="http://schemas.microsoft.com/office/drawing/2014/main" val="882242369"/>
+                  </a:ext>
+                </a:extLst>
+              </a:tr>
+              <a:tr h="0">
+                <a:tc>
+                  <a:txBody>
+                    <a:bodyPr/>
+                    <a:lstStyle/>
+                    <a:p>
+                      <a:pPr algn="ctr"/>
+                      <a:r>
+                        <a:rPr lang="en-US" altLang="zh-CN" sz="1200"/>
+                        <a:t>hdr_rdt[</a:t>
+                      </a:r>
+                      <a:r>
+                        <a:rPr lang="zh-CN" altLang="en-US" sz="1200"/>
+                        <a:t>链表</a:t>
+                      </a:r>
+                      <a:r>
+                        <a:rPr lang="en-US" altLang="zh-CN" sz="1200"/>
+                        <a:t>]</a:t>
+                      </a:r>
+                      <a:endParaRPr lang="zh-CN" altLang="en-US" sz="1200"/>
+                    </a:p>
+                  </a:txBody>
+                  <a:tcPr marL="18000" marR="18000" marT="18000" marB="18000"/>
+                </a:tc>
+                <a:extLst>
+                  <a:ext uri="{0D108BD9-81ED-4DB2-BD59-A6C34878D82A}">
+                    <a16:rowId xmlns:a16="http://schemas.microsoft.com/office/drawing/2014/main" val="3249990585"/>
+                  </a:ext>
+                </a:extLst>
+              </a:tr>
+              <a:tr h="127807">
+                <a:tc>
+                  <a:txBody>
+                    <a:bodyPr/>
+                    <a:lstStyle/>
+                    <a:p>
+                      <a:pPr marL="0" marR="0" lvl="0" indent="0" algn="ctr" defTabSz="914400" rtl="0" eaLnBrk="1" fontAlgn="auto" latinLnBrk="0" hangingPunct="1">
+                        <a:lnSpc>
+                          <a:spcPct val="100000"/>
+                        </a:lnSpc>
+                        <a:spcBef>
+                          <a:spcPts val="0"/>
+                        </a:spcBef>
+                        <a:spcAft>
+                          <a:spcPts val="0"/>
+                        </a:spcAft>
+                        <a:buClrTx/>
+                        <a:buSzTx/>
+                        <a:buFontTx/>
+                        <a:buNone/>
+                        <a:tabLst/>
+                        <a:defRPr/>
+                      </a:pPr>
+                      <a:r>
+                        <a:rPr lang="en-US" altLang="zh-CN" sz="1200"/>
+                        <a:t>hdr_scratch (data)</a:t>
+                      </a:r>
+                      <a:endParaRPr lang="zh-CN" altLang="en-US" sz="1200"/>
+                    </a:p>
+                  </a:txBody>
+                  <a:tcPr marL="18000" marR="18000" marT="18000" marB="18000"/>
+                </a:tc>
+                <a:extLst>
+                  <a:ext uri="{0D108BD9-81ED-4DB2-BD59-A6C34878D82A}">
+                    <a16:rowId xmlns:a16="http://schemas.microsoft.com/office/drawing/2014/main" val="814788111"/>
+                  </a:ext>
+                </a:extLst>
+              </a:tr>
+            </a:tbl>
+          </a:graphicData>
+        </a:graphic>
+      </p:graphicFrame>
+      <p:sp>
+        <p:nvSpPr>
+          <p:cNvPr id="266" name="等腰三角形 265">
+            <a:extLst>
+              <a:ext uri="{FF2B5EF4-FFF2-40B4-BE49-F238E27FC236}">
+                <a16:creationId xmlns:a16="http://schemas.microsoft.com/office/drawing/2014/main" id="{7DDCE607-E02F-7D08-102D-09888720BB31}"/>
+              </a:ext>
+            </a:extLst>
+          </p:cNvPr>
+          <p:cNvSpPr/>
+          <p:nvPr/>
+        </p:nvSpPr>
+        <p:spPr>
+          <a:xfrm>
+            <a:off x="5990917" y="3626392"/>
+            <a:ext cx="135802" cy="118454"/>
+          </a:xfrm>
+          <a:prstGeom prst="triangle">
+            <a:avLst/>
+          </a:prstGeom>
+          <a:solidFill>
+            <a:schemeClr val="bg1">
+              <a:lumMod val="65000"/>
+            </a:schemeClr>
+          </a:solidFill>
+          <a:ln>
+            <a:noFill/>
+          </a:ln>
+        </p:spPr>
+        <p:style>
+          <a:lnRef idx="2">
+            <a:schemeClr val="accent5">
+              <a:shade val="50000"/>
+            </a:schemeClr>
+          </a:lnRef>
+          <a:fillRef idx="1">
+            <a:schemeClr val="accent5"/>
+          </a:fillRef>
+          <a:effectRef idx="0">
+            <a:schemeClr val="accent5"/>
+          </a:effectRef>
+          <a:fontRef idx="minor">
+            <a:schemeClr val="lt1"/>
+          </a:fontRef>
+        </p:style>
+        <p:txBody>
+          <a:bodyPr rtlCol="0" anchor="ctr"/>
+          <a:lstStyle/>
+          <a:p>
+            <a:pPr algn="ctr"/>
+            <a:endParaRPr lang="zh-CN" altLang="en-US"/>
+          </a:p>
+        </p:txBody>
+      </p:sp>
+      <p:sp>
+        <p:nvSpPr>
+          <p:cNvPr id="267" name="等腰三角形 266">
+            <a:extLst>
+              <a:ext uri="{FF2B5EF4-FFF2-40B4-BE49-F238E27FC236}">
+                <a16:creationId xmlns:a16="http://schemas.microsoft.com/office/drawing/2014/main" id="{C067B3A0-45F6-CE7C-5B75-9AA2EC264D0C}"/>
+              </a:ext>
+            </a:extLst>
+          </p:cNvPr>
+          <p:cNvSpPr/>
+          <p:nvPr/>
+        </p:nvSpPr>
+        <p:spPr>
+          <a:xfrm>
+            <a:off x="7262955" y="3852921"/>
+            <a:ext cx="135802" cy="118454"/>
+          </a:xfrm>
+          <a:prstGeom prst="triangle">
+            <a:avLst/>
+          </a:prstGeom>
+          <a:ln/>
+        </p:spPr>
+        <p:style>
+          <a:lnRef idx="2">
+            <a:schemeClr val="dk1">
+              <a:shade val="50000"/>
+            </a:schemeClr>
+          </a:lnRef>
+          <a:fillRef idx="1">
+            <a:schemeClr val="dk1"/>
+          </a:fillRef>
+          <a:effectRef idx="0">
+            <a:schemeClr val="dk1"/>
+          </a:effectRef>
+          <a:fontRef idx="minor">
+            <a:schemeClr val="lt1"/>
+          </a:fontRef>
+        </p:style>
+        <p:txBody>
+          <a:bodyPr rtlCol="0" anchor="ctr"/>
+          <a:lstStyle/>
+          <a:p>
+            <a:pPr algn="ctr"/>
+            <a:endParaRPr lang="zh-CN" altLang="en-US"/>
+          </a:p>
+        </p:txBody>
+      </p:sp>
+      <p:graphicFrame>
+        <p:nvGraphicFramePr>
+          <p:cNvPr id="268" name="表格 267">
+            <a:extLst>
+              <a:ext uri="{FF2B5EF4-FFF2-40B4-BE49-F238E27FC236}">
+                <a16:creationId xmlns:a16="http://schemas.microsoft.com/office/drawing/2014/main" id="{C4814B91-CD2C-CC03-7A49-C3AB8E5E8C08}"/>
+              </a:ext>
+            </a:extLst>
+          </p:cNvPr>
+          <p:cNvGraphicFramePr>
+            <a:graphicFrameLocks noGrp="1"/>
+          </p:cNvGraphicFramePr>
+          <p:nvPr>
+            <p:extLst>
+              <p:ext uri="{D42A27DB-BD31-4B8C-83A1-F6EECF244321}">
+                <p14:modId xmlns:p14="http://schemas.microsoft.com/office/powerpoint/2010/main" val="1561797546"/>
+              </p:ext>
+            </p:extLst>
+          </p:nvPr>
+        </p:nvGraphicFramePr>
+        <p:xfrm>
+          <a:off x="7724144" y="5030251"/>
+          <a:ext cx="1709260" cy="875520"/>
+        </p:xfrm>
+        <a:graphic>
+          <a:graphicData uri="http://schemas.openxmlformats.org/drawingml/2006/table">
+            <a:tbl>
+              <a:tblPr firstRow="1" bandRow="1">
+                <a:tableStyleId>{5940675A-B579-460E-94D1-54222C63F5DA}</a:tableStyleId>
+              </a:tblPr>
+              <a:tblGrid>
+                <a:gridCol w="1709260">
+                  <a:extLst>
+                    <a:ext uri="{9D8B030D-6E8A-4147-A177-3AD203B41FA5}">
+                      <a16:colId xmlns:a16="http://schemas.microsoft.com/office/drawing/2014/main" val="3450109719"/>
+                    </a:ext>
+                  </a:extLst>
+                </a:gridCol>
+              </a:tblGrid>
+              <a:tr h="153398">
+                <a:tc>
+                  <a:txBody>
+                    <a:bodyPr/>
+                    <a:lstStyle/>
+                    <a:p>
+                      <a:pPr algn="ctr"/>
+                      <a:r>
+                        <a:rPr lang="en-US" altLang="zh-CN" sz="1200"/>
+                        <a:t>XLogRecordBlockHeader</a:t>
+                      </a:r>
+                      <a:endParaRPr lang="zh-CN" altLang="en-US" sz="1200"/>
+                    </a:p>
+                  </a:txBody>
+                  <a:tcPr marL="18000" marR="18000" marT="18000" marB="18000">
+                    <a:solidFill>
+                      <a:schemeClr val="bg1">
+                        <a:lumMod val="85000"/>
+                      </a:schemeClr>
+                    </a:solidFill>
+                  </a:tcPr>
+                </a:tc>
+                <a:extLst>
+                  <a:ext uri="{0D108BD9-81ED-4DB2-BD59-A6C34878D82A}">
+                    <a16:rowId xmlns:a16="http://schemas.microsoft.com/office/drawing/2014/main" val="882242369"/>
+                  </a:ext>
+                </a:extLst>
+              </a:tr>
+              <a:tr h="153398">
+                <a:tc>
+                  <a:txBody>
+                    <a:bodyPr/>
+                    <a:lstStyle/>
+                    <a:p>
+                      <a:pPr algn="ctr"/>
+                      <a:r>
+                        <a:rPr lang="en-US" altLang="zh-CN" sz="1200"/>
+                        <a:t>id</a:t>
+                      </a:r>
+                      <a:endParaRPr lang="zh-CN" altLang="en-US" sz="1200"/>
+                    </a:p>
+                  </a:txBody>
+                  <a:tcPr marL="18000" marR="18000" marT="18000" marB="18000"/>
+                </a:tc>
+                <a:extLst>
+                  <a:ext uri="{0D108BD9-81ED-4DB2-BD59-A6C34878D82A}">
+                    <a16:rowId xmlns:a16="http://schemas.microsoft.com/office/drawing/2014/main" val="3249990585"/>
+                  </a:ext>
+                </a:extLst>
+              </a:tr>
+              <a:tr h="153398">
+                <a:tc>
+                  <a:txBody>
+                    <a:bodyPr/>
+                    <a:lstStyle/>
+                    <a:p>
+                      <a:pPr marL="0" marR="0" lvl="0" indent="0" algn="ctr" defTabSz="914400" rtl="0" eaLnBrk="1" fontAlgn="auto" latinLnBrk="0" hangingPunct="1">
+                        <a:lnSpc>
+                          <a:spcPct val="100000"/>
+                        </a:lnSpc>
+                        <a:spcBef>
+                          <a:spcPts val="0"/>
+                        </a:spcBef>
+                        <a:spcAft>
+                          <a:spcPts val="0"/>
+                        </a:spcAft>
+                        <a:buClrTx/>
+                        <a:buSzTx/>
+                        <a:buFontTx/>
+                        <a:buNone/>
+                        <a:tabLst/>
+                        <a:defRPr/>
+                      </a:pPr>
+                      <a:r>
+                        <a:rPr lang="en-US" altLang="zh-CN" sz="1200"/>
+                        <a:t>fork_flags</a:t>
+                      </a:r>
+                      <a:endParaRPr lang="zh-CN" altLang="en-US" sz="1200"/>
+                    </a:p>
+                  </a:txBody>
+                  <a:tcPr marL="18000" marR="18000" marT="18000" marB="18000"/>
+                </a:tc>
+                <a:extLst>
+                  <a:ext uri="{0D108BD9-81ED-4DB2-BD59-A6C34878D82A}">
+                    <a16:rowId xmlns:a16="http://schemas.microsoft.com/office/drawing/2014/main" val="814788111"/>
+                  </a:ext>
+                </a:extLst>
+              </a:tr>
+              <a:tr h="153398">
+                <a:tc>
+                  <a:txBody>
+                    <a:bodyPr/>
+                    <a:lstStyle/>
+                    <a:p>
+                      <a:pPr marL="0" marR="0" lvl="0" indent="0" algn="ctr" defTabSz="914400" rtl="0" eaLnBrk="1" fontAlgn="auto" latinLnBrk="0" hangingPunct="1">
+                        <a:lnSpc>
+                          <a:spcPct val="100000"/>
+                        </a:lnSpc>
+                        <a:spcBef>
+                          <a:spcPts val="0"/>
+                        </a:spcBef>
+                        <a:spcAft>
+                          <a:spcPts val="0"/>
+                        </a:spcAft>
+                        <a:buClrTx/>
+                        <a:buSzTx/>
+                        <a:buFontTx/>
+                        <a:buNone/>
+                        <a:tabLst/>
+                        <a:defRPr/>
+                      </a:pPr>
+                      <a:r>
+                        <a:rPr lang="en-US" altLang="zh-CN" sz="1200"/>
+                        <a:t>data_length</a:t>
+                      </a:r>
+                      <a:endParaRPr lang="zh-CN" altLang="en-US" sz="1200"/>
+                    </a:p>
+                  </a:txBody>
+                  <a:tcPr marL="18000" marR="18000" marT="18000" marB="18000"/>
+                </a:tc>
+                <a:extLst>
+                  <a:ext uri="{0D108BD9-81ED-4DB2-BD59-A6C34878D82A}">
+                    <a16:rowId xmlns:a16="http://schemas.microsoft.com/office/drawing/2014/main" val="3617596648"/>
+                  </a:ext>
+                </a:extLst>
+              </a:tr>
+            </a:tbl>
+          </a:graphicData>
+        </a:graphic>
+      </p:graphicFrame>
+      <p:sp>
+        <p:nvSpPr>
+          <p:cNvPr id="269" name="等腰三角形 268">
+            <a:extLst>
+              <a:ext uri="{FF2B5EF4-FFF2-40B4-BE49-F238E27FC236}">
+                <a16:creationId xmlns:a16="http://schemas.microsoft.com/office/drawing/2014/main" id="{3D7EE29E-8908-6DE9-BA7B-85B1F79107F0}"/>
+              </a:ext>
+            </a:extLst>
+          </p:cNvPr>
+          <p:cNvSpPr/>
+          <p:nvPr/>
+        </p:nvSpPr>
+        <p:spPr>
+          <a:xfrm>
+            <a:off x="7859762" y="5299850"/>
+            <a:ext cx="135802" cy="118454"/>
+          </a:xfrm>
+          <a:prstGeom prst="triangle">
+            <a:avLst/>
+          </a:prstGeom>
+          <a:solidFill>
+            <a:schemeClr val="bg1">
+              <a:lumMod val="65000"/>
+            </a:schemeClr>
+          </a:solidFill>
+          <a:ln>
+            <a:noFill/>
+          </a:ln>
+        </p:spPr>
+        <p:style>
+          <a:lnRef idx="2">
+            <a:schemeClr val="accent5">
+              <a:shade val="50000"/>
+            </a:schemeClr>
+          </a:lnRef>
+          <a:fillRef idx="1">
+            <a:schemeClr val="accent5"/>
+          </a:fillRef>
+          <a:effectRef idx="0">
+            <a:schemeClr val="accent5"/>
+          </a:effectRef>
+          <a:fontRef idx="minor">
+            <a:schemeClr val="lt1"/>
+          </a:fontRef>
+        </p:style>
+        <p:txBody>
+          <a:bodyPr rtlCol="0" anchor="ctr"/>
+          <a:lstStyle/>
+          <a:p>
+            <a:pPr algn="ctr"/>
+            <a:endParaRPr lang="zh-CN" altLang="en-US"/>
+          </a:p>
+        </p:txBody>
+      </p:sp>
+      <p:sp>
+        <p:nvSpPr>
+          <p:cNvPr id="271" name="等腰三角形 270">
+            <a:extLst>
+              <a:ext uri="{FF2B5EF4-FFF2-40B4-BE49-F238E27FC236}">
+                <a16:creationId xmlns:a16="http://schemas.microsoft.com/office/drawing/2014/main" id="{764A077D-95A7-3ACF-5D5F-61DC59B11C55}"/>
+              </a:ext>
+            </a:extLst>
+          </p:cNvPr>
+          <p:cNvSpPr/>
+          <p:nvPr/>
+        </p:nvSpPr>
+        <p:spPr>
+          <a:xfrm>
+            <a:off x="7859762" y="5547342"/>
+            <a:ext cx="135802" cy="118454"/>
+          </a:xfrm>
+          <a:prstGeom prst="triangle">
+            <a:avLst/>
+          </a:prstGeom>
+          <a:solidFill>
+            <a:schemeClr val="bg1">
+              <a:lumMod val="65000"/>
+            </a:schemeClr>
+          </a:solidFill>
+          <a:ln>
+            <a:noFill/>
+          </a:ln>
+        </p:spPr>
+        <p:style>
+          <a:lnRef idx="2">
+            <a:schemeClr val="accent5">
+              <a:shade val="50000"/>
+            </a:schemeClr>
+          </a:lnRef>
+          <a:fillRef idx="1">
+            <a:schemeClr val="accent5"/>
+          </a:fillRef>
+          <a:effectRef idx="0">
+            <a:schemeClr val="accent5"/>
+          </a:effectRef>
+          <a:fontRef idx="minor">
+            <a:schemeClr val="lt1"/>
+          </a:fontRef>
+        </p:style>
+        <p:txBody>
+          <a:bodyPr rtlCol="0" anchor="ctr"/>
+          <a:lstStyle/>
+          <a:p>
+            <a:pPr algn="ctr"/>
+            <a:endParaRPr lang="zh-CN" altLang="en-US"/>
+          </a:p>
+        </p:txBody>
+      </p:sp>
+      <p:sp>
+        <p:nvSpPr>
+          <p:cNvPr id="272" name="等腰三角形 271">
+            <a:extLst>
+              <a:ext uri="{FF2B5EF4-FFF2-40B4-BE49-F238E27FC236}">
+                <a16:creationId xmlns:a16="http://schemas.microsoft.com/office/drawing/2014/main" id="{ECB078ED-03A8-01D0-250D-B803A6435B2E}"/>
+              </a:ext>
+            </a:extLst>
+          </p:cNvPr>
+          <p:cNvSpPr/>
+          <p:nvPr/>
+        </p:nvSpPr>
+        <p:spPr>
+          <a:xfrm>
+            <a:off x="7843672" y="5756506"/>
+            <a:ext cx="135802" cy="118454"/>
+          </a:xfrm>
+          <a:prstGeom prst="triangle">
+            <a:avLst/>
+          </a:prstGeom>
+          <a:solidFill>
+            <a:schemeClr val="bg1">
+              <a:lumMod val="65000"/>
+            </a:schemeClr>
+          </a:solidFill>
+          <a:ln>
+            <a:noFill/>
+          </a:ln>
+        </p:spPr>
+        <p:style>
+          <a:lnRef idx="2">
+            <a:schemeClr val="accent5">
+              <a:shade val="50000"/>
+            </a:schemeClr>
+          </a:lnRef>
+          <a:fillRef idx="1">
+            <a:schemeClr val="accent5"/>
+          </a:fillRef>
+          <a:effectRef idx="0">
+            <a:schemeClr val="accent5"/>
+          </a:effectRef>
+          <a:fontRef idx="minor">
+            <a:schemeClr val="lt1"/>
+          </a:fontRef>
+        </p:style>
+        <p:txBody>
+          <a:bodyPr rtlCol="0" anchor="ctr"/>
+          <a:lstStyle/>
+          <a:p>
+            <a:pPr algn="ctr"/>
+            <a:endParaRPr lang="zh-CN" altLang="en-US"/>
+          </a:p>
+        </p:txBody>
+      </p:sp>
+      <p:cxnSp>
+        <p:nvCxnSpPr>
+          <p:cNvPr id="273" name="连接符: 曲线 272">
+            <a:extLst>
+              <a:ext uri="{FF2B5EF4-FFF2-40B4-BE49-F238E27FC236}">
+                <a16:creationId xmlns:a16="http://schemas.microsoft.com/office/drawing/2014/main" id="{A02A84FC-ADA4-0D60-F18E-99F0C6D297FD}"/>
+              </a:ext>
+            </a:extLst>
+          </p:cNvPr>
+          <p:cNvCxnSpPr>
+            <a:cxnSpLocks/>
+            <a:stCxn id="271" idx="1"/>
+            <a:endCxn id="207" idx="5"/>
+          </p:cNvCxnSpPr>
+          <p:nvPr/>
+        </p:nvCxnSpPr>
+        <p:spPr>
+          <a:xfrm rot="10800000">
+            <a:off x="3012659" y="4788425"/>
+            <a:ext cx="4881055" cy="818144"/>
+          </a:xfrm>
+          <a:prstGeom prst="curvedConnector3">
+            <a:avLst>
+              <a:gd name="adj1" fmla="val 50000"/>
+            </a:avLst>
+          </a:prstGeom>
+          <a:ln>
+            <a:solidFill>
+              <a:srgbClr val="7030A0"/>
+            </a:solidFill>
+            <a:prstDash val="dashDot"/>
+            <a:tailEnd type="triangle"/>
+          </a:ln>
+        </p:spPr>
+        <p:style>
+          <a:lnRef idx="1">
+            <a:schemeClr val="accent6"/>
+          </a:lnRef>
+          <a:fillRef idx="0">
+            <a:schemeClr val="accent6"/>
+          </a:fillRef>
+          <a:effectRef idx="0">
+            <a:schemeClr val="accent6"/>
+          </a:effectRef>
+          <a:fontRef idx="minor">
+            <a:schemeClr val="tx1"/>
+          </a:fontRef>
+        </p:style>
+      </p:cxnSp>
+      <p:cxnSp>
+        <p:nvCxnSpPr>
+          <p:cNvPr id="281" name="连接符: 曲线 280">
+            <a:extLst>
+              <a:ext uri="{FF2B5EF4-FFF2-40B4-BE49-F238E27FC236}">
+                <a16:creationId xmlns:a16="http://schemas.microsoft.com/office/drawing/2014/main" id="{F8CAB501-B6AA-02C5-A83A-2C761BCE9729}"/>
+              </a:ext>
+            </a:extLst>
+          </p:cNvPr>
+          <p:cNvCxnSpPr>
+            <a:cxnSpLocks/>
+            <a:stCxn id="272" idx="1"/>
+            <a:endCxn id="284" idx="5"/>
+          </p:cNvCxnSpPr>
+          <p:nvPr/>
+        </p:nvCxnSpPr>
+        <p:spPr>
+          <a:xfrm rot="10800000">
+            <a:off x="3029519" y="5435489"/>
+            <a:ext cx="4848104" cy="380245"/>
+          </a:xfrm>
+          <a:prstGeom prst="curvedConnector3">
+            <a:avLst>
+              <a:gd name="adj1" fmla="val 50000"/>
+            </a:avLst>
+          </a:prstGeom>
+          <a:ln>
+            <a:solidFill>
+              <a:srgbClr val="7030A0"/>
+            </a:solidFill>
+            <a:prstDash val="dashDot"/>
+            <a:tailEnd type="triangle"/>
+          </a:ln>
+        </p:spPr>
+        <p:style>
+          <a:lnRef idx="1">
+            <a:schemeClr val="accent6"/>
+          </a:lnRef>
+          <a:fillRef idx="0">
+            <a:schemeClr val="accent6"/>
+          </a:fillRef>
+          <a:effectRef idx="0">
+            <a:schemeClr val="accent6"/>
+          </a:effectRef>
+          <a:fontRef idx="minor">
+            <a:schemeClr val="tx1"/>
+          </a:fontRef>
+        </p:style>
+      </p:cxnSp>
+      <p:sp>
+        <p:nvSpPr>
+          <p:cNvPr id="284" name="等腰三角形 283">
+            <a:extLst>
+              <a:ext uri="{FF2B5EF4-FFF2-40B4-BE49-F238E27FC236}">
+                <a16:creationId xmlns:a16="http://schemas.microsoft.com/office/drawing/2014/main" id="{268CBC29-47CC-D72F-D213-607963836E16}"/>
+              </a:ext>
+            </a:extLst>
+          </p:cNvPr>
+          <p:cNvSpPr/>
+          <p:nvPr/>
+        </p:nvSpPr>
+        <p:spPr>
+          <a:xfrm>
+            <a:off x="2927667" y="5376261"/>
+            <a:ext cx="135802" cy="118454"/>
+          </a:xfrm>
+          <a:prstGeom prst="triangle">
+            <a:avLst/>
+          </a:prstGeom>
+          <a:solidFill>
+            <a:schemeClr val="bg1">
+              <a:lumMod val="65000"/>
+            </a:schemeClr>
+          </a:solidFill>
+          <a:ln>
+            <a:noFill/>
+          </a:ln>
+        </p:spPr>
+        <p:style>
+          <a:lnRef idx="2">
+            <a:schemeClr val="accent5">
+              <a:shade val="50000"/>
+            </a:schemeClr>
+          </a:lnRef>
+          <a:fillRef idx="1">
+            <a:schemeClr val="accent5"/>
+          </a:fillRef>
+          <a:effectRef idx="0">
+            <a:schemeClr val="accent5"/>
+          </a:effectRef>
+          <a:fontRef idx="minor">
+            <a:schemeClr val="lt1"/>
+          </a:fontRef>
+        </p:style>
+        <p:txBody>
+          <a:bodyPr rtlCol="0" anchor="ctr"/>
+          <a:lstStyle/>
+          <a:p>
+            <a:pPr algn="ctr"/>
+            <a:endParaRPr lang="zh-CN" altLang="en-US"/>
+          </a:p>
+        </p:txBody>
+      </p:sp>
+      <p:cxnSp>
+        <p:nvCxnSpPr>
+          <p:cNvPr id="286" name="连接符: 曲线 285">
+            <a:extLst>
+              <a:ext uri="{FF2B5EF4-FFF2-40B4-BE49-F238E27FC236}">
+                <a16:creationId xmlns:a16="http://schemas.microsoft.com/office/drawing/2014/main" id="{C2AFDBDC-3EE6-5E9E-5539-AE977FDE2A8F}"/>
+              </a:ext>
+            </a:extLst>
+          </p:cNvPr>
+          <p:cNvCxnSpPr>
+            <a:cxnSpLocks/>
+            <a:stCxn id="266" idx="1"/>
+          </p:cNvCxnSpPr>
+          <p:nvPr/>
+        </p:nvCxnSpPr>
+        <p:spPr>
+          <a:xfrm rot="10800000" flipV="1">
+            <a:off x="3016998" y="3685619"/>
+            <a:ext cx="3007870" cy="2008500"/>
+          </a:xfrm>
+          <a:prstGeom prst="curvedConnector3">
+            <a:avLst>
+              <a:gd name="adj1" fmla="val 50000"/>
+            </a:avLst>
+          </a:prstGeom>
+          <a:ln>
+            <a:solidFill>
+              <a:srgbClr val="7030A0"/>
+            </a:solidFill>
+            <a:prstDash val="dashDot"/>
+            <a:tailEnd type="triangle"/>
+          </a:ln>
+        </p:spPr>
+        <p:style>
+          <a:lnRef idx="1">
+            <a:schemeClr val="accent6"/>
+          </a:lnRef>
+          <a:fillRef idx="0">
+            <a:schemeClr val="accent6"/>
+          </a:fillRef>
+          <a:effectRef idx="0">
+            <a:schemeClr val="accent6"/>
+          </a:effectRef>
+          <a:fontRef idx="minor">
+            <a:schemeClr val="tx1"/>
+          </a:fontRef>
+        </p:style>
+      </p:cxnSp>
+      <p:graphicFrame>
+        <p:nvGraphicFramePr>
+          <p:cNvPr id="295" name="表格 294">
+            <a:extLst>
+              <a:ext uri="{FF2B5EF4-FFF2-40B4-BE49-F238E27FC236}">
+                <a16:creationId xmlns:a16="http://schemas.microsoft.com/office/drawing/2014/main" id="{8896AEC8-7E28-6B47-9741-27B1AAF32EED}"/>
+              </a:ext>
+            </a:extLst>
+          </p:cNvPr>
+          <p:cNvGraphicFramePr>
+            <a:graphicFrameLocks noGrp="1"/>
+          </p:cNvGraphicFramePr>
+          <p:nvPr>
+            <p:extLst>
+              <p:ext uri="{D42A27DB-BD31-4B8C-83A1-F6EECF244321}">
+                <p14:modId xmlns:p14="http://schemas.microsoft.com/office/powerpoint/2010/main" val="2265235645"/>
+              </p:ext>
+            </p:extLst>
+          </p:nvPr>
+        </p:nvGraphicFramePr>
+        <p:xfrm>
+          <a:off x="7803605" y="170615"/>
+          <a:ext cx="1709260" cy="218880"/>
+        </p:xfrm>
+        <a:graphic>
+          <a:graphicData uri="http://schemas.openxmlformats.org/drawingml/2006/table">
+            <a:tbl>
+              <a:tblPr firstRow="1" bandRow="1">
+                <a:tableStyleId>{5940675A-B579-460E-94D1-54222C63F5DA}</a:tableStyleId>
+              </a:tblPr>
+              <a:tblGrid>
+                <a:gridCol w="1709260">
+                  <a:extLst>
+                    <a:ext uri="{9D8B030D-6E8A-4147-A177-3AD203B41FA5}">
+                      <a16:colId xmlns:a16="http://schemas.microsoft.com/office/drawing/2014/main" val="3392002134"/>
+                    </a:ext>
+                  </a:extLst>
+                </a:gridCol>
+              </a:tblGrid>
+              <a:tr h="153398">
+                <a:tc>
+                  <a:txBody>
+                    <a:bodyPr/>
+                    <a:lstStyle/>
+                    <a:p>
+                      <a:pPr marL="0" marR="0" lvl="0" indent="0" algn="ctr" defTabSz="914400" rtl="0" eaLnBrk="1" fontAlgn="auto" latinLnBrk="0" hangingPunct="1">
+                        <a:lnSpc>
+                          <a:spcPct val="100000"/>
+                        </a:lnSpc>
+                        <a:spcBef>
+                          <a:spcPts val="0"/>
+                        </a:spcBef>
+                        <a:spcAft>
+                          <a:spcPts val="0"/>
+                        </a:spcAft>
+                        <a:buClrTx/>
+                        <a:buSzTx/>
+                        <a:buFontTx/>
+                        <a:buNone/>
+                        <a:tabLst/>
+                        <a:defRPr/>
+                      </a:pPr>
+                      <a:r>
+                        <a:rPr kumimoji="0" lang="en-US" altLang="zh-CN" sz="1200" b="0" i="0" u="none" strike="noStrike" kern="1200" cap="none" spc="0" normalizeH="0" baseline="0" noProof="0">
+                          <a:ln>
+                            <a:noFill/>
+                          </a:ln>
+                          <a:solidFill>
+                            <a:prstClr val="black"/>
+                          </a:solidFill>
+                          <a:effectLst/>
+                          <a:uLnTx/>
+                          <a:uFillTx/>
+                          <a:latin typeface="+mn-lt"/>
+                          <a:ea typeface="+mn-ea"/>
+                          <a:cs typeface="+mn-cs"/>
+                        </a:rPr>
+                        <a:t>XLogRecordBlockHeader</a:t>
+                      </a:r>
+                      <a:endParaRPr kumimoji="0" lang="zh-CN" altLang="en-US" sz="1200" b="0" i="0" u="none" strike="noStrike" kern="1200" cap="none" spc="0" normalizeH="0" baseline="0" noProof="0">
+                        <a:ln>
+                          <a:noFill/>
+                        </a:ln>
+                        <a:solidFill>
+                          <a:prstClr val="black"/>
+                        </a:solidFill>
+                        <a:effectLst/>
+                        <a:uLnTx/>
+                        <a:uFillTx/>
+                        <a:latin typeface="+mn-lt"/>
+                        <a:ea typeface="+mn-ea"/>
+                        <a:cs typeface="+mn-cs"/>
+                      </a:endParaRPr>
+                    </a:p>
+                  </a:txBody>
+                  <a:tcPr marL="18000" marR="18000" marT="18000" marB="18000">
+                    <a:solidFill>
+                      <a:schemeClr val="bg1">
+                        <a:lumMod val="65000"/>
+                      </a:schemeClr>
+                    </a:solidFill>
+                  </a:tcPr>
+                </a:tc>
+                <a:extLst>
+                  <a:ext uri="{0D108BD9-81ED-4DB2-BD59-A6C34878D82A}">
+                    <a16:rowId xmlns:a16="http://schemas.microsoft.com/office/drawing/2014/main" val="2531157391"/>
+                  </a:ext>
+                </a:extLst>
+              </a:tr>
+            </a:tbl>
+          </a:graphicData>
+        </a:graphic>
+      </p:graphicFrame>
+      <p:cxnSp>
+        <p:nvCxnSpPr>
+          <p:cNvPr id="298" name="连接符: 曲线 297">
+            <a:extLst>
+              <a:ext uri="{FF2B5EF4-FFF2-40B4-BE49-F238E27FC236}">
+                <a16:creationId xmlns:a16="http://schemas.microsoft.com/office/drawing/2014/main" id="{CFEB1CA6-13A3-A303-43EF-6B0C9285280A}"/>
+              </a:ext>
+            </a:extLst>
+          </p:cNvPr>
+          <p:cNvCxnSpPr>
+            <a:cxnSpLocks/>
+            <a:stCxn id="268" idx="0"/>
+            <a:endCxn id="295" idx="2"/>
+          </p:cNvCxnSpPr>
+          <p:nvPr/>
+        </p:nvCxnSpPr>
+        <p:spPr>
+          <a:xfrm rot="5400000" flipH="1" flipV="1">
+            <a:off x="6298126" y="2670143"/>
+            <a:ext cx="4640756" cy="79461"/>
+          </a:xfrm>
+          <a:prstGeom prst="curvedConnector3">
+            <a:avLst>
+              <a:gd name="adj1" fmla="val 50000"/>
+            </a:avLst>
+          </a:prstGeom>
+          <a:ln>
+            <a:solidFill>
+              <a:srgbClr val="7030A0"/>
+            </a:solidFill>
+            <a:prstDash val="dashDot"/>
+            <a:tailEnd type="triangle"/>
+          </a:ln>
+        </p:spPr>
+        <p:style>
+          <a:lnRef idx="1">
+            <a:schemeClr val="accent6"/>
+          </a:lnRef>
+          <a:fillRef idx="0">
+            <a:schemeClr val="accent6"/>
+          </a:fillRef>
+          <a:effectRef idx="0">
+            <a:schemeClr val="accent6"/>
+          </a:effectRef>
+          <a:fontRef idx="minor">
+            <a:schemeClr val="tx1"/>
+          </a:fontRef>
+        </p:style>
+      </p:cxnSp>
+      <p:graphicFrame>
+        <p:nvGraphicFramePr>
+          <p:cNvPr id="301" name="表格 300">
+            <a:extLst>
+              <a:ext uri="{FF2B5EF4-FFF2-40B4-BE49-F238E27FC236}">
+                <a16:creationId xmlns:a16="http://schemas.microsoft.com/office/drawing/2014/main" id="{FC1109E7-55A0-430B-846E-B8EBAADDB428}"/>
+              </a:ext>
+            </a:extLst>
+          </p:cNvPr>
+          <p:cNvGraphicFramePr>
+            <a:graphicFrameLocks noGrp="1"/>
+          </p:cNvGraphicFramePr>
+          <p:nvPr>
+            <p:extLst>
+              <p:ext uri="{D42A27DB-BD31-4B8C-83A1-F6EECF244321}">
+                <p14:modId xmlns:p14="http://schemas.microsoft.com/office/powerpoint/2010/main" val="1622332517"/>
+              </p:ext>
+            </p:extLst>
+          </p:nvPr>
+        </p:nvGraphicFramePr>
+        <p:xfrm>
+          <a:off x="9512865" y="170615"/>
+          <a:ext cx="719617" cy="218880"/>
+        </p:xfrm>
+        <a:graphic>
+          <a:graphicData uri="http://schemas.openxmlformats.org/drawingml/2006/table">
+            <a:tbl>
+              <a:tblPr firstRow="1" bandRow="1">
+                <a:tableStyleId>{5940675A-B579-460E-94D1-54222C63F5DA}</a:tableStyleId>
+              </a:tblPr>
+              <a:tblGrid>
+                <a:gridCol w="719617">
+                  <a:extLst>
+                    <a:ext uri="{9D8B030D-6E8A-4147-A177-3AD203B41FA5}">
+                      <a16:colId xmlns:a16="http://schemas.microsoft.com/office/drawing/2014/main" val="3392002134"/>
+                    </a:ext>
+                  </a:extLst>
+                </a:gridCol>
+              </a:tblGrid>
+              <a:tr h="153398">
+                <a:tc>
+                  <a:txBody>
+                    <a:bodyPr/>
+                    <a:lstStyle/>
+                    <a:p>
+                      <a:pPr marL="0" marR="0" lvl="0" indent="0" algn="ctr" defTabSz="914400" rtl="0" eaLnBrk="1" fontAlgn="auto" latinLnBrk="0" hangingPunct="1">
+                        <a:lnSpc>
+                          <a:spcPct val="100000"/>
+                        </a:lnSpc>
+                        <a:spcBef>
+                          <a:spcPts val="0"/>
+                        </a:spcBef>
+                        <a:spcAft>
+                          <a:spcPts val="0"/>
+                        </a:spcAft>
+                        <a:buClrTx/>
+                        <a:buSzTx/>
+                        <a:buFontTx/>
+                        <a:buNone/>
+                        <a:tabLst/>
+                        <a:defRPr/>
+                      </a:pPr>
+                      <a:r>
+                        <a:rPr kumimoji="0" lang="en-US" altLang="zh-CN" sz="1200" b="0" i="0" u="none" strike="noStrike" kern="1200" cap="none" spc="0" normalizeH="0" baseline="0" noProof="0">
+                          <a:ln>
+                            <a:noFill/>
+                          </a:ln>
+                          <a:solidFill>
+                            <a:prstClr val="black"/>
+                          </a:solidFill>
+                          <a:effectLst/>
+                          <a:uLnTx/>
+                          <a:uFillTx/>
+                          <a:latin typeface="+mn-lt"/>
+                          <a:ea typeface="+mn-ea"/>
+                          <a:cs typeface="+mn-cs"/>
+                        </a:rPr>
+                        <a:t>rnode</a:t>
+                      </a:r>
+                      <a:endParaRPr kumimoji="0" lang="zh-CN" altLang="en-US" sz="1200" b="0" i="0" u="none" strike="noStrike" kern="1200" cap="none" spc="0" normalizeH="0" baseline="0" noProof="0">
+                        <a:ln>
+                          <a:noFill/>
+                        </a:ln>
+                        <a:solidFill>
+                          <a:prstClr val="black"/>
+                        </a:solidFill>
+                        <a:effectLst/>
+                        <a:uLnTx/>
+                        <a:uFillTx/>
+                        <a:latin typeface="+mn-lt"/>
+                        <a:ea typeface="+mn-ea"/>
+                        <a:cs typeface="+mn-cs"/>
+                      </a:endParaRPr>
+                    </a:p>
+                  </a:txBody>
+                  <a:tcPr marL="18000" marR="18000" marT="18000" marB="18000">
+                    <a:solidFill>
+                      <a:schemeClr val="bg1">
+                        <a:lumMod val="65000"/>
+                      </a:schemeClr>
+                    </a:solidFill>
+                  </a:tcPr>
+                </a:tc>
+                <a:extLst>
+                  <a:ext uri="{0D108BD9-81ED-4DB2-BD59-A6C34878D82A}">
+                    <a16:rowId xmlns:a16="http://schemas.microsoft.com/office/drawing/2014/main" val="2531157391"/>
+                  </a:ext>
+                </a:extLst>
+              </a:tr>
+            </a:tbl>
+          </a:graphicData>
+        </a:graphic>
+      </p:graphicFrame>
+      <p:cxnSp>
+        <p:nvCxnSpPr>
+          <p:cNvPr id="302" name="连接符: 曲线 301">
+            <a:extLst>
+              <a:ext uri="{FF2B5EF4-FFF2-40B4-BE49-F238E27FC236}">
+                <a16:creationId xmlns:a16="http://schemas.microsoft.com/office/drawing/2014/main" id="{D7FF8E4B-648E-2F1F-D140-4F2D33A40AA4}"/>
+              </a:ext>
+            </a:extLst>
+          </p:cNvPr>
+          <p:cNvCxnSpPr>
+            <a:cxnSpLocks/>
+            <a:stCxn id="206" idx="5"/>
+            <a:endCxn id="301" idx="2"/>
+          </p:cNvCxnSpPr>
+          <p:nvPr/>
+        </p:nvCxnSpPr>
+        <p:spPr>
+          <a:xfrm flipV="1">
+            <a:off x="3012658" y="389495"/>
+            <a:ext cx="6860015" cy="4192411"/>
+          </a:xfrm>
+          <a:prstGeom prst="curvedConnector2">
+            <a:avLst/>
+          </a:prstGeom>
+          <a:ln>
+            <a:solidFill>
+              <a:srgbClr val="7030A0"/>
+            </a:solidFill>
+            <a:prstDash val="dashDot"/>
+            <a:tailEnd type="triangle"/>
+          </a:ln>
+        </p:spPr>
+        <p:style>
+          <a:lnRef idx="1">
+            <a:schemeClr val="accent6"/>
+          </a:lnRef>
+          <a:fillRef idx="0">
+            <a:schemeClr val="accent6"/>
+          </a:fillRef>
+          <a:effectRef idx="0">
+            <a:schemeClr val="accent6"/>
+          </a:effectRef>
+          <a:fontRef idx="minor">
+            <a:schemeClr val="tx1"/>
+          </a:fontRef>
+        </p:style>
+      </p:cxnSp>
+      <p:sp>
+        <p:nvSpPr>
+          <p:cNvPr id="310" name="椭圆 309">
+            <a:extLst>
+              <a:ext uri="{FF2B5EF4-FFF2-40B4-BE49-F238E27FC236}">
+                <a16:creationId xmlns:a16="http://schemas.microsoft.com/office/drawing/2014/main" id="{408083A3-D1F3-E66E-5497-02EF74D6CF15}"/>
+              </a:ext>
+            </a:extLst>
+          </p:cNvPr>
+          <p:cNvSpPr/>
+          <p:nvPr/>
+        </p:nvSpPr>
+        <p:spPr>
+          <a:xfrm>
+            <a:off x="7813951" y="4775932"/>
+            <a:ext cx="225158" cy="217861"/>
+          </a:xfrm>
+          <a:prstGeom prst="ellipse">
+            <a:avLst/>
+          </a:prstGeom>
+          <a:noFill/>
+          <a:ln w="19050">
+            <a:solidFill>
+              <a:srgbClr val="7030A0"/>
+            </a:solidFill>
+          </a:ln>
+        </p:spPr>
+        <p:style>
+          <a:lnRef idx="2">
+            <a:schemeClr val="accent1">
+              <a:shade val="50000"/>
+            </a:schemeClr>
+          </a:lnRef>
+          <a:fillRef idx="1">
+            <a:schemeClr val="accent1"/>
+          </a:fillRef>
+          <a:effectRef idx="0">
+            <a:schemeClr val="accent1"/>
+          </a:effectRef>
+          <a:fontRef idx="minor">
+            <a:schemeClr val="lt1"/>
+          </a:fontRef>
+        </p:style>
+        <p:txBody>
+          <a:bodyPr rtlCol="0" anchor="ctr"/>
+          <a:lstStyle/>
+          <a:p>
+            <a:pPr algn="ctr"/>
+            <a:r>
+              <a:rPr lang="en-US" altLang="zh-CN" sz="1200">
+                <a:solidFill>
+                  <a:schemeClr val="tx1">
+                    <a:lumMod val="85000"/>
+                    <a:lumOff val="15000"/>
+                  </a:schemeClr>
+                </a:solidFill>
+              </a:rPr>
+              <a:t>1</a:t>
+            </a:r>
+            <a:endParaRPr lang="zh-CN" altLang="en-US" sz="1200">
+              <a:solidFill>
+                <a:schemeClr val="tx1">
+                  <a:lumMod val="85000"/>
+                  <a:lumOff val="15000"/>
+                </a:schemeClr>
+              </a:solidFill>
+            </a:endParaRPr>
+          </a:p>
+        </p:txBody>
+      </p:sp>
+      <p:sp>
+        <p:nvSpPr>
+          <p:cNvPr id="311" name="椭圆 310">
+            <a:extLst>
+              <a:ext uri="{FF2B5EF4-FFF2-40B4-BE49-F238E27FC236}">
+                <a16:creationId xmlns:a16="http://schemas.microsoft.com/office/drawing/2014/main" id="{FC812CA2-91EC-0A74-13A0-27DDDC84485A}"/>
+              </a:ext>
+            </a:extLst>
+          </p:cNvPr>
+          <p:cNvSpPr/>
+          <p:nvPr/>
+        </p:nvSpPr>
+        <p:spPr>
+          <a:xfrm>
+            <a:off x="3268936" y="1545842"/>
+            <a:ext cx="225158" cy="217861"/>
+          </a:xfrm>
+          <a:prstGeom prst="ellipse">
+            <a:avLst/>
+          </a:prstGeom>
+          <a:noFill/>
+          <a:ln w="19050">
+            <a:solidFill>
+              <a:schemeClr val="accent5">
+                <a:lumMod val="60000"/>
+                <a:lumOff val="40000"/>
+              </a:schemeClr>
+            </a:solidFill>
+          </a:ln>
+        </p:spPr>
+        <p:style>
+          <a:lnRef idx="2">
+            <a:schemeClr val="accent1">
+              <a:shade val="50000"/>
+            </a:schemeClr>
+          </a:lnRef>
+          <a:fillRef idx="1">
+            <a:schemeClr val="accent1"/>
+          </a:fillRef>
+          <a:effectRef idx="0">
+            <a:schemeClr val="accent1"/>
+          </a:effectRef>
+          <a:fontRef idx="minor">
+            <a:schemeClr val="lt1"/>
+          </a:fontRef>
+        </p:style>
+        <p:txBody>
+          <a:bodyPr rtlCol="0" anchor="ctr"/>
+          <a:lstStyle/>
+          <a:p>
+            <a:pPr algn="ctr"/>
+            <a:r>
+              <a:rPr lang="en-US" altLang="zh-CN" sz="1200">
+                <a:solidFill>
+                  <a:schemeClr val="tx1">
+                    <a:lumMod val="85000"/>
+                    <a:lumOff val="15000"/>
+                  </a:schemeClr>
+                </a:solidFill>
+              </a:rPr>
+              <a:t>1</a:t>
+            </a:r>
+            <a:endParaRPr lang="zh-CN" altLang="en-US" sz="1200">
+              <a:solidFill>
+                <a:schemeClr val="tx1">
+                  <a:lumMod val="85000"/>
+                  <a:lumOff val="15000"/>
+                </a:schemeClr>
+              </a:solidFill>
+            </a:endParaRPr>
+          </a:p>
+        </p:txBody>
+      </p:sp>
+      <p:sp>
+        <p:nvSpPr>
+          <p:cNvPr id="312" name="椭圆 311">
+            <a:extLst>
+              <a:ext uri="{FF2B5EF4-FFF2-40B4-BE49-F238E27FC236}">
+                <a16:creationId xmlns:a16="http://schemas.microsoft.com/office/drawing/2014/main" id="{B1A96EA7-6ED1-C4A8-0B16-25FE80D07A22}"/>
+              </a:ext>
+            </a:extLst>
+          </p:cNvPr>
+          <p:cNvSpPr/>
+          <p:nvPr/>
+        </p:nvSpPr>
+        <p:spPr>
+          <a:xfrm>
+            <a:off x="1603158" y="3146194"/>
+            <a:ext cx="225158" cy="217861"/>
+          </a:xfrm>
+          <a:prstGeom prst="ellipse">
+            <a:avLst/>
+          </a:prstGeom>
+          <a:noFill/>
+          <a:ln w="19050">
+            <a:solidFill>
+              <a:schemeClr val="accent5">
+                <a:lumMod val="60000"/>
+                <a:lumOff val="40000"/>
+              </a:schemeClr>
+            </a:solidFill>
+          </a:ln>
+        </p:spPr>
+        <p:style>
+          <a:lnRef idx="2">
+            <a:schemeClr val="accent1">
+              <a:shade val="50000"/>
+            </a:schemeClr>
+          </a:lnRef>
+          <a:fillRef idx="1">
+            <a:schemeClr val="accent1"/>
+          </a:fillRef>
+          <a:effectRef idx="0">
+            <a:schemeClr val="accent1"/>
+          </a:effectRef>
+          <a:fontRef idx="minor">
+            <a:schemeClr val="lt1"/>
+          </a:fontRef>
+        </p:style>
+        <p:txBody>
+          <a:bodyPr rtlCol="0" anchor="ctr"/>
+          <a:lstStyle/>
+          <a:p>
+            <a:pPr algn="ctr"/>
+            <a:r>
+              <a:rPr lang="en-US" altLang="zh-CN" sz="1200">
+                <a:solidFill>
+                  <a:schemeClr val="tx1">
+                    <a:lumMod val="85000"/>
+                    <a:lumOff val="15000"/>
+                  </a:schemeClr>
+                </a:solidFill>
+              </a:rPr>
+              <a:t>3</a:t>
+            </a:r>
+            <a:endParaRPr lang="zh-CN" altLang="en-US" sz="1200">
+              <a:solidFill>
+                <a:schemeClr val="tx1">
+                  <a:lumMod val="85000"/>
+                  <a:lumOff val="15000"/>
+                </a:schemeClr>
+              </a:solidFill>
+            </a:endParaRPr>
+          </a:p>
+        </p:txBody>
+      </p:sp>
+      <p:sp>
+        <p:nvSpPr>
+          <p:cNvPr id="313" name="椭圆 312">
+            <a:extLst>
+              <a:ext uri="{FF2B5EF4-FFF2-40B4-BE49-F238E27FC236}">
+                <a16:creationId xmlns:a16="http://schemas.microsoft.com/office/drawing/2014/main" id="{077F8231-FD91-54F9-981B-4C959993993B}"/>
+              </a:ext>
+            </a:extLst>
+          </p:cNvPr>
+          <p:cNvSpPr/>
+          <p:nvPr/>
+        </p:nvSpPr>
+        <p:spPr>
+          <a:xfrm>
+            <a:off x="2298481" y="1450142"/>
+            <a:ext cx="225158" cy="217861"/>
+          </a:xfrm>
+          <a:prstGeom prst="ellipse">
+            <a:avLst/>
+          </a:prstGeom>
+          <a:noFill/>
+          <a:ln w="19050">
+            <a:solidFill>
+              <a:schemeClr val="accent5">
+                <a:lumMod val="60000"/>
+                <a:lumOff val="40000"/>
+              </a:schemeClr>
+            </a:solidFill>
+          </a:ln>
+        </p:spPr>
+        <p:style>
+          <a:lnRef idx="2">
+            <a:schemeClr val="accent1">
+              <a:shade val="50000"/>
+            </a:schemeClr>
+          </a:lnRef>
+          <a:fillRef idx="1">
+            <a:schemeClr val="accent1"/>
+          </a:fillRef>
+          <a:effectRef idx="0">
+            <a:schemeClr val="accent1"/>
+          </a:effectRef>
+          <a:fontRef idx="minor">
+            <a:schemeClr val="lt1"/>
+          </a:fontRef>
+        </p:style>
+        <p:txBody>
+          <a:bodyPr rtlCol="0" anchor="ctr"/>
+          <a:lstStyle/>
+          <a:p>
+            <a:pPr algn="ctr"/>
+            <a:r>
+              <a:rPr lang="en-US" altLang="zh-CN" sz="1200">
+                <a:solidFill>
+                  <a:schemeClr val="tx1">
+                    <a:lumMod val="85000"/>
+                    <a:lumOff val="15000"/>
+                  </a:schemeClr>
+                </a:solidFill>
+              </a:rPr>
+              <a:t>2</a:t>
+            </a:r>
+            <a:endParaRPr lang="zh-CN" altLang="en-US" sz="1200">
+              <a:solidFill>
+                <a:schemeClr val="tx1">
+                  <a:lumMod val="85000"/>
+                  <a:lumOff val="15000"/>
+                </a:schemeClr>
+              </a:solidFill>
+            </a:endParaRPr>
+          </a:p>
+        </p:txBody>
+      </p:sp>
+      <p:sp>
+        <p:nvSpPr>
+          <p:cNvPr id="314" name="椭圆 313">
+            <a:extLst>
+              <a:ext uri="{FF2B5EF4-FFF2-40B4-BE49-F238E27FC236}">
+                <a16:creationId xmlns:a16="http://schemas.microsoft.com/office/drawing/2014/main" id="{6C18F029-AA1E-DD1E-6390-C1399C4414C4}"/>
+              </a:ext>
+            </a:extLst>
+          </p:cNvPr>
+          <p:cNvSpPr/>
+          <p:nvPr/>
+        </p:nvSpPr>
+        <p:spPr>
+          <a:xfrm>
+            <a:off x="2397136" y="3724638"/>
+            <a:ext cx="225158" cy="217861"/>
+          </a:xfrm>
+          <a:prstGeom prst="ellipse">
+            <a:avLst/>
+          </a:prstGeom>
+          <a:noFill/>
+          <a:ln w="19050">
+            <a:solidFill>
+              <a:schemeClr val="accent2">
+                <a:lumMod val="75000"/>
+              </a:schemeClr>
+            </a:solidFill>
+          </a:ln>
+        </p:spPr>
+        <p:style>
+          <a:lnRef idx="2">
+            <a:schemeClr val="accent1">
+              <a:shade val="50000"/>
+            </a:schemeClr>
+          </a:lnRef>
+          <a:fillRef idx="1">
+            <a:schemeClr val="accent1"/>
+          </a:fillRef>
+          <a:effectRef idx="0">
+            <a:schemeClr val="accent1"/>
+          </a:effectRef>
+          <a:fontRef idx="minor">
+            <a:schemeClr val="lt1"/>
+          </a:fontRef>
+        </p:style>
+        <p:txBody>
+          <a:bodyPr rtlCol="0" anchor="ctr"/>
+          <a:lstStyle/>
+          <a:p>
+            <a:pPr algn="ctr"/>
+            <a:r>
+              <a:rPr lang="en-US" altLang="zh-CN" sz="1200">
+                <a:solidFill>
+                  <a:schemeClr val="tx1">
+                    <a:lumMod val="85000"/>
+                    <a:lumOff val="15000"/>
+                  </a:schemeClr>
+                </a:solidFill>
+              </a:rPr>
+              <a:t>1</a:t>
+            </a:r>
+            <a:endParaRPr lang="zh-CN" altLang="en-US" sz="1200">
+              <a:solidFill>
+                <a:schemeClr val="tx1">
+                  <a:lumMod val="85000"/>
+                  <a:lumOff val="15000"/>
+                </a:schemeClr>
+              </a:solidFill>
+            </a:endParaRPr>
+          </a:p>
+        </p:txBody>
+      </p:sp>
+      <p:sp>
+        <p:nvSpPr>
+          <p:cNvPr id="315" name="椭圆 314">
+            <a:extLst>
+              <a:ext uri="{FF2B5EF4-FFF2-40B4-BE49-F238E27FC236}">
+                <a16:creationId xmlns:a16="http://schemas.microsoft.com/office/drawing/2014/main" id="{57A043CB-DE06-47A5-EF4C-C22A0FE210D0}"/>
+              </a:ext>
+            </a:extLst>
+          </p:cNvPr>
+          <p:cNvSpPr/>
+          <p:nvPr/>
+        </p:nvSpPr>
+        <p:spPr>
+          <a:xfrm>
+            <a:off x="3971129" y="5868927"/>
+            <a:ext cx="225158" cy="217861"/>
+          </a:xfrm>
+          <a:prstGeom prst="ellipse">
+            <a:avLst/>
+          </a:prstGeom>
+          <a:noFill/>
+          <a:ln w="19050">
+            <a:solidFill>
+              <a:schemeClr val="accent2">
+                <a:lumMod val="75000"/>
+              </a:schemeClr>
+            </a:solidFill>
+          </a:ln>
+        </p:spPr>
+        <p:style>
+          <a:lnRef idx="2">
+            <a:schemeClr val="accent1">
+              <a:shade val="50000"/>
+            </a:schemeClr>
+          </a:lnRef>
+          <a:fillRef idx="1">
+            <a:schemeClr val="accent1"/>
+          </a:fillRef>
+          <a:effectRef idx="0">
+            <a:schemeClr val="accent1"/>
+          </a:effectRef>
+          <a:fontRef idx="minor">
+            <a:schemeClr val="lt1"/>
+          </a:fontRef>
+        </p:style>
+        <p:txBody>
+          <a:bodyPr rtlCol="0" anchor="ctr"/>
+          <a:lstStyle/>
+          <a:p>
+            <a:pPr algn="ctr"/>
+            <a:r>
+              <a:rPr lang="en-US" altLang="zh-CN" sz="1200">
+                <a:solidFill>
+                  <a:schemeClr val="tx1">
+                    <a:lumMod val="85000"/>
+                    <a:lumOff val="15000"/>
+                  </a:schemeClr>
+                </a:solidFill>
+              </a:rPr>
+              <a:t>2</a:t>
+            </a:r>
+            <a:endParaRPr lang="zh-CN" altLang="en-US" sz="1200">
+              <a:solidFill>
+                <a:schemeClr val="tx1">
+                  <a:lumMod val="85000"/>
+                  <a:lumOff val="15000"/>
+                </a:schemeClr>
+              </a:solidFill>
+            </a:endParaRPr>
+          </a:p>
+        </p:txBody>
+      </p:sp>
+      <p:sp>
+        <p:nvSpPr>
+          <p:cNvPr id="316" name="椭圆 315">
+            <a:extLst>
+              <a:ext uri="{FF2B5EF4-FFF2-40B4-BE49-F238E27FC236}">
+                <a16:creationId xmlns:a16="http://schemas.microsoft.com/office/drawing/2014/main" id="{1850139D-BDD0-D278-D007-E6DC043F22D7}"/>
+              </a:ext>
+            </a:extLst>
+          </p:cNvPr>
+          <p:cNvSpPr/>
+          <p:nvPr/>
+        </p:nvSpPr>
+        <p:spPr>
+          <a:xfrm>
+            <a:off x="4143095" y="1554275"/>
+            <a:ext cx="225158" cy="217861"/>
+          </a:xfrm>
+          <a:prstGeom prst="ellipse">
+            <a:avLst/>
+          </a:prstGeom>
+          <a:noFill/>
+          <a:ln w="19050">
+            <a:solidFill>
+              <a:schemeClr val="accent6">
+                <a:lumMod val="75000"/>
+              </a:schemeClr>
+            </a:solidFill>
+          </a:ln>
+        </p:spPr>
+        <p:style>
+          <a:lnRef idx="2">
+            <a:schemeClr val="accent1">
+              <a:shade val="50000"/>
+            </a:schemeClr>
+          </a:lnRef>
+          <a:fillRef idx="1">
+            <a:schemeClr val="accent1"/>
+          </a:fillRef>
+          <a:effectRef idx="0">
+            <a:schemeClr val="accent1"/>
+          </a:effectRef>
+          <a:fontRef idx="minor">
+            <a:schemeClr val="lt1"/>
+          </a:fontRef>
+        </p:style>
+        <p:txBody>
+          <a:bodyPr rtlCol="0" anchor="ctr"/>
+          <a:lstStyle/>
+          <a:p>
+            <a:pPr algn="ctr"/>
+            <a:r>
+              <a:rPr lang="en-US" altLang="zh-CN" sz="1200">
+                <a:solidFill>
+                  <a:schemeClr val="tx1">
+                    <a:lumMod val="85000"/>
+                    <a:lumOff val="15000"/>
+                  </a:schemeClr>
+                </a:solidFill>
+              </a:rPr>
+              <a:t>1</a:t>
+            </a:r>
+            <a:endParaRPr lang="zh-CN" altLang="en-US" sz="1200">
+              <a:solidFill>
+                <a:schemeClr val="tx1">
+                  <a:lumMod val="85000"/>
+                  <a:lumOff val="15000"/>
+                </a:schemeClr>
+              </a:solidFill>
+            </a:endParaRPr>
+          </a:p>
+        </p:txBody>
+      </p:sp>
+      <p:sp>
+        <p:nvSpPr>
+          <p:cNvPr id="318" name="椭圆 317">
+            <a:extLst>
+              <a:ext uri="{FF2B5EF4-FFF2-40B4-BE49-F238E27FC236}">
+                <a16:creationId xmlns:a16="http://schemas.microsoft.com/office/drawing/2014/main" id="{9C3E5219-3345-E940-9742-C92FA4BF8B57}"/>
+              </a:ext>
+            </a:extLst>
+          </p:cNvPr>
+          <p:cNvSpPr/>
+          <p:nvPr/>
+        </p:nvSpPr>
+        <p:spPr>
+          <a:xfrm>
+            <a:off x="5657916" y="1374554"/>
+            <a:ext cx="225158" cy="217861"/>
+          </a:xfrm>
+          <a:prstGeom prst="ellipse">
+            <a:avLst/>
+          </a:prstGeom>
+          <a:noFill/>
+          <a:ln w="19050">
+            <a:solidFill>
+              <a:schemeClr val="accent6">
+                <a:lumMod val="75000"/>
+              </a:schemeClr>
+            </a:solidFill>
+          </a:ln>
+        </p:spPr>
+        <p:style>
+          <a:lnRef idx="2">
+            <a:schemeClr val="accent1">
+              <a:shade val="50000"/>
+            </a:schemeClr>
+          </a:lnRef>
+          <a:fillRef idx="1">
+            <a:schemeClr val="accent1"/>
+          </a:fillRef>
+          <a:effectRef idx="0">
+            <a:schemeClr val="accent1"/>
+          </a:effectRef>
+          <a:fontRef idx="minor">
+            <a:schemeClr val="lt1"/>
+          </a:fontRef>
+        </p:style>
+        <p:txBody>
+          <a:bodyPr rtlCol="0" anchor="ctr"/>
+          <a:lstStyle/>
+          <a:p>
+            <a:pPr algn="ctr"/>
+            <a:r>
+              <a:rPr lang="en-US" altLang="zh-CN" sz="1200">
+                <a:solidFill>
+                  <a:schemeClr val="tx1">
+                    <a:lumMod val="85000"/>
+                    <a:lumOff val="15000"/>
+                  </a:schemeClr>
+                </a:solidFill>
+              </a:rPr>
+              <a:t>2</a:t>
+            </a:r>
+            <a:endParaRPr lang="zh-CN" altLang="en-US" sz="1200">
+              <a:solidFill>
+                <a:schemeClr val="tx1">
+                  <a:lumMod val="85000"/>
+                  <a:lumOff val="15000"/>
+                </a:schemeClr>
+              </a:solidFill>
+            </a:endParaRPr>
+          </a:p>
+        </p:txBody>
+      </p:sp>
+      <p:sp>
+        <p:nvSpPr>
+          <p:cNvPr id="319" name="椭圆 318">
+            <a:extLst>
+              <a:ext uri="{FF2B5EF4-FFF2-40B4-BE49-F238E27FC236}">
+                <a16:creationId xmlns:a16="http://schemas.microsoft.com/office/drawing/2014/main" id="{6A0068C8-FBD8-DE7D-B05D-6B57EBED5445}"/>
+              </a:ext>
+            </a:extLst>
+          </p:cNvPr>
+          <p:cNvSpPr/>
+          <p:nvPr/>
+        </p:nvSpPr>
+        <p:spPr>
+          <a:xfrm>
+            <a:off x="3897195" y="3422786"/>
+            <a:ext cx="225158" cy="217861"/>
+          </a:xfrm>
+          <a:prstGeom prst="ellipse">
+            <a:avLst/>
+          </a:prstGeom>
+          <a:noFill/>
+          <a:ln w="19050">
+            <a:solidFill>
+              <a:schemeClr val="accent6">
+                <a:lumMod val="75000"/>
+              </a:schemeClr>
+            </a:solidFill>
+          </a:ln>
+        </p:spPr>
+        <p:style>
+          <a:lnRef idx="2">
+            <a:schemeClr val="accent1">
+              <a:shade val="50000"/>
+            </a:schemeClr>
+          </a:lnRef>
+          <a:fillRef idx="1">
+            <a:schemeClr val="accent1"/>
+          </a:fillRef>
+          <a:effectRef idx="0">
+            <a:schemeClr val="accent1"/>
+          </a:effectRef>
+          <a:fontRef idx="minor">
+            <a:schemeClr val="lt1"/>
+          </a:fontRef>
+        </p:style>
+        <p:txBody>
+          <a:bodyPr rtlCol="0" anchor="ctr"/>
+          <a:lstStyle/>
+          <a:p>
+            <a:pPr algn="ctr"/>
+            <a:r>
+              <a:rPr lang="en-US" altLang="zh-CN" sz="1200">
+                <a:solidFill>
+                  <a:schemeClr val="tx1">
+                    <a:lumMod val="85000"/>
+                    <a:lumOff val="15000"/>
+                  </a:schemeClr>
+                </a:solidFill>
+              </a:rPr>
+              <a:t>3</a:t>
+            </a:r>
+            <a:endParaRPr lang="zh-CN" altLang="en-US" sz="1200">
+              <a:solidFill>
+                <a:schemeClr val="tx1">
+                  <a:lumMod val="85000"/>
+                  <a:lumOff val="15000"/>
+                </a:schemeClr>
+              </a:solidFill>
+            </a:endParaRPr>
+          </a:p>
+        </p:txBody>
+      </p:sp>
+      <p:sp>
+        <p:nvSpPr>
+          <p:cNvPr id="320" name="椭圆 319">
+            <a:extLst>
+              <a:ext uri="{FF2B5EF4-FFF2-40B4-BE49-F238E27FC236}">
+                <a16:creationId xmlns:a16="http://schemas.microsoft.com/office/drawing/2014/main" id="{E780991C-1CFA-730C-381A-796621BD0F85}"/>
+              </a:ext>
+            </a:extLst>
+          </p:cNvPr>
+          <p:cNvSpPr/>
+          <p:nvPr/>
+        </p:nvSpPr>
+        <p:spPr>
+          <a:xfrm>
+            <a:off x="7411687" y="5874960"/>
+            <a:ext cx="225158" cy="217861"/>
+          </a:xfrm>
+          <a:prstGeom prst="ellipse">
+            <a:avLst/>
+          </a:prstGeom>
+          <a:noFill/>
+          <a:ln w="19050">
+            <a:solidFill>
+              <a:srgbClr val="7030A0"/>
+            </a:solidFill>
+          </a:ln>
+        </p:spPr>
+        <p:style>
+          <a:lnRef idx="2">
+            <a:schemeClr val="accent1">
+              <a:shade val="50000"/>
+            </a:schemeClr>
+          </a:lnRef>
+          <a:fillRef idx="1">
+            <a:schemeClr val="accent1"/>
+          </a:fillRef>
+          <a:effectRef idx="0">
+            <a:schemeClr val="accent1"/>
+          </a:effectRef>
+          <a:fontRef idx="minor">
+            <a:schemeClr val="lt1"/>
+          </a:fontRef>
+        </p:style>
+        <p:txBody>
+          <a:bodyPr rtlCol="0" anchor="ctr"/>
+          <a:lstStyle/>
+          <a:p>
+            <a:pPr algn="ctr"/>
+            <a:r>
+              <a:rPr lang="en-US" altLang="zh-CN" sz="1200">
+                <a:solidFill>
+                  <a:schemeClr val="tx1">
+                    <a:lumMod val="85000"/>
+                    <a:lumOff val="15000"/>
+                  </a:schemeClr>
+                </a:solidFill>
+              </a:rPr>
+              <a:t>2</a:t>
+            </a:r>
+            <a:endParaRPr lang="zh-CN" altLang="en-US" sz="1200">
+              <a:solidFill>
+                <a:schemeClr val="tx1">
+                  <a:lumMod val="85000"/>
+                  <a:lumOff val="15000"/>
+                </a:schemeClr>
+              </a:solidFill>
+            </a:endParaRPr>
+          </a:p>
+        </p:txBody>
+      </p:sp>
+      <p:sp>
+        <p:nvSpPr>
+          <p:cNvPr id="321" name="椭圆 320">
+            <a:extLst>
+              <a:ext uri="{FF2B5EF4-FFF2-40B4-BE49-F238E27FC236}">
+                <a16:creationId xmlns:a16="http://schemas.microsoft.com/office/drawing/2014/main" id="{71240D73-81A1-33EF-F2D0-AAA07C7A8E3F}"/>
+              </a:ext>
+            </a:extLst>
+          </p:cNvPr>
+          <p:cNvSpPr/>
+          <p:nvPr/>
+        </p:nvSpPr>
+        <p:spPr>
+          <a:xfrm>
+            <a:off x="5637305" y="3779661"/>
+            <a:ext cx="225158" cy="217861"/>
+          </a:xfrm>
+          <a:prstGeom prst="ellipse">
+            <a:avLst/>
+          </a:prstGeom>
+          <a:noFill/>
+          <a:ln w="19050">
+            <a:solidFill>
+              <a:srgbClr val="7030A0"/>
+            </a:solidFill>
+          </a:ln>
+        </p:spPr>
+        <p:style>
+          <a:lnRef idx="2">
+            <a:schemeClr val="accent1">
+              <a:shade val="50000"/>
+            </a:schemeClr>
+          </a:lnRef>
+          <a:fillRef idx="1">
+            <a:schemeClr val="accent1"/>
+          </a:fillRef>
+          <a:effectRef idx="0">
+            <a:schemeClr val="accent1"/>
+          </a:effectRef>
+          <a:fontRef idx="minor">
+            <a:schemeClr val="lt1"/>
+          </a:fontRef>
+        </p:style>
+        <p:txBody>
+          <a:bodyPr rtlCol="0" anchor="ctr"/>
+          <a:lstStyle/>
+          <a:p>
+            <a:pPr algn="ctr"/>
+            <a:r>
+              <a:rPr lang="en-US" altLang="zh-CN" sz="1200">
+                <a:solidFill>
+                  <a:schemeClr val="tx1">
+                    <a:lumMod val="85000"/>
+                    <a:lumOff val="15000"/>
+                  </a:schemeClr>
+                </a:solidFill>
+              </a:rPr>
+              <a:t>3</a:t>
+            </a:r>
+            <a:endParaRPr lang="zh-CN" altLang="en-US" sz="1200">
+              <a:solidFill>
+                <a:schemeClr val="tx1">
+                  <a:lumMod val="85000"/>
+                  <a:lumOff val="15000"/>
+                </a:schemeClr>
+              </a:solidFill>
+            </a:endParaRPr>
+          </a:p>
+        </p:txBody>
+      </p:sp>
+      <p:sp>
+        <p:nvSpPr>
+          <p:cNvPr id="322" name="椭圆 321">
+            <a:extLst>
+              <a:ext uri="{FF2B5EF4-FFF2-40B4-BE49-F238E27FC236}">
+                <a16:creationId xmlns:a16="http://schemas.microsoft.com/office/drawing/2014/main" id="{2C1C01D6-DBED-238C-781F-0D8BD340426D}"/>
+              </a:ext>
+            </a:extLst>
+          </p:cNvPr>
+          <p:cNvSpPr/>
+          <p:nvPr/>
+        </p:nvSpPr>
+        <p:spPr>
+          <a:xfrm>
+            <a:off x="8294609" y="493306"/>
+            <a:ext cx="225158" cy="217861"/>
+          </a:xfrm>
+          <a:prstGeom prst="ellipse">
+            <a:avLst/>
+          </a:prstGeom>
+          <a:noFill/>
+          <a:ln w="19050">
+            <a:solidFill>
+              <a:srgbClr val="7030A0"/>
+            </a:solidFill>
+          </a:ln>
+        </p:spPr>
+        <p:style>
+          <a:lnRef idx="2">
+            <a:schemeClr val="accent1">
+              <a:shade val="50000"/>
+            </a:schemeClr>
+          </a:lnRef>
+          <a:fillRef idx="1">
+            <a:schemeClr val="accent1"/>
+          </a:fillRef>
+          <a:effectRef idx="0">
+            <a:schemeClr val="accent1"/>
+          </a:effectRef>
+          <a:fontRef idx="minor">
+            <a:schemeClr val="lt1"/>
+          </a:fontRef>
+        </p:style>
+        <p:txBody>
+          <a:bodyPr rtlCol="0" anchor="ctr"/>
+          <a:lstStyle/>
+          <a:p>
+            <a:pPr algn="ctr"/>
+            <a:r>
+              <a:rPr lang="en-US" altLang="zh-CN" sz="1200">
+                <a:solidFill>
+                  <a:schemeClr val="tx1">
+                    <a:lumMod val="85000"/>
+                    <a:lumOff val="15000"/>
+                  </a:schemeClr>
+                </a:solidFill>
+              </a:rPr>
+              <a:t>4</a:t>
+            </a:r>
+            <a:endParaRPr lang="zh-CN" altLang="en-US" sz="1200">
+              <a:solidFill>
+                <a:schemeClr val="tx1">
+                  <a:lumMod val="85000"/>
+                  <a:lumOff val="15000"/>
+                </a:schemeClr>
+              </a:solidFill>
+            </a:endParaRPr>
+          </a:p>
+        </p:txBody>
+      </p:sp>
+      <p:sp>
+        <p:nvSpPr>
+          <p:cNvPr id="323" name="椭圆 322">
+            <a:extLst>
+              <a:ext uri="{FF2B5EF4-FFF2-40B4-BE49-F238E27FC236}">
+                <a16:creationId xmlns:a16="http://schemas.microsoft.com/office/drawing/2014/main" id="{4D8BC526-0B26-33DC-36BD-9AD68626402D}"/>
+              </a:ext>
+            </a:extLst>
+          </p:cNvPr>
+          <p:cNvSpPr/>
+          <p:nvPr/>
+        </p:nvSpPr>
+        <p:spPr>
+          <a:xfrm>
+            <a:off x="9512683" y="493308"/>
+            <a:ext cx="225158" cy="217861"/>
+          </a:xfrm>
+          <a:prstGeom prst="ellipse">
+            <a:avLst/>
+          </a:prstGeom>
+          <a:noFill/>
+          <a:ln w="19050">
+            <a:solidFill>
+              <a:srgbClr val="7030A0"/>
+            </a:solidFill>
+          </a:ln>
+        </p:spPr>
+        <p:style>
+          <a:lnRef idx="2">
+            <a:schemeClr val="accent1">
+              <a:shade val="50000"/>
+            </a:schemeClr>
+          </a:lnRef>
+          <a:fillRef idx="1">
+            <a:schemeClr val="accent1"/>
+          </a:fillRef>
+          <a:effectRef idx="0">
+            <a:schemeClr val="accent1"/>
+          </a:effectRef>
+          <a:fontRef idx="minor">
+            <a:schemeClr val="lt1"/>
+          </a:fontRef>
+        </p:style>
+        <p:txBody>
+          <a:bodyPr rtlCol="0" anchor="ctr"/>
+          <a:lstStyle/>
+          <a:p>
+            <a:pPr algn="ctr"/>
+            <a:r>
+              <a:rPr lang="en-US" altLang="zh-CN" sz="1200">
+                <a:solidFill>
+                  <a:schemeClr val="tx1">
+                    <a:lumMod val="85000"/>
+                    <a:lumOff val="15000"/>
+                  </a:schemeClr>
+                </a:solidFill>
+              </a:rPr>
+              <a:t>5</a:t>
+            </a:r>
+            <a:endParaRPr lang="zh-CN" altLang="en-US" sz="1200">
+              <a:solidFill>
+                <a:schemeClr val="tx1">
+                  <a:lumMod val="85000"/>
+                  <a:lumOff val="15000"/>
+                </a:schemeClr>
+              </a:solidFill>
+            </a:endParaRPr>
+          </a:p>
+        </p:txBody>
+      </p:sp>
+      <p:sp>
+        <p:nvSpPr>
+          <p:cNvPr id="324" name="文本框 323">
+            <a:extLst>
+              <a:ext uri="{FF2B5EF4-FFF2-40B4-BE49-F238E27FC236}">
+                <a16:creationId xmlns:a16="http://schemas.microsoft.com/office/drawing/2014/main" id="{A120EFD7-48D6-BF56-8643-C60B5C386654}"/>
+              </a:ext>
+            </a:extLst>
+          </p:cNvPr>
+          <p:cNvSpPr txBox="1"/>
+          <p:nvPr/>
+        </p:nvSpPr>
+        <p:spPr>
+          <a:xfrm>
+            <a:off x="6739728" y="4502633"/>
+            <a:ext cx="1862874" cy="276999"/>
+          </a:xfrm>
+          <a:prstGeom prst="rect">
+            <a:avLst/>
+          </a:prstGeom>
+          <a:noFill/>
+        </p:spPr>
+        <p:txBody>
+          <a:bodyPr wrap="square" rtlCol="0">
+            <a:spAutoFit/>
+          </a:bodyPr>
+          <a:lstStyle/>
+          <a:p>
+            <a:r>
+              <a:rPr lang="zh-CN" altLang="en-US" sz="1200">
+                <a:solidFill>
+                  <a:srgbClr val="7030A0"/>
+                </a:solidFill>
+              </a:rPr>
+              <a:t>依次格式化 </a:t>
+            </a:r>
+            <a:r>
+              <a:rPr lang="en-US" altLang="zh-CN" sz="1200">
+                <a:solidFill>
+                  <a:srgbClr val="7030A0"/>
+                </a:solidFill>
+              </a:rPr>
+              <a:t>Buffer </a:t>
+            </a:r>
+            <a:r>
+              <a:rPr lang="zh-CN" altLang="en-US" sz="1200">
+                <a:solidFill>
+                  <a:srgbClr val="7030A0"/>
+                </a:solidFill>
+              </a:rPr>
+              <a:t>数据</a:t>
+            </a:r>
+            <a:endParaRPr lang="en-US" altLang="zh-CN" sz="1200">
+              <a:solidFill>
+                <a:srgbClr val="7030A0"/>
+              </a:solidFill>
+            </a:endParaRPr>
+          </a:p>
+        </p:txBody>
+      </p:sp>
+      <p:graphicFrame>
+        <p:nvGraphicFramePr>
+          <p:cNvPr id="325" name="表格 324">
+            <a:extLst>
+              <a:ext uri="{FF2B5EF4-FFF2-40B4-BE49-F238E27FC236}">
+                <a16:creationId xmlns:a16="http://schemas.microsoft.com/office/drawing/2014/main" id="{37BE2279-74ED-494E-413A-EC083985770F}"/>
+              </a:ext>
+            </a:extLst>
+          </p:cNvPr>
+          <p:cNvGraphicFramePr>
+            <a:graphicFrameLocks noGrp="1"/>
+          </p:cNvGraphicFramePr>
+          <p:nvPr>
+            <p:extLst>
+              <p:ext uri="{D42A27DB-BD31-4B8C-83A1-F6EECF244321}">
+                <p14:modId xmlns:p14="http://schemas.microsoft.com/office/powerpoint/2010/main" val="1149439497"/>
+              </p:ext>
+            </p:extLst>
+          </p:nvPr>
+        </p:nvGraphicFramePr>
+        <p:xfrm>
+          <a:off x="10232482" y="170615"/>
+          <a:ext cx="719617" cy="218880"/>
+        </p:xfrm>
+        <a:graphic>
+          <a:graphicData uri="http://schemas.openxmlformats.org/drawingml/2006/table">
+            <a:tbl>
+              <a:tblPr firstRow="1" bandRow="1">
+                <a:tableStyleId>{5940675A-B579-460E-94D1-54222C63F5DA}</a:tableStyleId>
+              </a:tblPr>
+              <a:tblGrid>
+                <a:gridCol w="719617">
+                  <a:extLst>
+                    <a:ext uri="{9D8B030D-6E8A-4147-A177-3AD203B41FA5}">
+                      <a16:colId xmlns:a16="http://schemas.microsoft.com/office/drawing/2014/main" val="3392002134"/>
+                    </a:ext>
+                  </a:extLst>
+                </a:gridCol>
+              </a:tblGrid>
+              <a:tr h="153398">
+                <a:tc>
+                  <a:txBody>
+                    <a:bodyPr/>
+                    <a:lstStyle/>
+                    <a:p>
+                      <a:pPr marL="0" marR="0" lvl="0" indent="0" algn="ctr" defTabSz="914400" rtl="0" eaLnBrk="1" fontAlgn="auto" latinLnBrk="0" hangingPunct="1">
+                        <a:lnSpc>
+                          <a:spcPct val="100000"/>
+                        </a:lnSpc>
+                        <a:spcBef>
+                          <a:spcPts val="0"/>
+                        </a:spcBef>
+                        <a:spcAft>
+                          <a:spcPts val="0"/>
+                        </a:spcAft>
+                        <a:buClrTx/>
+                        <a:buSzTx/>
+                        <a:buFontTx/>
+                        <a:buNone/>
+                        <a:tabLst/>
+                        <a:defRPr/>
+                      </a:pPr>
+                      <a:r>
+                        <a:rPr kumimoji="0" lang="en-US" altLang="zh-CN" sz="1200" b="0" i="0" u="none" strike="noStrike" kern="1200" cap="none" spc="0" normalizeH="0" baseline="0" noProof="0">
+                          <a:ln>
+                            <a:noFill/>
+                          </a:ln>
+                          <a:solidFill>
+                            <a:prstClr val="black"/>
+                          </a:solidFill>
+                          <a:effectLst/>
+                          <a:uLnTx/>
+                          <a:uFillTx/>
+                          <a:latin typeface="+mn-lt"/>
+                          <a:ea typeface="+mn-ea"/>
+                          <a:cs typeface="+mn-cs"/>
+                        </a:rPr>
+                        <a:t>BlockNum</a:t>
+                      </a:r>
+                      <a:endParaRPr kumimoji="0" lang="zh-CN" altLang="en-US" sz="1200" b="0" i="0" u="none" strike="noStrike" kern="1200" cap="none" spc="0" normalizeH="0" baseline="0" noProof="0">
+                        <a:ln>
+                          <a:noFill/>
+                        </a:ln>
+                        <a:solidFill>
+                          <a:prstClr val="black"/>
+                        </a:solidFill>
+                        <a:effectLst/>
+                        <a:uLnTx/>
+                        <a:uFillTx/>
+                        <a:latin typeface="+mn-lt"/>
+                        <a:ea typeface="+mn-ea"/>
+                        <a:cs typeface="+mn-cs"/>
+                      </a:endParaRPr>
+                    </a:p>
+                  </a:txBody>
+                  <a:tcPr marL="18000" marR="18000" marT="18000" marB="18000">
+                    <a:solidFill>
+                      <a:schemeClr val="bg1">
+                        <a:lumMod val="65000"/>
+                      </a:schemeClr>
+                    </a:solidFill>
+                  </a:tcPr>
+                </a:tc>
+                <a:extLst>
+                  <a:ext uri="{0D108BD9-81ED-4DB2-BD59-A6C34878D82A}">
+                    <a16:rowId xmlns:a16="http://schemas.microsoft.com/office/drawing/2014/main" val="2531157391"/>
+                  </a:ext>
+                </a:extLst>
+              </a:tr>
+            </a:tbl>
+          </a:graphicData>
+        </a:graphic>
+      </p:graphicFrame>
+      <p:cxnSp>
+        <p:nvCxnSpPr>
+          <p:cNvPr id="326" name="连接符: 曲线 325">
+            <a:extLst>
+              <a:ext uri="{FF2B5EF4-FFF2-40B4-BE49-F238E27FC236}">
+                <a16:creationId xmlns:a16="http://schemas.microsoft.com/office/drawing/2014/main" id="{2C4EB293-7D19-E845-FAB4-94AF4F62E6C6}"/>
+              </a:ext>
+            </a:extLst>
+          </p:cNvPr>
+          <p:cNvCxnSpPr>
+            <a:cxnSpLocks/>
+            <a:stCxn id="208" idx="5"/>
+            <a:endCxn id="325" idx="2"/>
+          </p:cNvCxnSpPr>
+          <p:nvPr/>
+        </p:nvCxnSpPr>
+        <p:spPr>
+          <a:xfrm flipV="1">
+            <a:off x="3018791" y="389495"/>
+            <a:ext cx="7573499" cy="4620505"/>
+          </a:xfrm>
+          <a:prstGeom prst="curvedConnector2">
+            <a:avLst/>
+          </a:prstGeom>
+          <a:ln>
+            <a:solidFill>
+              <a:srgbClr val="7030A0"/>
+            </a:solidFill>
+            <a:prstDash val="dashDot"/>
+            <a:tailEnd type="triangle"/>
+          </a:ln>
+        </p:spPr>
+        <p:style>
+          <a:lnRef idx="1">
+            <a:schemeClr val="accent6"/>
+          </a:lnRef>
+          <a:fillRef idx="0">
+            <a:schemeClr val="accent6"/>
+          </a:fillRef>
+          <a:effectRef idx="0">
+            <a:schemeClr val="accent6"/>
+          </a:effectRef>
+          <a:fontRef idx="minor">
+            <a:schemeClr val="tx1"/>
+          </a:fontRef>
+        </p:style>
+      </p:cxnSp>
+      <p:sp>
+        <p:nvSpPr>
+          <p:cNvPr id="330" name="椭圆 329">
+            <a:extLst>
+              <a:ext uri="{FF2B5EF4-FFF2-40B4-BE49-F238E27FC236}">
+                <a16:creationId xmlns:a16="http://schemas.microsoft.com/office/drawing/2014/main" id="{741C5499-A235-91AA-0296-0B70F52BBCB8}"/>
+              </a:ext>
+            </a:extLst>
+          </p:cNvPr>
+          <p:cNvSpPr/>
+          <p:nvPr/>
+        </p:nvSpPr>
+        <p:spPr>
+          <a:xfrm>
+            <a:off x="10248137" y="493309"/>
+            <a:ext cx="225158" cy="217861"/>
+          </a:xfrm>
+          <a:prstGeom prst="ellipse">
+            <a:avLst/>
+          </a:prstGeom>
+          <a:noFill/>
+          <a:ln w="19050">
+            <a:solidFill>
+              <a:srgbClr val="7030A0"/>
+            </a:solidFill>
+          </a:ln>
+        </p:spPr>
+        <p:style>
+          <a:lnRef idx="2">
+            <a:schemeClr val="accent1">
+              <a:shade val="50000"/>
+            </a:schemeClr>
+          </a:lnRef>
+          <a:fillRef idx="1">
+            <a:schemeClr val="accent1"/>
+          </a:fillRef>
+          <a:effectRef idx="0">
+            <a:schemeClr val="accent1"/>
+          </a:effectRef>
+          <a:fontRef idx="minor">
+            <a:schemeClr val="lt1"/>
+          </a:fontRef>
+        </p:style>
+        <p:txBody>
+          <a:bodyPr rtlCol="0" anchor="ctr"/>
+          <a:lstStyle/>
+          <a:p>
+            <a:pPr algn="ctr"/>
+            <a:r>
+              <a:rPr lang="en-US" altLang="zh-CN" sz="1200">
+                <a:solidFill>
+                  <a:schemeClr val="tx1">
+                    <a:lumMod val="85000"/>
+                    <a:lumOff val="15000"/>
+                  </a:schemeClr>
+                </a:solidFill>
+              </a:rPr>
+              <a:t>6</a:t>
+            </a:r>
+            <a:endParaRPr lang="zh-CN" altLang="en-US" sz="1200">
+              <a:solidFill>
+                <a:schemeClr val="tx1">
+                  <a:lumMod val="85000"/>
+                  <a:lumOff val="15000"/>
+                </a:schemeClr>
+              </a:solidFill>
+            </a:endParaRPr>
+          </a:p>
+        </p:txBody>
+      </p:sp>
+      <p:sp>
+        <p:nvSpPr>
+          <p:cNvPr id="331" name="文本框 330">
+            <a:extLst>
+              <a:ext uri="{FF2B5EF4-FFF2-40B4-BE49-F238E27FC236}">
+                <a16:creationId xmlns:a16="http://schemas.microsoft.com/office/drawing/2014/main" id="{3BEEC6EE-F9FB-FBD8-7C73-F7EE5DA2D352}"/>
+              </a:ext>
+            </a:extLst>
+          </p:cNvPr>
+          <p:cNvSpPr txBox="1"/>
+          <p:nvPr/>
+        </p:nvSpPr>
+        <p:spPr>
+          <a:xfrm>
+            <a:off x="5922382" y="3013620"/>
+            <a:ext cx="1120065" cy="276999"/>
+          </a:xfrm>
+          <a:prstGeom prst="rect">
+            <a:avLst/>
+          </a:prstGeom>
+          <a:noFill/>
+        </p:spPr>
+        <p:txBody>
+          <a:bodyPr wrap="square" rtlCol="0">
+            <a:spAutoFit/>
+          </a:bodyPr>
+          <a:lstStyle/>
+          <a:p>
+            <a:r>
+              <a:rPr lang="en-US" altLang="zh-CN" sz="1200">
+                <a:solidFill>
+                  <a:srgbClr val="7030A0"/>
+                </a:solidFill>
+              </a:rPr>
+              <a:t>4 XLogInsert</a:t>
+            </a:r>
+          </a:p>
+        </p:txBody>
+      </p:sp>
+      <p:graphicFrame>
+        <p:nvGraphicFramePr>
+          <p:cNvPr id="332" name="表格 331">
+            <a:extLst>
+              <a:ext uri="{FF2B5EF4-FFF2-40B4-BE49-F238E27FC236}">
+                <a16:creationId xmlns:a16="http://schemas.microsoft.com/office/drawing/2014/main" id="{04EF6667-C046-A161-82CD-869217596CFC}"/>
+              </a:ext>
+            </a:extLst>
+          </p:cNvPr>
+          <p:cNvGraphicFramePr>
+            <a:graphicFrameLocks noGrp="1"/>
+          </p:cNvGraphicFramePr>
+          <p:nvPr>
+            <p:extLst>
+              <p:ext uri="{D42A27DB-BD31-4B8C-83A1-F6EECF244321}">
+                <p14:modId xmlns:p14="http://schemas.microsoft.com/office/powerpoint/2010/main" val="1550038882"/>
+              </p:ext>
+            </p:extLst>
+          </p:nvPr>
+        </p:nvGraphicFramePr>
+        <p:xfrm>
+          <a:off x="6786072" y="1526524"/>
+          <a:ext cx="1049862" cy="1313280"/>
+        </p:xfrm>
+        <a:graphic>
+          <a:graphicData uri="http://schemas.openxmlformats.org/drawingml/2006/table">
+            <a:tbl>
+              <a:tblPr firstRow="1" bandRow="1">
+                <a:tableStyleId>{5940675A-B579-460E-94D1-54222C63F5DA}</a:tableStyleId>
+              </a:tblPr>
+              <a:tblGrid>
+                <a:gridCol w="1049862">
+                  <a:extLst>
+                    <a:ext uri="{9D8B030D-6E8A-4147-A177-3AD203B41FA5}">
+                      <a16:colId xmlns:a16="http://schemas.microsoft.com/office/drawing/2014/main" val="3450109719"/>
+                    </a:ext>
+                  </a:extLst>
+                </a:gridCol>
+              </a:tblGrid>
+              <a:tr h="137972">
+                <a:tc>
+                  <a:txBody>
+                    <a:bodyPr/>
+                    <a:lstStyle/>
+                    <a:p>
+                      <a:pPr algn="ctr"/>
+                      <a:r>
+                        <a:rPr lang="en-US" altLang="zh-CN" sz="1200"/>
+                        <a:t>XLogRecord</a:t>
+                      </a:r>
+                      <a:endParaRPr lang="zh-CN" altLang="en-US" sz="1200"/>
+                    </a:p>
+                  </a:txBody>
+                  <a:tcPr marL="18000" marR="18000" marT="18000" marB="18000">
+                    <a:solidFill>
+                      <a:schemeClr val="bg1">
+                        <a:lumMod val="85000"/>
+                      </a:schemeClr>
+                    </a:solidFill>
+                  </a:tcPr>
+                </a:tc>
+                <a:extLst>
+                  <a:ext uri="{0D108BD9-81ED-4DB2-BD59-A6C34878D82A}">
+                    <a16:rowId xmlns:a16="http://schemas.microsoft.com/office/drawing/2014/main" val="882242369"/>
+                  </a:ext>
+                </a:extLst>
+              </a:tr>
+              <a:tr h="137972">
+                <a:tc>
+                  <a:txBody>
+                    <a:bodyPr/>
+                    <a:lstStyle/>
+                    <a:p>
+                      <a:pPr algn="ctr"/>
+                      <a:r>
+                        <a:rPr lang="en-US" altLang="zh-CN" sz="1200"/>
+                        <a:t>xl_tot_len</a:t>
+                      </a:r>
+                      <a:endParaRPr lang="zh-CN" altLang="en-US" sz="1200"/>
+                    </a:p>
+                  </a:txBody>
+                  <a:tcPr marL="18000" marR="18000" marT="18000" marB="18000"/>
+                </a:tc>
+                <a:extLst>
+                  <a:ext uri="{0D108BD9-81ED-4DB2-BD59-A6C34878D82A}">
+                    <a16:rowId xmlns:a16="http://schemas.microsoft.com/office/drawing/2014/main" val="3249990585"/>
+                  </a:ext>
+                </a:extLst>
+              </a:tr>
+              <a:tr h="137972">
+                <a:tc>
+                  <a:txBody>
+                    <a:bodyPr/>
+                    <a:lstStyle/>
+                    <a:p>
+                      <a:pPr marL="0" marR="0" lvl="0" indent="0" algn="ctr" defTabSz="914400" rtl="0" eaLnBrk="1" fontAlgn="auto" latinLnBrk="0" hangingPunct="1">
+                        <a:lnSpc>
+                          <a:spcPct val="100000"/>
+                        </a:lnSpc>
+                        <a:spcBef>
+                          <a:spcPts val="0"/>
+                        </a:spcBef>
+                        <a:spcAft>
+                          <a:spcPts val="0"/>
+                        </a:spcAft>
+                        <a:buClrTx/>
+                        <a:buSzTx/>
+                        <a:buFontTx/>
+                        <a:buNone/>
+                        <a:tabLst/>
+                        <a:defRPr/>
+                      </a:pPr>
+                      <a:r>
+                        <a:rPr lang="en-US" altLang="zh-CN" sz="1200"/>
+                        <a:t>xl_xid</a:t>
+                      </a:r>
+                      <a:endParaRPr lang="zh-CN" altLang="en-US" sz="1200"/>
+                    </a:p>
+                  </a:txBody>
+                  <a:tcPr marL="18000" marR="18000" marT="18000" marB="18000"/>
+                </a:tc>
+                <a:extLst>
+                  <a:ext uri="{0D108BD9-81ED-4DB2-BD59-A6C34878D82A}">
+                    <a16:rowId xmlns:a16="http://schemas.microsoft.com/office/drawing/2014/main" val="814788111"/>
+                  </a:ext>
+                </a:extLst>
+              </a:tr>
+              <a:tr h="137972">
+                <a:tc>
+                  <a:txBody>
+                    <a:bodyPr/>
+                    <a:lstStyle/>
+                    <a:p>
+                      <a:pPr marL="0" marR="0" lvl="0" indent="0" algn="ctr" defTabSz="914400" rtl="0" eaLnBrk="1" fontAlgn="auto" latinLnBrk="0" hangingPunct="1">
+                        <a:lnSpc>
+                          <a:spcPct val="100000"/>
+                        </a:lnSpc>
+                        <a:spcBef>
+                          <a:spcPts val="0"/>
+                        </a:spcBef>
+                        <a:spcAft>
+                          <a:spcPts val="0"/>
+                        </a:spcAft>
+                        <a:buClrTx/>
+                        <a:buSzTx/>
+                        <a:buFontTx/>
+                        <a:buNone/>
+                        <a:tabLst/>
+                        <a:defRPr/>
+                      </a:pPr>
+                      <a:r>
+                        <a:rPr lang="en-US" altLang="zh-CN" sz="1200"/>
+                        <a:t>xl_prev</a:t>
+                      </a:r>
+                      <a:endParaRPr lang="zh-CN" altLang="en-US" sz="1200"/>
+                    </a:p>
+                  </a:txBody>
+                  <a:tcPr marL="18000" marR="18000" marT="18000" marB="18000"/>
+                </a:tc>
+                <a:extLst>
+                  <a:ext uri="{0D108BD9-81ED-4DB2-BD59-A6C34878D82A}">
+                    <a16:rowId xmlns:a16="http://schemas.microsoft.com/office/drawing/2014/main" val="619207042"/>
+                  </a:ext>
+                </a:extLst>
+              </a:tr>
+              <a:tr h="137972">
+                <a:tc>
+                  <a:txBody>
+                    <a:bodyPr/>
+                    <a:lstStyle/>
+                    <a:p>
+                      <a:pPr marL="0" marR="0" lvl="0" indent="0" algn="ctr" defTabSz="914400" rtl="0" eaLnBrk="1" fontAlgn="auto" latinLnBrk="0" hangingPunct="1">
+                        <a:lnSpc>
+                          <a:spcPct val="100000"/>
+                        </a:lnSpc>
+                        <a:spcBef>
+                          <a:spcPts val="0"/>
+                        </a:spcBef>
+                        <a:spcAft>
+                          <a:spcPts val="0"/>
+                        </a:spcAft>
+                        <a:buClrTx/>
+                        <a:buSzTx/>
+                        <a:buFontTx/>
+                        <a:buNone/>
+                        <a:tabLst/>
+                        <a:defRPr/>
+                      </a:pPr>
+                      <a:r>
+                        <a:rPr lang="en-US" altLang="zh-CN" sz="1200"/>
+                        <a:t>xl_rmid</a:t>
+                      </a:r>
+                      <a:endParaRPr lang="zh-CN" altLang="en-US" sz="1200"/>
+                    </a:p>
+                  </a:txBody>
+                  <a:tcPr marL="18000" marR="18000" marT="18000" marB="18000"/>
+                </a:tc>
+                <a:extLst>
+                  <a:ext uri="{0D108BD9-81ED-4DB2-BD59-A6C34878D82A}">
+                    <a16:rowId xmlns:a16="http://schemas.microsoft.com/office/drawing/2014/main" val="115801270"/>
+                  </a:ext>
+                </a:extLst>
+              </a:tr>
+              <a:tr h="137972">
+                <a:tc>
+                  <a:txBody>
+                    <a:bodyPr/>
+                    <a:lstStyle/>
+                    <a:p>
+                      <a:pPr marL="0" marR="0" lvl="0" indent="0" algn="ctr" defTabSz="914400" rtl="0" eaLnBrk="1" fontAlgn="auto" latinLnBrk="0" hangingPunct="1">
+                        <a:lnSpc>
+                          <a:spcPct val="100000"/>
+                        </a:lnSpc>
+                        <a:spcBef>
+                          <a:spcPts val="0"/>
+                        </a:spcBef>
+                        <a:spcAft>
+                          <a:spcPts val="0"/>
+                        </a:spcAft>
+                        <a:buClrTx/>
+                        <a:buSzTx/>
+                        <a:buFontTx/>
+                        <a:buNone/>
+                        <a:tabLst/>
+                        <a:defRPr/>
+                      </a:pPr>
+                      <a:r>
+                        <a:rPr lang="en-US" altLang="zh-CN" sz="1200"/>
+                        <a:t>xl_crc</a:t>
+                      </a:r>
+                      <a:endParaRPr lang="zh-CN" altLang="en-US" sz="1200"/>
+                    </a:p>
+                  </a:txBody>
+                  <a:tcPr marL="18000" marR="18000" marT="18000" marB="18000"/>
+                </a:tc>
+                <a:extLst>
+                  <a:ext uri="{0D108BD9-81ED-4DB2-BD59-A6C34878D82A}">
+                    <a16:rowId xmlns:a16="http://schemas.microsoft.com/office/drawing/2014/main" val="3446985932"/>
+                  </a:ext>
+                </a:extLst>
+              </a:tr>
+            </a:tbl>
+          </a:graphicData>
+        </a:graphic>
+      </p:graphicFrame>
+      <p:graphicFrame>
+        <p:nvGraphicFramePr>
+          <p:cNvPr id="335" name="表格 334">
+            <a:extLst>
+              <a:ext uri="{FF2B5EF4-FFF2-40B4-BE49-F238E27FC236}">
+                <a16:creationId xmlns:a16="http://schemas.microsoft.com/office/drawing/2014/main" id="{61DFC379-7B90-0766-6646-35DD9459BE36}"/>
+              </a:ext>
+            </a:extLst>
+          </p:cNvPr>
+          <p:cNvGraphicFramePr>
+            <a:graphicFrameLocks noGrp="1"/>
+          </p:cNvGraphicFramePr>
+          <p:nvPr>
+            <p:extLst>
+              <p:ext uri="{D42A27DB-BD31-4B8C-83A1-F6EECF244321}">
+                <p14:modId xmlns:p14="http://schemas.microsoft.com/office/powerpoint/2010/main" val="3367476396"/>
+              </p:ext>
+            </p:extLst>
+          </p:nvPr>
+        </p:nvGraphicFramePr>
+        <p:xfrm>
+          <a:off x="6805424" y="171833"/>
+          <a:ext cx="992622" cy="218880"/>
+        </p:xfrm>
+        <a:graphic>
+          <a:graphicData uri="http://schemas.openxmlformats.org/drawingml/2006/table">
+            <a:tbl>
+              <a:tblPr firstRow="1" bandRow="1">
+                <a:tableStyleId>{5940675A-B579-460E-94D1-54222C63F5DA}</a:tableStyleId>
+              </a:tblPr>
+              <a:tblGrid>
+                <a:gridCol w="992622">
+                  <a:extLst>
+                    <a:ext uri="{9D8B030D-6E8A-4147-A177-3AD203B41FA5}">
+                      <a16:colId xmlns:a16="http://schemas.microsoft.com/office/drawing/2014/main" val="3392002134"/>
+                    </a:ext>
+                  </a:extLst>
+                </a:gridCol>
+              </a:tblGrid>
+              <a:tr h="153398">
+                <a:tc>
+                  <a:txBody>
+                    <a:bodyPr/>
+                    <a:lstStyle/>
+                    <a:p>
+                      <a:pPr marL="0" marR="0" lvl="0" indent="0" algn="ctr" defTabSz="914400" rtl="0" eaLnBrk="1" fontAlgn="auto" latinLnBrk="0" hangingPunct="1">
+                        <a:lnSpc>
+                          <a:spcPct val="100000"/>
+                        </a:lnSpc>
+                        <a:spcBef>
+                          <a:spcPts val="0"/>
+                        </a:spcBef>
+                        <a:spcAft>
+                          <a:spcPts val="0"/>
+                        </a:spcAft>
+                        <a:buClrTx/>
+                        <a:buSzTx/>
+                        <a:buFontTx/>
+                        <a:buNone/>
+                        <a:tabLst/>
+                        <a:defRPr/>
+                      </a:pPr>
+                      <a:r>
+                        <a:rPr kumimoji="0" lang="en-US" altLang="zh-CN" sz="1200" b="0" i="0" u="none" strike="noStrike" kern="1200" cap="none" spc="0" normalizeH="0" baseline="0" noProof="0">
+                          <a:ln>
+                            <a:noFill/>
+                          </a:ln>
+                          <a:solidFill>
+                            <a:prstClr val="black"/>
+                          </a:solidFill>
+                          <a:effectLst/>
+                          <a:uLnTx/>
+                          <a:uFillTx/>
+                          <a:latin typeface="+mn-lt"/>
+                          <a:ea typeface="+mn-ea"/>
+                          <a:cs typeface="+mn-cs"/>
+                        </a:rPr>
+                        <a:t>XLogRecord</a:t>
+                      </a:r>
+                      <a:endParaRPr kumimoji="0" lang="zh-CN" altLang="en-US" sz="1200" b="0" i="0" u="none" strike="noStrike" kern="1200" cap="none" spc="0" normalizeH="0" baseline="0" noProof="0">
+                        <a:ln>
+                          <a:noFill/>
+                        </a:ln>
+                        <a:solidFill>
+                          <a:prstClr val="black"/>
+                        </a:solidFill>
+                        <a:effectLst/>
+                        <a:uLnTx/>
+                        <a:uFillTx/>
+                        <a:latin typeface="+mn-lt"/>
+                        <a:ea typeface="+mn-ea"/>
+                        <a:cs typeface="+mn-cs"/>
+                      </a:endParaRPr>
+                    </a:p>
+                  </a:txBody>
+                  <a:tcPr marL="18000" marR="18000" marT="18000" marB="18000">
+                    <a:solidFill>
+                      <a:schemeClr val="bg1">
+                        <a:lumMod val="65000"/>
+                      </a:schemeClr>
+                    </a:solidFill>
+                  </a:tcPr>
+                </a:tc>
+                <a:extLst>
+                  <a:ext uri="{0D108BD9-81ED-4DB2-BD59-A6C34878D82A}">
+                    <a16:rowId xmlns:a16="http://schemas.microsoft.com/office/drawing/2014/main" val="2531157391"/>
+                  </a:ext>
+                </a:extLst>
+              </a:tr>
+            </a:tbl>
+          </a:graphicData>
+        </a:graphic>
+      </p:graphicFrame>
+      <p:cxnSp>
+        <p:nvCxnSpPr>
+          <p:cNvPr id="348" name="连接符: 曲线 347">
+            <a:extLst>
+              <a:ext uri="{FF2B5EF4-FFF2-40B4-BE49-F238E27FC236}">
+                <a16:creationId xmlns:a16="http://schemas.microsoft.com/office/drawing/2014/main" id="{DAA93FA7-49C6-D7F6-0A4E-226116EF8543}"/>
+              </a:ext>
+            </a:extLst>
+          </p:cNvPr>
+          <p:cNvCxnSpPr>
+            <a:cxnSpLocks/>
+            <a:stCxn id="332" idx="0"/>
+            <a:endCxn id="335" idx="2"/>
+          </p:cNvCxnSpPr>
+          <p:nvPr/>
+        </p:nvCxnSpPr>
+        <p:spPr>
+          <a:xfrm rot="16200000" flipV="1">
+            <a:off x="6738464" y="953985"/>
+            <a:ext cx="1135811" cy="9268"/>
+          </a:xfrm>
+          <a:prstGeom prst="curvedConnector3">
+            <a:avLst>
+              <a:gd name="adj1" fmla="val 50000"/>
+            </a:avLst>
+          </a:prstGeom>
+          <a:ln>
+            <a:solidFill>
+              <a:srgbClr val="7030A0"/>
+            </a:solidFill>
+            <a:prstDash val="dashDot"/>
+            <a:tailEnd type="triangle"/>
+          </a:ln>
+        </p:spPr>
+        <p:style>
+          <a:lnRef idx="1">
+            <a:schemeClr val="accent6"/>
+          </a:lnRef>
+          <a:fillRef idx="0">
+            <a:schemeClr val="accent6"/>
+          </a:fillRef>
+          <a:effectRef idx="0">
+            <a:schemeClr val="accent6"/>
+          </a:effectRef>
+          <a:fontRef idx="minor">
+            <a:schemeClr val="tx1"/>
+          </a:fontRef>
+        </p:style>
+      </p:cxnSp>
+      <p:graphicFrame>
+        <p:nvGraphicFramePr>
+          <p:cNvPr id="368" name="表格 367">
+            <a:extLst>
+              <a:ext uri="{FF2B5EF4-FFF2-40B4-BE49-F238E27FC236}">
+                <a16:creationId xmlns:a16="http://schemas.microsoft.com/office/drawing/2014/main" id="{89B1A970-57DB-C432-2A94-923B54C537EA}"/>
+              </a:ext>
+            </a:extLst>
+          </p:cNvPr>
+          <p:cNvGraphicFramePr>
+            <a:graphicFrameLocks noGrp="1"/>
+          </p:cNvGraphicFramePr>
+          <p:nvPr>
+            <p:extLst>
+              <p:ext uri="{D42A27DB-BD31-4B8C-83A1-F6EECF244321}">
+                <p14:modId xmlns:p14="http://schemas.microsoft.com/office/powerpoint/2010/main" val="4158081294"/>
+              </p:ext>
+            </p:extLst>
+          </p:nvPr>
+        </p:nvGraphicFramePr>
+        <p:xfrm>
+          <a:off x="10952098" y="170615"/>
+          <a:ext cx="989643" cy="218880"/>
+        </p:xfrm>
+        <a:graphic>
+          <a:graphicData uri="http://schemas.openxmlformats.org/drawingml/2006/table">
+            <a:tbl>
+              <a:tblPr firstRow="1" bandRow="1">
+                <a:tableStyleId>{5940675A-B579-460E-94D1-54222C63F5DA}</a:tableStyleId>
+              </a:tblPr>
+              <a:tblGrid>
+                <a:gridCol w="989643">
+                  <a:extLst>
+                    <a:ext uri="{9D8B030D-6E8A-4147-A177-3AD203B41FA5}">
+                      <a16:colId xmlns:a16="http://schemas.microsoft.com/office/drawing/2014/main" val="3392002134"/>
+                    </a:ext>
+                  </a:extLst>
+                </a:gridCol>
+              </a:tblGrid>
+              <a:tr h="153398">
+                <a:tc>
+                  <a:txBody>
+                    <a:bodyPr/>
+                    <a:lstStyle/>
+                    <a:p>
+                      <a:pPr marL="0" marR="0" lvl="0" indent="0" algn="ctr" defTabSz="914400" rtl="0" eaLnBrk="1" fontAlgn="auto" latinLnBrk="0" hangingPunct="1">
+                        <a:lnSpc>
+                          <a:spcPct val="100000"/>
+                        </a:lnSpc>
+                        <a:spcBef>
+                          <a:spcPts val="0"/>
+                        </a:spcBef>
+                        <a:spcAft>
+                          <a:spcPts val="0"/>
+                        </a:spcAft>
+                        <a:buClrTx/>
+                        <a:buSzTx/>
+                        <a:buFontTx/>
+                        <a:buNone/>
+                        <a:tabLst/>
+                        <a:defRPr/>
+                      </a:pPr>
+                      <a:r>
+                        <a:rPr kumimoji="0" lang="en-US" altLang="zh-CN" sz="1200" b="0" i="0" u="none" strike="noStrike" kern="1200" cap="none" spc="0" normalizeH="0" baseline="0" noProof="0">
+                          <a:ln>
+                            <a:noFill/>
+                          </a:ln>
+                          <a:solidFill>
+                            <a:prstClr val="black"/>
+                          </a:solidFill>
+                          <a:effectLst/>
+                          <a:uLnTx/>
+                          <a:uFillTx/>
+                          <a:latin typeface="+mn-lt"/>
+                          <a:ea typeface="+mn-ea"/>
+                          <a:cs typeface="+mn-cs"/>
+                        </a:rPr>
+                        <a:t>maindata_len</a:t>
+                      </a:r>
+                      <a:endParaRPr kumimoji="0" lang="zh-CN" altLang="en-US" sz="1200" b="0" i="0" u="none" strike="noStrike" kern="1200" cap="none" spc="0" normalizeH="0" baseline="0" noProof="0">
+                        <a:ln>
+                          <a:noFill/>
+                        </a:ln>
+                        <a:solidFill>
+                          <a:prstClr val="black"/>
+                        </a:solidFill>
+                        <a:effectLst/>
+                        <a:uLnTx/>
+                        <a:uFillTx/>
+                        <a:latin typeface="+mn-lt"/>
+                        <a:ea typeface="+mn-ea"/>
+                        <a:cs typeface="+mn-cs"/>
+                      </a:endParaRPr>
+                    </a:p>
+                  </a:txBody>
+                  <a:tcPr marL="18000" marR="18000" marT="18000" marB="18000">
+                    <a:solidFill>
+                      <a:schemeClr val="bg1">
+                        <a:lumMod val="65000"/>
+                      </a:schemeClr>
+                    </a:solidFill>
+                  </a:tcPr>
+                </a:tc>
+                <a:extLst>
+                  <a:ext uri="{0D108BD9-81ED-4DB2-BD59-A6C34878D82A}">
+                    <a16:rowId xmlns:a16="http://schemas.microsoft.com/office/drawing/2014/main" val="2531157391"/>
+                  </a:ext>
+                </a:extLst>
+              </a:tr>
+            </a:tbl>
+          </a:graphicData>
+        </a:graphic>
+      </p:graphicFrame>
+      <p:sp>
+        <p:nvSpPr>
+          <p:cNvPr id="411" name="椭圆 410">
+            <a:extLst>
+              <a:ext uri="{FF2B5EF4-FFF2-40B4-BE49-F238E27FC236}">
+                <a16:creationId xmlns:a16="http://schemas.microsoft.com/office/drawing/2014/main" id="{5EA3D3A3-CAC6-B32D-2E23-C3060542B8AB}"/>
+              </a:ext>
+            </a:extLst>
+          </p:cNvPr>
+          <p:cNvSpPr/>
+          <p:nvPr/>
+        </p:nvSpPr>
+        <p:spPr>
+          <a:xfrm>
+            <a:off x="11104867" y="493307"/>
+            <a:ext cx="225158" cy="217861"/>
+          </a:xfrm>
+          <a:prstGeom prst="ellipse">
+            <a:avLst/>
+          </a:prstGeom>
+          <a:noFill/>
+          <a:ln w="19050">
+            <a:solidFill>
+              <a:srgbClr val="7030A0"/>
+            </a:solidFill>
+          </a:ln>
+        </p:spPr>
+        <p:style>
+          <a:lnRef idx="2">
+            <a:schemeClr val="accent1">
+              <a:shade val="50000"/>
+            </a:schemeClr>
+          </a:lnRef>
+          <a:fillRef idx="1">
+            <a:schemeClr val="accent1"/>
+          </a:fillRef>
+          <a:effectRef idx="0">
+            <a:schemeClr val="accent1"/>
+          </a:effectRef>
+          <a:fontRef idx="minor">
+            <a:schemeClr val="lt1"/>
+          </a:fontRef>
+        </p:style>
+        <p:txBody>
+          <a:bodyPr rtlCol="0" anchor="ctr"/>
+          <a:lstStyle/>
+          <a:p>
+            <a:pPr algn="ctr"/>
+            <a:r>
+              <a:rPr lang="en-US" altLang="zh-CN" sz="1200">
+                <a:solidFill>
+                  <a:schemeClr val="tx1">
+                    <a:lumMod val="85000"/>
+                    <a:lumOff val="15000"/>
+                  </a:schemeClr>
+                </a:solidFill>
+              </a:rPr>
+              <a:t>7</a:t>
+            </a:r>
+            <a:endParaRPr lang="zh-CN" altLang="en-US" sz="1200">
+              <a:solidFill>
+                <a:schemeClr val="tx1">
+                  <a:lumMod val="85000"/>
+                  <a:lumOff val="15000"/>
+                </a:schemeClr>
+              </a:solidFill>
+            </a:endParaRPr>
+          </a:p>
+        </p:txBody>
+      </p:sp>
+      <p:cxnSp>
+        <p:nvCxnSpPr>
+          <p:cNvPr id="412" name="连接符: 曲线 411">
+            <a:extLst>
+              <a:ext uri="{FF2B5EF4-FFF2-40B4-BE49-F238E27FC236}">
+                <a16:creationId xmlns:a16="http://schemas.microsoft.com/office/drawing/2014/main" id="{788B5A51-1866-5C0A-C648-568F3AD9448E}"/>
+              </a:ext>
+            </a:extLst>
+          </p:cNvPr>
+          <p:cNvCxnSpPr>
+            <a:cxnSpLocks/>
+            <a:stCxn id="266" idx="1"/>
+            <a:endCxn id="190" idx="5"/>
+          </p:cNvCxnSpPr>
+          <p:nvPr/>
+        </p:nvCxnSpPr>
+        <p:spPr>
+          <a:xfrm rot="10800000">
+            <a:off x="1520694" y="3497785"/>
+            <a:ext cx="4504175" cy="187835"/>
+          </a:xfrm>
+          <a:prstGeom prst="curvedConnector3">
+            <a:avLst>
+              <a:gd name="adj1" fmla="val 50000"/>
+            </a:avLst>
+          </a:prstGeom>
+          <a:ln>
+            <a:solidFill>
+              <a:srgbClr val="7030A0"/>
+            </a:solidFill>
+            <a:prstDash val="dashDot"/>
+            <a:tailEnd type="triangle"/>
+          </a:ln>
+        </p:spPr>
+        <p:style>
+          <a:lnRef idx="1">
+            <a:schemeClr val="accent6"/>
+          </a:lnRef>
+          <a:fillRef idx="0">
+            <a:schemeClr val="accent6"/>
+          </a:fillRef>
+          <a:effectRef idx="0">
+            <a:schemeClr val="accent6"/>
+          </a:effectRef>
+          <a:fontRef idx="minor">
+            <a:schemeClr val="tx1"/>
+          </a:fontRef>
+        </p:style>
+      </p:cxnSp>
+      <p:cxnSp>
+        <p:nvCxnSpPr>
+          <p:cNvPr id="415" name="连接符: 曲线 414">
+            <a:extLst>
+              <a:ext uri="{FF2B5EF4-FFF2-40B4-BE49-F238E27FC236}">
+                <a16:creationId xmlns:a16="http://schemas.microsoft.com/office/drawing/2014/main" id="{29825FAD-9F2F-8297-099E-D793BC2982D5}"/>
+              </a:ext>
+            </a:extLst>
+          </p:cNvPr>
+          <p:cNvCxnSpPr>
+            <a:cxnSpLocks/>
+            <a:stCxn id="420" idx="5"/>
+            <a:endCxn id="368" idx="2"/>
+          </p:cNvCxnSpPr>
+          <p:nvPr/>
+        </p:nvCxnSpPr>
+        <p:spPr>
+          <a:xfrm flipV="1">
+            <a:off x="1527122" y="389495"/>
+            <a:ext cx="9919797" cy="3538105"/>
+          </a:xfrm>
+          <a:prstGeom prst="curvedConnector2">
+            <a:avLst/>
+          </a:prstGeom>
+          <a:ln>
+            <a:solidFill>
+              <a:srgbClr val="7030A0"/>
+            </a:solidFill>
+            <a:prstDash val="dashDot"/>
+            <a:tailEnd type="triangle"/>
+          </a:ln>
+        </p:spPr>
+        <p:style>
+          <a:lnRef idx="1">
+            <a:schemeClr val="accent6"/>
+          </a:lnRef>
+          <a:fillRef idx="0">
+            <a:schemeClr val="accent6"/>
+          </a:fillRef>
+          <a:effectRef idx="0">
+            <a:schemeClr val="accent6"/>
+          </a:effectRef>
+          <a:fontRef idx="minor">
+            <a:schemeClr val="tx1"/>
+          </a:fontRef>
+        </p:style>
+      </p:cxnSp>
+      <p:sp>
+        <p:nvSpPr>
+          <p:cNvPr id="420" name="等腰三角形 419">
+            <a:extLst>
+              <a:ext uri="{FF2B5EF4-FFF2-40B4-BE49-F238E27FC236}">
+                <a16:creationId xmlns:a16="http://schemas.microsoft.com/office/drawing/2014/main" id="{EC861DB0-CDEE-5FCC-19D3-A0DF1E472B12}"/>
+              </a:ext>
+            </a:extLst>
+          </p:cNvPr>
+          <p:cNvSpPr/>
+          <p:nvPr/>
+        </p:nvSpPr>
+        <p:spPr>
+          <a:xfrm>
+            <a:off x="1425270" y="3868373"/>
+            <a:ext cx="135802" cy="118454"/>
+          </a:xfrm>
+          <a:prstGeom prst="triangle">
+            <a:avLst/>
+          </a:prstGeom>
+          <a:solidFill>
+            <a:schemeClr val="bg1">
+              <a:lumMod val="65000"/>
+            </a:schemeClr>
+          </a:solidFill>
+          <a:ln>
+            <a:noFill/>
+          </a:ln>
+        </p:spPr>
+        <p:style>
+          <a:lnRef idx="2">
+            <a:schemeClr val="accent5">
+              <a:shade val="50000"/>
+            </a:schemeClr>
+          </a:lnRef>
+          <a:fillRef idx="1">
+            <a:schemeClr val="accent5"/>
+          </a:fillRef>
+          <a:effectRef idx="0">
+            <a:schemeClr val="accent5"/>
+          </a:effectRef>
+          <a:fontRef idx="minor">
+            <a:schemeClr val="lt1"/>
+          </a:fontRef>
+        </p:style>
+        <p:txBody>
+          <a:bodyPr rtlCol="0" anchor="ctr"/>
+          <a:lstStyle/>
+          <a:p>
+            <a:pPr algn="ctr"/>
+            <a:endParaRPr lang="zh-CN" altLang="en-US"/>
+          </a:p>
+        </p:txBody>
+      </p:sp>
+      <p:sp>
+        <p:nvSpPr>
+          <p:cNvPr id="422" name="椭圆 421">
+            <a:extLst>
+              <a:ext uri="{FF2B5EF4-FFF2-40B4-BE49-F238E27FC236}">
+                <a16:creationId xmlns:a16="http://schemas.microsoft.com/office/drawing/2014/main" id="{38876C3C-8486-5CA0-4578-4A9FF0FA9B4B}"/>
+              </a:ext>
+            </a:extLst>
+          </p:cNvPr>
+          <p:cNvSpPr/>
+          <p:nvPr/>
+        </p:nvSpPr>
+        <p:spPr>
+          <a:xfrm>
+            <a:off x="5643586" y="3416228"/>
+            <a:ext cx="225158" cy="217861"/>
+          </a:xfrm>
+          <a:prstGeom prst="ellipse">
+            <a:avLst/>
+          </a:prstGeom>
+          <a:noFill/>
+          <a:ln w="19050">
+            <a:solidFill>
+              <a:srgbClr val="7030A0"/>
+            </a:solidFill>
+          </a:ln>
+        </p:spPr>
+        <p:style>
+          <a:lnRef idx="2">
+            <a:schemeClr val="accent1">
+              <a:shade val="50000"/>
+            </a:schemeClr>
+          </a:lnRef>
+          <a:fillRef idx="1">
+            <a:schemeClr val="accent1"/>
+          </a:fillRef>
+          <a:effectRef idx="0">
+            <a:schemeClr val="accent1"/>
+          </a:effectRef>
+          <a:fontRef idx="minor">
+            <a:schemeClr val="lt1"/>
+          </a:fontRef>
+        </p:style>
+        <p:txBody>
+          <a:bodyPr rtlCol="0" anchor="ctr"/>
+          <a:lstStyle/>
+          <a:p>
+            <a:pPr algn="ctr"/>
+            <a:r>
+              <a:rPr lang="en-US" altLang="zh-CN" sz="1200">
+                <a:solidFill>
+                  <a:schemeClr val="tx1">
+                    <a:lumMod val="85000"/>
+                    <a:lumOff val="15000"/>
+                  </a:schemeClr>
+                </a:solidFill>
+              </a:rPr>
+              <a:t>8</a:t>
+            </a:r>
+            <a:endParaRPr lang="zh-CN" altLang="en-US" sz="1200">
+              <a:solidFill>
+                <a:schemeClr val="tx1">
+                  <a:lumMod val="85000"/>
+                  <a:lumOff val="15000"/>
+                </a:schemeClr>
+              </a:solidFill>
+            </a:endParaRPr>
+          </a:p>
+        </p:txBody>
+      </p:sp>
+      <p:sp>
+        <p:nvSpPr>
+          <p:cNvPr id="423" name="椭圆 422">
+            <a:extLst>
+              <a:ext uri="{FF2B5EF4-FFF2-40B4-BE49-F238E27FC236}">
+                <a16:creationId xmlns:a16="http://schemas.microsoft.com/office/drawing/2014/main" id="{E691D1E0-3E45-36AD-CBAA-376E16127508}"/>
+              </a:ext>
+            </a:extLst>
+          </p:cNvPr>
+          <p:cNvSpPr/>
+          <p:nvPr/>
+        </p:nvSpPr>
+        <p:spPr>
+          <a:xfrm>
+            <a:off x="6967592" y="488301"/>
+            <a:ext cx="225158" cy="217861"/>
+          </a:xfrm>
+          <a:prstGeom prst="ellipse">
+            <a:avLst/>
+          </a:prstGeom>
+          <a:noFill/>
+          <a:ln w="19050">
+            <a:solidFill>
+              <a:srgbClr val="7030A0"/>
+            </a:solidFill>
+          </a:ln>
+        </p:spPr>
+        <p:style>
+          <a:lnRef idx="2">
+            <a:schemeClr val="accent1">
+              <a:shade val="50000"/>
+            </a:schemeClr>
+          </a:lnRef>
+          <a:fillRef idx="1">
+            <a:schemeClr val="accent1"/>
+          </a:fillRef>
+          <a:effectRef idx="0">
+            <a:schemeClr val="accent1"/>
+          </a:effectRef>
+          <a:fontRef idx="minor">
+            <a:schemeClr val="lt1"/>
+          </a:fontRef>
+        </p:style>
+        <p:txBody>
+          <a:bodyPr rtlCol="0" anchor="ctr"/>
+          <a:lstStyle/>
+          <a:p>
+            <a:pPr algn="ctr"/>
+            <a:r>
+              <a:rPr lang="en-US" altLang="zh-CN" sz="1200">
+                <a:solidFill>
+                  <a:schemeClr val="tx1">
+                    <a:lumMod val="85000"/>
+                    <a:lumOff val="15000"/>
+                  </a:schemeClr>
+                </a:solidFill>
+              </a:rPr>
+              <a:t>0</a:t>
+            </a:r>
+            <a:endParaRPr lang="zh-CN" altLang="en-US" sz="1200">
+              <a:solidFill>
+                <a:schemeClr val="tx1">
+                  <a:lumMod val="85000"/>
+                  <a:lumOff val="15000"/>
+                </a:schemeClr>
+              </a:solidFill>
+            </a:endParaRPr>
+          </a:p>
+        </p:txBody>
+      </p:sp>
+      <p:sp>
+        <p:nvSpPr>
+          <p:cNvPr id="424" name="椭圆 423">
+            <a:extLst>
+              <a:ext uri="{FF2B5EF4-FFF2-40B4-BE49-F238E27FC236}">
+                <a16:creationId xmlns:a16="http://schemas.microsoft.com/office/drawing/2014/main" id="{4221D9E8-79FC-4849-EF1A-347BAEBD8491}"/>
+              </a:ext>
+            </a:extLst>
+          </p:cNvPr>
+          <p:cNvSpPr/>
+          <p:nvPr/>
+        </p:nvSpPr>
+        <p:spPr>
+          <a:xfrm>
+            <a:off x="7872297" y="1729007"/>
+            <a:ext cx="225158" cy="217861"/>
+          </a:xfrm>
+          <a:prstGeom prst="ellipse">
+            <a:avLst/>
+          </a:prstGeom>
+          <a:noFill/>
+          <a:ln w="19050">
+            <a:solidFill>
+              <a:srgbClr val="7030A0"/>
+            </a:solidFill>
+          </a:ln>
+        </p:spPr>
+        <p:style>
+          <a:lnRef idx="2">
+            <a:schemeClr val="accent1">
+              <a:shade val="50000"/>
+            </a:schemeClr>
+          </a:lnRef>
+          <a:fillRef idx="1">
+            <a:schemeClr val="accent1"/>
+          </a:fillRef>
+          <a:effectRef idx="0">
+            <a:schemeClr val="accent1"/>
+          </a:effectRef>
+          <a:fontRef idx="minor">
+            <a:schemeClr val="lt1"/>
+          </a:fontRef>
+        </p:style>
+        <p:txBody>
+          <a:bodyPr rtlCol="0" anchor="ctr"/>
+          <a:lstStyle/>
+          <a:p>
+            <a:pPr algn="ctr"/>
+            <a:r>
+              <a:rPr lang="en-US" altLang="zh-CN" sz="1200">
+                <a:solidFill>
+                  <a:schemeClr val="tx1">
+                    <a:lumMod val="85000"/>
+                    <a:lumOff val="15000"/>
+                  </a:schemeClr>
+                </a:solidFill>
+              </a:rPr>
+              <a:t>9</a:t>
+            </a:r>
+            <a:endParaRPr lang="zh-CN" altLang="en-US" sz="1200">
+              <a:solidFill>
+                <a:schemeClr val="tx1">
+                  <a:lumMod val="85000"/>
+                  <a:lumOff val="15000"/>
+                </a:schemeClr>
+              </a:solidFill>
+            </a:endParaRPr>
+          </a:p>
+        </p:txBody>
+      </p:sp>
+    </p:spTree>
+    <p:extLst>
+      <p:ext uri="{BB962C8B-B14F-4D97-AF65-F5344CB8AC3E}">
+        <p14:creationId xmlns:p14="http://schemas.microsoft.com/office/powerpoint/2010/main" val="2409221085"/>
+      </p:ext>
+    </p:extLst>
+  </p:cSld>
+  <p:clrMapOvr>
+    <a:masterClrMapping/>
+  </p:clrMapOvr>
+</p:sld>
+</file>
+
 <file path=ppt/theme/theme1.xml><?xml version="1.0" encoding="utf-8"?>
 <a:theme xmlns:a="http://schemas.openxmlformats.org/drawingml/2006/main" name="Office 主题​​">
   <a:themeElements>
@@ -6611,4 +13980,299 @@
     </a:ext>
   </a:extLst>
 </a:theme>
+</file>
+
+<file path=ppt/theme/theme2.xml><?xml version="1.0" encoding="utf-8"?>
+<a:theme xmlns:a="http://schemas.openxmlformats.org/drawingml/2006/main" name="Office 主题​​">
+  <a:themeElements>
+    <a:clrScheme name="Office">
+      <a:dk1>
+        <a:sysClr val="windowText" lastClr="000000"/>
+      </a:dk1>
+      <a:lt1>
+        <a:sysClr val="window" lastClr="FFFFFF"/>
+      </a:lt1>
+      <a:dk2>
+        <a:srgbClr val="44546A"/>
+      </a:dk2>
+      <a:lt2>
+        <a:srgbClr val="E7E6E6"/>
+      </a:lt2>
+      <a:accent1>
+        <a:srgbClr val="4472C4"/>
+      </a:accent1>
+      <a:accent2>
+        <a:srgbClr val="ED7D31"/>
+      </a:accent2>
+      <a:accent3>
+        <a:srgbClr val="A5A5A5"/>
+      </a:accent3>
+      <a:accent4>
+        <a:srgbClr val="FFC000"/>
+      </a:accent4>
+      <a:accent5>
+        <a:srgbClr val="5B9BD5"/>
+      </a:accent5>
+      <a:accent6>
+        <a:srgbClr val="70AD47"/>
+      </a:accent6>
+      <a:hlink>
+        <a:srgbClr val="0563C1"/>
+      </a:hlink>
+      <a:folHlink>
+        <a:srgbClr val="954F72"/>
+      </a:folHlink>
+    </a:clrScheme>
+    <a:fontScheme name="Office">
+      <a:majorFont>
+        <a:latin typeface="等线 Light" panose="020F0302020204030204"/>
+        <a:ea typeface=""/>
+        <a:cs typeface=""/>
+        <a:font script="Jpan" typeface="游ゴシック Light"/>
+        <a:font script="Hang" typeface="맑은 고딕"/>
+        <a:font script="Hans" typeface="等线 Light"/>
+        <a:font script="Hant" typeface="新細明體"/>
+        <a:font script="Arab" typeface="Times New Roman"/>
+        <a:font script="Hebr" typeface="Times New Roman"/>
+        <a:font script="Thai" typeface="Angsana New"/>
+        <a:font script="Ethi" typeface="Nyala"/>
+        <a:font script="Beng" typeface="Vrinda"/>
+        <a:font script="Gujr" typeface="Shruti"/>
+        <a:font script="Khmr" typeface="MoolBoran"/>
+        <a:font script="Knda" typeface="Tunga"/>
+        <a:font script="Guru" typeface="Raavi"/>
+        <a:font script="Cans" typeface="Euphemia"/>
+        <a:font script="Cher" typeface="Plantagenet Cherokee"/>
+        <a:font script="Yiii" typeface="Microsoft Yi Baiti"/>
+        <a:font script="Tibt" typeface="Microsoft Himalaya"/>
+        <a:font script="Thaa" typeface="MV Boli"/>
+        <a:font script="Deva" typeface="Mangal"/>
+        <a:font script="Telu" typeface="Gautami"/>
+        <a:font script="Taml" typeface="Latha"/>
+        <a:font script="Syrc" typeface="Estrangelo Edessa"/>
+        <a:font script="Orya" typeface="Kalinga"/>
+        <a:font script="Mlym" typeface="Kartika"/>
+        <a:font script="Laoo" typeface="DokChampa"/>
+        <a:font script="Sinh" typeface="Iskoola Pota"/>
+        <a:font script="Mong" typeface="Mongolian Baiti"/>
+        <a:font script="Viet" typeface="Times New Roman"/>
+        <a:font script="Uigh" typeface="Microsoft Uighur"/>
+        <a:font script="Geor" typeface="Sylfaen"/>
+        <a:font script="Armn" typeface="Arial"/>
+        <a:font script="Bugi" typeface="Leelawadee UI"/>
+        <a:font script="Bopo" typeface="Microsoft JhengHei"/>
+        <a:font script="Java" typeface="Javanese Text"/>
+        <a:font script="Lisu" typeface="Segoe UI"/>
+        <a:font script="Mymr" typeface="Myanmar Text"/>
+        <a:font script="Nkoo" typeface="Ebrima"/>
+        <a:font script="Olck" typeface="Nirmala UI"/>
+        <a:font script="Osma" typeface="Ebrima"/>
+        <a:font script="Phag" typeface="Phagspa"/>
+        <a:font script="Syrn" typeface="Estrangelo Edessa"/>
+        <a:font script="Syrj" typeface="Estrangelo Edessa"/>
+        <a:font script="Syre" typeface="Estrangelo Edessa"/>
+        <a:font script="Sora" typeface="Nirmala UI"/>
+        <a:font script="Tale" typeface="Microsoft Tai Le"/>
+        <a:font script="Talu" typeface="Microsoft New Tai Lue"/>
+        <a:font script="Tfng" typeface="Ebrima"/>
+      </a:majorFont>
+      <a:minorFont>
+        <a:latin typeface="等线" panose="020F0502020204030204"/>
+        <a:ea typeface=""/>
+        <a:cs typeface=""/>
+        <a:font script="Jpan" typeface="游ゴシック"/>
+        <a:font script="Hang" typeface="맑은 고딕"/>
+        <a:font script="Hans" typeface="等线"/>
+        <a:font script="Hant" typeface="新細明體"/>
+        <a:font script="Arab" typeface="Arial"/>
+        <a:font script="Hebr" typeface="Arial"/>
+        <a:font script="Thai" typeface="Cordia New"/>
+        <a:font script="Ethi" typeface="Nyala"/>
+        <a:font script="Beng" typeface="Vrinda"/>
+        <a:font script="Gujr" typeface="Shruti"/>
+        <a:font script="Khmr" typeface="DaunPenh"/>
+        <a:font script="Knda" typeface="Tunga"/>
+        <a:font script="Guru" typeface="Raavi"/>
+        <a:font script="Cans" typeface="Euphemia"/>
+        <a:font script="Cher" typeface="Plantagenet Cherokee"/>
+        <a:font script="Yiii" typeface="Microsoft Yi Baiti"/>
+        <a:font script="Tibt" typeface="Microsoft Himalaya"/>
+        <a:font script="Thaa" typeface="MV Boli"/>
+        <a:font script="Deva" typeface="Mangal"/>
+        <a:font script="Telu" typeface="Gautami"/>
+        <a:font script="Taml" typeface="Latha"/>
+        <a:font script="Syrc" typeface="Estrangelo Edessa"/>
+        <a:font script="Orya" typeface="Kalinga"/>
+        <a:font script="Mlym" typeface="Kartika"/>
+        <a:font script="Laoo" typeface="DokChampa"/>
+        <a:font script="Sinh" typeface="Iskoola Pota"/>
+        <a:font script="Mong" typeface="Mongolian Baiti"/>
+        <a:font script="Viet" typeface="Arial"/>
+        <a:font script="Uigh" typeface="Microsoft Uighur"/>
+        <a:font script="Geor" typeface="Sylfaen"/>
+        <a:font script="Armn" typeface="Arial"/>
+        <a:font script="Bugi" typeface="Leelawadee UI"/>
+        <a:font script="Bopo" typeface="Microsoft JhengHei"/>
+        <a:font script="Java" typeface="Javanese Text"/>
+        <a:font script="Lisu" typeface="Segoe UI"/>
+        <a:font script="Mymr" typeface="Myanmar Text"/>
+        <a:font script="Nkoo" typeface="Ebrima"/>
+        <a:font script="Olck" typeface="Nirmala UI"/>
+        <a:font script="Osma" typeface="Ebrima"/>
+        <a:font script="Phag" typeface="Phagspa"/>
+        <a:font script="Syrn" typeface="Estrangelo Edessa"/>
+        <a:font script="Syrj" typeface="Estrangelo Edessa"/>
+        <a:font script="Syre" typeface="Estrangelo Edessa"/>
+        <a:font script="Sora" typeface="Nirmala UI"/>
+        <a:font script="Tale" typeface="Microsoft Tai Le"/>
+        <a:font script="Talu" typeface="Microsoft New Tai Lue"/>
+        <a:font script="Tfng" typeface="Ebrima"/>
+      </a:minorFont>
+    </a:fontScheme>
+    <a:fmtScheme name="Office">
+      <a:fillStyleLst>
+        <a:solidFill>
+          <a:schemeClr val="phClr"/>
+        </a:solidFill>
+        <a:gradFill rotWithShape="1">
+          <a:gsLst>
+            <a:gs pos="0">
+              <a:schemeClr val="phClr">
+                <a:lumMod val="110000"/>
+                <a:satMod val="105000"/>
+                <a:tint val="67000"/>
+              </a:schemeClr>
+            </a:gs>
+            <a:gs pos="50000">
+              <a:schemeClr val="phClr">
+                <a:lumMod val="105000"/>
+                <a:satMod val="103000"/>
+                <a:tint val="73000"/>
+              </a:schemeClr>
+            </a:gs>
+            <a:gs pos="100000">
+              <a:schemeClr val="phClr">
+                <a:lumMod val="105000"/>
+                <a:satMod val="109000"/>
+                <a:tint val="81000"/>
+              </a:schemeClr>
+            </a:gs>
+          </a:gsLst>
+          <a:lin ang="5400000" scaled="0"/>
+        </a:gradFill>
+        <a:gradFill rotWithShape="1">
+          <a:gsLst>
+            <a:gs pos="0">
+              <a:schemeClr val="phClr">
+                <a:satMod val="103000"/>
+                <a:lumMod val="102000"/>
+                <a:tint val="94000"/>
+              </a:schemeClr>
+            </a:gs>
+            <a:gs pos="50000">
+              <a:schemeClr val="phClr">
+                <a:satMod val="110000"/>
+                <a:lumMod val="100000"/>
+                <a:shade val="100000"/>
+              </a:schemeClr>
+            </a:gs>
+            <a:gs pos="100000">
+              <a:schemeClr val="phClr">
+                <a:lumMod val="99000"/>
+                <a:satMod val="120000"/>
+                <a:shade val="78000"/>
+              </a:schemeClr>
+            </a:gs>
+          </a:gsLst>
+          <a:lin ang="5400000" scaled="0"/>
+        </a:gradFill>
+      </a:fillStyleLst>
+      <a:lnStyleLst>
+        <a:ln w="6350" cap="flat" cmpd="sng" algn="ctr">
+          <a:solidFill>
+            <a:schemeClr val="phClr"/>
+          </a:solidFill>
+          <a:prstDash val="solid"/>
+          <a:miter lim="800000"/>
+        </a:ln>
+        <a:ln w="12700" cap="flat" cmpd="sng" algn="ctr">
+          <a:solidFill>
+            <a:schemeClr val="phClr"/>
+          </a:solidFill>
+          <a:prstDash val="solid"/>
+          <a:miter lim="800000"/>
+        </a:ln>
+        <a:ln w="19050" cap="flat" cmpd="sng" algn="ctr">
+          <a:solidFill>
+            <a:schemeClr val="phClr"/>
+          </a:solidFill>
+          <a:prstDash val="solid"/>
+          <a:miter lim="800000"/>
+        </a:ln>
+      </a:lnStyleLst>
+      <a:effectStyleLst>
+        <a:effectStyle>
+          <a:effectLst/>
+        </a:effectStyle>
+        <a:effectStyle>
+          <a:effectLst/>
+        </a:effectStyle>
+        <a:effectStyle>
+          <a:effectLst>
+            <a:outerShdw blurRad="57150" dist="19050" dir="5400000" algn="ctr" rotWithShape="0">
+              <a:srgbClr val="000000">
+                <a:alpha val="63000"/>
+              </a:srgbClr>
+            </a:outerShdw>
+          </a:effectLst>
+        </a:effectStyle>
+      </a:effectStyleLst>
+      <a:bgFillStyleLst>
+        <a:solidFill>
+          <a:schemeClr val="phClr"/>
+        </a:solidFill>
+        <a:solidFill>
+          <a:schemeClr val="phClr">
+            <a:tint val="95000"/>
+            <a:satMod val="170000"/>
+          </a:schemeClr>
+        </a:solidFill>
+        <a:gradFill rotWithShape="1">
+          <a:gsLst>
+            <a:gs pos="0">
+              <a:schemeClr val="phClr">
+                <a:tint val="93000"/>
+                <a:satMod val="150000"/>
+                <a:shade val="98000"/>
+                <a:lumMod val="102000"/>
+              </a:schemeClr>
+            </a:gs>
+            <a:gs pos="50000">
+              <a:schemeClr val="phClr">
+                <a:tint val="98000"/>
+                <a:satMod val="130000"/>
+                <a:shade val="90000"/>
+                <a:lumMod val="103000"/>
+              </a:schemeClr>
+            </a:gs>
+            <a:gs pos="100000">
+              <a:schemeClr val="phClr">
+                <a:shade val="63000"/>
+                <a:satMod val="120000"/>
+              </a:schemeClr>
+            </a:gs>
+          </a:gsLst>
+          <a:lin ang="5400000" scaled="0"/>
+        </a:gradFill>
+      </a:bgFillStyleLst>
+    </a:fmtScheme>
+  </a:themeElements>
+  <a:objectDefaults/>
+  <a:extraClrSchemeLst/>
+  <a:extLst>
+    <a:ext uri="{05A4C25C-085E-4340-85A3-A5531E510DB2}">
+      <thm15:themeFamily xmlns:thm15="http://schemas.microsoft.com/office/thememl/2012/main" name="Office Theme" id="{62F939B6-93AF-4DB8-9C6B-D6C7DFDC589F}" vid="{4A3C46E8-61CC-4603-A589-7422A47A8E4A}"/>
+    </a:ext>
+  </a:extLst>
+</a:theme>
 </file>
--- a/source/ppt/postgresql.pptx
+++ b/source/ppt/postgresql.pptx
@@ -12699,7 +12699,7 @@
         </p:nvSpPr>
         <p:spPr>
           <a:xfrm>
-            <a:off x="5922382" y="3013620"/>
+            <a:off x="5745047" y="3013410"/>
             <a:ext cx="1120065" cy="276999"/>
           </a:xfrm>
           <a:prstGeom prst="rect">
@@ -13674,6 +13674,55 @@
           </a:p>
         </p:txBody>
       </p:sp>
+      <p:cxnSp>
+        <p:nvCxnSpPr>
+          <p:cNvPr id="3" name="连接符: 曲线 2">
+            <a:extLst>
+              <a:ext uri="{FF2B5EF4-FFF2-40B4-BE49-F238E27FC236}">
+                <a16:creationId xmlns:a16="http://schemas.microsoft.com/office/drawing/2014/main" id="{1E1CF982-BAC3-FE19-08DA-6AD2A31899EF}"/>
+              </a:ext>
+            </a:extLst>
+          </p:cNvPr>
+          <p:cNvCxnSpPr>
+            <a:cxnSpLocks/>
+            <a:stCxn id="266" idx="1"/>
+            <a:endCxn id="335" idx="1"/>
+          </p:cNvCxnSpPr>
+          <p:nvPr/>
+        </p:nvCxnSpPr>
+        <p:spPr>
+          <a:xfrm rot="10800000" flipH="1">
+            <a:off x="6024868" y="281273"/>
+            <a:ext cx="780556" cy="3404346"/>
+          </a:xfrm>
+          <a:prstGeom prst="curvedConnector3">
+            <a:avLst>
+              <a:gd name="adj1" fmla="val 35956"/>
+            </a:avLst>
+          </a:prstGeom>
+          <a:ln>
+            <a:solidFill>
+              <a:srgbClr val="7030A0"/>
+            </a:solidFill>
+            <a:prstDash val="dashDot"/>
+            <a:tailEnd type="triangle"/>
+          </a:ln>
+        </p:spPr>
+        <p:style>
+          <a:lnRef idx="1">
+            <a:schemeClr val="accent6"/>
+          </a:lnRef>
+          <a:fillRef idx="0">
+            <a:schemeClr val="accent6"/>
+          </a:fillRef>
+          <a:effectRef idx="0">
+            <a:schemeClr val="accent6"/>
+          </a:effectRef>
+          <a:fontRef idx="minor">
+            <a:schemeClr val="tx1"/>
+          </a:fontRef>
+        </p:style>
+      </p:cxnSp>
     </p:spTree>
     <p:extLst>
       <p:ext uri="{BB962C8B-B14F-4D97-AF65-F5344CB8AC3E}">

--- a/source/ppt/postgresql.pptx
+++ b/source/ppt/postgresql.pptx
@@ -199,7 +199,7 @@
           <a:p>
             <a:fld id="{0A58E50E-8E88-43F8-979C-D93536808D84}" type="datetimeFigureOut">
               <a:rPr lang="zh-CN" altLang="en-US" smtClean="0"/>
-              <a:t>2023/5/21</a:t>
+              <a:t>2023/7/31</a:t>
             </a:fld>
             <a:endParaRPr lang="zh-CN" altLang="en-US"/>
           </a:p>
@@ -697,7 +697,7 @@
           <a:p>
             <a:fld id="{6DE1A611-D6DF-4801-8173-DB5B82166BEB}" type="datetimeFigureOut">
               <a:rPr lang="zh-CN" altLang="en-US" smtClean="0"/>
-              <a:t>2023/5/21</a:t>
+              <a:t>2023/7/31</a:t>
             </a:fld>
             <a:endParaRPr lang="zh-CN" altLang="en-US"/>
           </a:p>
@@ -895,7 +895,7 @@
           <a:p>
             <a:fld id="{6DE1A611-D6DF-4801-8173-DB5B82166BEB}" type="datetimeFigureOut">
               <a:rPr lang="zh-CN" altLang="en-US" smtClean="0"/>
-              <a:t>2023/5/21</a:t>
+              <a:t>2023/7/31</a:t>
             </a:fld>
             <a:endParaRPr lang="zh-CN" altLang="en-US"/>
           </a:p>
@@ -1103,7 +1103,7 @@
           <a:p>
             <a:fld id="{6DE1A611-D6DF-4801-8173-DB5B82166BEB}" type="datetimeFigureOut">
               <a:rPr lang="zh-CN" altLang="en-US" smtClean="0"/>
-              <a:t>2023/5/21</a:t>
+              <a:t>2023/7/31</a:t>
             </a:fld>
             <a:endParaRPr lang="zh-CN" altLang="en-US"/>
           </a:p>
@@ -1301,7 +1301,7 @@
           <a:p>
             <a:fld id="{6DE1A611-D6DF-4801-8173-DB5B82166BEB}" type="datetimeFigureOut">
               <a:rPr lang="zh-CN" altLang="en-US" smtClean="0"/>
-              <a:t>2023/5/21</a:t>
+              <a:t>2023/7/31</a:t>
             </a:fld>
             <a:endParaRPr lang="zh-CN" altLang="en-US"/>
           </a:p>
@@ -1576,7 +1576,7 @@
           <a:p>
             <a:fld id="{6DE1A611-D6DF-4801-8173-DB5B82166BEB}" type="datetimeFigureOut">
               <a:rPr lang="zh-CN" altLang="en-US" smtClean="0"/>
-              <a:t>2023/5/21</a:t>
+              <a:t>2023/7/31</a:t>
             </a:fld>
             <a:endParaRPr lang="zh-CN" altLang="en-US"/>
           </a:p>
@@ -1841,7 +1841,7 @@
           <a:p>
             <a:fld id="{6DE1A611-D6DF-4801-8173-DB5B82166BEB}" type="datetimeFigureOut">
               <a:rPr lang="zh-CN" altLang="en-US" smtClean="0"/>
-              <a:t>2023/5/21</a:t>
+              <a:t>2023/7/31</a:t>
             </a:fld>
             <a:endParaRPr lang="zh-CN" altLang="en-US"/>
           </a:p>
@@ -2253,7 +2253,7 @@
           <a:p>
             <a:fld id="{6DE1A611-D6DF-4801-8173-DB5B82166BEB}" type="datetimeFigureOut">
               <a:rPr lang="zh-CN" altLang="en-US" smtClean="0"/>
-              <a:t>2023/5/21</a:t>
+              <a:t>2023/7/31</a:t>
             </a:fld>
             <a:endParaRPr lang="zh-CN" altLang="en-US"/>
           </a:p>
@@ -2394,7 +2394,7 @@
           <a:p>
             <a:fld id="{6DE1A611-D6DF-4801-8173-DB5B82166BEB}" type="datetimeFigureOut">
               <a:rPr lang="zh-CN" altLang="en-US" smtClean="0"/>
-              <a:t>2023/5/21</a:t>
+              <a:t>2023/7/31</a:t>
             </a:fld>
             <a:endParaRPr lang="zh-CN" altLang="en-US"/>
           </a:p>
@@ -2507,7 +2507,7 @@
           <a:p>
             <a:fld id="{6DE1A611-D6DF-4801-8173-DB5B82166BEB}" type="datetimeFigureOut">
               <a:rPr lang="zh-CN" altLang="en-US" smtClean="0"/>
-              <a:t>2023/5/21</a:t>
+              <a:t>2023/7/31</a:t>
             </a:fld>
             <a:endParaRPr lang="zh-CN" altLang="en-US"/>
           </a:p>
@@ -2818,7 +2818,7 @@
           <a:p>
             <a:fld id="{6DE1A611-D6DF-4801-8173-DB5B82166BEB}" type="datetimeFigureOut">
               <a:rPr lang="zh-CN" altLang="en-US" smtClean="0"/>
-              <a:t>2023/5/21</a:t>
+              <a:t>2023/7/31</a:t>
             </a:fld>
             <a:endParaRPr lang="zh-CN" altLang="en-US"/>
           </a:p>
@@ -3106,7 +3106,7 @@
           <a:p>
             <a:fld id="{6DE1A611-D6DF-4801-8173-DB5B82166BEB}" type="datetimeFigureOut">
               <a:rPr lang="zh-CN" altLang="en-US" smtClean="0"/>
-              <a:t>2023/5/21</a:t>
+              <a:t>2023/7/31</a:t>
             </a:fld>
             <a:endParaRPr lang="zh-CN" altLang="en-US"/>
           </a:p>
@@ -3347,7 +3347,7 @@
           <a:p>
             <a:fld id="{6DE1A611-D6DF-4801-8173-DB5B82166BEB}" type="datetimeFigureOut">
               <a:rPr lang="zh-CN" altLang="en-US" smtClean="0"/>
-              <a:t>2023/5/21</a:t>
+              <a:t>2023/7/31</a:t>
             </a:fld>
             <a:endParaRPr lang="zh-CN" altLang="en-US"/>
           </a:p>

--- a/source/ppt/postgresql.pptx
+++ b/source/ppt/postgresql.pptx
@@ -199,7 +199,7 @@
           <a:p>
             <a:fld id="{0A58E50E-8E88-43F8-979C-D93536808D84}" type="datetimeFigureOut">
               <a:rPr lang="zh-CN" altLang="en-US" smtClean="0"/>
-              <a:t>2023/7/31</a:t>
+              <a:t>2023/8/6</a:t>
             </a:fld>
             <a:endParaRPr lang="zh-CN" altLang="en-US"/>
           </a:p>
@@ -697,7 +697,7 @@
           <a:p>
             <a:fld id="{6DE1A611-D6DF-4801-8173-DB5B82166BEB}" type="datetimeFigureOut">
               <a:rPr lang="zh-CN" altLang="en-US" smtClean="0"/>
-              <a:t>2023/7/31</a:t>
+              <a:t>2023/8/6</a:t>
             </a:fld>
             <a:endParaRPr lang="zh-CN" altLang="en-US"/>
           </a:p>
@@ -895,7 +895,7 @@
           <a:p>
             <a:fld id="{6DE1A611-D6DF-4801-8173-DB5B82166BEB}" type="datetimeFigureOut">
               <a:rPr lang="zh-CN" altLang="en-US" smtClean="0"/>
-              <a:t>2023/7/31</a:t>
+              <a:t>2023/8/6</a:t>
             </a:fld>
             <a:endParaRPr lang="zh-CN" altLang="en-US"/>
           </a:p>
@@ -1103,7 +1103,7 @@
           <a:p>
             <a:fld id="{6DE1A611-D6DF-4801-8173-DB5B82166BEB}" type="datetimeFigureOut">
               <a:rPr lang="zh-CN" altLang="en-US" smtClean="0"/>
-              <a:t>2023/7/31</a:t>
+              <a:t>2023/8/6</a:t>
             </a:fld>
             <a:endParaRPr lang="zh-CN" altLang="en-US"/>
           </a:p>
@@ -1301,7 +1301,7 @@
           <a:p>
             <a:fld id="{6DE1A611-D6DF-4801-8173-DB5B82166BEB}" type="datetimeFigureOut">
               <a:rPr lang="zh-CN" altLang="en-US" smtClean="0"/>
-              <a:t>2023/7/31</a:t>
+              <a:t>2023/8/6</a:t>
             </a:fld>
             <a:endParaRPr lang="zh-CN" altLang="en-US"/>
           </a:p>
@@ -1576,7 +1576,7 @@
           <a:p>
             <a:fld id="{6DE1A611-D6DF-4801-8173-DB5B82166BEB}" type="datetimeFigureOut">
               <a:rPr lang="zh-CN" altLang="en-US" smtClean="0"/>
-              <a:t>2023/7/31</a:t>
+              <a:t>2023/8/6</a:t>
             </a:fld>
             <a:endParaRPr lang="zh-CN" altLang="en-US"/>
           </a:p>
@@ -1841,7 +1841,7 @@
           <a:p>
             <a:fld id="{6DE1A611-D6DF-4801-8173-DB5B82166BEB}" type="datetimeFigureOut">
               <a:rPr lang="zh-CN" altLang="en-US" smtClean="0"/>
-              <a:t>2023/7/31</a:t>
+              <a:t>2023/8/6</a:t>
             </a:fld>
             <a:endParaRPr lang="zh-CN" altLang="en-US"/>
           </a:p>
@@ -2253,7 +2253,7 @@
           <a:p>
             <a:fld id="{6DE1A611-D6DF-4801-8173-DB5B82166BEB}" type="datetimeFigureOut">
               <a:rPr lang="zh-CN" altLang="en-US" smtClean="0"/>
-              <a:t>2023/7/31</a:t>
+              <a:t>2023/8/6</a:t>
             </a:fld>
             <a:endParaRPr lang="zh-CN" altLang="en-US"/>
           </a:p>
@@ -2394,7 +2394,7 @@
           <a:p>
             <a:fld id="{6DE1A611-D6DF-4801-8173-DB5B82166BEB}" type="datetimeFigureOut">
               <a:rPr lang="zh-CN" altLang="en-US" smtClean="0"/>
-              <a:t>2023/7/31</a:t>
+              <a:t>2023/8/6</a:t>
             </a:fld>
             <a:endParaRPr lang="zh-CN" altLang="en-US"/>
           </a:p>
@@ -2507,7 +2507,7 @@
           <a:p>
             <a:fld id="{6DE1A611-D6DF-4801-8173-DB5B82166BEB}" type="datetimeFigureOut">
               <a:rPr lang="zh-CN" altLang="en-US" smtClean="0"/>
-              <a:t>2023/7/31</a:t>
+              <a:t>2023/8/6</a:t>
             </a:fld>
             <a:endParaRPr lang="zh-CN" altLang="en-US"/>
           </a:p>
@@ -2818,7 +2818,7 @@
           <a:p>
             <a:fld id="{6DE1A611-D6DF-4801-8173-DB5B82166BEB}" type="datetimeFigureOut">
               <a:rPr lang="zh-CN" altLang="en-US" smtClean="0"/>
-              <a:t>2023/7/31</a:t>
+              <a:t>2023/8/6</a:t>
             </a:fld>
             <a:endParaRPr lang="zh-CN" altLang="en-US"/>
           </a:p>
@@ -3106,7 +3106,7 @@
           <a:p>
             <a:fld id="{6DE1A611-D6DF-4801-8173-DB5B82166BEB}" type="datetimeFigureOut">
               <a:rPr lang="zh-CN" altLang="en-US" smtClean="0"/>
-              <a:t>2023/7/31</a:t>
+              <a:t>2023/8/6</a:t>
             </a:fld>
             <a:endParaRPr lang="zh-CN" altLang="en-US"/>
           </a:p>
@@ -3347,7 +3347,7 @@
           <a:p>
             <a:fld id="{6DE1A611-D6DF-4801-8173-DB5B82166BEB}" type="datetimeFigureOut">
               <a:rPr lang="zh-CN" altLang="en-US" smtClean="0"/>
-              <a:t>2023/7/31</a:t>
+              <a:t>2023/8/6</a:t>
             </a:fld>
             <a:endParaRPr lang="zh-CN" altLang="en-US"/>
           </a:p>
@@ -5093,14 +5093,14 @@
           <p:nvPr>
             <p:extLst>
               <p:ext uri="{D42A27DB-BD31-4B8C-83A1-F6EECF244321}">
-                <p14:modId xmlns:p14="http://schemas.microsoft.com/office/powerpoint/2010/main" val="907748499"/>
+                <p14:modId xmlns:p14="http://schemas.microsoft.com/office/powerpoint/2010/main" val="2389355723"/>
               </p:ext>
             </p:extLst>
           </p:nvPr>
         </p:nvGraphicFramePr>
         <p:xfrm>
-          <a:off x="1987452" y="3275840"/>
-          <a:ext cx="888826" cy="1313280"/>
+          <a:off x="4072341" y="3121929"/>
+          <a:ext cx="992864" cy="1313280"/>
         </p:xfrm>
         <a:graphic>
           <a:graphicData uri="http://schemas.openxmlformats.org/drawingml/2006/table">
@@ -5109,14 +5109,14 @@
                 <a:tableStyleId>{5940675A-B579-460E-94D1-54222C63F5DA}</a:tableStyleId>
               </a:tblPr>
               <a:tblGrid>
-                <a:gridCol w="444413">
+                <a:gridCol w="561022">
                   <a:extLst>
                     <a:ext uri="{9D8B030D-6E8A-4147-A177-3AD203B41FA5}">
                       <a16:colId xmlns:a16="http://schemas.microsoft.com/office/drawing/2014/main" val="174649959"/>
                     </a:ext>
                   </a:extLst>
                 </a:gridCol>
-                <a:gridCol w="444413">
+                <a:gridCol w="431842">
                   <a:extLst>
                     <a:ext uri="{9D8B030D-6E8A-4147-A177-3AD203B41FA5}">
                       <a16:colId xmlns:a16="http://schemas.microsoft.com/office/drawing/2014/main" val="3270023902"/>
@@ -5132,10 +5132,10 @@
                     <a:p>
                       <a:pPr algn="ctr"/>
                       <a:r>
-                        <a:rPr lang="en-US" altLang="zh-CN" sz="1200"/>
+                        <a:rPr lang="en-US" altLang="zh-CN" sz="1200" b="1"/>
                         <a:t>key</a:t>
                       </a:r>
-                      <a:endParaRPr lang="zh-CN" altLang="en-US" sz="1200"/>
+                      <a:endParaRPr lang="zh-CN" altLang="en-US" sz="1200" b="1"/>
                     </a:p>
                   </a:txBody>
                   <a:tcPr marL="18000" marR="18000" marT="18000" marB="18000">
@@ -5153,10 +5153,10 @@
                     <a:p>
                       <a:pPr algn="ctr"/>
                       <a:r>
-                        <a:rPr lang="en-US" altLang="zh-CN" sz="1200"/>
+                        <a:rPr lang="en-US" altLang="zh-CN" sz="1200" b="1"/>
                         <a:t>value</a:t>
                       </a:r>
-                      <a:endParaRPr lang="zh-CN" altLang="en-US" sz="1200"/>
+                      <a:endParaRPr lang="zh-CN" altLang="en-US" sz="1200" b="1"/>
                     </a:p>
                   </a:txBody>
                   <a:tcPr marL="18000" marR="18000" marT="18000" marB="18000">
@@ -5181,7 +5181,7 @@
                     <a:p>
                       <a:r>
                         <a:rPr lang="en-US" altLang="zh-CN" sz="1200"/>
-                        <a:t>1</a:t>
+                        <a:t>0x1ab5</a:t>
                       </a:r>
                       <a:endParaRPr lang="zh-CN" altLang="en-US" sz="1200"/>
                     </a:p>
@@ -5216,7 +5216,7 @@
                     <a:p>
                       <a:r>
                         <a:rPr lang="en-US" altLang="zh-CN" sz="1200"/>
-                        <a:t>2</a:t>
+                        <a:t>0xa890</a:t>
                       </a:r>
                       <a:endParaRPr lang="zh-CN" altLang="en-US" sz="1200"/>
                     </a:p>
@@ -5230,7 +5230,7 @@
                     <a:p>
                       <a:r>
                         <a:rPr lang="en-US" altLang="zh-CN" sz="1200"/>
-                        <a:t>12</a:t>
+                        <a:t>900</a:t>
                       </a:r>
                       <a:endParaRPr lang="zh-CN" altLang="en-US" sz="1200"/>
                     </a:p>
@@ -5251,7 +5251,7 @@
                     <a:p>
                       <a:r>
                         <a:rPr lang="en-US" altLang="zh-CN" sz="1200"/>
-                        <a:t>3</a:t>
+                        <a:t>0x9962</a:t>
                       </a:r>
                       <a:endParaRPr lang="zh-CN" altLang="en-US" sz="1200"/>
                     </a:p>
@@ -5265,7 +5265,7 @@
                     <a:p>
                       <a:r>
                         <a:rPr lang="en-US" altLang="zh-CN" sz="1200"/>
-                        <a:t>89</a:t>
+                        <a:t>12</a:t>
                       </a:r>
                       <a:endParaRPr lang="zh-CN" altLang="en-US" sz="1200"/>
                     </a:p>
@@ -5321,7 +5321,7 @@
                     <a:p>
                       <a:r>
                         <a:rPr lang="en-US" altLang="zh-CN" sz="1200"/>
-                        <a:t>128</a:t>
+                        <a:t>0x7cf2</a:t>
                       </a:r>
                       <a:endParaRPr lang="zh-CN" altLang="en-US" sz="1200"/>
                     </a:p>
@@ -5367,14 +5367,14 @@
           <p:nvPr>
             <p:extLst>
               <p:ext uri="{D42A27DB-BD31-4B8C-83A1-F6EECF244321}">
-                <p14:modId xmlns:p14="http://schemas.microsoft.com/office/powerpoint/2010/main" val="3169485110"/>
+                <p14:modId xmlns:p14="http://schemas.microsoft.com/office/powerpoint/2010/main" val="1388329147"/>
               </p:ext>
             </p:extLst>
           </p:nvPr>
         </p:nvGraphicFramePr>
         <p:xfrm>
-          <a:off x="4380801" y="3017654"/>
-          <a:ext cx="1057974" cy="1751040"/>
+          <a:off x="6372563" y="2863744"/>
+          <a:ext cx="1188922" cy="1751040"/>
         </p:xfrm>
         <a:graphic>
           <a:graphicData uri="http://schemas.openxmlformats.org/drawingml/2006/table">
@@ -5383,14 +5383,14 @@
                 <a:tableStyleId>{5940675A-B579-460E-94D1-54222C63F5DA}</a:tableStyleId>
               </a:tblPr>
               <a:tblGrid>
-                <a:gridCol w="400050">
+                <a:gridCol w="449565">
                   <a:extLst>
                     <a:ext uri="{9D8B030D-6E8A-4147-A177-3AD203B41FA5}">
                       <a16:colId xmlns:a16="http://schemas.microsoft.com/office/drawing/2014/main" val="174649959"/>
                     </a:ext>
                   </a:extLst>
                 </a:gridCol>
-                <a:gridCol w="657924">
+                <a:gridCol w="739357">
                   <a:extLst>
                     <a:ext uri="{9D8B030D-6E8A-4147-A177-3AD203B41FA5}">
                       <a16:colId xmlns:a16="http://schemas.microsoft.com/office/drawing/2014/main" val="3270023902"/>
@@ -5406,10 +5406,10 @@
                     <a:p>
                       <a:pPr algn="ctr"/>
                       <a:r>
-                        <a:rPr lang="en-US" altLang="zh-CN" sz="1200"/>
+                        <a:rPr lang="en-US" altLang="zh-CN" sz="1200" b="1"/>
                         <a:t>index</a:t>
                       </a:r>
-                      <a:endParaRPr lang="zh-CN" altLang="en-US" sz="1200"/>
+                      <a:endParaRPr lang="zh-CN" altLang="en-US" sz="1200" b="1"/>
                     </a:p>
                   </a:txBody>
                   <a:tcPr marL="18000" marR="18000" marT="18000" marB="18000">
@@ -5427,10 +5427,10 @@
                     <a:p>
                       <a:pPr algn="ctr"/>
                       <a:r>
-                        <a:rPr lang="en-US" altLang="zh-CN" sz="1200"/>
+                        <a:rPr lang="en-US" altLang="zh-CN" sz="1200" b="1"/>
                         <a:t>value</a:t>
                       </a:r>
-                      <a:endParaRPr lang="zh-CN" altLang="en-US" sz="1200"/>
+                      <a:endParaRPr lang="zh-CN" altLang="en-US" sz="1200" b="1"/>
                     </a:p>
                   </a:txBody>
                   <a:tcPr marL="18000" marR="18000" marT="18000" marB="18000">
@@ -5577,7 +5577,7 @@
                     <a:p>
                       <a:r>
                         <a:rPr lang="en-US" altLang="zh-CN" sz="1200"/>
-                        <a:t>4</a:t>
+                        <a:t>...</a:t>
                       </a:r>
                       <a:endParaRPr lang="zh-CN" altLang="en-US" sz="1200"/>
                     </a:p>
@@ -5612,7 +5612,7 @@
                     <a:p>
                       <a:r>
                         <a:rPr lang="en-US" altLang="zh-CN" sz="1200"/>
-                        <a:t>5</a:t>
+                        <a:t>12</a:t>
                       </a:r>
                       <a:endParaRPr lang="zh-CN" altLang="en-US" sz="1200"/>
                     </a:p>
@@ -5728,14 +5728,14 @@
           <p:nvPr>
             <p:extLst>
               <p:ext uri="{D42A27DB-BD31-4B8C-83A1-F6EECF244321}">
-                <p14:modId xmlns:p14="http://schemas.microsoft.com/office/powerpoint/2010/main" val="71759588"/>
+                <p14:modId xmlns:p14="http://schemas.microsoft.com/office/powerpoint/2010/main" val="2751613274"/>
               </p:ext>
             </p:extLst>
           </p:nvPr>
         </p:nvGraphicFramePr>
         <p:xfrm>
-          <a:off x="6343318" y="3017654"/>
-          <a:ext cx="915988" cy="1751040"/>
+          <a:off x="8335080" y="2863744"/>
+          <a:ext cx="949102" cy="1751040"/>
         </p:xfrm>
         <a:graphic>
           <a:graphicData uri="http://schemas.openxmlformats.org/drawingml/2006/table">
@@ -5744,14 +5744,14 @@
                 <a:tableStyleId>{5940675A-B579-460E-94D1-54222C63F5DA}</a:tableStyleId>
               </a:tblPr>
               <a:tblGrid>
-                <a:gridCol w="400050">
+                <a:gridCol w="414512">
                   <a:extLst>
                     <a:ext uri="{9D8B030D-6E8A-4147-A177-3AD203B41FA5}">
                       <a16:colId xmlns:a16="http://schemas.microsoft.com/office/drawing/2014/main" val="174649959"/>
                     </a:ext>
                   </a:extLst>
                 </a:gridCol>
-                <a:gridCol w="515938">
+                <a:gridCol w="534590">
                   <a:extLst>
                     <a:ext uri="{9D8B030D-6E8A-4147-A177-3AD203B41FA5}">
                       <a16:colId xmlns:a16="http://schemas.microsoft.com/office/drawing/2014/main" val="3270023902"/>
@@ -5767,10 +5767,10 @@
                     <a:p>
                       <a:pPr algn="ctr"/>
                       <a:r>
-                        <a:rPr lang="en-US" altLang="zh-CN" sz="1200"/>
+                        <a:rPr lang="en-US" altLang="zh-CN" sz="1200" b="1"/>
                         <a:t>index</a:t>
                       </a:r>
-                      <a:endParaRPr lang="zh-CN" altLang="en-US" sz="1200"/>
+                      <a:endParaRPr lang="zh-CN" altLang="en-US" sz="1200" b="1"/>
                     </a:p>
                   </a:txBody>
                   <a:tcPr marL="18000" marR="18000" marT="18000" marB="18000">
@@ -5788,10 +5788,10 @@
                     <a:p>
                       <a:pPr algn="ctr"/>
                       <a:r>
-                        <a:rPr lang="en-US" altLang="zh-CN" sz="1200"/>
+                        <a:rPr lang="en-US" altLang="zh-CN" sz="1200" b="1"/>
                         <a:t>value</a:t>
                       </a:r>
-                      <a:endParaRPr lang="zh-CN" altLang="en-US" sz="1200"/>
+                      <a:endParaRPr lang="zh-CN" altLang="en-US" sz="1200" b="1"/>
                     </a:p>
                   </a:txBody>
                   <a:tcPr marL="18000" marR="18000" marT="18000" marB="18000">
@@ -5870,7 +5870,14 @@
                       <a:endParaRPr lang="zh-CN" altLang="en-US" sz="1200"/>
                     </a:p>
                   </a:txBody>
-                  <a:tcPr marL="18000" marR="18000" marT="18000" marB="18000"/>
+                  <a:tcPr marL="18000" marR="18000" marT="18000" marB="18000">
+                    <a:solidFill>
+                      <a:schemeClr val="accent2">
+                        <a:lumMod val="20000"/>
+                        <a:lumOff val="80000"/>
+                      </a:schemeClr>
+                    </a:solidFill>
+                  </a:tcPr>
                 </a:tc>
                 <a:extLst>
                   <a:ext uri="{0D108BD9-81ED-4DB2-BD59-A6C34878D82A}">
@@ -5921,7 +5928,7 @@
                     <a:p>
                       <a:r>
                         <a:rPr lang="en-US" altLang="zh-CN" sz="1200"/>
-                        <a:t>4</a:t>
+                        <a:t>...</a:t>
                       </a:r>
                       <a:endParaRPr lang="zh-CN" altLang="en-US" sz="1200"/>
                     </a:p>
@@ -5935,7 +5942,7 @@
                     <a:p>
                       <a:r>
                         <a:rPr lang="en-US" altLang="zh-CN" sz="1200"/>
-                        <a:t>Page</a:t>
+                        <a:t>...</a:t>
                       </a:r>
                       <a:endParaRPr lang="zh-CN" altLang="en-US" sz="1200"/>
                     </a:p>
@@ -5956,7 +5963,7 @@
                     <a:p>
                       <a:r>
                         <a:rPr lang="en-US" altLang="zh-CN" sz="1200"/>
-                        <a:t>5</a:t>
+                        <a:t>12</a:t>
                       </a:r>
                       <a:endParaRPr lang="zh-CN" altLang="en-US" sz="1200"/>
                     </a:p>
@@ -5975,7 +5982,14 @@
                       <a:endParaRPr lang="zh-CN" altLang="en-US" sz="1200"/>
                     </a:p>
                   </a:txBody>
-                  <a:tcPr marL="18000" marR="18000" marT="18000" marB="18000"/>
+                  <a:tcPr marL="18000" marR="18000" marT="18000" marB="18000">
+                    <a:solidFill>
+                      <a:schemeClr val="accent5">
+                        <a:lumMod val="20000"/>
+                        <a:lumOff val="80000"/>
+                      </a:schemeClr>
+                    </a:solidFill>
+                  </a:tcPr>
                 </a:tc>
                 <a:extLst>
                   <a:ext uri="{0D108BD9-81ED-4DB2-BD59-A6C34878D82A}">
@@ -6071,7 +6085,7 @@
         </p:nvSpPr>
         <p:spPr>
           <a:xfrm>
-            <a:off x="1810986" y="4851326"/>
+            <a:off x="3947894" y="4650713"/>
             <a:ext cx="1241758" cy="276999"/>
           </a:xfrm>
           <a:prstGeom prst="rect">
@@ -6107,7 +6121,7 @@
         </p:nvSpPr>
         <p:spPr>
           <a:xfrm>
-            <a:off x="1352030" y="1568037"/>
+            <a:off x="3540957" y="1414126"/>
             <a:ext cx="1241758" cy="753896"/>
           </a:xfrm>
           <a:prstGeom prst="rect">
@@ -6152,7 +6166,7 @@
           <a:p>
             <a:pPr algn="ctr"/>
             <a:r>
-              <a:rPr lang="en-US" altLang="zh-CN" sz="1200">
+              <a:rPr lang="en-US" altLang="zh-CN" sz="1200" b="1">
                 <a:solidFill>
                   <a:schemeClr val="tx1"/>
                 </a:solidFill>
@@ -6223,7 +6237,7 @@
         </p:nvSpPr>
         <p:spPr>
           <a:xfrm>
-            <a:off x="2876278" y="1754798"/>
+            <a:off x="5065205" y="1600887"/>
             <a:ext cx="781545" cy="380373"/>
           </a:xfrm>
           <a:prstGeom prst="rect">
@@ -6297,7 +6311,7 @@
         </p:nvSpPr>
         <p:spPr>
           <a:xfrm>
-            <a:off x="4241666" y="4855199"/>
+            <a:off x="6233428" y="4701289"/>
             <a:ext cx="1394460" cy="276999"/>
           </a:xfrm>
           <a:prstGeom prst="rect">
@@ -6332,7 +6346,7 @@
         </p:nvSpPr>
         <p:spPr>
           <a:xfrm>
-            <a:off x="4241666" y="1377597"/>
+            <a:off x="6594628" y="1237207"/>
             <a:ext cx="1270844" cy="1169445"/>
           </a:xfrm>
           <a:prstGeom prst="rect">
@@ -6377,7 +6391,7 @@
           <a:p>
             <a:pPr algn="ctr"/>
             <a:r>
-              <a:rPr lang="en-US" altLang="zh-CN" sz="1200">
+              <a:rPr lang="en-US" altLang="zh-CN" sz="1200" b="1">
                 <a:solidFill>
                   <a:schemeClr val="tx1"/>
                 </a:solidFill>
@@ -6476,7 +6490,7 @@
         </p:nvSpPr>
         <p:spPr>
           <a:xfrm>
-            <a:off x="6410539" y="1754797"/>
+            <a:off x="8531874" y="1660108"/>
             <a:ext cx="781545" cy="380373"/>
           </a:xfrm>
           <a:prstGeom prst="rect">
@@ -6550,7 +6564,7 @@
         </p:nvSpPr>
         <p:spPr>
           <a:xfrm>
-            <a:off x="6343318" y="4851325"/>
+            <a:off x="8335080" y="4697415"/>
             <a:ext cx="949102" cy="276999"/>
           </a:xfrm>
           <a:prstGeom prst="rect">
@@ -6587,7 +6601,7 @@
         </p:nvCxnSpPr>
         <p:spPr>
           <a:xfrm rot="16200000" flipH="1">
-            <a:off x="1594675" y="2700167"/>
+            <a:off x="3783602" y="2546256"/>
             <a:ext cx="953907" cy="197438"/>
           </a:xfrm>
           <a:prstGeom prst="curvedConnector3">
@@ -6629,7 +6643,7 @@
         </p:nvCxnSpPr>
         <p:spPr>
           <a:xfrm rot="5400000">
-            <a:off x="2385642" y="2394430"/>
+            <a:off x="4574569" y="2240519"/>
             <a:ext cx="1140669" cy="622151"/>
           </a:xfrm>
           <a:prstGeom prst="curvedConnector3">
@@ -6670,9 +6684,9 @@
           <p:nvPr/>
         </p:nvCxnSpPr>
         <p:spPr>
-          <a:xfrm rot="16200000" flipH="1">
-            <a:off x="4743503" y="2680627"/>
-            <a:ext cx="466592" cy="199422"/>
+          <a:xfrm rot="5400000">
+            <a:off x="7003513" y="2633189"/>
+            <a:ext cx="453074" cy="12700"/>
           </a:xfrm>
           <a:prstGeom prst="curvedConnector3">
             <a:avLst>
@@ -6709,14 +6723,13 @@
           </p:cNvPr>
           <p:cNvCxnSpPr>
             <a:cxnSpLocks/>
-            <a:stCxn id="14" idx="2"/>
           </p:cNvCxnSpPr>
           <p:nvPr/>
         </p:nvCxnSpPr>
         <p:spPr>
           <a:xfrm rot="16200000" flipH="1">
-            <a:off x="6441518" y="2494964"/>
-            <a:ext cx="878464" cy="158876"/>
+            <a:off x="8564459" y="2400705"/>
+            <a:ext cx="823263" cy="102814"/>
           </a:xfrm>
           <a:prstGeom prst="curvedConnector3">
             <a:avLst>
@@ -6736,6 +6749,822 @@
           </a:fillRef>
           <a:effectRef idx="0">
             <a:schemeClr val="accent6"/>
+          </a:effectRef>
+          <a:fontRef idx="minor">
+            <a:schemeClr val="tx1"/>
+          </a:fontRef>
+        </p:style>
+      </p:cxnSp>
+      <p:cxnSp>
+        <p:nvCxnSpPr>
+          <p:cNvPr id="10" name="直接箭头连接符 9">
+            <a:extLst>
+              <a:ext uri="{FF2B5EF4-FFF2-40B4-BE49-F238E27FC236}">
+                <a16:creationId xmlns:a16="http://schemas.microsoft.com/office/drawing/2014/main" id="{7D440C56-07AA-A9BE-15BE-C1ACDC02E022}"/>
+              </a:ext>
+            </a:extLst>
+          </p:cNvPr>
+          <p:cNvCxnSpPr>
+            <a:cxnSpLocks/>
+          </p:cNvCxnSpPr>
+          <p:nvPr/>
+        </p:nvCxnSpPr>
+        <p:spPr>
+          <a:xfrm>
+            <a:off x="5078352" y="3901015"/>
+            <a:ext cx="1294211" cy="182097"/>
+          </a:xfrm>
+          <a:prstGeom prst="straightConnector1">
+            <a:avLst/>
+          </a:prstGeom>
+          <a:ln>
+            <a:tailEnd type="triangle"/>
+          </a:ln>
+        </p:spPr>
+        <p:style>
+          <a:lnRef idx="1">
+            <a:schemeClr val="accent3"/>
+          </a:lnRef>
+          <a:fillRef idx="0">
+            <a:schemeClr val="accent3"/>
+          </a:fillRef>
+          <a:effectRef idx="0">
+            <a:schemeClr val="accent3"/>
+          </a:effectRef>
+          <a:fontRef idx="minor">
+            <a:schemeClr val="tx1"/>
+          </a:fontRef>
+        </p:style>
+      </p:cxnSp>
+      <p:cxnSp>
+        <p:nvCxnSpPr>
+          <p:cNvPr id="13" name="直接箭头连接符 12">
+            <a:extLst>
+              <a:ext uri="{FF2B5EF4-FFF2-40B4-BE49-F238E27FC236}">
+                <a16:creationId xmlns:a16="http://schemas.microsoft.com/office/drawing/2014/main" id="{98CA3463-5B4F-3AE2-071C-0595C13C7855}"/>
+              </a:ext>
+            </a:extLst>
+          </p:cNvPr>
+          <p:cNvCxnSpPr>
+            <a:cxnSpLocks/>
+          </p:cNvCxnSpPr>
+          <p:nvPr/>
+        </p:nvCxnSpPr>
+        <p:spPr>
+          <a:xfrm>
+            <a:off x="7561485" y="4083112"/>
+            <a:ext cx="773595" cy="0"/>
+          </a:xfrm>
+          <a:prstGeom prst="straightConnector1">
+            <a:avLst/>
+          </a:prstGeom>
+          <a:ln>
+            <a:tailEnd type="triangle"/>
+          </a:ln>
+        </p:spPr>
+        <p:style>
+          <a:lnRef idx="1">
+            <a:schemeClr val="accent3"/>
+          </a:lnRef>
+          <a:fillRef idx="0">
+            <a:schemeClr val="accent3"/>
+          </a:fillRef>
+          <a:effectRef idx="0">
+            <a:schemeClr val="accent3"/>
+          </a:effectRef>
+          <a:fontRef idx="minor">
+            <a:schemeClr val="tx1"/>
+          </a:fontRef>
+        </p:style>
+      </p:cxnSp>
+      <p:graphicFrame>
+        <p:nvGraphicFramePr>
+          <p:cNvPr id="25" name="表格 24">
+            <a:extLst>
+              <a:ext uri="{FF2B5EF4-FFF2-40B4-BE49-F238E27FC236}">
+                <a16:creationId xmlns:a16="http://schemas.microsoft.com/office/drawing/2014/main" id="{30B50A3F-1ADE-0104-7BD9-FC598CFA4F47}"/>
+              </a:ext>
+            </a:extLst>
+          </p:cNvPr>
+          <p:cNvGraphicFramePr>
+            <a:graphicFrameLocks noGrp="1"/>
+          </p:cNvGraphicFramePr>
+          <p:nvPr>
+            <p:extLst>
+              <p:ext uri="{D42A27DB-BD31-4B8C-83A1-F6EECF244321}">
+                <p14:modId xmlns:p14="http://schemas.microsoft.com/office/powerpoint/2010/main" val="69333019"/>
+              </p:ext>
+            </p:extLst>
+          </p:nvPr>
+        </p:nvGraphicFramePr>
+        <p:xfrm>
+          <a:off x="10124201" y="2040481"/>
+          <a:ext cx="534590" cy="1313280"/>
+        </p:xfrm>
+        <a:graphic>
+          <a:graphicData uri="http://schemas.openxmlformats.org/drawingml/2006/table">
+            <a:tbl>
+              <a:tblPr firstRow="1" bandRow="1">
+                <a:tableStyleId>{5940675A-B579-460E-94D1-54222C63F5DA}</a:tableStyleId>
+              </a:tblPr>
+              <a:tblGrid>
+                <a:gridCol w="534590">
+                  <a:extLst>
+                    <a:ext uri="{9D8B030D-6E8A-4147-A177-3AD203B41FA5}">
+                      <a16:colId xmlns:a16="http://schemas.microsoft.com/office/drawing/2014/main" val="2820221736"/>
+                    </a:ext>
+                  </a:extLst>
+                </a:gridCol>
+              </a:tblGrid>
+              <a:tr h="111037">
+                <a:tc>
+                  <a:txBody>
+                    <a:bodyPr/>
+                    <a:lstStyle/>
+                    <a:p>
+                      <a:pPr algn="ctr"/>
+                      <a:r>
+                        <a:rPr lang="en-US" altLang="zh-CN" sz="1200" b="1"/>
+                        <a:t>16500</a:t>
+                      </a:r>
+                      <a:endParaRPr lang="zh-CN" altLang="en-US" sz="1200" b="1"/>
+                    </a:p>
+                  </a:txBody>
+                  <a:tcPr marL="18000" marR="18000" marT="18000" marB="18000">
+                    <a:solidFill>
+                      <a:schemeClr val="bg1">
+                        <a:lumMod val="85000"/>
+                      </a:schemeClr>
+                    </a:solidFill>
+                  </a:tcPr>
+                </a:tc>
+                <a:extLst>
+                  <a:ext uri="{0D108BD9-81ED-4DB2-BD59-A6C34878D82A}">
+                    <a16:rowId xmlns:a16="http://schemas.microsoft.com/office/drawing/2014/main" val="4243756089"/>
+                  </a:ext>
+                </a:extLst>
+              </a:tr>
+              <a:tr h="111037">
+                <a:tc>
+                  <a:txBody>
+                    <a:bodyPr/>
+                    <a:lstStyle/>
+                    <a:p>
+                      <a:r>
+                        <a:rPr lang="en-US" altLang="zh-CN" sz="1200"/>
+                        <a:t>Page</a:t>
+                      </a:r>
+                      <a:endParaRPr lang="zh-CN" altLang="en-US" sz="1200"/>
+                    </a:p>
+                  </a:txBody>
+                  <a:tcPr marL="18000" marR="18000" marT="18000" marB="18000">
+                    <a:solidFill>
+                      <a:schemeClr val="accent2">
+                        <a:lumMod val="20000"/>
+                        <a:lumOff val="80000"/>
+                      </a:schemeClr>
+                    </a:solidFill>
+                  </a:tcPr>
+                </a:tc>
+                <a:extLst>
+                  <a:ext uri="{0D108BD9-81ED-4DB2-BD59-A6C34878D82A}">
+                    <a16:rowId xmlns:a16="http://schemas.microsoft.com/office/drawing/2014/main" val="1547244642"/>
+                  </a:ext>
+                </a:extLst>
+              </a:tr>
+              <a:tr h="111037">
+                <a:tc>
+                  <a:txBody>
+                    <a:bodyPr/>
+                    <a:lstStyle/>
+                    <a:p>
+                      <a:r>
+                        <a:rPr lang="en-US" altLang="zh-CN" sz="1200"/>
+                        <a:t>Page</a:t>
+                      </a:r>
+                      <a:endParaRPr lang="zh-CN" altLang="en-US" sz="1200"/>
+                    </a:p>
+                  </a:txBody>
+                  <a:tcPr marL="18000" marR="18000" marT="18000" marB="18000">
+                    <a:solidFill>
+                      <a:schemeClr val="accent2">
+                        <a:lumMod val="20000"/>
+                        <a:lumOff val="80000"/>
+                      </a:schemeClr>
+                    </a:solidFill>
+                  </a:tcPr>
+                </a:tc>
+                <a:extLst>
+                  <a:ext uri="{0D108BD9-81ED-4DB2-BD59-A6C34878D82A}">
+                    <a16:rowId xmlns:a16="http://schemas.microsoft.com/office/drawing/2014/main" val="4227755329"/>
+                  </a:ext>
+                </a:extLst>
+              </a:tr>
+              <a:tr h="111037">
+                <a:tc>
+                  <a:txBody>
+                    <a:bodyPr/>
+                    <a:lstStyle/>
+                    <a:p>
+                      <a:r>
+                        <a:rPr lang="en-US" altLang="zh-CN" sz="1200"/>
+                        <a:t>Page</a:t>
+                      </a:r>
+                      <a:endParaRPr lang="zh-CN" altLang="en-US" sz="1200"/>
+                    </a:p>
+                  </a:txBody>
+                  <a:tcPr marL="18000" marR="18000" marT="18000" marB="18000">
+                    <a:solidFill>
+                      <a:schemeClr val="accent2">
+                        <a:lumMod val="20000"/>
+                        <a:lumOff val="80000"/>
+                      </a:schemeClr>
+                    </a:solidFill>
+                  </a:tcPr>
+                </a:tc>
+                <a:extLst>
+                  <a:ext uri="{0D108BD9-81ED-4DB2-BD59-A6C34878D82A}">
+                    <a16:rowId xmlns:a16="http://schemas.microsoft.com/office/drawing/2014/main" val="3055850109"/>
+                  </a:ext>
+                </a:extLst>
+              </a:tr>
+              <a:tr h="111037">
+                <a:tc>
+                  <a:txBody>
+                    <a:bodyPr/>
+                    <a:lstStyle/>
+                    <a:p>
+                      <a:r>
+                        <a:rPr lang="en-US" altLang="zh-CN" sz="1200"/>
+                        <a:t>Page</a:t>
+                      </a:r>
+                      <a:endParaRPr lang="zh-CN" altLang="en-US" sz="1200"/>
+                    </a:p>
+                  </a:txBody>
+                  <a:tcPr marL="18000" marR="18000" marT="18000" marB="18000">
+                    <a:solidFill>
+                      <a:schemeClr val="accent2">
+                        <a:lumMod val="20000"/>
+                        <a:lumOff val="80000"/>
+                      </a:schemeClr>
+                    </a:solidFill>
+                  </a:tcPr>
+                </a:tc>
+                <a:extLst>
+                  <a:ext uri="{0D108BD9-81ED-4DB2-BD59-A6C34878D82A}">
+                    <a16:rowId xmlns:a16="http://schemas.microsoft.com/office/drawing/2014/main" val="2405317832"/>
+                  </a:ext>
+                </a:extLst>
+              </a:tr>
+              <a:tr h="111037">
+                <a:tc>
+                  <a:txBody>
+                    <a:bodyPr/>
+                    <a:lstStyle/>
+                    <a:p>
+                      <a:r>
+                        <a:rPr lang="en-US" altLang="zh-CN" sz="1200"/>
+                        <a:t>Page</a:t>
+                      </a:r>
+                      <a:endParaRPr lang="zh-CN" altLang="en-US" sz="1200"/>
+                    </a:p>
+                  </a:txBody>
+                  <a:tcPr marL="18000" marR="18000" marT="18000" marB="18000">
+                    <a:solidFill>
+                      <a:schemeClr val="accent2">
+                        <a:lumMod val="20000"/>
+                        <a:lumOff val="80000"/>
+                      </a:schemeClr>
+                    </a:solidFill>
+                  </a:tcPr>
+                </a:tc>
+                <a:extLst>
+                  <a:ext uri="{0D108BD9-81ED-4DB2-BD59-A6C34878D82A}">
+                    <a16:rowId xmlns:a16="http://schemas.microsoft.com/office/drawing/2014/main" val="2593319267"/>
+                  </a:ext>
+                </a:extLst>
+              </a:tr>
+            </a:tbl>
+          </a:graphicData>
+        </a:graphic>
+      </p:graphicFrame>
+      <p:graphicFrame>
+        <p:nvGraphicFramePr>
+          <p:cNvPr id="26" name="表格 25">
+            <a:extLst>
+              <a:ext uri="{FF2B5EF4-FFF2-40B4-BE49-F238E27FC236}">
+                <a16:creationId xmlns:a16="http://schemas.microsoft.com/office/drawing/2014/main" id="{604D35B2-84A0-198A-A767-6805E60770E0}"/>
+              </a:ext>
+            </a:extLst>
+          </p:cNvPr>
+          <p:cNvGraphicFramePr>
+            <a:graphicFrameLocks noGrp="1"/>
+          </p:cNvGraphicFramePr>
+          <p:nvPr>
+            <p:extLst>
+              <p:ext uri="{D42A27DB-BD31-4B8C-83A1-F6EECF244321}">
+                <p14:modId xmlns:p14="http://schemas.microsoft.com/office/powerpoint/2010/main" val="617292554"/>
+              </p:ext>
+            </p:extLst>
+          </p:nvPr>
+        </p:nvGraphicFramePr>
+        <p:xfrm>
+          <a:off x="10260465" y="3726327"/>
+          <a:ext cx="621800" cy="875520"/>
+        </p:xfrm>
+        <a:graphic>
+          <a:graphicData uri="http://schemas.openxmlformats.org/drawingml/2006/table">
+            <a:tbl>
+              <a:tblPr firstRow="1" bandRow="1">
+                <a:tableStyleId>{5940675A-B579-460E-94D1-54222C63F5DA}</a:tableStyleId>
+              </a:tblPr>
+              <a:tblGrid>
+                <a:gridCol w="621800">
+                  <a:extLst>
+                    <a:ext uri="{9D8B030D-6E8A-4147-A177-3AD203B41FA5}">
+                      <a16:colId xmlns:a16="http://schemas.microsoft.com/office/drawing/2014/main" val="2820221736"/>
+                    </a:ext>
+                  </a:extLst>
+                </a:gridCol>
+              </a:tblGrid>
+              <a:tr h="111037">
+                <a:tc>
+                  <a:txBody>
+                    <a:bodyPr/>
+                    <a:lstStyle/>
+                    <a:p>
+                      <a:pPr algn="ctr"/>
+                      <a:r>
+                        <a:rPr lang="en-US" altLang="zh-CN" sz="1200" b="1"/>
+                        <a:t>16509</a:t>
+                      </a:r>
+                      <a:endParaRPr lang="zh-CN" altLang="en-US" sz="1200" b="1"/>
+                    </a:p>
+                  </a:txBody>
+                  <a:tcPr marL="18000" marR="18000" marT="18000" marB="18000">
+                    <a:solidFill>
+                      <a:schemeClr val="bg1">
+                        <a:lumMod val="85000"/>
+                      </a:schemeClr>
+                    </a:solidFill>
+                  </a:tcPr>
+                </a:tc>
+                <a:extLst>
+                  <a:ext uri="{0D108BD9-81ED-4DB2-BD59-A6C34878D82A}">
+                    <a16:rowId xmlns:a16="http://schemas.microsoft.com/office/drawing/2014/main" val="4243756089"/>
+                  </a:ext>
+                </a:extLst>
+              </a:tr>
+              <a:tr h="111037">
+                <a:tc>
+                  <a:txBody>
+                    <a:bodyPr/>
+                    <a:lstStyle/>
+                    <a:p>
+                      <a:r>
+                        <a:rPr lang="en-US" altLang="zh-CN" sz="1200"/>
+                        <a:t>Page</a:t>
+                      </a:r>
+                      <a:endParaRPr lang="zh-CN" altLang="en-US" sz="1200"/>
+                    </a:p>
+                  </a:txBody>
+                  <a:tcPr marL="18000" marR="18000" marT="18000" marB="18000">
+                    <a:solidFill>
+                      <a:schemeClr val="accent5">
+                        <a:lumMod val="20000"/>
+                        <a:lumOff val="80000"/>
+                      </a:schemeClr>
+                    </a:solidFill>
+                  </a:tcPr>
+                </a:tc>
+                <a:extLst>
+                  <a:ext uri="{0D108BD9-81ED-4DB2-BD59-A6C34878D82A}">
+                    <a16:rowId xmlns:a16="http://schemas.microsoft.com/office/drawing/2014/main" val="1547244642"/>
+                  </a:ext>
+                </a:extLst>
+              </a:tr>
+              <a:tr h="111037">
+                <a:tc>
+                  <a:txBody>
+                    <a:bodyPr/>
+                    <a:lstStyle/>
+                    <a:p>
+                      <a:r>
+                        <a:rPr lang="en-US" altLang="zh-CN" sz="1200"/>
+                        <a:t>Page</a:t>
+                      </a:r>
+                      <a:endParaRPr lang="zh-CN" altLang="en-US" sz="1200"/>
+                    </a:p>
+                  </a:txBody>
+                  <a:tcPr marL="18000" marR="18000" marT="18000" marB="18000">
+                    <a:solidFill>
+                      <a:schemeClr val="accent5">
+                        <a:lumMod val="20000"/>
+                        <a:lumOff val="80000"/>
+                      </a:schemeClr>
+                    </a:solidFill>
+                  </a:tcPr>
+                </a:tc>
+                <a:extLst>
+                  <a:ext uri="{0D108BD9-81ED-4DB2-BD59-A6C34878D82A}">
+                    <a16:rowId xmlns:a16="http://schemas.microsoft.com/office/drawing/2014/main" val="4227755329"/>
+                  </a:ext>
+                </a:extLst>
+              </a:tr>
+              <a:tr h="111037">
+                <a:tc>
+                  <a:txBody>
+                    <a:bodyPr/>
+                    <a:lstStyle/>
+                    <a:p>
+                      <a:r>
+                        <a:rPr lang="en-US" altLang="zh-CN" sz="1200"/>
+                        <a:t>Page</a:t>
+                      </a:r>
+                      <a:endParaRPr lang="zh-CN" altLang="en-US" sz="1200"/>
+                    </a:p>
+                  </a:txBody>
+                  <a:tcPr marL="18000" marR="18000" marT="18000" marB="18000">
+                    <a:solidFill>
+                      <a:schemeClr val="accent5">
+                        <a:lumMod val="20000"/>
+                        <a:lumOff val="80000"/>
+                      </a:schemeClr>
+                    </a:solidFill>
+                  </a:tcPr>
+                </a:tc>
+                <a:extLst>
+                  <a:ext uri="{0D108BD9-81ED-4DB2-BD59-A6C34878D82A}">
+                    <a16:rowId xmlns:a16="http://schemas.microsoft.com/office/drawing/2014/main" val="3055850109"/>
+                  </a:ext>
+                </a:extLst>
+              </a:tr>
+            </a:tbl>
+          </a:graphicData>
+        </a:graphic>
+      </p:graphicFrame>
+      <p:cxnSp>
+        <p:nvCxnSpPr>
+          <p:cNvPr id="27" name="直接箭头连接符 26">
+            <a:extLst>
+              <a:ext uri="{FF2B5EF4-FFF2-40B4-BE49-F238E27FC236}">
+                <a16:creationId xmlns:a16="http://schemas.microsoft.com/office/drawing/2014/main" id="{B203FA16-127E-AE46-3964-729415896580}"/>
+              </a:ext>
+            </a:extLst>
+          </p:cNvPr>
+          <p:cNvCxnSpPr>
+            <a:cxnSpLocks/>
+          </p:cNvCxnSpPr>
+          <p:nvPr/>
+        </p:nvCxnSpPr>
+        <p:spPr>
+          <a:xfrm flipH="1" flipV="1">
+            <a:off x="9297329" y="4083112"/>
+            <a:ext cx="963136" cy="199177"/>
+          </a:xfrm>
+          <a:prstGeom prst="straightConnector1">
+            <a:avLst/>
+          </a:prstGeom>
+          <a:ln>
+            <a:tailEnd type="triangle"/>
+          </a:ln>
+        </p:spPr>
+        <p:style>
+          <a:lnRef idx="1">
+            <a:schemeClr val="accent3"/>
+          </a:lnRef>
+          <a:fillRef idx="0">
+            <a:schemeClr val="accent3"/>
+          </a:fillRef>
+          <a:effectRef idx="0">
+            <a:schemeClr val="accent3"/>
+          </a:effectRef>
+          <a:fontRef idx="minor">
+            <a:schemeClr val="tx1"/>
+          </a:fontRef>
+        </p:style>
+      </p:cxnSp>
+      <p:cxnSp>
+        <p:nvCxnSpPr>
+          <p:cNvPr id="30" name="直接箭头连接符 29">
+            <a:extLst>
+              <a:ext uri="{FF2B5EF4-FFF2-40B4-BE49-F238E27FC236}">
+                <a16:creationId xmlns:a16="http://schemas.microsoft.com/office/drawing/2014/main" id="{884EF54A-258A-88C8-37D4-099A797EF413}"/>
+              </a:ext>
+            </a:extLst>
+          </p:cNvPr>
+          <p:cNvCxnSpPr>
+            <a:cxnSpLocks/>
+          </p:cNvCxnSpPr>
+          <p:nvPr/>
+        </p:nvCxnSpPr>
+        <p:spPr>
+          <a:xfrm flipH="1">
+            <a:off x="9284182" y="3045510"/>
+            <a:ext cx="840019" cy="387311"/>
+          </a:xfrm>
+          <a:prstGeom prst="straightConnector1">
+            <a:avLst/>
+          </a:prstGeom>
+          <a:ln>
+            <a:tailEnd type="triangle"/>
+          </a:ln>
+        </p:spPr>
+        <p:style>
+          <a:lnRef idx="1">
+            <a:schemeClr val="accent3"/>
+          </a:lnRef>
+          <a:fillRef idx="0">
+            <a:schemeClr val="accent3"/>
+          </a:fillRef>
+          <a:effectRef idx="0">
+            <a:schemeClr val="accent3"/>
+          </a:effectRef>
+          <a:fontRef idx="minor">
+            <a:schemeClr val="tx1"/>
+          </a:fontRef>
+        </p:style>
+      </p:cxnSp>
+      <p:sp>
+        <p:nvSpPr>
+          <p:cNvPr id="41" name="矩形 40">
+            <a:extLst>
+              <a:ext uri="{FF2B5EF4-FFF2-40B4-BE49-F238E27FC236}">
+                <a16:creationId xmlns:a16="http://schemas.microsoft.com/office/drawing/2014/main" id="{12BF4A60-2CF5-0AC7-DE65-68A3869764A6}"/>
+              </a:ext>
+            </a:extLst>
+          </p:cNvPr>
+          <p:cNvSpPr/>
+          <p:nvPr/>
+        </p:nvSpPr>
+        <p:spPr>
+          <a:xfrm>
+            <a:off x="2698517" y="3308691"/>
+            <a:ext cx="614729" cy="562753"/>
+          </a:xfrm>
+          <a:prstGeom prst="rect">
+            <a:avLst/>
+          </a:prstGeom>
+          <a:solidFill>
+            <a:schemeClr val="accent3">
+              <a:lumMod val="40000"/>
+              <a:lumOff val="60000"/>
+            </a:schemeClr>
+          </a:solidFill>
+          <a:ln>
+            <a:noFill/>
+          </a:ln>
+          <a:effectLst>
+            <a:outerShdw blurRad="50800" dist="38100" dir="2700000" algn="tl" rotWithShape="0">
+              <a:prstClr val="black">
+                <a:alpha val="40000"/>
+              </a:prstClr>
+            </a:outerShdw>
+          </a:effectLst>
+        </p:spPr>
+        <p:style>
+          <a:lnRef idx="2">
+            <a:schemeClr val="accent1">
+              <a:shade val="50000"/>
+            </a:schemeClr>
+          </a:lnRef>
+          <a:fillRef idx="1">
+            <a:schemeClr val="accent1"/>
+          </a:fillRef>
+          <a:effectRef idx="0">
+            <a:schemeClr val="accent1"/>
+          </a:effectRef>
+          <a:fontRef idx="minor">
+            <a:schemeClr val="lt1"/>
+          </a:fontRef>
+        </p:style>
+        <p:txBody>
+          <a:bodyPr rtlCol="0" anchor="ctr"/>
+          <a:lstStyle/>
+          <a:p>
+            <a:r>
+              <a:rPr lang="en-US" altLang="zh-CN" sz="1200">
+                <a:solidFill>
+                  <a:schemeClr val="tx1"/>
+                </a:solidFill>
+              </a:rPr>
+              <a:t>16509</a:t>
+            </a:r>
+          </a:p>
+          <a:p>
+            <a:r>
+              <a:rPr lang="en-US" altLang="zh-CN" sz="1200">
+                <a:solidFill>
+                  <a:schemeClr val="tx1"/>
+                </a:solidFill>
+              </a:rPr>
+              <a:t>0</a:t>
+            </a:r>
+          </a:p>
+          <a:p>
+            <a:r>
+              <a:rPr lang="en-US" altLang="zh-CN" sz="1200">
+                <a:solidFill>
+                  <a:schemeClr val="tx1"/>
+                </a:solidFill>
+              </a:rPr>
+              <a:t>2</a:t>
+            </a:r>
+            <a:endParaRPr lang="zh-CN" altLang="en-US" sz="1200">
+              <a:solidFill>
+                <a:schemeClr val="tx1"/>
+              </a:solidFill>
+            </a:endParaRPr>
+          </a:p>
+        </p:txBody>
+      </p:sp>
+      <p:sp>
+        <p:nvSpPr>
+          <p:cNvPr id="42" name="文本框 41">
+            <a:extLst>
+              <a:ext uri="{FF2B5EF4-FFF2-40B4-BE49-F238E27FC236}">
+                <a16:creationId xmlns:a16="http://schemas.microsoft.com/office/drawing/2014/main" id="{EE2A6A2C-C36F-5C52-9DCE-1B14CC7BB920}"/>
+              </a:ext>
+            </a:extLst>
+          </p:cNvPr>
+          <p:cNvSpPr txBox="1"/>
+          <p:nvPr/>
+        </p:nvSpPr>
+        <p:spPr>
+          <a:xfrm>
+            <a:off x="10130377" y="4653339"/>
+            <a:ext cx="1056828" cy="276999"/>
+          </a:xfrm>
+          <a:prstGeom prst="rect">
+            <a:avLst/>
+          </a:prstGeom>
+          <a:noFill/>
+        </p:spPr>
+        <p:txBody>
+          <a:bodyPr wrap="square" rtlCol="0">
+            <a:spAutoFit/>
+          </a:bodyPr>
+          <a:lstStyle/>
+          <a:p>
+            <a:r>
+              <a:rPr lang="en-US" altLang="zh-CN" sz="1200"/>
+              <a:t>RelFileNode</a:t>
+            </a:r>
+          </a:p>
+        </p:txBody>
+      </p:sp>
+      <p:sp>
+        <p:nvSpPr>
+          <p:cNvPr id="45" name="矩形 44">
+            <a:extLst>
+              <a:ext uri="{FF2B5EF4-FFF2-40B4-BE49-F238E27FC236}">
+                <a16:creationId xmlns:a16="http://schemas.microsoft.com/office/drawing/2014/main" id="{7E1D4ED9-29C3-9EF0-0500-D3F96DA5C415}"/>
+              </a:ext>
+            </a:extLst>
+          </p:cNvPr>
+          <p:cNvSpPr/>
+          <p:nvPr/>
+        </p:nvSpPr>
+        <p:spPr>
+          <a:xfrm>
+            <a:off x="920727" y="3308691"/>
+            <a:ext cx="992864" cy="562753"/>
+          </a:xfrm>
+          <a:prstGeom prst="rect">
+            <a:avLst/>
+          </a:prstGeom>
+          <a:solidFill>
+            <a:schemeClr val="accent5">
+              <a:lumMod val="20000"/>
+              <a:lumOff val="80000"/>
+            </a:schemeClr>
+          </a:solidFill>
+          <a:ln>
+            <a:noFill/>
+          </a:ln>
+          <a:effectLst>
+            <a:outerShdw blurRad="50800" dist="38100" dir="2700000" algn="tl" rotWithShape="0">
+              <a:prstClr val="black">
+                <a:alpha val="40000"/>
+              </a:prstClr>
+            </a:outerShdw>
+          </a:effectLst>
+        </p:spPr>
+        <p:style>
+          <a:lnRef idx="2">
+            <a:schemeClr val="accent1">
+              <a:shade val="50000"/>
+            </a:schemeClr>
+          </a:lnRef>
+          <a:fillRef idx="1">
+            <a:schemeClr val="accent1"/>
+          </a:fillRef>
+          <a:effectRef idx="0">
+            <a:schemeClr val="accent1"/>
+          </a:effectRef>
+          <a:fontRef idx="minor">
+            <a:schemeClr val="lt1"/>
+          </a:fontRef>
+        </p:style>
+        <p:txBody>
+          <a:bodyPr rtlCol="0" anchor="ctr"/>
+          <a:lstStyle/>
+          <a:p>
+            <a:r>
+              <a:rPr lang="en-US" altLang="zh-CN" sz="1200">
+                <a:solidFill>
+                  <a:schemeClr val="tx1"/>
+                </a:solidFill>
+              </a:rPr>
+              <a:t>SELECT ... t1</a:t>
+            </a:r>
+            <a:endParaRPr lang="zh-CN" altLang="en-US" sz="1200">
+              <a:solidFill>
+                <a:schemeClr val="tx1"/>
+              </a:solidFill>
+            </a:endParaRPr>
+          </a:p>
+        </p:txBody>
+      </p:sp>
+      <p:cxnSp>
+        <p:nvCxnSpPr>
+          <p:cNvPr id="46" name="直接箭头连接符 45">
+            <a:extLst>
+              <a:ext uri="{FF2B5EF4-FFF2-40B4-BE49-F238E27FC236}">
+                <a16:creationId xmlns:a16="http://schemas.microsoft.com/office/drawing/2014/main" id="{E875031F-E923-3B2B-B1D8-C361124E7917}"/>
+              </a:ext>
+            </a:extLst>
+          </p:cNvPr>
+          <p:cNvCxnSpPr>
+            <a:cxnSpLocks/>
+            <a:stCxn id="45" idx="3"/>
+            <a:endCxn id="41" idx="1"/>
+          </p:cNvCxnSpPr>
+          <p:nvPr/>
+        </p:nvCxnSpPr>
+        <p:spPr>
+          <a:xfrm>
+            <a:off x="1913591" y="3590068"/>
+            <a:ext cx="784926" cy="0"/>
+          </a:xfrm>
+          <a:prstGeom prst="straightConnector1">
+            <a:avLst/>
+          </a:prstGeom>
+          <a:ln>
+            <a:tailEnd type="triangle"/>
+          </a:ln>
+        </p:spPr>
+        <p:style>
+          <a:lnRef idx="1">
+            <a:schemeClr val="accent3"/>
+          </a:lnRef>
+          <a:fillRef idx="0">
+            <a:schemeClr val="accent3"/>
+          </a:fillRef>
+          <a:effectRef idx="0">
+            <a:schemeClr val="accent3"/>
+          </a:effectRef>
+          <a:fontRef idx="minor">
+            <a:schemeClr val="tx1"/>
+          </a:fontRef>
+        </p:style>
+      </p:cxnSp>
+      <p:cxnSp>
+        <p:nvCxnSpPr>
+          <p:cNvPr id="49" name="直接箭头连接符 48">
+            <a:extLst>
+              <a:ext uri="{FF2B5EF4-FFF2-40B4-BE49-F238E27FC236}">
+                <a16:creationId xmlns:a16="http://schemas.microsoft.com/office/drawing/2014/main" id="{5099D654-1135-9861-84C9-1F38BBF9501D}"/>
+              </a:ext>
+            </a:extLst>
+          </p:cNvPr>
+          <p:cNvCxnSpPr>
+            <a:cxnSpLocks/>
+            <a:stCxn id="41" idx="3"/>
+          </p:cNvCxnSpPr>
+          <p:nvPr/>
+        </p:nvCxnSpPr>
+        <p:spPr>
+          <a:xfrm>
+            <a:off x="3313246" y="3590068"/>
+            <a:ext cx="759095" cy="310947"/>
+          </a:xfrm>
+          <a:prstGeom prst="straightConnector1">
+            <a:avLst/>
+          </a:prstGeom>
+          <a:ln>
+            <a:tailEnd type="triangle"/>
+          </a:ln>
+        </p:spPr>
+        <p:style>
+          <a:lnRef idx="1">
+            <a:schemeClr val="accent3"/>
+          </a:lnRef>
+          <a:fillRef idx="0">
+            <a:schemeClr val="accent3"/>
+          </a:fillRef>
+          <a:effectRef idx="0">
+            <a:schemeClr val="accent3"/>
           </a:effectRef>
           <a:fontRef idx="minor">
             <a:schemeClr val="tx1"/>
